--- a/plano-de-negocios-restaurante-tioto.pptx
+++ b/plano-de-negocios-restaurante-tioto.pptx
@@ -4128,7 +4128,7 @@
         <p:spPr>
           <a:xfrm>
             <a:off x="5441040" y="6062040"/>
-            <a:ext cx="1111320" cy="587880"/>
+            <a:ext cx="1110960" cy="587520"/>
           </a:xfrm>
           <a:prstGeom prst="rect">
             <a:avLst/>
@@ -4150,8 +4150,8 @@
         </p:nvSpPr>
         <p:spPr>
           <a:xfrm>
-            <a:off x="838080" y="365040"/>
-            <a:ext cx="10514880" cy="1324800"/>
+            <a:off x="609480" y="273600"/>
+            <a:ext cx="10972080" cy="1144440"/>
           </a:xfrm>
           <a:prstGeom prst="rect">
             <a:avLst/>
@@ -4188,7 +4188,7 @@
         <p:spPr>
           <a:xfrm>
             <a:off x="609480" y="1604520"/>
-            <a:ext cx="10972440" cy="3977280"/>
+            <a:ext cx="10972080" cy="3976920"/>
           </a:xfrm>
           <a:prstGeom prst="rect">
             <a:avLst/>
@@ -4199,7 +4199,7 @@
             <a:normAutofit/>
           </a:bodyPr>
           <a:p>
-            <a:pPr marL="432000" indent="-324000">
+            <a:pPr marL="432000" indent="-324000" algn="ctr">
               <a:spcBef>
                 <a:spcPts val="1417"/>
               </a:spcBef>
@@ -4211,17 +4211,17 @@
               <a:buChar char=""/>
             </a:pPr>
             <a:r>
-              <a:rPr b="0" lang="pt-BR" sz="3200" spc="-1" strike="noStrike">
+              <a:rPr b="0" lang="pt-BR" sz="1800" spc="-1" strike="noStrike">
                 <a:latin typeface="Arial"/>
               </a:rPr>
               <a:t>Clique para editar o formato do texto da estrutura de tópicos</a:t>
             </a:r>
-            <a:endParaRPr b="0" lang="pt-BR" sz="3200" spc="-1" strike="noStrike">
-              <a:latin typeface="Arial"/>
-            </a:endParaRPr>
-          </a:p>
-          <a:p>
-            <a:pPr lvl="1" marL="864000" indent="-324000">
+            <a:endParaRPr b="0" lang="pt-BR" sz="1800" spc="-1" strike="noStrike">
+              <a:latin typeface="Arial"/>
+            </a:endParaRPr>
+          </a:p>
+          <a:p>
+            <a:pPr lvl="1" marL="864000" indent="-324000" algn="ctr">
               <a:spcBef>
                 <a:spcPts val="1134"/>
               </a:spcBef>
@@ -4233,17 +4233,17 @@
               <a:buChar char=""/>
             </a:pPr>
             <a:r>
-              <a:rPr b="0" lang="pt-BR" sz="2800" spc="-1" strike="noStrike">
+              <a:rPr b="0" lang="pt-BR" sz="1800" spc="-1" strike="noStrike">
                 <a:latin typeface="Arial"/>
               </a:rPr>
               <a:t>2.º nível da estrutura de tópicos</a:t>
             </a:r>
-            <a:endParaRPr b="0" lang="pt-BR" sz="2800" spc="-1" strike="noStrike">
-              <a:latin typeface="Arial"/>
-            </a:endParaRPr>
-          </a:p>
-          <a:p>
-            <a:pPr lvl="2" marL="1296000" indent="-288000">
+            <a:endParaRPr b="0" lang="pt-BR" sz="1800" spc="-1" strike="noStrike">
+              <a:latin typeface="Arial"/>
+            </a:endParaRPr>
+          </a:p>
+          <a:p>
+            <a:pPr lvl="2" marL="1296000" indent="-288000" algn="ctr">
               <a:spcBef>
                 <a:spcPts val="850"/>
               </a:spcBef>
@@ -4255,17 +4255,17 @@
               <a:buChar char=""/>
             </a:pPr>
             <a:r>
-              <a:rPr b="0" lang="pt-BR" sz="2400" spc="-1" strike="noStrike">
+              <a:rPr b="0" lang="pt-BR" sz="1800" spc="-1" strike="noStrike">
                 <a:latin typeface="Arial"/>
               </a:rPr>
               <a:t>3.º nível da estrutura de tópicos</a:t>
             </a:r>
-            <a:endParaRPr b="0" lang="pt-BR" sz="2400" spc="-1" strike="noStrike">
-              <a:latin typeface="Arial"/>
-            </a:endParaRPr>
-          </a:p>
-          <a:p>
-            <a:pPr lvl="3" marL="1728000" indent="-216000">
+            <a:endParaRPr b="0" lang="pt-BR" sz="1800" spc="-1" strike="noStrike">
+              <a:latin typeface="Arial"/>
+            </a:endParaRPr>
+          </a:p>
+          <a:p>
+            <a:pPr lvl="3" marL="1728000" indent="-216000" algn="ctr">
               <a:spcBef>
                 <a:spcPts val="567"/>
               </a:spcBef>
@@ -4277,17 +4277,17 @@
               <a:buChar char=""/>
             </a:pPr>
             <a:r>
-              <a:rPr b="0" lang="pt-BR" sz="2000" spc="-1" strike="noStrike">
+              <a:rPr b="0" lang="pt-BR" sz="1800" spc="-1" strike="noStrike">
                 <a:latin typeface="Arial"/>
               </a:rPr>
               <a:t>4.º nível da estrutura de tópicos</a:t>
             </a:r>
-            <a:endParaRPr b="0" lang="pt-BR" sz="2000" spc="-1" strike="noStrike">
-              <a:latin typeface="Arial"/>
-            </a:endParaRPr>
-          </a:p>
-          <a:p>
-            <a:pPr lvl="4" marL="2160000" indent="-216000">
+            <a:endParaRPr b="0" lang="pt-BR" sz="1800" spc="-1" strike="noStrike">
+              <a:latin typeface="Arial"/>
+            </a:endParaRPr>
+          </a:p>
+          <a:p>
+            <a:pPr lvl="4" marL="2160000" indent="-216000" algn="ctr">
               <a:spcBef>
                 <a:spcPts val="283"/>
               </a:spcBef>
@@ -4299,17 +4299,17 @@
               <a:buChar char=""/>
             </a:pPr>
             <a:r>
-              <a:rPr b="0" lang="pt-BR" sz="2000" spc="-1" strike="noStrike">
+              <a:rPr b="0" lang="pt-BR" sz="1800" spc="-1" strike="noStrike">
                 <a:latin typeface="Arial"/>
               </a:rPr>
               <a:t>5.º nível da estrutura de tópicos</a:t>
             </a:r>
-            <a:endParaRPr b="0" lang="pt-BR" sz="2000" spc="-1" strike="noStrike">
-              <a:latin typeface="Arial"/>
-            </a:endParaRPr>
-          </a:p>
-          <a:p>
-            <a:pPr lvl="5" marL="2592000" indent="-216000">
+            <a:endParaRPr b="0" lang="pt-BR" sz="1800" spc="-1" strike="noStrike">
+              <a:latin typeface="Arial"/>
+            </a:endParaRPr>
+          </a:p>
+          <a:p>
+            <a:pPr lvl="5" marL="2592000" indent="-216000" algn="ctr">
               <a:spcBef>
                 <a:spcPts val="283"/>
               </a:spcBef>
@@ -4321,17 +4321,17 @@
               <a:buChar char=""/>
             </a:pPr>
             <a:r>
-              <a:rPr b="0" lang="pt-BR" sz="2000" spc="-1" strike="noStrike">
+              <a:rPr b="0" lang="pt-BR" sz="1800" spc="-1" strike="noStrike">
                 <a:latin typeface="Arial"/>
               </a:rPr>
               <a:t>6.º nível da estrutura de tópicos</a:t>
             </a:r>
-            <a:endParaRPr b="0" lang="pt-BR" sz="2000" spc="-1" strike="noStrike">
-              <a:latin typeface="Arial"/>
-            </a:endParaRPr>
-          </a:p>
-          <a:p>
-            <a:pPr lvl="6" marL="3024000" indent="-216000">
+            <a:endParaRPr b="0" lang="pt-BR" sz="1800" spc="-1" strike="noStrike">
+              <a:latin typeface="Arial"/>
+            </a:endParaRPr>
+          </a:p>
+          <a:p>
+            <a:pPr lvl="6" marL="3024000" indent="-216000" algn="ctr">
               <a:spcBef>
                 <a:spcPts val="283"/>
               </a:spcBef>
@@ -4343,12 +4343,12 @@
               <a:buChar char=""/>
             </a:pPr>
             <a:r>
-              <a:rPr b="0" lang="pt-BR" sz="2000" spc="-1" strike="noStrike">
+              <a:rPr b="0" lang="pt-BR" sz="1800" spc="-1" strike="noStrike">
                 <a:latin typeface="Arial"/>
               </a:rPr>
               <a:t>7.º nível da estrutura de tópicos</a:t>
             </a:r>
-            <a:endParaRPr b="0" lang="pt-BR" sz="2000" spc="-1" strike="noStrike">
+            <a:endParaRPr b="0" lang="pt-BR" sz="1800" spc="-1" strike="noStrike">
               <a:latin typeface="Arial"/>
             </a:endParaRPr>
           </a:p>
@@ -4411,7 +4411,7 @@
         <p:spPr>
           <a:xfrm>
             <a:off x="5540040" y="6176880"/>
-            <a:ext cx="1111320" cy="587880"/>
+            <a:ext cx="1110960" cy="587520"/>
           </a:xfrm>
           <a:prstGeom prst="rect">
             <a:avLst/>
@@ -4694,7 +4694,7 @@
         <p:spPr>
           <a:xfrm>
             <a:off x="5540040" y="6132960"/>
-            <a:ext cx="1111320" cy="587880"/>
+            <a:ext cx="1110960" cy="587520"/>
           </a:xfrm>
           <a:prstGeom prst="rect">
             <a:avLst/>
@@ -4716,8 +4716,8 @@
         </p:nvSpPr>
         <p:spPr>
           <a:xfrm>
-            <a:off x="838080" y="365040"/>
-            <a:ext cx="10514880" cy="1324800"/>
+            <a:off x="609480" y="273600"/>
+            <a:ext cx="10972080" cy="1144440"/>
           </a:xfrm>
           <a:prstGeom prst="rect">
             <a:avLst/>
@@ -4753,8 +4753,8 @@
         </p:nvSpPr>
         <p:spPr>
           <a:xfrm>
-            <a:off x="838080" y="1825560"/>
-            <a:ext cx="5130720" cy="4350600"/>
+            <a:off x="609480" y="1604520"/>
+            <a:ext cx="5353920" cy="3976920"/>
           </a:xfrm>
           <a:prstGeom prst="rect">
             <a:avLst/>
@@ -4932,8 +4932,8 @@
         </p:nvSpPr>
         <p:spPr>
           <a:xfrm>
-            <a:off x="6226200" y="1825560"/>
-            <a:ext cx="5130720" cy="4350600"/>
+            <a:off x="6231960" y="1604520"/>
+            <a:ext cx="5353920" cy="3976920"/>
           </a:xfrm>
           <a:prstGeom prst="rect">
             <a:avLst/>
@@ -5145,7 +5145,7 @@
         <p:spPr>
           <a:xfrm>
             <a:off x="1523880" y="523800"/>
-            <a:ext cx="9143280" cy="2386800"/>
+            <a:ext cx="9142920" cy="2386440"/>
           </a:xfrm>
           <a:prstGeom prst="rect">
             <a:avLst/>
@@ -5177,6 +5177,7 @@
                   <a:srgbClr val="808080"/>
                 </a:solidFill>
                 <a:latin typeface="Calibri Light"/>
+                <a:ea typeface="DejaVu Sans"/>
               </a:rPr>
               <a:t>Bar e Restaurante Tio Tó</a:t>
             </a:r>
@@ -5195,7 +5196,7 @@
         <p:spPr>
           <a:xfrm>
             <a:off x="1523880" y="3003480"/>
-            <a:ext cx="9143280" cy="2241000"/>
+            <a:ext cx="9142920" cy="2240640"/>
           </a:xfrm>
           <a:prstGeom prst="rect">
             <a:avLst/>
@@ -5230,6 +5231,7 @@
                   <a:srgbClr val="000000"/>
                 </a:solidFill>
                 <a:latin typeface="Times New Roman"/>
+                <a:ea typeface="DejaVu Sans"/>
               </a:rPr>
               <a:t>Trabalho de Conclusão do Curso de Pós Graduação em Gestão de Negócios em Alimentação – foco em resultados</a:t>
             </a:r>
@@ -5265,6 +5267,7 @@
                   <a:srgbClr val="000000"/>
                 </a:solidFill>
                 <a:latin typeface="Calibri"/>
+                <a:ea typeface="DejaVu Sans"/>
               </a:rPr>
               <a:t>TCC I</a:t>
             </a:r>
@@ -5287,6 +5290,7 @@
                   <a:srgbClr val="808080"/>
                 </a:solidFill>
                 <a:latin typeface="Calibri"/>
+                <a:ea typeface="DejaVu Sans"/>
               </a:rPr>
               <a:t>Renato márcio silva</a:t>
             </a:r>
@@ -5335,7 +5339,7 @@
         <p:spPr>
           <a:xfrm>
             <a:off x="838080" y="365040"/>
-            <a:ext cx="10514880" cy="1324800"/>
+            <a:ext cx="10514520" cy="1324440"/>
           </a:xfrm>
           <a:prstGeom prst="rect">
             <a:avLst/>
@@ -5367,6 +5371,7 @@
                   <a:srgbClr val="808080"/>
                 </a:solidFill>
                 <a:latin typeface="Calibri Light"/>
+                <a:ea typeface="DejaVu Sans"/>
               </a:rPr>
               <a:t>4. Considerações finais - TCC I</a:t>
             </a:r>
@@ -5385,7 +5390,7 @@
         <p:spPr>
           <a:xfrm>
             <a:off x="838080" y="1825560"/>
-            <a:ext cx="10514880" cy="4350600"/>
+            <a:ext cx="10514520" cy="4350240"/>
           </a:xfrm>
           <a:prstGeom prst="rect">
             <a:avLst/>
@@ -5441,7 +5446,7 @@
         <p:spPr>
           <a:xfrm>
             <a:off x="838080" y="365040"/>
-            <a:ext cx="10514880" cy="1324800"/>
+            <a:ext cx="10514520" cy="1324440"/>
           </a:xfrm>
           <a:prstGeom prst="rect">
             <a:avLst/>
@@ -5473,6 +5478,7 @@
                   <a:srgbClr val="808080"/>
                 </a:solidFill>
                 <a:latin typeface="Calibri Light"/>
+                <a:ea typeface="DejaVu Sans"/>
               </a:rPr>
               <a:t>1.Introdução ao tema e contextualização</a:t>
             </a:r>
@@ -5490,8 +5496,8 @@
         </p:nvSpPr>
         <p:spPr>
           <a:xfrm>
-            <a:off x="838080" y="1825560"/>
-            <a:ext cx="10514880" cy="4350600"/>
+            <a:off x="838080" y="1689480"/>
+            <a:ext cx="10514520" cy="4486320"/>
           </a:xfrm>
           <a:prstGeom prst="rect">
             <a:avLst/>
@@ -5526,8 +5532,19 @@
                   <a:srgbClr val="000000"/>
                 </a:solidFill>
                 <a:latin typeface="Times New Roman"/>
+                <a:ea typeface="DejaVu Sans"/>
               </a:rPr>
-              <a:t>O restaurante será aberto na cidade histórica de Diamantina – MG, onde existe um fluxo constante de turistas, mesmo na pandemia, este fluxo diminuiu mas não cessou por completo. O turismo é focado na arquitetura e importância histórica para o Brasil, reconhecida pela UNESCO como Patrimônio Cultural da Humanidade, Unesco 1999. Segundo a Secretaria de Estado de Turismo de Estado de Minas Gerais, a cidade é conhecida como um dos principais destinos da </a:t>
+              <a:t>O restaurante será aberto na cidade histórica de Diamantina – MG, onde antes da pandemia existia um fluxo constante de turistas, turismo com forte caráter cultural (</a:t>
+            </a:r>
+            <a:r>
+              <a:rPr b="0" lang="pt-BR" sz="2000" spc="-1" strike="noStrike">
+                <a:solidFill>
+                  <a:srgbClr val="000000"/>
+                </a:solidFill>
+                <a:latin typeface="Times New Roman"/>
+                <a:ea typeface="DejaVu Sans"/>
+              </a:rPr>
+              <a:t>UFVJM, p. 11 e p. 19, 2012). Outro fato de grande importância para cidade, foi que em 1999 ela foi reconhecida pela UNESCO como Patrimônio Cultural da Humanidade. De acordo com a Secretaria de Estado de Cultura e Turismo do Estado de Minas Gerais, Diamantina é conhecida como um dos principais destinos da </a:t>
             </a:r>
             <a:r>
               <a:rPr b="1" lang="pt-BR" sz="2000" spc="-1" strike="noStrike">
@@ -5535,6 +5552,7 @@
                   <a:srgbClr val="000000"/>
                 </a:solidFill>
                 <a:latin typeface="Times New Roman"/>
+                <a:ea typeface="DejaVu Sans"/>
               </a:rPr>
               <a:t>Estrada real</a:t>
             </a:r>
@@ -5544,30 +5562,29 @@
                   <a:srgbClr val="000000"/>
                 </a:solidFill>
                 <a:latin typeface="Times New Roman"/>
+                <a:ea typeface="DejaVu Sans"/>
               </a:rPr>
-              <a:t>, um dos roteiros culturais e turísticos mais ricos do Brasil. A riqueza cultura/arquitetônica já consolidada, Iphan, 1938, e a gastronômica que vem despontando para o restante do país, me chamou a atenção para abrir o empreendimento na cidade. Nossa proposta é servir pratos quentes, onde em sua composição, haverão produtos regionais e a predominância da carne de  porco, que é muito apreciada na culinária local. As linguiças artesanais serão o carro-chefe e serão produzidas pelo estabelecimento. Nosso público-alvo serão pessoas da faixa etária de 25 a 50 anos, turistas ou nativos predominantemente famílias e casais. </a:t>
+              <a:t>, um dos roteiros culturais e turísticos mais ricos do Brasil, também integrante do </a:t>
             </a:r>
-            <a:endParaRPr b="0" lang="pt-BR" sz="2000" spc="-1" strike="noStrike">
-              <a:latin typeface="Arial"/>
-            </a:endParaRPr>
-          </a:p>
-          <a:p>
-            <a:pPr algn="just">
-              <a:lnSpc>
-                <a:spcPct val="100000"/>
-              </a:lnSpc>
-              <a:spcBef>
-                <a:spcPts val="1417"/>
-              </a:spcBef>
-            </a:pPr>
+            <a:r>
+              <a:rPr b="1" lang="pt-BR" sz="2000" spc="-1" strike="noStrike">
+                <a:solidFill>
+                  <a:srgbClr val="000000"/>
+                </a:solidFill>
+                <a:latin typeface="Times New Roman"/>
+                <a:ea typeface="DejaVu Sans"/>
+              </a:rPr>
+              <a:t>Circuito dos Diamantes</a:t>
+            </a:r>
             <a:r>
               <a:rPr b="0" lang="pt-BR" sz="2000" spc="-1" strike="noStrike">
                 <a:solidFill>
                   <a:srgbClr val="000000"/>
                 </a:solidFill>
                 <a:latin typeface="Times New Roman"/>
+                <a:ea typeface="DejaVu Sans"/>
               </a:rPr>
-              <a:t>Os produtores locais e agricultura familiar, serão nossos principais parceiros para a aquisição de produtos regionais.</a:t>
+              <a:t>. Com grande riqueza cultural e arquitetônica, (Iphan, 2008), Diamantina também tem grande riqueza gastronômica. Esta riqueza me chamou a atenção para abrir o empreendimento na cidade. </a:t>
             </a:r>
             <a:endParaRPr b="0" lang="pt-BR" sz="2000" spc="-1" strike="noStrike">
               <a:latin typeface="Arial"/>
@@ -5614,7 +5631,7 @@
         <p:spPr>
           <a:xfrm>
             <a:off x="838080" y="365040"/>
-            <a:ext cx="10514880" cy="1324800"/>
+            <a:ext cx="10514520" cy="1324440"/>
           </a:xfrm>
           <a:prstGeom prst="rect">
             <a:avLst/>
@@ -5646,6 +5663,7 @@
                   <a:srgbClr val="808080"/>
                 </a:solidFill>
                 <a:latin typeface="Calibri Light"/>
+                <a:ea typeface="DejaVu Sans"/>
               </a:rPr>
               <a:t>1.1. Apresentação da empresa</a:t>
             </a:r>
@@ -5657,14 +5675,14 @@
       </p:sp>
       <p:sp>
         <p:nvSpPr>
-          <p:cNvPr id="123" name="CustomShape 2"/>
-          <p:cNvSpPr/>
+          <p:cNvPr id="123" name="TextShape 2"/>
+          <p:cNvSpPr txBox="1"/>
           <p:nvPr/>
         </p:nvSpPr>
         <p:spPr>
           <a:xfrm>
-            <a:off x="838080" y="1825560"/>
-            <a:ext cx="10514880" cy="4350600"/>
+            <a:off x="360000" y="1689480"/>
+            <a:ext cx="11520000" cy="2414520"/>
           </a:xfrm>
           <a:prstGeom prst="rect">
             <a:avLst/>
@@ -5674,12 +5692,59 @@
             <a:noFill/>
           </a:ln>
         </p:spPr>
-        <p:style>
-          <a:lnRef idx="0"/>
-          <a:fillRef idx="0"/>
-          <a:effectRef idx="0"/>
-          <a:fontRef idx="minor"/>
-        </p:style>
+        <p:txBody>
+          <a:bodyPr lIns="90000" rIns="90000" tIns="45000" bIns="45000">
+            <a:noAutofit/>
+          </a:bodyPr>
+          <a:p>
+            <a:pPr algn="just"/>
+            <a:r>
+              <a:rPr b="0" lang="pt-BR" sz="2000" spc="-1" strike="noStrike">
+                <a:solidFill>
+                  <a:srgbClr val="000000"/>
+                </a:solidFill>
+                <a:latin typeface="Times New Roman"/>
+                <a:ea typeface="DejaVu Sans"/>
+              </a:rPr>
+              <a:t>A proposta do bar e restaurante é servir tira-gosto e  pratos quentes, onde em sua composição, haverão produtos regionais e a predominância da carne de  porco, que é muito apreciada e utilizada na culinária local. O diferencial gastronômico, serão os embutidos artesanais (linguiças, salames e salsichas) que serão produzidas pelo próprio estabelecimento. </a:t>
+            </a:r>
+            <a:endParaRPr b="0" lang="pt-BR" sz="2000" spc="-1" strike="noStrike">
+              <a:latin typeface="Arial"/>
+            </a:endParaRPr>
+          </a:p>
+          <a:p>
+            <a:pPr algn="just"/>
+            <a:r>
+              <a:rPr b="0" lang="pt-BR" sz="2000" spc="-1" strike="noStrike">
+                <a:solidFill>
+                  <a:srgbClr val="000000"/>
+                </a:solidFill>
+                <a:latin typeface="Times New Roman"/>
+                <a:ea typeface="DejaVu Sans"/>
+              </a:rPr>
+              <a:t>Nosso público-alvo serão pessoas da faixa etária de 25 a 50 anos, turistas ou nativos predominantemente famílias e ou casais. </a:t>
+            </a:r>
+            <a:endParaRPr b="0" lang="pt-BR" sz="2000" spc="-1" strike="noStrike">
+              <a:latin typeface="Arial"/>
+            </a:endParaRPr>
+          </a:p>
+          <a:p>
+            <a:pPr algn="just"/>
+            <a:r>
+              <a:rPr b="0" lang="pt-BR" sz="2000" spc="-1" strike="noStrike">
+                <a:solidFill>
+                  <a:srgbClr val="000000"/>
+                </a:solidFill>
+                <a:latin typeface="Times New Roman"/>
+                <a:ea typeface="DejaVu Sans"/>
+              </a:rPr>
+              <a:t>Os produtores locais e agricultura familiar, serão nossos principais parceiros para a aquisição de produtos utilizados na confecção dos pratos.</a:t>
+            </a:r>
+            <a:endParaRPr b="0" lang="pt-BR" sz="2000" spc="-1" strike="noStrike">
+              <a:latin typeface="Arial"/>
+            </a:endParaRPr>
+          </a:p>
+        </p:txBody>
       </p:sp>
     </p:spTree>
   </p:cSld>
@@ -5720,7 +5785,7 @@
         <p:spPr>
           <a:xfrm>
             <a:off x="838080" y="365040"/>
-            <a:ext cx="10514880" cy="606600"/>
+            <a:ext cx="10514520" cy="606240"/>
           </a:xfrm>
           <a:prstGeom prst="rect">
             <a:avLst/>
@@ -5752,6 +5817,7 @@
                   <a:srgbClr val="808080"/>
                 </a:solidFill>
                 <a:latin typeface="Calibri Light"/>
+                <a:ea typeface="DejaVu Sans"/>
               </a:rPr>
               <a:t>1.2. Canvas</a:t>
             </a:r>
@@ -5770,7 +5836,7 @@
         <p:spPr>
           <a:xfrm>
             <a:off x="9156600" y="1102680"/>
-            <a:ext cx="2196360" cy="3555000"/>
+            <a:ext cx="2196000" cy="3554640"/>
           </a:xfrm>
           <a:prstGeom prst="rect">
             <a:avLst/>
@@ -5971,7 +6037,7 @@
         <p:spPr>
           <a:xfrm>
             <a:off x="2764440" y="2878200"/>
-            <a:ext cx="2090880" cy="1779480"/>
+            <a:ext cx="2090520" cy="1779120"/>
           </a:xfrm>
           <a:prstGeom prst="rect">
             <a:avLst/>
@@ -6074,7 +6140,7 @@
         <p:spPr>
           <a:xfrm>
             <a:off x="4929120" y="1102680"/>
-            <a:ext cx="2003040" cy="4973400"/>
+            <a:ext cx="2002680" cy="4973040"/>
           </a:xfrm>
           <a:prstGeom prst="rect">
             <a:avLst/>
@@ -6248,7 +6314,7 @@
         <p:spPr>
           <a:xfrm>
             <a:off x="7007040" y="1102680"/>
-            <a:ext cx="2076120" cy="1735560"/>
+            <a:ext cx="2075760" cy="1735200"/>
           </a:xfrm>
           <a:prstGeom prst="rect">
             <a:avLst/>
@@ -6346,7 +6412,7 @@
         <p:spPr>
           <a:xfrm>
             <a:off x="766800" y="1103400"/>
-            <a:ext cx="1937880" cy="3554280"/>
+            <a:ext cx="1937520" cy="3553920"/>
           </a:xfrm>
           <a:prstGeom prst="rect">
             <a:avLst/>
@@ -6422,6 +6488,26 @@
                 <a:spcPct val="100000"/>
               </a:lnSpc>
             </a:pPr>
+            <a:r>
+              <a:rPr b="0" lang="pt-BR" sz="1400" spc="-1" strike="noStrike">
+                <a:solidFill>
+                  <a:srgbClr val="000000"/>
+                </a:solidFill>
+                <a:latin typeface="Arial"/>
+                <a:ea typeface="DejaVu Sans"/>
+              </a:rPr>
+              <a:t>Produtores rurais locais</a:t>
+            </a:r>
+            <a:endParaRPr b="0" lang="pt-BR" sz="1400" spc="-1" strike="noStrike">
+              <a:latin typeface="Arial"/>
+            </a:endParaRPr>
+          </a:p>
+          <a:p>
+            <a:pPr algn="ctr">
+              <a:lnSpc>
+                <a:spcPct val="100000"/>
+              </a:lnSpc>
+            </a:pPr>
             <a:endParaRPr b="0" lang="pt-BR" sz="1400" spc="-1" strike="noStrike">
               <a:latin typeface="Arial"/>
             </a:endParaRPr>
@@ -6527,7 +6613,7 @@
         <p:spPr>
           <a:xfrm>
             <a:off x="766800" y="4708440"/>
-            <a:ext cx="4088880" cy="1367280"/>
+            <a:ext cx="4088520" cy="1366920"/>
           </a:xfrm>
           <a:prstGeom prst="rect">
             <a:avLst/>
@@ -6615,7 +6701,7 @@
         <p:spPr>
           <a:xfrm>
             <a:off x="7007040" y="2889000"/>
-            <a:ext cx="2080080" cy="1768680"/>
+            <a:ext cx="2079720" cy="1768320"/>
           </a:xfrm>
           <a:prstGeom prst="rect">
             <a:avLst/>
@@ -6729,7 +6815,7 @@
         <p:spPr>
           <a:xfrm>
             <a:off x="7007040" y="4708440"/>
-            <a:ext cx="4345920" cy="1352520"/>
+            <a:ext cx="4345560" cy="1352160"/>
           </a:xfrm>
           <a:prstGeom prst="rect">
             <a:avLst/>
@@ -6822,7 +6908,7 @@
         <p:spPr>
           <a:xfrm>
             <a:off x="2764440" y="1102680"/>
-            <a:ext cx="2094120" cy="1735560"/>
+            <a:ext cx="2093760" cy="1735200"/>
           </a:xfrm>
           <a:prstGeom prst="rect">
             <a:avLst/>
@@ -6973,7 +7059,7 @@
         <p:spPr>
           <a:xfrm>
             <a:off x="838080" y="365040"/>
-            <a:ext cx="10514880" cy="1324800"/>
+            <a:ext cx="10514520" cy="1324440"/>
           </a:xfrm>
           <a:prstGeom prst="rect">
             <a:avLst/>
@@ -7005,6 +7091,7 @@
                   <a:srgbClr val="808080"/>
                 </a:solidFill>
                 <a:latin typeface="Calibri Light"/>
+                <a:ea typeface="DejaVu Sans"/>
               </a:rPr>
               <a:t>2. Produtos e Serviços</a:t>
             </a:r>
@@ -7023,7 +7110,7 @@
         <p:spPr>
           <a:xfrm>
             <a:off x="838080" y="1825560"/>
-            <a:ext cx="10514880" cy="4350600"/>
+            <a:ext cx="10514520" cy="4350240"/>
           </a:xfrm>
           <a:prstGeom prst="rect">
             <a:avLst/>
@@ -7079,7 +7166,7 @@
         <p:spPr>
           <a:xfrm>
             <a:off x="838080" y="365040"/>
-            <a:ext cx="10514880" cy="1324800"/>
+            <a:ext cx="10514520" cy="1324440"/>
           </a:xfrm>
           <a:prstGeom prst="rect">
             <a:avLst/>
@@ -7111,6 +7198,7 @@
                   <a:srgbClr val="808080"/>
                 </a:solidFill>
                 <a:latin typeface="Calibri Light"/>
+                <a:ea typeface="DejaVu Sans"/>
               </a:rPr>
               <a:t>2.1.Produtos e Serviços</a:t>
             </a:r>
@@ -7129,7 +7217,7 @@
         <p:spPr>
           <a:xfrm>
             <a:off x="838080" y="1825560"/>
-            <a:ext cx="5180760" cy="4350600"/>
+            <a:ext cx="5180400" cy="4350240"/>
           </a:xfrm>
           <a:prstGeom prst="rect">
             <a:avLst/>
@@ -7155,7 +7243,7 @@
         <p:spPr>
           <a:xfrm>
             <a:off x="6172200" y="1825560"/>
-            <a:ext cx="5180760" cy="4350600"/>
+            <a:ext cx="5180400" cy="4350240"/>
           </a:xfrm>
           <a:prstGeom prst="rect">
             <a:avLst/>
@@ -7211,7 +7299,7 @@
         <p:spPr>
           <a:xfrm>
             <a:off x="838080" y="365040"/>
-            <a:ext cx="10514880" cy="1324800"/>
+            <a:ext cx="10514520" cy="1324440"/>
           </a:xfrm>
           <a:prstGeom prst="rect">
             <a:avLst/>
@@ -7243,6 +7331,7 @@
                   <a:srgbClr val="808080"/>
                 </a:solidFill>
                 <a:latin typeface="Calibri Light"/>
+                <a:ea typeface="DejaVu Sans"/>
               </a:rPr>
               <a:t>3. Análise Estratégica</a:t>
             </a:r>
@@ -7261,7 +7350,7 @@
         <p:spPr>
           <a:xfrm>
             <a:off x="838080" y="1825560"/>
-            <a:ext cx="10514880" cy="4350600"/>
+            <a:ext cx="10514520" cy="4350240"/>
           </a:xfrm>
           <a:prstGeom prst="rect">
             <a:avLst/>
@@ -7317,7 +7406,7 @@
         <p:spPr>
           <a:xfrm>
             <a:off x="838080" y="365040"/>
-            <a:ext cx="10514880" cy="1324800"/>
+            <a:ext cx="10514520" cy="1324440"/>
           </a:xfrm>
           <a:prstGeom prst="rect">
             <a:avLst/>
@@ -7349,6 +7438,7 @@
                   <a:srgbClr val="808080"/>
                 </a:solidFill>
                 <a:latin typeface="Calibri Light"/>
+                <a:ea typeface="DejaVu Sans"/>
               </a:rPr>
               <a:t>3.2. Análise do mercado consumidor</a:t>
             </a:r>
@@ -7367,7 +7457,7 @@
         <p:spPr>
           <a:xfrm>
             <a:off x="838080" y="1825560"/>
-            <a:ext cx="10514880" cy="4350600"/>
+            <a:ext cx="10514520" cy="4350240"/>
           </a:xfrm>
           <a:prstGeom prst="rect">
             <a:avLst/>
@@ -7423,7 +7513,7 @@
         <p:spPr>
           <a:xfrm>
             <a:off x="838080" y="365040"/>
-            <a:ext cx="10514880" cy="1324800"/>
+            <a:ext cx="10514520" cy="1324440"/>
           </a:xfrm>
           <a:prstGeom prst="rect">
             <a:avLst/>
@@ -7455,6 +7545,7 @@
                   <a:srgbClr val="808080"/>
                 </a:solidFill>
                 <a:latin typeface="Calibri Light"/>
+                <a:ea typeface="DejaVu Sans"/>
               </a:rPr>
               <a:t>3.2. Análise de concorrência</a:t>
             </a:r>
@@ -7473,7 +7564,7 @@
         <p:spPr>
           <a:xfrm>
             <a:off x="838080" y="1825560"/>
-            <a:ext cx="10514880" cy="4350600"/>
+            <a:ext cx="10514520" cy="4350240"/>
           </a:xfrm>
           <a:prstGeom prst="rect">
             <a:avLst/>

--- a/plano-de-negocios-restaurante-tioto.pptx
+++ b/plano-de-negocios-restaurante-tioto.pptx
@@ -5890,7 +5890,7 @@
                 <a:latin typeface="Calibri"/>
                 <a:ea typeface="DejaVu Sans"/>
               </a:rPr>
-              <a:t>SEGMENTO DE CL</a:t>
+              <a:t>SEGMENTO DE CLIENTE</a:t>
             </a:r>
             <a:endParaRPr b="0" lang="pt-BR" sz="1400" spc="-1" strike="noStrike">
               <a:latin typeface="Arial"/>
@@ -5912,6 +5912,16 @@
                 <a:spcPct val="100000"/>
               </a:lnSpc>
             </a:pPr>
+            <a:r>
+              <a:rPr b="0" lang="pt-BR" sz="1400" spc="-1" strike="noStrike">
+                <a:solidFill>
+                  <a:srgbClr val="000000"/>
+                </a:solidFill>
+                <a:latin typeface="Arial"/>
+                <a:ea typeface="DejaVu Sans"/>
+              </a:rPr>
+              <a:t>Turistas</a:t>
+            </a:r>
             <a:endParaRPr b="0" lang="pt-BR" sz="1400" spc="-1" strike="noStrike">
               <a:latin typeface="Arial"/>
             </a:endParaRPr>
@@ -5922,6 +5932,36 @@
                 <a:spcPct val="100000"/>
               </a:lnSpc>
             </a:pPr>
+            <a:r>
+              <a:rPr b="0" lang="pt-BR" sz="1400" spc="-1" strike="noStrike">
+                <a:solidFill>
+                  <a:srgbClr val="000000"/>
+                </a:solidFill>
+                <a:latin typeface="Arial"/>
+                <a:ea typeface="DejaVu Sans"/>
+              </a:rPr>
+              <a:t>Estudantes</a:t>
+            </a:r>
+            <a:endParaRPr b="0" lang="pt-BR" sz="1400" spc="-1" strike="noStrike">
+              <a:latin typeface="Arial"/>
+            </a:endParaRPr>
+          </a:p>
+          <a:p>
+            <a:pPr algn="ctr">
+              <a:lnSpc>
+                <a:spcPct val="100000"/>
+              </a:lnSpc>
+            </a:pPr>
+            <a:r>
+              <a:rPr b="0" lang="pt-BR" sz="1400" spc="-1" strike="noStrike">
+                <a:solidFill>
+                  <a:srgbClr val="000000"/>
+                </a:solidFill>
+                <a:latin typeface="Arial"/>
+                <a:ea typeface="DejaVu Sans"/>
+              </a:rPr>
+              <a:t>Nativos</a:t>
+            </a:r>
             <a:endParaRPr b="0" lang="pt-BR" sz="1400" spc="-1" strike="noStrike">
               <a:latin typeface="Arial"/>
             </a:endParaRPr>
@@ -6105,6 +6145,56 @@
                 <a:spcPct val="100000"/>
               </a:lnSpc>
             </a:pPr>
+            <a:r>
+              <a:rPr b="0" lang="pt-BR" sz="1400" spc="-1" strike="noStrike">
+                <a:solidFill>
+                  <a:srgbClr val="000000"/>
+                </a:solidFill>
+                <a:latin typeface="Arial"/>
+                <a:ea typeface="DejaVu Sans"/>
+              </a:rPr>
+              <a:t>Produtos artesanais</a:t>
+            </a:r>
+            <a:endParaRPr b="0" lang="pt-BR" sz="1400" spc="-1" strike="noStrike">
+              <a:latin typeface="Arial"/>
+            </a:endParaRPr>
+          </a:p>
+          <a:p>
+            <a:pPr algn="ctr">
+              <a:lnSpc>
+                <a:spcPct val="100000"/>
+              </a:lnSpc>
+            </a:pPr>
+            <a:r>
+              <a:rPr b="0" lang="pt-BR" sz="1400" spc="-1" strike="noStrike">
+                <a:solidFill>
+                  <a:srgbClr val="000000"/>
+                </a:solidFill>
+                <a:latin typeface="Arial"/>
+                <a:ea typeface="DejaVu Sans"/>
+              </a:rPr>
+              <a:t>Produtos tradicionais</a:t>
+            </a:r>
+            <a:endParaRPr b="0" lang="pt-BR" sz="1400" spc="-1" strike="noStrike">
+              <a:latin typeface="Arial"/>
+            </a:endParaRPr>
+          </a:p>
+          <a:p>
+            <a:pPr algn="ctr">
+              <a:lnSpc>
+                <a:spcPct val="100000"/>
+              </a:lnSpc>
+            </a:pPr>
+            <a:r>
+              <a:rPr b="0" lang="pt-BR" sz="1400" spc="-1" strike="noStrike">
+                <a:solidFill>
+                  <a:srgbClr val="000000"/>
+                </a:solidFill>
+                <a:latin typeface="Arial"/>
+                <a:ea typeface="DejaVu Sans"/>
+              </a:rPr>
+              <a:t>Produtos de agricultura familiar</a:t>
+            </a:r>
             <a:endParaRPr b="0" lang="pt-BR" sz="1400" spc="-1" strike="noStrike">
               <a:latin typeface="Arial"/>
             </a:endParaRPr>
@@ -6209,6 +6299,76 @@
                 <a:spcPct val="100000"/>
               </a:lnSpc>
             </a:pPr>
+            <a:r>
+              <a:rPr b="0" lang="pt-BR" sz="1400" spc="-1" strike="noStrike">
+                <a:solidFill>
+                  <a:srgbClr val="000000"/>
+                </a:solidFill>
+                <a:latin typeface="Arial"/>
+                <a:ea typeface="DejaVu Sans"/>
+              </a:rPr>
+              <a:t>Experiência</a:t>
+            </a:r>
+            <a:endParaRPr b="0" lang="pt-BR" sz="1400" spc="-1" strike="noStrike">
+              <a:latin typeface="Arial"/>
+            </a:endParaRPr>
+          </a:p>
+          <a:p>
+            <a:pPr algn="ctr">
+              <a:lnSpc>
+                <a:spcPct val="100000"/>
+              </a:lnSpc>
+            </a:pPr>
+            <a:r>
+              <a:rPr b="0" lang="pt-BR" sz="1400" spc="-1" strike="noStrike">
+                <a:solidFill>
+                  <a:srgbClr val="000000"/>
+                </a:solidFill>
+                <a:latin typeface="Arial"/>
+                <a:ea typeface="DejaVu Sans"/>
+              </a:rPr>
+              <a:t>Bom atendimento</a:t>
+            </a:r>
+            <a:endParaRPr b="0" lang="pt-BR" sz="1400" spc="-1" strike="noStrike">
+              <a:latin typeface="Arial"/>
+            </a:endParaRPr>
+          </a:p>
+          <a:p>
+            <a:pPr algn="ctr">
+              <a:lnSpc>
+                <a:spcPct val="100000"/>
+              </a:lnSpc>
+            </a:pPr>
+            <a:r>
+              <a:rPr b="0" lang="pt-BR" sz="1400" spc="-1" strike="noStrike">
+                <a:solidFill>
+                  <a:srgbClr val="000000"/>
+                </a:solidFill>
+                <a:latin typeface="Arial"/>
+                <a:ea typeface="DejaVu Sans"/>
+              </a:rPr>
+              <a:t>Qualidade</a:t>
+            </a:r>
+            <a:endParaRPr b="0" lang="pt-BR" sz="1400" spc="-1" strike="noStrike">
+              <a:latin typeface="Arial"/>
+            </a:endParaRPr>
+          </a:p>
+          <a:p>
+            <a:pPr algn="ctr">
+              <a:lnSpc>
+                <a:spcPct val="100000"/>
+              </a:lnSpc>
+            </a:pPr>
+            <a:r>
+              <a:rPr b="0" lang="pt-BR" sz="1400" spc="-1" strike="noStrike">
+                <a:solidFill>
+                  <a:srgbClr val="000000"/>
+                </a:solidFill>
+                <a:latin typeface="Arial"/>
+                <a:ea typeface="DejaVu Sans"/>
+              </a:rPr>
+              <a:t>Despojado</a:t>
+            </a:r>
             <a:endParaRPr b="0" lang="pt-BR" sz="1400" spc="-1" strike="noStrike">
               <a:latin typeface="Arial"/>
             </a:endParaRPr>
@@ -6377,6 +6537,56 @@
                 <a:spcPct val="100000"/>
               </a:lnSpc>
             </a:pPr>
+            <a:r>
+              <a:rPr b="0" lang="pt-BR" sz="1400" spc="-1" strike="noStrike">
+                <a:solidFill>
+                  <a:srgbClr val="000000"/>
+                </a:solidFill>
+                <a:latin typeface="Arial"/>
+                <a:ea typeface="DejaVu Sans"/>
+              </a:rPr>
+              <a:t>Whatsapp</a:t>
+            </a:r>
+            <a:endParaRPr b="0" lang="pt-BR" sz="1400" spc="-1" strike="noStrike">
+              <a:latin typeface="Arial"/>
+            </a:endParaRPr>
+          </a:p>
+          <a:p>
+            <a:pPr algn="ctr">
+              <a:lnSpc>
+                <a:spcPct val="100000"/>
+              </a:lnSpc>
+            </a:pPr>
+            <a:r>
+              <a:rPr b="0" lang="pt-BR" sz="1400" spc="-1" strike="noStrike">
+                <a:solidFill>
+                  <a:srgbClr val="000000"/>
+                </a:solidFill>
+                <a:latin typeface="Arial"/>
+                <a:ea typeface="DejaVu Sans"/>
+              </a:rPr>
+              <a:t>Redes sociais</a:t>
+            </a:r>
+            <a:endParaRPr b="0" lang="pt-BR" sz="1400" spc="-1" strike="noStrike">
+              <a:latin typeface="Arial"/>
+            </a:endParaRPr>
+          </a:p>
+          <a:p>
+            <a:pPr algn="ctr">
+              <a:lnSpc>
+                <a:spcPct val="100000"/>
+              </a:lnSpc>
+            </a:pPr>
+            <a:r>
+              <a:rPr b="0" lang="pt-BR" sz="1400" spc="-1" strike="noStrike">
+                <a:solidFill>
+                  <a:srgbClr val="000000"/>
+                </a:solidFill>
+                <a:latin typeface="Arial"/>
+                <a:ea typeface="DejaVu Sans"/>
+              </a:rPr>
+              <a:t>Rádio</a:t>
+            </a:r>
             <a:endParaRPr b="0" lang="pt-BR" sz="1400" spc="-1" strike="noStrike">
               <a:latin typeface="Arial"/>
             </a:endParaRPr>
@@ -6508,6 +6718,26 @@
                 <a:spcPct val="100000"/>
               </a:lnSpc>
             </a:pPr>
+            <a:r>
+              <a:rPr b="0" lang="pt-BR" sz="1400" spc="-1" strike="noStrike">
+                <a:solidFill>
+                  <a:srgbClr val="000000"/>
+                </a:solidFill>
+                <a:latin typeface="Arial"/>
+                <a:ea typeface="DejaVu Sans"/>
+              </a:rPr>
+              <a:t>Produtores agricultura familiar</a:t>
+            </a:r>
+            <a:endParaRPr b="0" lang="pt-BR" sz="1400" spc="-1" strike="noStrike">
+              <a:latin typeface="Arial"/>
+            </a:endParaRPr>
+          </a:p>
+          <a:p>
+            <a:pPr algn="ctr">
+              <a:lnSpc>
+                <a:spcPct val="100000"/>
+              </a:lnSpc>
+            </a:pPr>
             <a:endParaRPr b="0" lang="pt-BR" sz="1400" spc="-1" strike="noStrike">
               <a:latin typeface="Arial"/>
             </a:endParaRPr>
@@ -6666,6 +6896,16 @@
                 <a:spcPct val="100000"/>
               </a:lnSpc>
             </a:pPr>
+            <a:r>
+              <a:rPr b="0" lang="pt-BR" sz="1400" spc="-1" strike="noStrike">
+                <a:solidFill>
+                  <a:srgbClr val="000000"/>
+                </a:solidFill>
+                <a:latin typeface="Arial"/>
+                <a:ea typeface="DejaVu Sans"/>
+              </a:rPr>
+              <a:t>Aluguel da loja</a:t>
+            </a:r>
             <a:endParaRPr b="0" lang="pt-BR" sz="1400" spc="-1" strike="noStrike">
               <a:latin typeface="Arial"/>
             </a:endParaRPr>
@@ -6676,6 +6916,56 @@
                 <a:spcPct val="100000"/>
               </a:lnSpc>
             </a:pPr>
+            <a:r>
+              <a:rPr b="0" lang="pt-BR" sz="1400" spc="-1" strike="noStrike">
+                <a:solidFill>
+                  <a:srgbClr val="000000"/>
+                </a:solidFill>
+                <a:latin typeface="Arial"/>
+                <a:ea typeface="DejaVu Sans"/>
+              </a:rPr>
+              <a:t>Custos mão de obra 1 garçom</a:t>
+            </a:r>
+            <a:endParaRPr b="0" lang="pt-BR" sz="1400" spc="-1" strike="noStrike">
+              <a:latin typeface="Arial"/>
+            </a:endParaRPr>
+          </a:p>
+          <a:p>
+            <a:pPr algn="ctr">
+              <a:lnSpc>
+                <a:spcPct val="100000"/>
+              </a:lnSpc>
+            </a:pPr>
+            <a:r>
+              <a:rPr b="0" lang="pt-BR" sz="1400" spc="-1" strike="noStrike">
+                <a:solidFill>
+                  <a:srgbClr val="000000"/>
+                </a:solidFill>
+                <a:latin typeface="Arial"/>
+                <a:ea typeface="DejaVu Sans"/>
+              </a:rPr>
+              <a:t>Gastos com montagem do bar/restaurante</a:t>
+            </a:r>
+            <a:endParaRPr b="0" lang="pt-BR" sz="1400" spc="-1" strike="noStrike">
+              <a:latin typeface="Arial"/>
+            </a:endParaRPr>
+          </a:p>
+          <a:p>
+            <a:pPr algn="ctr">
+              <a:lnSpc>
+                <a:spcPct val="100000"/>
+              </a:lnSpc>
+            </a:pPr>
+            <a:r>
+              <a:rPr b="0" lang="pt-BR" sz="1400" spc="-1" strike="noStrike">
+                <a:solidFill>
+                  <a:srgbClr val="000000"/>
+                </a:solidFill>
+                <a:latin typeface="Arial"/>
+                <a:ea typeface="DejaVu Sans"/>
+              </a:rPr>
+              <a:t>Gastos com contador</a:t>
+            </a:r>
             <a:endParaRPr b="0" lang="pt-BR" sz="1400" spc="-1" strike="noStrike">
               <a:latin typeface="Arial"/>
             </a:endParaRPr>
@@ -6770,6 +7060,46 @@
                 <a:spcPct val="100000"/>
               </a:lnSpc>
             </a:pPr>
+            <a:r>
+              <a:rPr b="0" lang="pt-BR" sz="1400" spc="-1" strike="noStrike">
+                <a:solidFill>
+                  <a:srgbClr val="000000"/>
+                </a:solidFill>
+                <a:latin typeface="Arial"/>
+                <a:ea typeface="DejaVu Sans"/>
+              </a:rPr>
+              <a:t>No estabelecimento</a:t>
+            </a:r>
+            <a:endParaRPr b="0" lang="pt-BR" sz="1400" spc="-1" strike="noStrike">
+              <a:latin typeface="Arial"/>
+            </a:endParaRPr>
+          </a:p>
+          <a:p>
+            <a:pPr algn="ctr">
+              <a:lnSpc>
+                <a:spcPct val="100000"/>
+              </a:lnSpc>
+            </a:pPr>
+            <a:r>
+              <a:rPr b="0" lang="pt-BR" sz="1400" spc="-1" strike="noStrike">
+                <a:solidFill>
+                  <a:srgbClr val="000000"/>
+                </a:solidFill>
+                <a:latin typeface="Arial"/>
+                <a:ea typeface="DejaVu Sans"/>
+              </a:rPr>
+              <a:t>Delivery</a:t>
+            </a:r>
+            <a:endParaRPr b="0" lang="pt-BR" sz="1400" spc="-1" strike="noStrike">
+              <a:latin typeface="Arial"/>
+            </a:endParaRPr>
+          </a:p>
+          <a:p>
+            <a:pPr algn="ctr">
+              <a:lnSpc>
+                <a:spcPct val="100000"/>
+              </a:lnSpc>
+            </a:pPr>
             <a:endParaRPr b="0" lang="pt-BR" sz="1400" spc="-1" strike="noStrike">
               <a:latin typeface="Arial"/>
             </a:endParaRPr>
@@ -6873,6 +7203,16 @@
                 <a:spcPct val="100000"/>
               </a:lnSpc>
             </a:pPr>
+            <a:r>
+              <a:rPr b="0" lang="pt-BR" sz="1400" spc="-1" strike="noStrike">
+                <a:solidFill>
+                  <a:srgbClr val="000000"/>
+                </a:solidFill>
+                <a:latin typeface="Arial"/>
+                <a:ea typeface="DejaVu Sans"/>
+              </a:rPr>
+              <a:t>Pratos vendidos no local ou delivery</a:t>
+            </a:r>
             <a:endParaRPr b="0" lang="pt-BR" sz="1400" spc="-1" strike="noStrike">
               <a:latin typeface="Arial"/>
             </a:endParaRPr>
@@ -6883,6 +7223,16 @@
                 <a:spcPct val="100000"/>
               </a:lnSpc>
             </a:pPr>
+            <a:r>
+              <a:rPr b="0" lang="pt-BR" sz="1400" spc="-1" strike="noStrike">
+                <a:solidFill>
+                  <a:srgbClr val="000000"/>
+                </a:solidFill>
+                <a:latin typeface="Arial"/>
+                <a:ea typeface="DejaVu Sans"/>
+              </a:rPr>
+              <a:t>Produtos artesanais vendidos in-natura</a:t>
+            </a:r>
             <a:endParaRPr b="0" lang="pt-BR" sz="1400" spc="-1" strike="noStrike">
               <a:latin typeface="Arial"/>
             </a:endParaRPr>
@@ -6984,6 +7334,36 @@
                 <a:spcPct val="100000"/>
               </a:lnSpc>
             </a:pPr>
+            <a:r>
+              <a:rPr b="0" lang="pt-BR" sz="1400" spc="-1" strike="noStrike">
+                <a:solidFill>
+                  <a:srgbClr val="000000"/>
+                </a:solidFill>
+                <a:latin typeface="Arial"/>
+                <a:ea typeface="DejaVu Sans"/>
+              </a:rPr>
+              <a:t>Produção</a:t>
+            </a:r>
+            <a:endParaRPr b="0" lang="pt-BR" sz="1400" spc="-1" strike="noStrike">
+              <a:latin typeface="Arial"/>
+            </a:endParaRPr>
+          </a:p>
+          <a:p>
+            <a:pPr algn="ctr">
+              <a:lnSpc>
+                <a:spcPct val="100000"/>
+              </a:lnSpc>
+            </a:pPr>
+            <a:r>
+              <a:rPr b="0" lang="pt-BR" sz="1400" spc="-1" strike="noStrike">
+                <a:solidFill>
+                  <a:srgbClr val="000000"/>
+                </a:solidFill>
+                <a:latin typeface="Arial"/>
+                <a:ea typeface="DejaVu Sans"/>
+              </a:rPr>
+              <a:t>Comercialização</a:t>
+            </a:r>
             <a:endParaRPr b="0" lang="pt-BR" sz="1400" spc="-1" strike="noStrike">
               <a:latin typeface="Arial"/>
             </a:endParaRPr>

--- a/plano-de-negocios-restaurante-tioto.pptx
+++ b/plano-de-negocios-restaurante-tioto.pptx
@@ -4128,7 +4128,7 @@
         <p:spPr>
           <a:xfrm>
             <a:off x="5441040" y="6062040"/>
-            <a:ext cx="1110960" cy="587520"/>
+            <a:ext cx="1110600" cy="587160"/>
           </a:xfrm>
           <a:prstGeom prst="rect">
             <a:avLst/>
@@ -4151,7 +4151,7 @@
         <p:spPr>
           <a:xfrm>
             <a:off x="609480" y="273600"/>
-            <a:ext cx="10972080" cy="1144440"/>
+            <a:ext cx="10972440" cy="1144800"/>
           </a:xfrm>
           <a:prstGeom prst="rect">
             <a:avLst/>
@@ -4164,12 +4164,12 @@
           <a:p>
             <a:pPr algn="ctr"/>
             <a:r>
-              <a:rPr b="0" lang="pt-BR" sz="1800" spc="-1" strike="noStrike">
+              <a:rPr b="0" lang="pt-BR" sz="4400" spc="-1" strike="noStrike">
                 <a:latin typeface="Arial"/>
               </a:rPr>
               <a:t>Clique para editar o formato do texto do título</a:t>
             </a:r>
-            <a:endParaRPr b="0" lang="pt-BR" sz="1800" spc="-1" strike="noStrike">
+            <a:endParaRPr b="0" lang="pt-BR" sz="4400" spc="-1" strike="noStrike">
               <a:latin typeface="Arial"/>
             </a:endParaRPr>
           </a:p>
@@ -4188,7 +4188,7 @@
         <p:spPr>
           <a:xfrm>
             <a:off x="609480" y="1604520"/>
-            <a:ext cx="10972080" cy="3976920"/>
+            <a:ext cx="10972440" cy="3977280"/>
           </a:xfrm>
           <a:prstGeom prst="rect">
             <a:avLst/>
@@ -4199,7 +4199,7 @@
             <a:normAutofit/>
           </a:bodyPr>
           <a:p>
-            <a:pPr marL="432000" indent="-324000" algn="ctr">
+            <a:pPr marL="432000" indent="-324000">
               <a:spcBef>
                 <a:spcPts val="1417"/>
               </a:spcBef>
@@ -4211,17 +4211,17 @@
               <a:buChar char=""/>
             </a:pPr>
             <a:r>
-              <a:rPr b="0" lang="pt-BR" sz="1800" spc="-1" strike="noStrike">
+              <a:rPr b="0" lang="pt-BR" sz="3200" spc="-1" strike="noStrike">
                 <a:latin typeface="Arial"/>
               </a:rPr>
               <a:t>Clique para editar o formato do texto da estrutura de tópicos</a:t>
             </a:r>
-            <a:endParaRPr b="0" lang="pt-BR" sz="1800" spc="-1" strike="noStrike">
-              <a:latin typeface="Arial"/>
-            </a:endParaRPr>
-          </a:p>
-          <a:p>
-            <a:pPr lvl="1" marL="864000" indent="-324000" algn="ctr">
+            <a:endParaRPr b="0" lang="pt-BR" sz="3200" spc="-1" strike="noStrike">
+              <a:latin typeface="Arial"/>
+            </a:endParaRPr>
+          </a:p>
+          <a:p>
+            <a:pPr lvl="1" marL="864000" indent="-324000">
               <a:spcBef>
                 <a:spcPts val="1134"/>
               </a:spcBef>
@@ -4233,17 +4233,17 @@
               <a:buChar char=""/>
             </a:pPr>
             <a:r>
-              <a:rPr b="0" lang="pt-BR" sz="1800" spc="-1" strike="noStrike">
+              <a:rPr b="0" lang="pt-BR" sz="2800" spc="-1" strike="noStrike">
                 <a:latin typeface="Arial"/>
               </a:rPr>
               <a:t>2.º nível da estrutura de tópicos</a:t>
             </a:r>
-            <a:endParaRPr b="0" lang="pt-BR" sz="1800" spc="-1" strike="noStrike">
-              <a:latin typeface="Arial"/>
-            </a:endParaRPr>
-          </a:p>
-          <a:p>
-            <a:pPr lvl="2" marL="1296000" indent="-288000" algn="ctr">
+            <a:endParaRPr b="0" lang="pt-BR" sz="2800" spc="-1" strike="noStrike">
+              <a:latin typeface="Arial"/>
+            </a:endParaRPr>
+          </a:p>
+          <a:p>
+            <a:pPr lvl="2" marL="1296000" indent="-288000">
               <a:spcBef>
                 <a:spcPts val="850"/>
               </a:spcBef>
@@ -4255,17 +4255,17 @@
               <a:buChar char=""/>
             </a:pPr>
             <a:r>
-              <a:rPr b="0" lang="pt-BR" sz="1800" spc="-1" strike="noStrike">
+              <a:rPr b="0" lang="pt-BR" sz="2400" spc="-1" strike="noStrike">
                 <a:latin typeface="Arial"/>
               </a:rPr>
               <a:t>3.º nível da estrutura de tópicos</a:t>
             </a:r>
-            <a:endParaRPr b="0" lang="pt-BR" sz="1800" spc="-1" strike="noStrike">
-              <a:latin typeface="Arial"/>
-            </a:endParaRPr>
-          </a:p>
-          <a:p>
-            <a:pPr lvl="3" marL="1728000" indent="-216000" algn="ctr">
+            <a:endParaRPr b="0" lang="pt-BR" sz="2400" spc="-1" strike="noStrike">
+              <a:latin typeface="Arial"/>
+            </a:endParaRPr>
+          </a:p>
+          <a:p>
+            <a:pPr lvl="3" marL="1728000" indent="-216000">
               <a:spcBef>
                 <a:spcPts val="567"/>
               </a:spcBef>
@@ -4277,17 +4277,17 @@
               <a:buChar char=""/>
             </a:pPr>
             <a:r>
-              <a:rPr b="0" lang="pt-BR" sz="1800" spc="-1" strike="noStrike">
+              <a:rPr b="0" lang="pt-BR" sz="2000" spc="-1" strike="noStrike">
                 <a:latin typeface="Arial"/>
               </a:rPr>
               <a:t>4.º nível da estrutura de tópicos</a:t>
             </a:r>
-            <a:endParaRPr b="0" lang="pt-BR" sz="1800" spc="-1" strike="noStrike">
-              <a:latin typeface="Arial"/>
-            </a:endParaRPr>
-          </a:p>
-          <a:p>
-            <a:pPr lvl="4" marL="2160000" indent="-216000" algn="ctr">
+            <a:endParaRPr b="0" lang="pt-BR" sz="2000" spc="-1" strike="noStrike">
+              <a:latin typeface="Arial"/>
+            </a:endParaRPr>
+          </a:p>
+          <a:p>
+            <a:pPr lvl="4" marL="2160000" indent="-216000">
               <a:spcBef>
                 <a:spcPts val="283"/>
               </a:spcBef>
@@ -4299,17 +4299,17 @@
               <a:buChar char=""/>
             </a:pPr>
             <a:r>
-              <a:rPr b="0" lang="pt-BR" sz="1800" spc="-1" strike="noStrike">
+              <a:rPr b="0" lang="pt-BR" sz="2000" spc="-1" strike="noStrike">
                 <a:latin typeface="Arial"/>
               </a:rPr>
               <a:t>5.º nível da estrutura de tópicos</a:t>
             </a:r>
-            <a:endParaRPr b="0" lang="pt-BR" sz="1800" spc="-1" strike="noStrike">
-              <a:latin typeface="Arial"/>
-            </a:endParaRPr>
-          </a:p>
-          <a:p>
-            <a:pPr lvl="5" marL="2592000" indent="-216000" algn="ctr">
+            <a:endParaRPr b="0" lang="pt-BR" sz="2000" spc="-1" strike="noStrike">
+              <a:latin typeface="Arial"/>
+            </a:endParaRPr>
+          </a:p>
+          <a:p>
+            <a:pPr lvl="5" marL="2592000" indent="-216000">
               <a:spcBef>
                 <a:spcPts val="283"/>
               </a:spcBef>
@@ -4321,17 +4321,17 @@
               <a:buChar char=""/>
             </a:pPr>
             <a:r>
-              <a:rPr b="0" lang="pt-BR" sz="1800" spc="-1" strike="noStrike">
+              <a:rPr b="0" lang="pt-BR" sz="2000" spc="-1" strike="noStrike">
                 <a:latin typeface="Arial"/>
               </a:rPr>
               <a:t>6.º nível da estrutura de tópicos</a:t>
             </a:r>
-            <a:endParaRPr b="0" lang="pt-BR" sz="1800" spc="-1" strike="noStrike">
-              <a:latin typeface="Arial"/>
-            </a:endParaRPr>
-          </a:p>
-          <a:p>
-            <a:pPr lvl="6" marL="3024000" indent="-216000" algn="ctr">
+            <a:endParaRPr b="0" lang="pt-BR" sz="2000" spc="-1" strike="noStrike">
+              <a:latin typeface="Arial"/>
+            </a:endParaRPr>
+          </a:p>
+          <a:p>
+            <a:pPr lvl="6" marL="3024000" indent="-216000">
               <a:spcBef>
                 <a:spcPts val="283"/>
               </a:spcBef>
@@ -4343,12 +4343,12 @@
               <a:buChar char=""/>
             </a:pPr>
             <a:r>
-              <a:rPr b="0" lang="pt-BR" sz="1800" spc="-1" strike="noStrike">
+              <a:rPr b="0" lang="pt-BR" sz="2000" spc="-1" strike="noStrike">
                 <a:latin typeface="Arial"/>
               </a:rPr>
               <a:t>7.º nível da estrutura de tópicos</a:t>
             </a:r>
-            <a:endParaRPr b="0" lang="pt-BR" sz="1800" spc="-1" strike="noStrike">
+            <a:endParaRPr b="0" lang="pt-BR" sz="2000" spc="-1" strike="noStrike">
               <a:latin typeface="Arial"/>
             </a:endParaRPr>
           </a:p>
@@ -4411,7 +4411,7 @@
         <p:spPr>
           <a:xfrm>
             <a:off x="5540040" y="6176880"/>
-            <a:ext cx="1110960" cy="587520"/>
+            <a:ext cx="1110600" cy="587160"/>
           </a:xfrm>
           <a:prstGeom prst="rect">
             <a:avLst/>
@@ -4694,7 +4694,7 @@
         <p:spPr>
           <a:xfrm>
             <a:off x="5540040" y="6132960"/>
-            <a:ext cx="1110960" cy="587520"/>
+            <a:ext cx="1110600" cy="587160"/>
           </a:xfrm>
           <a:prstGeom prst="rect">
             <a:avLst/>
@@ -5145,7 +5145,7 @@
         <p:spPr>
           <a:xfrm>
             <a:off x="1523880" y="523800"/>
-            <a:ext cx="9142920" cy="2386440"/>
+            <a:ext cx="9142560" cy="2386080"/>
           </a:xfrm>
           <a:prstGeom prst="rect">
             <a:avLst/>
@@ -5196,7 +5196,7 @@
         <p:spPr>
           <a:xfrm>
             <a:off x="1523880" y="3003480"/>
-            <a:ext cx="9142920" cy="2240640"/>
+            <a:ext cx="9142560" cy="2240280"/>
           </a:xfrm>
           <a:prstGeom prst="rect">
             <a:avLst/>
@@ -5339,7 +5339,7 @@
         <p:spPr>
           <a:xfrm>
             <a:off x="838080" y="365040"/>
-            <a:ext cx="10514520" cy="1324440"/>
+            <a:ext cx="10514160" cy="1324080"/>
           </a:xfrm>
           <a:prstGeom prst="rect">
             <a:avLst/>
@@ -5390,7 +5390,7 @@
         <p:spPr>
           <a:xfrm>
             <a:off x="838080" y="1825560"/>
-            <a:ext cx="10514520" cy="4350240"/>
+            <a:ext cx="10514160" cy="4349880"/>
           </a:xfrm>
           <a:prstGeom prst="rect">
             <a:avLst/>
@@ -5446,7 +5446,7 @@
         <p:spPr>
           <a:xfrm>
             <a:off x="838080" y="365040"/>
-            <a:ext cx="10514520" cy="1324440"/>
+            <a:ext cx="10514160" cy="1324080"/>
           </a:xfrm>
           <a:prstGeom prst="rect">
             <a:avLst/>
@@ -5497,7 +5497,7 @@
         <p:spPr>
           <a:xfrm>
             <a:off x="838080" y="1689480"/>
-            <a:ext cx="10514520" cy="4486320"/>
+            <a:ext cx="10514160" cy="4485960"/>
           </a:xfrm>
           <a:prstGeom prst="rect">
             <a:avLst/>
@@ -5534,17 +5534,7 @@
                 <a:latin typeface="Times New Roman"/>
                 <a:ea typeface="DejaVu Sans"/>
               </a:rPr>
-              <a:t>O restaurante será aberto na cidade histórica de Diamantina – MG, onde antes da pandemia existia um fluxo constante de turistas, turismo com forte caráter cultural (</a:t>
-            </a:r>
-            <a:r>
-              <a:rPr b="0" lang="pt-BR" sz="2000" spc="-1" strike="noStrike">
-                <a:solidFill>
-                  <a:srgbClr val="000000"/>
-                </a:solidFill>
-                <a:latin typeface="Times New Roman"/>
-                <a:ea typeface="DejaVu Sans"/>
-              </a:rPr>
-              <a:t>UFVJM, p. 11 e p. 19, 2012). Outro fato de grande importância para cidade, foi que em 1999 ela foi reconhecida pela UNESCO como Patrimônio Cultural da Humanidade. De acordo com a Secretaria de Estado de Cultura e Turismo do Estado de Minas Gerais, Diamantina é conhecida como um dos principais destinos da </a:t>
+              <a:t>O restaurante será aberto na cidade histórica de Diamantina – MG, onde antes da pandemia existia um fluxo constante de turistas, turismo com forte caráter cultural (UFVJM, p. 11 e p. 19, 2012). Outro fato de grande importância para cidade e para o turismo, foi que em 1999 a cidade foi reconhecida pela UNESCO como Patrimônio Cultural da Humanidade. De acordo com a Secretaria de Estado de Cultura e Turismo do Estado de Minas Gerais, Diamantina é conhecida como um dos principais destinos da </a:t>
             </a:r>
             <a:r>
               <a:rPr b="1" lang="pt-BR" sz="2000" spc="-1" strike="noStrike">
@@ -5631,7 +5621,7 @@
         <p:spPr>
           <a:xfrm>
             <a:off x="838080" y="365040"/>
-            <a:ext cx="10514520" cy="1324440"/>
+            <a:ext cx="10514160" cy="1324080"/>
           </a:xfrm>
           <a:prstGeom prst="rect">
             <a:avLst/>
@@ -5675,14 +5665,14 @@
       </p:sp>
       <p:sp>
         <p:nvSpPr>
-          <p:cNvPr id="123" name="TextShape 2"/>
-          <p:cNvSpPr txBox="1"/>
+          <p:cNvPr id="123" name="CustomShape 2"/>
+          <p:cNvSpPr/>
           <p:nvPr/>
         </p:nvSpPr>
         <p:spPr>
           <a:xfrm>
             <a:off x="360000" y="1689480"/>
-            <a:ext cx="11520000" cy="2414520"/>
+            <a:ext cx="11519640" cy="2414160"/>
           </a:xfrm>
           <a:prstGeom prst="rect">
             <a:avLst/>
@@ -5692,12 +5682,22 @@
             <a:noFill/>
           </a:ln>
         </p:spPr>
+        <p:style>
+          <a:lnRef idx="0"/>
+          <a:fillRef idx="0"/>
+          <a:effectRef idx="0"/>
+          <a:fontRef idx="minor"/>
+        </p:style>
         <p:txBody>
           <a:bodyPr lIns="90000" rIns="90000" tIns="45000" bIns="45000">
             <a:noAutofit/>
           </a:bodyPr>
           <a:p>
-            <a:pPr algn="just"/>
+            <a:pPr algn="just">
+              <a:lnSpc>
+                <a:spcPct val="100000"/>
+              </a:lnSpc>
+            </a:pPr>
             <a:r>
               <a:rPr b="0" lang="pt-BR" sz="2000" spc="-1" strike="noStrike">
                 <a:solidFill>
@@ -5706,14 +5706,18 @@
                 <a:latin typeface="Times New Roman"/>
                 <a:ea typeface="DejaVu Sans"/>
               </a:rPr>
-              <a:t>A proposta do bar e restaurante é servir tira-gosto e  pratos quentes, onde em sua composição, haverão produtos regionais e a predominância da carne de  porco, que é muito apreciada e utilizada na culinária local. O diferencial gastronômico, serão os embutidos artesanais (linguiças, salames e salsichas) que serão produzidas pelo próprio estabelecimento. </a:t>
+              <a:t>A proposta do bar e restaurante é servir tira-gosto e  pratos quentes, onde em sua composição, haverão produtos regionais e as carnes mais utilizadas serão o porco e o frango, visto que estas são as mais utilizadas na região, e muito apreciada na culinária local. O diferencial gastronômico, serão os embutidos artesanais (linguiças, salames e salsichas) que serão produzidas pelo próprio estabelecimento. </a:t>
             </a:r>
             <a:endParaRPr b="0" lang="pt-BR" sz="2000" spc="-1" strike="noStrike">
               <a:latin typeface="Arial"/>
             </a:endParaRPr>
           </a:p>
           <a:p>
-            <a:pPr algn="just"/>
+            <a:pPr algn="just">
+              <a:lnSpc>
+                <a:spcPct val="100000"/>
+              </a:lnSpc>
+            </a:pPr>
             <a:r>
               <a:rPr b="0" lang="pt-BR" sz="2000" spc="-1" strike="noStrike">
                 <a:solidFill>
@@ -5722,14 +5726,18 @@
                 <a:latin typeface="Times New Roman"/>
                 <a:ea typeface="DejaVu Sans"/>
               </a:rPr>
-              <a:t>Nosso público-alvo serão pessoas da faixa etária de 25 a 50 anos, turistas ou nativos predominantemente famílias e ou casais. </a:t>
+              <a:t>As bebidas servidas serão sucos com frutas regionais, cachaças de produtores locais e cervejas artesanais de produtores locais e das principais marcas mineiras.</a:t>
             </a:r>
             <a:endParaRPr b="0" lang="pt-BR" sz="2000" spc="-1" strike="noStrike">
               <a:latin typeface="Arial"/>
             </a:endParaRPr>
           </a:p>
           <a:p>
-            <a:pPr algn="just"/>
+            <a:pPr algn="just">
+              <a:lnSpc>
+                <a:spcPct val="100000"/>
+              </a:lnSpc>
+            </a:pPr>
             <a:r>
               <a:rPr b="0" lang="pt-BR" sz="2000" spc="-1" strike="noStrike">
                 <a:solidFill>
@@ -5738,8 +5746,168 @@
                 <a:latin typeface="Times New Roman"/>
                 <a:ea typeface="DejaVu Sans"/>
               </a:rPr>
-              <a:t>Os produtores locais e agricultura familiar, serão nossos principais parceiros para a aquisição de produtos utilizados na confecção dos pratos.</a:t>
-            </a:r>
+              <a:t>Nosso público-alvo serão pessoas da faixa etária de 25 a 50 anos, turistas ou nativos predominantemente famílias e ou casais. </a:t>
+            </a:r>
+            <a:endParaRPr b="0" lang="pt-BR" sz="2000" spc="-1" strike="noStrike">
+              <a:latin typeface="Arial"/>
+            </a:endParaRPr>
+          </a:p>
+          <a:p>
+            <a:pPr algn="just">
+              <a:lnSpc>
+                <a:spcPct val="100000"/>
+              </a:lnSpc>
+            </a:pPr>
+            <a:r>
+              <a:rPr b="0" lang="pt-BR" sz="2000" spc="-1" strike="noStrike">
+                <a:solidFill>
+                  <a:srgbClr val="000000"/>
+                </a:solidFill>
+                <a:latin typeface="Times New Roman"/>
+                <a:ea typeface="DejaVu Sans"/>
+              </a:rPr>
+              <a:t>Os produtores locais e da agricultura familiar, serão nossos principais parceiros para a aquisição de produtos utilizados na confecção dos pratos.</a:t>
+            </a:r>
+            <a:endParaRPr b="0" lang="pt-BR" sz="2000" spc="-1" strike="noStrike">
+              <a:latin typeface="Arial"/>
+            </a:endParaRPr>
+          </a:p>
+          <a:p>
+            <a:pPr algn="just">
+              <a:lnSpc>
+                <a:spcPct val="100000"/>
+              </a:lnSpc>
+            </a:pPr>
+            <a:r>
+              <a:rPr b="0" lang="pt-BR" sz="2000" spc="-1" strike="noStrike">
+                <a:solidFill>
+                  <a:srgbClr val="000000"/>
+                </a:solidFill>
+                <a:latin typeface="Times New Roman"/>
+                <a:ea typeface="DejaVu Sans"/>
+              </a:rPr>
+              <a:t>Todas as sobras, restos e lixo do restaurante serão separados para que possa haver seu aproveitamento e destino sustentável.</a:t>
+            </a:r>
+            <a:endParaRPr b="0" lang="pt-BR" sz="2000" spc="-1" strike="noStrike">
+              <a:latin typeface="Arial"/>
+            </a:endParaRPr>
+          </a:p>
+          <a:p>
+            <a:pPr marL="216000" indent="-216000" algn="just">
+              <a:lnSpc>
+                <a:spcPct val="100000"/>
+              </a:lnSpc>
+              <a:buClr>
+                <a:srgbClr val="000000"/>
+              </a:buClr>
+              <a:buFont typeface="Symbol" charset="2"/>
+              <a:buChar char=""/>
+            </a:pPr>
+            <a:r>
+              <a:rPr b="0" lang="pt-BR" sz="2000" spc="-1" strike="noStrike">
+                <a:solidFill>
+                  <a:srgbClr val="000000"/>
+                </a:solidFill>
+                <a:latin typeface="Times New Roman"/>
+                <a:ea typeface="DejaVu Sans"/>
+              </a:rPr>
+              <a:t>consumo humano, serão enviadas a asilos da cidade</a:t>
+            </a:r>
+            <a:endParaRPr b="0" lang="pt-BR" sz="2000" spc="-1" strike="noStrike">
+              <a:latin typeface="Arial"/>
+            </a:endParaRPr>
+          </a:p>
+          <a:p>
+            <a:pPr marL="216000" indent="-216000" algn="just">
+              <a:lnSpc>
+                <a:spcPct val="100000"/>
+              </a:lnSpc>
+              <a:buClr>
+                <a:srgbClr val="000000"/>
+              </a:buClr>
+              <a:buFont typeface="Symbol" charset="2"/>
+              <a:buChar char=""/>
+            </a:pPr>
+            <a:r>
+              <a:rPr b="0" lang="pt-BR" sz="2000" spc="-1" strike="noStrike">
+                <a:solidFill>
+                  <a:srgbClr val="000000"/>
+                </a:solidFill>
+                <a:latin typeface="Times New Roman"/>
+                <a:ea typeface="DejaVu Sans"/>
+              </a:rPr>
+              <a:t>consumo animal, serão enviadas a produtores rurais parceiros para a engorda de porcos. </a:t>
+            </a:r>
+            <a:endParaRPr b="0" lang="pt-BR" sz="2000" spc="-1" strike="noStrike">
+              <a:latin typeface="Arial"/>
+            </a:endParaRPr>
+          </a:p>
+          <a:p>
+            <a:pPr marL="216000" indent="-216000" algn="just">
+              <a:lnSpc>
+                <a:spcPct val="100000"/>
+              </a:lnSpc>
+              <a:buClr>
+                <a:srgbClr val="000000"/>
+              </a:buClr>
+              <a:buFont typeface="Symbol" charset="2"/>
+              <a:buChar char=""/>
+            </a:pPr>
+            <a:r>
+              <a:rPr b="0" lang="pt-BR" sz="2000" spc="-1" strike="noStrike">
+                <a:solidFill>
+                  <a:srgbClr val="000000"/>
+                </a:solidFill>
+                <a:latin typeface="Times New Roman"/>
+                <a:ea typeface="DejaVu Sans"/>
+              </a:rPr>
+              <a:t>separação de plásticos, latas e utensílios descartados </a:t>
+            </a:r>
+            <a:endParaRPr b="0" lang="pt-BR" sz="2000" spc="-1" strike="noStrike">
+              <a:latin typeface="Arial"/>
+            </a:endParaRPr>
+          </a:p>
+          <a:p>
+            <a:pPr marL="216000" indent="-216000" algn="just">
+              <a:lnSpc>
+                <a:spcPct val="100000"/>
+              </a:lnSpc>
+              <a:buClr>
+                <a:srgbClr val="000000"/>
+              </a:buClr>
+              <a:buFont typeface="Symbol" charset="2"/>
+              <a:buChar char=""/>
+            </a:pPr>
+            <a:r>
+              <a:rPr b="0" lang="pt-BR" sz="2000" spc="-1" strike="noStrike">
+                <a:solidFill>
+                  <a:srgbClr val="000000"/>
+                </a:solidFill>
+                <a:latin typeface="Times New Roman"/>
+                <a:ea typeface="DejaVu Sans"/>
+              </a:rPr>
+              <a:t>compostagem para geração de adubo orgânico</a:t>
+            </a:r>
+            <a:endParaRPr b="0" lang="pt-BR" sz="2000" spc="-1" strike="noStrike">
+              <a:latin typeface="Arial"/>
+            </a:endParaRPr>
+          </a:p>
+          <a:p>
+            <a:pPr algn="just">
+              <a:lnSpc>
+                <a:spcPct val="100000"/>
+              </a:lnSpc>
+            </a:pPr>
+            <a:endParaRPr b="0" lang="pt-BR" sz="2000" spc="-1" strike="noStrike">
+              <a:latin typeface="Arial"/>
+            </a:endParaRPr>
+          </a:p>
+          <a:p>
+            <a:pPr algn="just">
+              <a:lnSpc>
+                <a:spcPct val="100000"/>
+              </a:lnSpc>
+            </a:pPr>
             <a:endParaRPr b="0" lang="pt-BR" sz="2000" spc="-1" strike="noStrike">
               <a:latin typeface="Arial"/>
             </a:endParaRPr>
@@ -5785,7 +5953,7 @@
         <p:spPr>
           <a:xfrm>
             <a:off x="838080" y="365040"/>
-            <a:ext cx="10514520" cy="606240"/>
+            <a:ext cx="10514160" cy="605880"/>
           </a:xfrm>
           <a:prstGeom prst="rect">
             <a:avLst/>
@@ -5836,7 +6004,7 @@
         <p:spPr>
           <a:xfrm>
             <a:off x="9156600" y="1102680"/>
-            <a:ext cx="2196000" cy="3554640"/>
+            <a:ext cx="2195640" cy="3554280"/>
           </a:xfrm>
           <a:prstGeom prst="rect">
             <a:avLst/>
@@ -6077,7 +6245,7 @@
         <p:spPr>
           <a:xfrm>
             <a:off x="2764440" y="2878200"/>
-            <a:ext cx="2090520" cy="1779120"/>
+            <a:ext cx="2090160" cy="1778760"/>
           </a:xfrm>
           <a:prstGeom prst="rect">
             <a:avLst/>
@@ -6230,7 +6398,7 @@
         <p:spPr>
           <a:xfrm>
             <a:off x="4929120" y="1102680"/>
-            <a:ext cx="2002680" cy="4973040"/>
+            <a:ext cx="2002320" cy="4972680"/>
           </a:xfrm>
           <a:prstGeom prst="rect">
             <a:avLst/>
@@ -6474,7 +6642,7 @@
         <p:spPr>
           <a:xfrm>
             <a:off x="7007040" y="1102680"/>
-            <a:ext cx="2075760" cy="1735200"/>
+            <a:ext cx="2075400" cy="1734840"/>
           </a:xfrm>
           <a:prstGeom prst="rect">
             <a:avLst/>
@@ -6622,7 +6790,7 @@
         <p:spPr>
           <a:xfrm>
             <a:off x="766800" y="1103400"/>
-            <a:ext cx="1937520" cy="3553920"/>
+            <a:ext cx="1937160" cy="3553560"/>
           </a:xfrm>
           <a:prstGeom prst="rect">
             <a:avLst/>
@@ -6843,7 +7011,7 @@
         <p:spPr>
           <a:xfrm>
             <a:off x="766800" y="4708440"/>
-            <a:ext cx="4088520" cy="1366920"/>
+            <a:ext cx="4088160" cy="1366560"/>
           </a:xfrm>
           <a:prstGeom prst="rect">
             <a:avLst/>
@@ -6991,7 +7159,7 @@
         <p:spPr>
           <a:xfrm>
             <a:off x="7007040" y="2889000"/>
-            <a:ext cx="2079720" cy="1768320"/>
+            <a:ext cx="2079360" cy="1767960"/>
           </a:xfrm>
           <a:prstGeom prst="rect">
             <a:avLst/>
@@ -7145,7 +7313,7 @@
         <p:spPr>
           <a:xfrm>
             <a:off x="7007040" y="4708440"/>
-            <a:ext cx="4345560" cy="1352160"/>
+            <a:ext cx="4345200" cy="1351800"/>
           </a:xfrm>
           <a:prstGeom prst="rect">
             <a:avLst/>
@@ -7258,7 +7426,7 @@
         <p:spPr>
           <a:xfrm>
             <a:off x="2764440" y="1102680"/>
-            <a:ext cx="2093760" cy="1735200"/>
+            <a:ext cx="2093400" cy="1734840"/>
           </a:xfrm>
           <a:prstGeom prst="rect">
             <a:avLst/>
@@ -7439,7 +7607,7 @@
         <p:spPr>
           <a:xfrm>
             <a:off x="838080" y="365040"/>
-            <a:ext cx="10514520" cy="1324440"/>
+            <a:ext cx="10514160" cy="1324080"/>
           </a:xfrm>
           <a:prstGeom prst="rect">
             <a:avLst/>
@@ -7490,7 +7658,7 @@
         <p:spPr>
           <a:xfrm>
             <a:off x="838080" y="1825560"/>
-            <a:ext cx="10514520" cy="4350240"/>
+            <a:ext cx="10514160" cy="4349880"/>
           </a:xfrm>
           <a:prstGeom prst="rect">
             <a:avLst/>
@@ -7511,10 +7679,14 @@
   </p:cSld>
   <mc:AlternateContent>
     <mc:Choice Requires="p14">
-      <p:transition spd="slow" p14:dur="2000"/>
+      <p:transition spd="slow" p14:dur="2000">
+        <p:wheel spokes="1"/>
+      </p:transition>
     </mc:Choice>
     <mc:Fallback>
-      <p:transition spd="slow"/>
+      <p:transition spd="slow">
+        <p:wheel spokes="1"/>
+      </p:transition>
     </mc:Fallback>
   </mc:AlternateContent>
 </p:sld>
@@ -7546,7 +7718,7 @@
         <p:spPr>
           <a:xfrm>
             <a:off x="838080" y="365040"/>
-            <a:ext cx="10514520" cy="1324440"/>
+            <a:ext cx="10514160" cy="1324080"/>
           </a:xfrm>
           <a:prstGeom prst="rect">
             <a:avLst/>
@@ -7597,7 +7769,7 @@
         <p:spPr>
           <a:xfrm>
             <a:off x="838080" y="1825560"/>
-            <a:ext cx="5180400" cy="4350240"/>
+            <a:ext cx="5180040" cy="4349880"/>
           </a:xfrm>
           <a:prstGeom prst="rect">
             <a:avLst/>
@@ -7623,7 +7795,7 @@
         <p:spPr>
           <a:xfrm>
             <a:off x="6172200" y="1825560"/>
-            <a:ext cx="5180400" cy="4350240"/>
+            <a:ext cx="5180040" cy="4349880"/>
           </a:xfrm>
           <a:prstGeom prst="rect">
             <a:avLst/>
@@ -7679,7 +7851,7 @@
         <p:spPr>
           <a:xfrm>
             <a:off x="838080" y="365040"/>
-            <a:ext cx="10514520" cy="1324440"/>
+            <a:ext cx="10514160" cy="1324080"/>
           </a:xfrm>
           <a:prstGeom prst="rect">
             <a:avLst/>
@@ -7730,7 +7902,7 @@
         <p:spPr>
           <a:xfrm>
             <a:off x="838080" y="1825560"/>
-            <a:ext cx="10514520" cy="4350240"/>
+            <a:ext cx="10514160" cy="4349880"/>
           </a:xfrm>
           <a:prstGeom prst="rect">
             <a:avLst/>
@@ -7786,7 +7958,7 @@
         <p:spPr>
           <a:xfrm>
             <a:off x="838080" y="365040"/>
-            <a:ext cx="10514520" cy="1324440"/>
+            <a:ext cx="10514160" cy="1324080"/>
           </a:xfrm>
           <a:prstGeom prst="rect">
             <a:avLst/>
@@ -7837,7 +8009,7 @@
         <p:spPr>
           <a:xfrm>
             <a:off x="838080" y="1825560"/>
-            <a:ext cx="10514520" cy="4350240"/>
+            <a:ext cx="10514160" cy="4349880"/>
           </a:xfrm>
           <a:prstGeom prst="rect">
             <a:avLst/>
@@ -7893,7 +8065,7 @@
         <p:spPr>
           <a:xfrm>
             <a:off x="838080" y="365040"/>
-            <a:ext cx="10514520" cy="1324440"/>
+            <a:ext cx="10514160" cy="1324080"/>
           </a:xfrm>
           <a:prstGeom prst="rect">
             <a:avLst/>
@@ -7944,7 +8116,7 @@
         <p:spPr>
           <a:xfrm>
             <a:off x="838080" y="1825560"/>
-            <a:ext cx="10514520" cy="4350240"/>
+            <a:ext cx="10514160" cy="4349880"/>
           </a:xfrm>
           <a:prstGeom prst="rect">
             <a:avLst/>

--- a/plano-de-negocios-restaurante-tioto.pptx
+++ b/plano-de-negocios-restaurante-tioto.pptx
@@ -4128,7 +4128,7 @@
         <p:spPr>
           <a:xfrm>
             <a:off x="5441040" y="6062040"/>
-            <a:ext cx="1110600" cy="587160"/>
+            <a:ext cx="1110240" cy="586800"/>
           </a:xfrm>
           <a:prstGeom prst="rect">
             <a:avLst/>
@@ -4411,7 +4411,7 @@
         <p:spPr>
           <a:xfrm>
             <a:off x="5540040" y="6176880"/>
-            <a:ext cx="1110600" cy="587160"/>
+            <a:ext cx="1110240" cy="586800"/>
           </a:xfrm>
           <a:prstGeom prst="rect">
             <a:avLst/>
@@ -4694,7 +4694,7 @@
         <p:spPr>
           <a:xfrm>
             <a:off x="5540040" y="6132960"/>
-            <a:ext cx="1110600" cy="587160"/>
+            <a:ext cx="1110240" cy="586800"/>
           </a:xfrm>
           <a:prstGeom prst="rect">
             <a:avLst/>
@@ -5145,7 +5145,7 @@
         <p:spPr>
           <a:xfrm>
             <a:off x="1523880" y="523800"/>
-            <a:ext cx="9142560" cy="2386080"/>
+            <a:ext cx="9142200" cy="2385720"/>
           </a:xfrm>
           <a:prstGeom prst="rect">
             <a:avLst/>
@@ -5196,7 +5196,7 @@
         <p:spPr>
           <a:xfrm>
             <a:off x="1523880" y="3003480"/>
-            <a:ext cx="9142560" cy="2240280"/>
+            <a:ext cx="9142200" cy="2239920"/>
           </a:xfrm>
           <a:prstGeom prst="rect">
             <a:avLst/>
@@ -5339,7 +5339,7 @@
         <p:spPr>
           <a:xfrm>
             <a:off x="838080" y="365040"/>
-            <a:ext cx="10514160" cy="1324080"/>
+            <a:ext cx="10513800" cy="1323720"/>
           </a:xfrm>
           <a:prstGeom prst="rect">
             <a:avLst/>
@@ -5390,7 +5390,7 @@
         <p:spPr>
           <a:xfrm>
             <a:off x="838080" y="1825560"/>
-            <a:ext cx="10514160" cy="4349880"/>
+            <a:ext cx="10513800" cy="4349520"/>
           </a:xfrm>
           <a:prstGeom prst="rect">
             <a:avLst/>
@@ -5446,7 +5446,7 @@
         <p:spPr>
           <a:xfrm>
             <a:off x="838080" y="365040"/>
-            <a:ext cx="10514160" cy="1324080"/>
+            <a:ext cx="10513800" cy="1323720"/>
           </a:xfrm>
           <a:prstGeom prst="rect">
             <a:avLst/>
@@ -5497,7 +5497,7 @@
         <p:spPr>
           <a:xfrm>
             <a:off x="838080" y="1689480"/>
-            <a:ext cx="10514160" cy="4485960"/>
+            <a:ext cx="10513800" cy="4485600"/>
           </a:xfrm>
           <a:prstGeom prst="rect">
             <a:avLst/>
@@ -5621,7 +5621,7 @@
         <p:spPr>
           <a:xfrm>
             <a:off x="838080" y="365040"/>
-            <a:ext cx="10514160" cy="1324080"/>
+            <a:ext cx="10513800" cy="1323720"/>
           </a:xfrm>
           <a:prstGeom prst="rect">
             <a:avLst/>
@@ -5671,8 +5671,8 @@
         </p:nvSpPr>
         <p:spPr>
           <a:xfrm>
-            <a:off x="360000" y="1689480"/>
-            <a:ext cx="11519640" cy="2414160"/>
+            <a:off x="360000" y="1499040"/>
+            <a:ext cx="11519280" cy="2413800"/>
           </a:xfrm>
           <a:prstGeom prst="rect">
             <a:avLst/>
@@ -5706,7 +5706,7 @@
                 <a:latin typeface="Times New Roman"/>
                 <a:ea typeface="DejaVu Sans"/>
               </a:rPr>
-              <a:t>A proposta do bar e restaurante é servir tira-gosto e  pratos quentes, onde em sua composição, haverão produtos regionais e as carnes mais utilizadas serão o porco e o frango, visto que estas são as mais utilizadas na região, e muito apreciada na culinária local. O diferencial gastronômico, serão os embutidos artesanais (linguiças, salames e salsichas) que serão produzidas pelo próprio estabelecimento. </a:t>
+              <a:t>A proposta do bar e restaurante é servir tira-gosto e  pratos quentes, onde em sua composição, haverão produtos regionais e as carnes mais utilizadas serão o porco e o frango caipira, pois estas são as carnes mais utilizadas e muito apreciada na culinária local. O diferencial gastronômico, serão os embutidos artesanais (linguiças, salames e salsichas) que serão produzidas pelo próprio estabelecimento. </a:t>
             </a:r>
             <a:endParaRPr b="0" lang="pt-BR" sz="2000" spc="-1" strike="noStrike">
               <a:latin typeface="Arial"/>
@@ -5793,14 +5793,14 @@
             </a:endParaRPr>
           </a:p>
           <a:p>
-            <a:pPr marL="216000" indent="-216000" algn="just">
+            <a:pPr marL="216000" indent="-215640" algn="just">
               <a:lnSpc>
                 <a:spcPct val="100000"/>
               </a:lnSpc>
               <a:buClr>
                 <a:srgbClr val="000000"/>
               </a:buClr>
-              <a:buFont typeface="Symbol" charset="2"/>
+              <a:buFont typeface="Symbol"/>
               <a:buChar char=""/>
             </a:pPr>
             <a:r>
@@ -5818,14 +5818,14 @@
             </a:endParaRPr>
           </a:p>
           <a:p>
-            <a:pPr marL="216000" indent="-216000" algn="just">
+            <a:pPr marL="216000" indent="-215640" algn="just">
               <a:lnSpc>
                 <a:spcPct val="100000"/>
               </a:lnSpc>
               <a:buClr>
                 <a:srgbClr val="000000"/>
               </a:buClr>
-              <a:buFont typeface="Symbol" charset="2"/>
+              <a:buFont typeface="Symbol"/>
               <a:buChar char=""/>
             </a:pPr>
             <a:r>
@@ -5843,14 +5843,14 @@
             </a:endParaRPr>
           </a:p>
           <a:p>
-            <a:pPr marL="216000" indent="-216000" algn="just">
+            <a:pPr marL="216000" indent="-215640" algn="just">
               <a:lnSpc>
                 <a:spcPct val="100000"/>
               </a:lnSpc>
               <a:buClr>
                 <a:srgbClr val="000000"/>
               </a:buClr>
-              <a:buFont typeface="Symbol" charset="2"/>
+              <a:buFont typeface="Symbol"/>
               <a:buChar char=""/>
             </a:pPr>
             <a:r>
@@ -5861,21 +5861,21 @@
                 <a:latin typeface="Times New Roman"/>
                 <a:ea typeface="DejaVu Sans"/>
               </a:rPr>
-              <a:t>separação de plásticos, latas e utensílios descartados </a:t>
+              <a:t>separação de plásticos, latas e utensílios descartados para reciclagem.</a:t>
             </a:r>
             <a:endParaRPr b="0" lang="pt-BR" sz="2000" spc="-1" strike="noStrike">
               <a:latin typeface="Arial"/>
             </a:endParaRPr>
           </a:p>
           <a:p>
-            <a:pPr marL="216000" indent="-216000" algn="just">
+            <a:pPr marL="216000" indent="-215640" algn="just">
               <a:lnSpc>
                 <a:spcPct val="100000"/>
               </a:lnSpc>
               <a:buClr>
                 <a:srgbClr val="000000"/>
               </a:buClr>
-              <a:buFont typeface="Symbol" charset="2"/>
+              <a:buFont typeface="Symbol"/>
               <a:buChar char=""/>
             </a:pPr>
             <a:r>
@@ -5953,7 +5953,7 @@
         <p:spPr>
           <a:xfrm>
             <a:off x="838080" y="365040"/>
-            <a:ext cx="10514160" cy="605880"/>
+            <a:ext cx="10513800" cy="605520"/>
           </a:xfrm>
           <a:prstGeom prst="rect">
             <a:avLst/>
@@ -6004,7 +6004,7 @@
         <p:spPr>
           <a:xfrm>
             <a:off x="9156600" y="1102680"/>
-            <a:ext cx="2195640" cy="3554280"/>
+            <a:ext cx="2195280" cy="3553920"/>
           </a:xfrm>
           <a:prstGeom prst="rect">
             <a:avLst/>
@@ -6245,7 +6245,7 @@
         <p:spPr>
           <a:xfrm>
             <a:off x="2764440" y="2878200"/>
-            <a:ext cx="2090160" cy="1778760"/>
+            <a:ext cx="2089800" cy="1778400"/>
           </a:xfrm>
           <a:prstGeom prst="rect">
             <a:avLst/>
@@ -6398,7 +6398,7 @@
         <p:spPr>
           <a:xfrm>
             <a:off x="4929120" y="1102680"/>
-            <a:ext cx="2002320" cy="4972680"/>
+            <a:ext cx="2001960" cy="4972320"/>
           </a:xfrm>
           <a:prstGeom prst="rect">
             <a:avLst/>
@@ -6642,7 +6642,7 @@
         <p:spPr>
           <a:xfrm>
             <a:off x="7007040" y="1102680"/>
-            <a:ext cx="2075400" cy="1734840"/>
+            <a:ext cx="2075040" cy="1734480"/>
           </a:xfrm>
           <a:prstGeom prst="rect">
             <a:avLst/>
@@ -6790,7 +6790,7 @@
         <p:spPr>
           <a:xfrm>
             <a:off x="766800" y="1103400"/>
-            <a:ext cx="1937160" cy="3553560"/>
+            <a:ext cx="1936800" cy="3553200"/>
           </a:xfrm>
           <a:prstGeom prst="rect">
             <a:avLst/>
@@ -7011,7 +7011,7 @@
         <p:spPr>
           <a:xfrm>
             <a:off x="766800" y="4708440"/>
-            <a:ext cx="4088160" cy="1366560"/>
+            <a:ext cx="4087800" cy="1366200"/>
           </a:xfrm>
           <a:prstGeom prst="rect">
             <a:avLst/>
@@ -7159,7 +7159,7 @@
         <p:spPr>
           <a:xfrm>
             <a:off x="7007040" y="2889000"/>
-            <a:ext cx="2079360" cy="1767960"/>
+            <a:ext cx="2079000" cy="1767600"/>
           </a:xfrm>
           <a:prstGeom prst="rect">
             <a:avLst/>
@@ -7313,7 +7313,7 @@
         <p:spPr>
           <a:xfrm>
             <a:off x="7007040" y="4708440"/>
-            <a:ext cx="4345200" cy="1351800"/>
+            <a:ext cx="4344840" cy="1351440"/>
           </a:xfrm>
           <a:prstGeom prst="rect">
             <a:avLst/>
@@ -7426,7 +7426,7 @@
         <p:spPr>
           <a:xfrm>
             <a:off x="2764440" y="1102680"/>
-            <a:ext cx="2093400" cy="1734840"/>
+            <a:ext cx="2093040" cy="1734480"/>
           </a:xfrm>
           <a:prstGeom prst="rect">
             <a:avLst/>
@@ -7607,7 +7607,7 @@
         <p:spPr>
           <a:xfrm>
             <a:off x="838080" y="365040"/>
-            <a:ext cx="10514160" cy="1324080"/>
+            <a:ext cx="10513800" cy="1323720"/>
           </a:xfrm>
           <a:prstGeom prst="rect">
             <a:avLst/>
@@ -7658,7 +7658,7 @@
         <p:spPr>
           <a:xfrm>
             <a:off x="838080" y="1825560"/>
-            <a:ext cx="10514160" cy="4349880"/>
+            <a:ext cx="10513800" cy="4349520"/>
           </a:xfrm>
           <a:prstGeom prst="rect">
             <a:avLst/>
@@ -7674,6 +7674,121 @@
           <a:effectRef idx="0"/>
           <a:fontRef idx="minor"/>
         </p:style>
+        <p:txBody>
+          <a:bodyPr lIns="90000" rIns="90000" tIns="45000" bIns="45000">
+            <a:noAutofit/>
+          </a:bodyPr>
+          <a:p>
+            <a:pPr algn="just">
+              <a:lnSpc>
+                <a:spcPct val="100000"/>
+              </a:lnSpc>
+            </a:pPr>
+            <a:r>
+              <a:rPr b="0" lang="pt-BR" sz="2000" spc="-1" strike="noStrike">
+                <a:solidFill>
+                  <a:srgbClr val="000000"/>
+                </a:solidFill>
+                <a:latin typeface="Times New Roman"/>
+                <a:ea typeface="DejaVu Sans"/>
+              </a:rPr>
+              <a:t>A ideia do estabelecimento é servir a tradicional comida mineira, mesclada com a culinária do vale do Jequitinhonha, valorizando a história e os produtos regionais.</a:t>
+            </a:r>
+            <a:endParaRPr b="0" lang="pt-BR" sz="2000" spc="-1" strike="noStrike">
+              <a:latin typeface="Arial"/>
+            </a:endParaRPr>
+          </a:p>
+          <a:p>
+            <a:pPr algn="just">
+              <a:lnSpc>
+                <a:spcPct val="100000"/>
+              </a:lnSpc>
+            </a:pPr>
+            <a:r>
+              <a:rPr b="0" lang="pt-BR" sz="2000" spc="-1" strike="noStrike">
+                <a:solidFill>
+                  <a:srgbClr val="000000"/>
+                </a:solidFill>
+                <a:latin typeface="Times New Roman"/>
+                <a:ea typeface="DejaVu Sans"/>
+              </a:rPr>
+              <a:t>Queremos que o turista, tenha a experiência da explosão de sabores da culinária mineira e principalmente da culinária regional. Já para o cliente nativo que este, saboreei a conhecida e apreciada culinária local, com produtos frescos e de ótima qualidade.</a:t>
+            </a:r>
+            <a:endParaRPr b="0" lang="pt-BR" sz="2000" spc="-1" strike="noStrike">
+              <a:latin typeface="Arial"/>
+            </a:endParaRPr>
+          </a:p>
+          <a:p>
+            <a:pPr algn="just">
+              <a:lnSpc>
+                <a:spcPct val="100000"/>
+              </a:lnSpc>
+            </a:pPr>
+            <a:r>
+              <a:rPr b="0" lang="pt-BR" sz="2000" spc="-1" strike="noStrike">
+                <a:solidFill>
+                  <a:srgbClr val="000000"/>
+                </a:solidFill>
+                <a:latin typeface="Times New Roman"/>
+                <a:ea typeface="DejaVu Sans"/>
+              </a:rPr>
+              <a:t>Caso o cliente queira, poderá comprar os embutidos in natura, produzidos no estabelecimento. </a:t>
+            </a:r>
+            <a:endParaRPr b="0" lang="pt-BR" sz="2000" spc="-1" strike="noStrike">
+              <a:latin typeface="Arial"/>
+            </a:endParaRPr>
+          </a:p>
+          <a:p>
+            <a:pPr algn="just">
+              <a:lnSpc>
+                <a:spcPct val="100000"/>
+              </a:lnSpc>
+            </a:pPr>
+            <a:r>
+              <a:rPr b="0" lang="pt-BR" sz="2000" spc="-1" strike="noStrike">
+                <a:solidFill>
+                  <a:srgbClr val="000000"/>
+                </a:solidFill>
+                <a:latin typeface="Times New Roman"/>
+                <a:ea typeface="DejaVu Sans"/>
+              </a:rPr>
+              <a:t>A comercialização será realizada no fundo da loja, onde haverá um responsável pela apresentação e venda. </a:t>
+            </a:r>
+            <a:endParaRPr b="0" lang="pt-BR" sz="2000" spc="-1" strike="noStrike">
+              <a:latin typeface="Arial"/>
+            </a:endParaRPr>
+          </a:p>
+          <a:p>
+            <a:pPr algn="just">
+              <a:lnSpc>
+                <a:spcPct val="100000"/>
+              </a:lnSpc>
+            </a:pPr>
+            <a:endParaRPr b="0" lang="pt-BR" sz="2000" spc="-1" strike="noStrike">
+              <a:latin typeface="Arial"/>
+            </a:endParaRPr>
+          </a:p>
+          <a:p>
+            <a:pPr algn="just">
+              <a:lnSpc>
+                <a:spcPct val="100000"/>
+              </a:lnSpc>
+            </a:pPr>
+            <a:r>
+              <a:rPr b="0" lang="pt-BR" sz="2000" spc="-1" strike="noStrike">
+                <a:solidFill>
+                  <a:srgbClr val="000000"/>
+                </a:solidFill>
+                <a:latin typeface="Times New Roman"/>
+                <a:ea typeface="DejaVu Sans"/>
+              </a:rPr>
+              <a:t> </a:t>
+            </a:r>
+            <a:endParaRPr b="0" lang="pt-BR" sz="2000" spc="-1" strike="noStrike">
+              <a:latin typeface="Arial"/>
+            </a:endParaRPr>
+          </a:p>
+        </p:txBody>
       </p:sp>
     </p:spTree>
   </p:cSld>
@@ -7718,7 +7833,7 @@
         <p:spPr>
           <a:xfrm>
             <a:off x="838080" y="365040"/>
-            <a:ext cx="10514160" cy="1324080"/>
+            <a:ext cx="10513800" cy="1323720"/>
           </a:xfrm>
           <a:prstGeom prst="rect">
             <a:avLst/>
@@ -7769,7 +7884,7 @@
         <p:spPr>
           <a:xfrm>
             <a:off x="838080" y="1825560"/>
-            <a:ext cx="5180040" cy="4349880"/>
+            <a:ext cx="5179680" cy="4349520"/>
           </a:xfrm>
           <a:prstGeom prst="rect">
             <a:avLst/>
@@ -7794,8 +7909,8 @@
         </p:nvSpPr>
         <p:spPr>
           <a:xfrm>
-            <a:off x="6172200" y="1825560"/>
-            <a:ext cx="5180040" cy="4349880"/>
+            <a:off x="720000" y="1512000"/>
+            <a:ext cx="10631880" cy="4349520"/>
           </a:xfrm>
           <a:prstGeom prst="rect">
             <a:avLst/>
@@ -7811,6 +7926,288 @@
           <a:effectRef idx="0"/>
           <a:fontRef idx="minor"/>
         </p:style>
+        <p:txBody>
+          <a:bodyPr lIns="90000" rIns="90000" tIns="45000" bIns="45000">
+            <a:noAutofit/>
+          </a:bodyPr>
+          <a:p>
+            <a:pPr algn="just"/>
+            <a:r>
+              <a:rPr b="0" lang="pt-BR" sz="2000" spc="-1" strike="noStrike">
+                <a:latin typeface="Times New Roman"/>
+              </a:rPr>
+              <a:t>Pratos servidos:</a:t>
+            </a:r>
+            <a:endParaRPr b="0" lang="pt-BR" sz="2000" spc="-1" strike="noStrike">
+              <a:latin typeface="Arial"/>
+            </a:endParaRPr>
+          </a:p>
+          <a:p>
+            <a:pPr algn="just"/>
+            <a:endParaRPr b="0" lang="pt-BR" sz="2000" spc="-1" strike="noStrike">
+              <a:latin typeface="Arial"/>
+            </a:endParaRPr>
+          </a:p>
+          <a:p>
+            <a:pPr marL="216000" indent="-216000" algn="just">
+              <a:lnSpc>
+                <a:spcPct val="100000"/>
+              </a:lnSpc>
+              <a:buClr>
+                <a:srgbClr val="000000"/>
+              </a:buClr>
+              <a:buSzPct val="45000"/>
+              <a:buFont typeface="Symbol" charset="2"/>
+              <a:buChar char=""/>
+            </a:pPr>
+            <a:r>
+              <a:rPr b="0" lang="pt-BR" sz="2000" spc="-1" strike="noStrike">
+                <a:latin typeface="Times New Roman"/>
+              </a:rPr>
+              <a:t>Pão de queijo com linguiça artesanal</a:t>
+            </a:r>
+            <a:endParaRPr b="0" lang="pt-BR" sz="2000" spc="-1" strike="noStrike">
+              <a:latin typeface="Arial"/>
+            </a:endParaRPr>
+          </a:p>
+          <a:p>
+            <a:pPr marL="216000" indent="-216000" algn="just">
+              <a:lnSpc>
+                <a:spcPct val="100000"/>
+              </a:lnSpc>
+              <a:buClr>
+                <a:srgbClr val="000000"/>
+              </a:buClr>
+              <a:buSzPct val="45000"/>
+              <a:buFont typeface="Symbol" charset="2"/>
+              <a:buChar char=""/>
+            </a:pPr>
+            <a:endParaRPr b="0" lang="pt-BR" sz="2000" spc="-1" strike="noStrike">
+              <a:latin typeface="Arial"/>
+            </a:endParaRPr>
+          </a:p>
+          <a:p>
+            <a:pPr marL="216000" indent="-216000" algn="just">
+              <a:lnSpc>
+                <a:spcPct val="100000"/>
+              </a:lnSpc>
+              <a:buClr>
+                <a:srgbClr val="000000"/>
+              </a:buClr>
+              <a:buSzPct val="45000"/>
+              <a:buFont typeface="Symbol" charset="2"/>
+              <a:buChar char=""/>
+            </a:pPr>
+            <a:r>
+              <a:rPr b="0" lang="pt-BR" sz="2000" spc="-1" strike="noStrike">
+                <a:latin typeface="Times New Roman"/>
+              </a:rPr>
+              <a:t>Kaol (Couve, Arroz, Ovo frito e linguiça artesanal, cebola e alho)</a:t>
+            </a:r>
+            <a:endParaRPr b="0" lang="pt-BR" sz="2000" spc="-1" strike="noStrike">
+              <a:latin typeface="Arial"/>
+            </a:endParaRPr>
+          </a:p>
+          <a:p>
+            <a:pPr marL="216000" indent="-216000" algn="just">
+              <a:lnSpc>
+                <a:spcPct val="100000"/>
+              </a:lnSpc>
+              <a:buClr>
+                <a:srgbClr val="000000"/>
+              </a:buClr>
+              <a:buSzPct val="45000"/>
+              <a:buFont typeface="Symbol" charset="2"/>
+              <a:buChar char=""/>
+            </a:pPr>
+            <a:endParaRPr b="0" lang="pt-BR" sz="2000" spc="-1" strike="noStrike">
+              <a:latin typeface="Arial"/>
+            </a:endParaRPr>
+          </a:p>
+          <a:p>
+            <a:pPr marL="216000" indent="-216000" algn="just">
+              <a:lnSpc>
+                <a:spcPct val="100000"/>
+              </a:lnSpc>
+              <a:buClr>
+                <a:srgbClr val="000000"/>
+              </a:buClr>
+              <a:buSzPct val="45000"/>
+              <a:buFont typeface="Symbol" charset="2"/>
+              <a:buChar char=""/>
+            </a:pPr>
+            <a:r>
+              <a:rPr b="0" lang="pt-BR" sz="2000" spc="-1" strike="noStrike">
+                <a:latin typeface="Times New Roman"/>
+              </a:rPr>
+              <a:t>Péla égua (Canjiquinha com suã de porco, linguiça artesanal e bacon, cebola e alho)</a:t>
+            </a:r>
+            <a:endParaRPr b="0" lang="pt-BR" sz="2000" spc="-1" strike="noStrike">
+              <a:latin typeface="Arial"/>
+            </a:endParaRPr>
+          </a:p>
+          <a:p>
+            <a:pPr marL="216000" indent="-216000" algn="just">
+              <a:lnSpc>
+                <a:spcPct val="100000"/>
+              </a:lnSpc>
+              <a:buClr>
+                <a:srgbClr val="000000"/>
+              </a:buClr>
+              <a:buSzPct val="45000"/>
+              <a:buFont typeface="Symbol" charset="2"/>
+              <a:buChar char=""/>
+            </a:pPr>
+            <a:endParaRPr b="0" lang="pt-BR" sz="2000" spc="-1" strike="noStrike">
+              <a:latin typeface="Arial"/>
+            </a:endParaRPr>
+          </a:p>
+          <a:p>
+            <a:pPr marL="216000" indent="-216000" algn="just">
+              <a:lnSpc>
+                <a:spcPct val="100000"/>
+              </a:lnSpc>
+              <a:buClr>
+                <a:srgbClr val="000000"/>
+              </a:buClr>
+              <a:buSzPct val="45000"/>
+              <a:buFont typeface="Symbol" charset="2"/>
+              <a:buChar char=""/>
+            </a:pPr>
+            <a:r>
+              <a:rPr b="0" lang="pt-BR" sz="2000" spc="-1" strike="noStrike">
+                <a:latin typeface="Times New Roman"/>
+              </a:rPr>
+              <a:t>Farofa de Feijão andú (Feijão andú, bife de cabeça de lombo, ovo frito, farinha de mandioca sem torrar, torresmo de barriga de porco, cebola e alho)</a:t>
+            </a:r>
+            <a:endParaRPr b="0" lang="pt-BR" sz="2000" spc="-1" strike="noStrike">
+              <a:latin typeface="Arial"/>
+            </a:endParaRPr>
+          </a:p>
+          <a:p>
+            <a:pPr marL="216000" indent="-216000" algn="just">
+              <a:lnSpc>
+                <a:spcPct val="100000"/>
+              </a:lnSpc>
+              <a:buClr>
+                <a:srgbClr val="000000"/>
+              </a:buClr>
+              <a:buSzPct val="45000"/>
+              <a:buFont typeface="Symbol" charset="2"/>
+              <a:buChar char=""/>
+            </a:pPr>
+            <a:endParaRPr b="0" lang="pt-BR" sz="2000" spc="-1" strike="noStrike">
+              <a:latin typeface="Arial"/>
+            </a:endParaRPr>
+          </a:p>
+          <a:p>
+            <a:pPr algn="just"/>
+            <a:r>
+              <a:rPr b="0" lang="pt-BR" sz="2000" spc="-1" strike="noStrike">
+                <a:latin typeface="Times New Roman"/>
+              </a:rPr>
+              <a:t>Produtos in natura produzidos e comercializados pelo estabelecimento</a:t>
+            </a:r>
+            <a:endParaRPr b="0" lang="pt-BR" sz="2000" spc="-1" strike="noStrike">
+              <a:latin typeface="Arial"/>
+            </a:endParaRPr>
+          </a:p>
+          <a:p>
+            <a:pPr algn="just"/>
+            <a:endParaRPr b="0" lang="pt-BR" sz="2000" spc="-1" strike="noStrike">
+              <a:latin typeface="Arial"/>
+            </a:endParaRPr>
+          </a:p>
+          <a:p>
+            <a:pPr marL="216000" indent="-216000" algn="just">
+              <a:buClr>
+                <a:srgbClr val="000000"/>
+              </a:buClr>
+              <a:buSzPct val="45000"/>
+              <a:buFont typeface="Symbol" charset="2"/>
+              <a:buChar char=""/>
+            </a:pPr>
+            <a:r>
+              <a:rPr b="0" lang="pt-BR" sz="2000" spc="-1" strike="noStrike">
+                <a:latin typeface="Times New Roman"/>
+              </a:rPr>
+              <a:t>Linguiça de frango caipira com bacon e mussarela</a:t>
+            </a:r>
+            <a:endParaRPr b="0" lang="pt-BR" sz="2000" spc="-1" strike="noStrike">
+              <a:latin typeface="Arial"/>
+            </a:endParaRPr>
+          </a:p>
+          <a:p>
+            <a:pPr marL="216000" indent="-216000" algn="just">
+              <a:buClr>
+                <a:srgbClr val="000000"/>
+              </a:buClr>
+              <a:buSzPct val="45000"/>
+              <a:buFont typeface="Symbol" charset="2"/>
+              <a:buChar char=""/>
+            </a:pPr>
+            <a:r>
+              <a:rPr b="0" lang="pt-BR" sz="2000" spc="-1" strike="noStrike">
+                <a:latin typeface="Times New Roman"/>
+              </a:rPr>
+              <a:t>Linguiça de pernil (com jiló, pura, com bacon)</a:t>
+            </a:r>
+            <a:endParaRPr b="0" lang="pt-BR" sz="2000" spc="-1" strike="noStrike">
+              <a:latin typeface="Arial"/>
+            </a:endParaRPr>
+          </a:p>
+          <a:p>
+            <a:pPr marL="216000" indent="-216000" algn="just">
+              <a:buClr>
+                <a:srgbClr val="000000"/>
+              </a:buClr>
+              <a:buSzPct val="45000"/>
+              <a:buFont typeface="Symbol" charset="2"/>
+              <a:buChar char=""/>
+            </a:pPr>
+            <a:r>
+              <a:rPr b="0" lang="pt-BR" sz="2000" spc="-1" strike="noStrike">
+                <a:latin typeface="Times New Roman"/>
+              </a:rPr>
+              <a:t>Defumados (Bacon, joelho de porco, costelinha de porco, pé, orelha)</a:t>
+            </a:r>
+            <a:endParaRPr b="0" lang="pt-BR" sz="2000" spc="-1" strike="noStrike">
+              <a:latin typeface="Arial"/>
+            </a:endParaRPr>
+          </a:p>
+          <a:p>
+            <a:pPr marL="216000" indent="-216000" algn="just">
+              <a:buClr>
+                <a:srgbClr val="000000"/>
+              </a:buClr>
+              <a:buSzPct val="45000"/>
+              <a:buFont typeface="Symbol" charset="2"/>
+              <a:buChar char=""/>
+            </a:pPr>
+            <a:r>
+              <a:rPr b="0" lang="pt-BR" sz="2000" spc="-1" strike="noStrike">
+                <a:latin typeface="Times New Roman"/>
+              </a:rPr>
+              <a:t>Linguiça mista com pernil e maça de peito (boi)</a:t>
+            </a:r>
+            <a:endParaRPr b="0" lang="pt-BR" sz="2000" spc="-1" strike="noStrike">
+              <a:latin typeface="Arial"/>
+            </a:endParaRPr>
+          </a:p>
+          <a:p>
+            <a:pPr marL="216000" indent="-216000" algn="just">
+              <a:buClr>
+                <a:srgbClr val="000000"/>
+              </a:buClr>
+              <a:buSzPct val="45000"/>
+              <a:buFont typeface="Symbol" charset="2"/>
+              <a:buChar char=""/>
+            </a:pPr>
+            <a:endParaRPr b="0" lang="pt-BR" sz="2000" spc="-1" strike="noStrike">
+              <a:latin typeface="Arial"/>
+            </a:endParaRPr>
+          </a:p>
+        </p:txBody>
       </p:sp>
     </p:spTree>
   </p:cSld>
@@ -7851,7 +8248,7 @@
         <p:spPr>
           <a:xfrm>
             <a:off x="838080" y="365040"/>
-            <a:ext cx="10514160" cy="1324080"/>
+            <a:ext cx="10513800" cy="1323720"/>
           </a:xfrm>
           <a:prstGeom prst="rect">
             <a:avLst/>
@@ -7901,8 +8298,8 @@
         </p:nvSpPr>
         <p:spPr>
           <a:xfrm>
-            <a:off x="838080" y="1825560"/>
-            <a:ext cx="10514160" cy="4349880"/>
+            <a:off x="720000" y="1825560"/>
+            <a:ext cx="10513800" cy="4349520"/>
           </a:xfrm>
           <a:prstGeom prst="rect">
             <a:avLst/>
@@ -7958,7 +8355,7 @@
         <p:spPr>
           <a:xfrm>
             <a:off x="838080" y="365040"/>
-            <a:ext cx="10514160" cy="1324080"/>
+            <a:ext cx="10513800" cy="1323720"/>
           </a:xfrm>
           <a:prstGeom prst="rect">
             <a:avLst/>
@@ -8009,7 +8406,7 @@
         <p:spPr>
           <a:xfrm>
             <a:off x="838080" y="1825560"/>
-            <a:ext cx="10514160" cy="4349880"/>
+            <a:ext cx="10513800" cy="4349520"/>
           </a:xfrm>
           <a:prstGeom prst="rect">
             <a:avLst/>
@@ -8065,7 +8462,7 @@
         <p:spPr>
           <a:xfrm>
             <a:off x="838080" y="365040"/>
-            <a:ext cx="10514160" cy="1324080"/>
+            <a:ext cx="10513800" cy="1323720"/>
           </a:xfrm>
           <a:prstGeom prst="rect">
             <a:avLst/>
@@ -8116,7 +8513,7 @@
         <p:spPr>
           <a:xfrm>
             <a:off x="838080" y="1825560"/>
-            <a:ext cx="10514160" cy="4349880"/>
+            <a:ext cx="10513800" cy="4349520"/>
           </a:xfrm>
           <a:prstGeom prst="rect">
             <a:avLst/>

--- a/plano-de-negocios-restaurante-tioto.pptx
+++ b/plano-de-negocios-restaurante-tioto.pptx
@@ -4128,7 +4128,7 @@
         <p:spPr>
           <a:xfrm>
             <a:off x="5441040" y="6062040"/>
-            <a:ext cx="1110240" cy="586800"/>
+            <a:ext cx="1109880" cy="586440"/>
           </a:xfrm>
           <a:prstGeom prst="rect">
             <a:avLst/>
@@ -4411,7 +4411,7 @@
         <p:spPr>
           <a:xfrm>
             <a:off x="5540040" y="6176880"/>
-            <a:ext cx="1110240" cy="586800"/>
+            <a:ext cx="1109880" cy="586440"/>
           </a:xfrm>
           <a:prstGeom prst="rect">
             <a:avLst/>
@@ -4694,7 +4694,7 @@
         <p:spPr>
           <a:xfrm>
             <a:off x="5540040" y="6132960"/>
-            <a:ext cx="1110240" cy="586800"/>
+            <a:ext cx="1109880" cy="586440"/>
           </a:xfrm>
           <a:prstGeom prst="rect">
             <a:avLst/>
@@ -5145,7 +5145,7 @@
         <p:spPr>
           <a:xfrm>
             <a:off x="1523880" y="523800"/>
-            <a:ext cx="9142200" cy="2385720"/>
+            <a:ext cx="9141840" cy="2385360"/>
           </a:xfrm>
           <a:prstGeom prst="rect">
             <a:avLst/>
@@ -5196,7 +5196,7 @@
         <p:spPr>
           <a:xfrm>
             <a:off x="1523880" y="3003480"/>
-            <a:ext cx="9142200" cy="2239920"/>
+            <a:ext cx="9141840" cy="2239560"/>
           </a:xfrm>
           <a:prstGeom prst="rect">
             <a:avLst/>
@@ -5339,7 +5339,7 @@
         <p:spPr>
           <a:xfrm>
             <a:off x="838080" y="365040"/>
-            <a:ext cx="10513800" cy="1323720"/>
+            <a:ext cx="10513440" cy="1323360"/>
           </a:xfrm>
           <a:prstGeom prst="rect">
             <a:avLst/>
@@ -5390,7 +5390,7 @@
         <p:spPr>
           <a:xfrm>
             <a:off x="838080" y="1825560"/>
-            <a:ext cx="10513800" cy="4349520"/>
+            <a:ext cx="10513440" cy="4349160"/>
           </a:xfrm>
           <a:prstGeom prst="rect">
             <a:avLst/>
@@ -5446,7 +5446,7 @@
         <p:spPr>
           <a:xfrm>
             <a:off x="838080" y="365040"/>
-            <a:ext cx="10513800" cy="1323720"/>
+            <a:ext cx="10513440" cy="1323360"/>
           </a:xfrm>
           <a:prstGeom prst="rect">
             <a:avLst/>
@@ -5497,7 +5497,7 @@
         <p:spPr>
           <a:xfrm>
             <a:off x="838080" y="1689480"/>
-            <a:ext cx="10513800" cy="4485600"/>
+            <a:ext cx="10513440" cy="4485240"/>
           </a:xfrm>
           <a:prstGeom prst="rect">
             <a:avLst/>
@@ -5574,7 +5574,7 @@
                 <a:latin typeface="Times New Roman"/>
                 <a:ea typeface="DejaVu Sans"/>
               </a:rPr>
-              <a:t>. Com grande riqueza cultural e arquitetônica, (Iphan, 2008), Diamantina também tem grande riqueza gastronômica. Esta riqueza me chamou a atenção para abrir o empreendimento na cidade. </a:t>
+              <a:t>. Com grande riqueza cultural e arquitetônica, (Iphan, 2008), Diamantina também tem grande riqueza gastronômica, esta riqueza me chamou a atenção para abrir o empreendimento na cidade. </a:t>
             </a:r>
             <a:endParaRPr b="0" lang="pt-BR" sz="2000" spc="-1" strike="noStrike">
               <a:latin typeface="Arial"/>
@@ -5621,7 +5621,7 @@
         <p:spPr>
           <a:xfrm>
             <a:off x="838080" y="365040"/>
-            <a:ext cx="10513800" cy="1323720"/>
+            <a:ext cx="10513440" cy="1323360"/>
           </a:xfrm>
           <a:prstGeom prst="rect">
             <a:avLst/>
@@ -5672,7 +5672,7 @@
         <p:spPr>
           <a:xfrm>
             <a:off x="360000" y="1499040"/>
-            <a:ext cx="11519280" cy="2413800"/>
+            <a:ext cx="11518920" cy="2413440"/>
           </a:xfrm>
           <a:prstGeom prst="rect">
             <a:avLst/>
@@ -5706,7 +5706,7 @@
                 <a:latin typeface="Times New Roman"/>
                 <a:ea typeface="DejaVu Sans"/>
               </a:rPr>
-              <a:t>A proposta do bar e restaurante é servir tira-gosto e  pratos quentes, onde em sua composição, haverão produtos regionais e as carnes mais utilizadas serão o porco e o frango caipira, pois estas são as carnes mais utilizadas e muito apreciada na culinária local. O diferencial gastronômico, serão os embutidos artesanais (linguiças, salames e salsichas) que serão produzidas pelo próprio estabelecimento. </a:t>
+              <a:t>A proposta do bar e restaurante é ter um ambiente descontraído, servindo pratos quentes á la carte, Casual dining (Senac, 2021, p.3). Na composição dos pratos haverão produtos regionais e as carnes mais utilizadas serão o porco e o frango caipira, visto que são muito apreciadas na culinária regional. O diferencial gastronômico serão os embutidos artesanais (linguiças e defumados), produzidas pelo próprio estabelecimento. </a:t>
             </a:r>
             <a:endParaRPr b="0" lang="pt-BR" sz="2000" spc="-1" strike="noStrike">
               <a:latin typeface="Arial"/>
@@ -5726,7 +5726,7 @@
                 <a:latin typeface="Times New Roman"/>
                 <a:ea typeface="DejaVu Sans"/>
               </a:rPr>
-              <a:t>As bebidas servidas serão sucos com frutas regionais, cachaças de produtores locais e cervejas artesanais de produtores locais e das principais marcas mineiras.</a:t>
+              <a:t>As bebidas servidas serão sucos com frutas regionais, cachaças e cervejas artesanais de produtores locais e das principais marcas mineiras.</a:t>
             </a:r>
             <a:endParaRPr b="0" lang="pt-BR" sz="2000" spc="-1" strike="noStrike">
               <a:latin typeface="Arial"/>
@@ -5767,126 +5767,6 @@
                 <a:ea typeface="DejaVu Sans"/>
               </a:rPr>
               <a:t>Os produtores locais e da agricultura familiar, serão nossos principais parceiros para a aquisição de produtos utilizados na confecção dos pratos.</a:t>
-            </a:r>
-            <a:endParaRPr b="0" lang="pt-BR" sz="2000" spc="-1" strike="noStrike">
-              <a:latin typeface="Arial"/>
-            </a:endParaRPr>
-          </a:p>
-          <a:p>
-            <a:pPr algn="just">
-              <a:lnSpc>
-                <a:spcPct val="100000"/>
-              </a:lnSpc>
-            </a:pPr>
-            <a:r>
-              <a:rPr b="0" lang="pt-BR" sz="2000" spc="-1" strike="noStrike">
-                <a:solidFill>
-                  <a:srgbClr val="000000"/>
-                </a:solidFill>
-                <a:latin typeface="Times New Roman"/>
-                <a:ea typeface="DejaVu Sans"/>
-              </a:rPr>
-              <a:t>Todas as sobras, restos e lixo do restaurante serão separados para que possa haver seu aproveitamento e destino sustentável.</a:t>
-            </a:r>
-            <a:endParaRPr b="0" lang="pt-BR" sz="2000" spc="-1" strike="noStrike">
-              <a:latin typeface="Arial"/>
-            </a:endParaRPr>
-          </a:p>
-          <a:p>
-            <a:pPr marL="216000" indent="-215640" algn="just">
-              <a:lnSpc>
-                <a:spcPct val="100000"/>
-              </a:lnSpc>
-              <a:buClr>
-                <a:srgbClr val="000000"/>
-              </a:buClr>
-              <a:buFont typeface="Symbol"/>
-              <a:buChar char=""/>
-            </a:pPr>
-            <a:r>
-              <a:rPr b="0" lang="pt-BR" sz="2000" spc="-1" strike="noStrike">
-                <a:solidFill>
-                  <a:srgbClr val="000000"/>
-                </a:solidFill>
-                <a:latin typeface="Times New Roman"/>
-                <a:ea typeface="DejaVu Sans"/>
-              </a:rPr>
-              <a:t>consumo humano, serão enviadas a asilos da cidade</a:t>
-            </a:r>
-            <a:endParaRPr b="0" lang="pt-BR" sz="2000" spc="-1" strike="noStrike">
-              <a:latin typeface="Arial"/>
-            </a:endParaRPr>
-          </a:p>
-          <a:p>
-            <a:pPr marL="216000" indent="-215640" algn="just">
-              <a:lnSpc>
-                <a:spcPct val="100000"/>
-              </a:lnSpc>
-              <a:buClr>
-                <a:srgbClr val="000000"/>
-              </a:buClr>
-              <a:buFont typeface="Symbol"/>
-              <a:buChar char=""/>
-            </a:pPr>
-            <a:r>
-              <a:rPr b="0" lang="pt-BR" sz="2000" spc="-1" strike="noStrike">
-                <a:solidFill>
-                  <a:srgbClr val="000000"/>
-                </a:solidFill>
-                <a:latin typeface="Times New Roman"/>
-                <a:ea typeface="DejaVu Sans"/>
-              </a:rPr>
-              <a:t>consumo animal, serão enviadas a produtores rurais parceiros para a engorda de porcos. </a:t>
-            </a:r>
-            <a:endParaRPr b="0" lang="pt-BR" sz="2000" spc="-1" strike="noStrike">
-              <a:latin typeface="Arial"/>
-            </a:endParaRPr>
-          </a:p>
-          <a:p>
-            <a:pPr marL="216000" indent="-215640" algn="just">
-              <a:lnSpc>
-                <a:spcPct val="100000"/>
-              </a:lnSpc>
-              <a:buClr>
-                <a:srgbClr val="000000"/>
-              </a:buClr>
-              <a:buFont typeface="Symbol"/>
-              <a:buChar char=""/>
-            </a:pPr>
-            <a:r>
-              <a:rPr b="0" lang="pt-BR" sz="2000" spc="-1" strike="noStrike">
-                <a:solidFill>
-                  <a:srgbClr val="000000"/>
-                </a:solidFill>
-                <a:latin typeface="Times New Roman"/>
-                <a:ea typeface="DejaVu Sans"/>
-              </a:rPr>
-              <a:t>separação de plásticos, latas e utensílios descartados para reciclagem.</a:t>
-            </a:r>
-            <a:endParaRPr b="0" lang="pt-BR" sz="2000" spc="-1" strike="noStrike">
-              <a:latin typeface="Arial"/>
-            </a:endParaRPr>
-          </a:p>
-          <a:p>
-            <a:pPr marL="216000" indent="-215640" algn="just">
-              <a:lnSpc>
-                <a:spcPct val="100000"/>
-              </a:lnSpc>
-              <a:buClr>
-                <a:srgbClr val="000000"/>
-              </a:buClr>
-              <a:buFont typeface="Symbol"/>
-              <a:buChar char=""/>
-            </a:pPr>
-            <a:r>
-              <a:rPr b="0" lang="pt-BR" sz="2000" spc="-1" strike="noStrike">
-                <a:solidFill>
-                  <a:srgbClr val="000000"/>
-                </a:solidFill>
-                <a:latin typeface="Times New Roman"/>
-                <a:ea typeface="DejaVu Sans"/>
-              </a:rPr>
-              <a:t>compostagem para geração de adubo orgânico</a:t>
             </a:r>
             <a:endParaRPr b="0" lang="pt-BR" sz="2000" spc="-1" strike="noStrike">
               <a:latin typeface="Arial"/>
@@ -5953,7 +5833,7 @@
         <p:spPr>
           <a:xfrm>
             <a:off x="838080" y="365040"/>
-            <a:ext cx="10513800" cy="605520"/>
+            <a:ext cx="10513440" cy="605160"/>
           </a:xfrm>
           <a:prstGeom prst="rect">
             <a:avLst/>
@@ -6004,7 +5884,7 @@
         <p:spPr>
           <a:xfrm>
             <a:off x="9156600" y="1102680"/>
-            <a:ext cx="2195280" cy="3553920"/>
+            <a:ext cx="2194920" cy="3553560"/>
           </a:xfrm>
           <a:prstGeom prst="rect">
             <a:avLst/>
@@ -6245,7 +6125,7 @@
         <p:spPr>
           <a:xfrm>
             <a:off x="2764440" y="2878200"/>
-            <a:ext cx="2089800" cy="1778400"/>
+            <a:ext cx="2089440" cy="1778040"/>
           </a:xfrm>
           <a:prstGeom prst="rect">
             <a:avLst/>
@@ -6398,7 +6278,7 @@
         <p:spPr>
           <a:xfrm>
             <a:off x="4929120" y="1102680"/>
-            <a:ext cx="2001960" cy="4972320"/>
+            <a:ext cx="2001600" cy="4971960"/>
           </a:xfrm>
           <a:prstGeom prst="rect">
             <a:avLst/>
@@ -6475,7 +6355,7 @@
                 <a:latin typeface="Arial"/>
                 <a:ea typeface="DejaVu Sans"/>
               </a:rPr>
-              <a:t>Experiência</a:t>
+              <a:t>Experiência/culinária regional</a:t>
             </a:r>
             <a:endParaRPr b="0" lang="pt-BR" sz="1400" spc="-1" strike="noStrike">
               <a:latin typeface="Arial"/>
@@ -6515,26 +6395,6 @@
                 <a:latin typeface="Arial"/>
                 <a:ea typeface="DejaVu Sans"/>
               </a:rPr>
-              <a:t>Qualidade</a:t>
-            </a:r>
-            <a:endParaRPr b="0" lang="pt-BR" sz="1400" spc="-1" strike="noStrike">
-              <a:latin typeface="Arial"/>
-            </a:endParaRPr>
-          </a:p>
-          <a:p>
-            <a:pPr algn="ctr">
-              <a:lnSpc>
-                <a:spcPct val="100000"/>
-              </a:lnSpc>
-            </a:pPr>
-            <a:r>
-              <a:rPr b="0" lang="pt-BR" sz="1400" spc="-1" strike="noStrike">
-                <a:solidFill>
-                  <a:srgbClr val="000000"/>
-                </a:solidFill>
-                <a:latin typeface="Arial"/>
-                <a:ea typeface="DejaVu Sans"/>
-              </a:rPr>
               <a:t>Despojado</a:t>
             </a:r>
             <a:endParaRPr b="0" lang="pt-BR" sz="1400" spc="-1" strike="noStrike">
@@ -6642,7 +6502,7 @@
         <p:spPr>
           <a:xfrm>
             <a:off x="7007040" y="1102680"/>
-            <a:ext cx="2075040" cy="1734480"/>
+            <a:ext cx="2074680" cy="1734120"/>
           </a:xfrm>
           <a:prstGeom prst="rect">
             <a:avLst/>
@@ -6790,7 +6650,7 @@
         <p:spPr>
           <a:xfrm>
             <a:off x="766800" y="1103400"/>
-            <a:ext cx="1936800" cy="3553200"/>
+            <a:ext cx="1936440" cy="3552840"/>
           </a:xfrm>
           <a:prstGeom prst="rect">
             <a:avLst/>
@@ -7011,7 +6871,7 @@
         <p:spPr>
           <a:xfrm>
             <a:off x="766800" y="4708440"/>
-            <a:ext cx="4087800" cy="1366200"/>
+            <a:ext cx="4087440" cy="1365840"/>
           </a:xfrm>
           <a:prstGeom prst="rect">
             <a:avLst/>
@@ -7092,7 +6952,7 @@
                 <a:latin typeface="Arial"/>
                 <a:ea typeface="DejaVu Sans"/>
               </a:rPr>
-              <a:t>Custos mão de obra 1 garçom</a:t>
+              <a:t>Custos de mão de obra de 1 garçom</a:t>
             </a:r>
             <a:endParaRPr b="0" lang="pt-BR" sz="1400" spc="-1" strike="noStrike">
               <a:latin typeface="Arial"/>
@@ -7159,7 +7019,7 @@
         <p:spPr>
           <a:xfrm>
             <a:off x="7007040" y="2889000"/>
-            <a:ext cx="2079000" cy="1767600"/>
+            <a:ext cx="2078640" cy="1767240"/>
           </a:xfrm>
           <a:prstGeom prst="rect">
             <a:avLst/>
@@ -7313,7 +7173,7 @@
         <p:spPr>
           <a:xfrm>
             <a:off x="7007040" y="4708440"/>
-            <a:ext cx="4344840" cy="1351440"/>
+            <a:ext cx="4344480" cy="1351080"/>
           </a:xfrm>
           <a:prstGeom prst="rect">
             <a:avLst/>
@@ -7426,7 +7286,7 @@
         <p:spPr>
           <a:xfrm>
             <a:off x="2764440" y="1102680"/>
-            <a:ext cx="2093040" cy="1734480"/>
+            <a:ext cx="2092680" cy="1734120"/>
           </a:xfrm>
           <a:prstGeom prst="rect">
             <a:avLst/>
@@ -7607,7 +7467,7 @@
         <p:spPr>
           <a:xfrm>
             <a:off x="838080" y="365040"/>
-            <a:ext cx="10513800" cy="1323720"/>
+            <a:ext cx="10513440" cy="1323360"/>
           </a:xfrm>
           <a:prstGeom prst="rect">
             <a:avLst/>
@@ -7658,7 +7518,7 @@
         <p:spPr>
           <a:xfrm>
             <a:off x="838080" y="1825560"/>
-            <a:ext cx="10513800" cy="4349520"/>
+            <a:ext cx="10513440" cy="4349160"/>
           </a:xfrm>
           <a:prstGeom prst="rect">
             <a:avLst/>
@@ -7712,7 +7572,7 @@
                 <a:latin typeface="Times New Roman"/>
                 <a:ea typeface="DejaVu Sans"/>
               </a:rPr>
-              <a:t>Queremos que o turista, tenha a experiência da explosão de sabores da culinária mineira e principalmente da culinária regional. Já para o cliente nativo que este, saboreei a conhecida e apreciada culinária local, com produtos frescos e de ótima qualidade.</a:t>
+              <a:t>Queremos que o turista, tenha a experiência da explosão de sabores da culinária mineira e principalmente da culinária regional. Já para o cliente nativo, desejamos que, saboreei a conhecida e apreciada culinária local, com produtos frescos e de ótima qualidade.</a:t>
             </a:r>
             <a:endParaRPr b="0" lang="pt-BR" sz="2000" spc="-1" strike="noStrike">
               <a:latin typeface="Arial"/>
@@ -7732,7 +7592,7 @@
                 <a:latin typeface="Times New Roman"/>
                 <a:ea typeface="DejaVu Sans"/>
               </a:rPr>
-              <a:t>Caso o cliente queira, poderá comprar os embutidos in natura, produzidos no estabelecimento. </a:t>
+              <a:t>Como o estabelecimento produzirá embutidos, o cliente também poderá comprá-los in natura para fazer e consumir em sua residência. </a:t>
             </a:r>
             <a:endParaRPr b="0" lang="pt-BR" sz="2000" spc="-1" strike="noStrike">
               <a:latin typeface="Arial"/>
@@ -7752,7 +7612,7 @@
                 <a:latin typeface="Times New Roman"/>
                 <a:ea typeface="DejaVu Sans"/>
               </a:rPr>
-              <a:t>A comercialização será realizada no fundo da loja, onde haverá um responsável pela apresentação e venda. </a:t>
+              <a:t>A comercialização da produção, será realizada no fundo da loja, onde haverá uma espécie de “lojinha” com a produção exposta e um responsável pela apresentação e venda. </a:t>
             </a:r>
             <a:endParaRPr b="0" lang="pt-BR" sz="2000" spc="-1" strike="noStrike">
               <a:latin typeface="Arial"/>
@@ -7833,7 +7693,7 @@
         <p:spPr>
           <a:xfrm>
             <a:off x="838080" y="365040"/>
-            <a:ext cx="10513800" cy="1323720"/>
+            <a:ext cx="10513440" cy="1323360"/>
           </a:xfrm>
           <a:prstGeom prst="rect">
             <a:avLst/>
@@ -7884,7 +7744,7 @@
         <p:spPr>
           <a:xfrm>
             <a:off x="838080" y="1825560"/>
-            <a:ext cx="5179680" cy="4349520"/>
+            <a:ext cx="5179320" cy="4349160"/>
           </a:xfrm>
           <a:prstGeom prst="rect">
             <a:avLst/>
@@ -7909,8 +7769,8 @@
         </p:nvSpPr>
         <p:spPr>
           <a:xfrm>
-            <a:off x="720000" y="1512000"/>
-            <a:ext cx="10631880" cy="4349520"/>
+            <a:off x="720000" y="1692000"/>
+            <a:ext cx="10631520" cy="4349160"/>
           </a:xfrm>
           <a:prstGeom prst="rect">
             <a:avLst/>
@@ -7931,25 +7791,107 @@
             <a:noAutofit/>
           </a:bodyPr>
           <a:p>
-            <a:pPr algn="just"/>
+            <a:pPr algn="just">
+              <a:lnSpc>
+                <a:spcPct val="100000"/>
+              </a:lnSpc>
+            </a:pPr>
+            <a:r>
+              <a:rPr b="1" lang="pt-BR" sz="2000" spc="-1" strike="noStrike">
+                <a:solidFill>
+                  <a:srgbClr val="000000"/>
+                </a:solidFill>
+                <a:latin typeface="Times New Roman"/>
+                <a:ea typeface="DejaVu Sans"/>
+              </a:rPr>
+              <a:t>Lanches</a:t>
+            </a:r>
+            <a:endParaRPr b="0" lang="pt-BR" sz="2000" spc="-1" strike="noStrike">
+              <a:latin typeface="Arial"/>
+            </a:endParaRPr>
+          </a:p>
+          <a:p>
+            <a:pPr marL="216000" indent="-216000" algn="just">
+              <a:lnSpc>
+                <a:spcPct val="100000"/>
+              </a:lnSpc>
+              <a:buClr>
+                <a:srgbClr val="000000"/>
+              </a:buClr>
+              <a:buFont typeface="Symbol" charset="2"/>
+              <a:buChar char=""/>
+            </a:pPr>
             <a:r>
               <a:rPr b="0" lang="pt-BR" sz="2000" spc="-1" strike="noStrike">
+                <a:solidFill>
+                  <a:srgbClr val="000000"/>
+                </a:solidFill>
                 <a:latin typeface="Times New Roman"/>
-              </a:rPr>
-              <a:t>Pratos servidos:</a:t>
+                <a:ea typeface="DejaVu Sans"/>
+              </a:rPr>
+              <a:t>Pão de queijo com linguiça artesanal</a:t>
             </a:r>
             <a:endParaRPr b="0" lang="pt-BR" sz="2000" spc="-1" strike="noStrike">
               <a:latin typeface="Arial"/>
             </a:endParaRPr>
           </a:p>
           <a:p>
-            <a:pPr algn="just"/>
+            <a:pPr marL="216000" indent="-216000" algn="just">
+              <a:lnSpc>
+                <a:spcPct val="100000"/>
+              </a:lnSpc>
+              <a:buClr>
+                <a:srgbClr val="000000"/>
+              </a:buClr>
+              <a:buFont typeface="Symbol" charset="2"/>
+              <a:buChar char=""/>
+            </a:pPr>
+            <a:r>
+              <a:rPr b="0" lang="pt-BR" sz="2000" spc="-1" strike="noStrike">
+                <a:solidFill>
+                  <a:srgbClr val="000000"/>
+                </a:solidFill>
+                <a:latin typeface="Times New Roman"/>
+                <a:ea typeface="DejaVu Sans"/>
+              </a:rPr>
+              <a:t>Pão de sal com linguiça artesanal</a:t>
+            </a:r>
             <a:endParaRPr b="0" lang="pt-BR" sz="2000" spc="-1" strike="noStrike">
               <a:latin typeface="Arial"/>
             </a:endParaRPr>
           </a:p>
           <a:p>
-            <a:pPr marL="216000" indent="-216000" algn="just">
+            <a:pPr algn="just">
+              <a:lnSpc>
+                <a:spcPct val="100000"/>
+              </a:lnSpc>
+            </a:pPr>
+            <a:endParaRPr b="0" lang="pt-BR" sz="2000" spc="-1" strike="noStrike">
+              <a:latin typeface="Arial"/>
+            </a:endParaRPr>
+          </a:p>
+          <a:p>
+            <a:pPr>
+              <a:lnSpc>
+                <a:spcPct val="100000"/>
+              </a:lnSpc>
+            </a:pPr>
+            <a:r>
+              <a:rPr b="1" lang="pt-BR" sz="2000" spc="-1" strike="noStrike">
+                <a:solidFill>
+                  <a:srgbClr val="000000"/>
+                </a:solidFill>
+                <a:latin typeface="Times New Roman"/>
+                <a:ea typeface="DejaVu Sans"/>
+              </a:rPr>
+              <a:t>Pratos quentes</a:t>
+            </a:r>
+            <a:endParaRPr b="0" lang="pt-BR" sz="2000" spc="-1" strike="noStrike">
+              <a:latin typeface="Arial"/>
+            </a:endParaRPr>
+          </a:p>
+          <a:p>
+            <a:pPr marL="216000" indent="-215640" algn="just">
               <a:lnSpc>
                 <a:spcPct val="100000"/>
               </a:lnSpc>
@@ -7957,21 +7899,25 @@
                 <a:srgbClr val="000000"/>
               </a:buClr>
               <a:buSzPct val="45000"/>
-              <a:buFont typeface="Symbol" charset="2"/>
+              <a:buFont typeface="Symbol"/>
               <a:buChar char=""/>
             </a:pPr>
             <a:r>
               <a:rPr b="0" lang="pt-BR" sz="2000" spc="-1" strike="noStrike">
+                <a:solidFill>
+                  <a:srgbClr val="000000"/>
+                </a:solidFill>
                 <a:latin typeface="Times New Roman"/>
-              </a:rPr>
-              <a:t>Pão de queijo com linguiça artesanal</a:t>
+                <a:ea typeface="DejaVu Sans"/>
+              </a:rPr>
+              <a:t>Kaol (Couve, Arroz, Ovo frito, linguiça artesanal, creme de mandioca)</a:t>
             </a:r>
             <a:endParaRPr b="0" lang="pt-BR" sz="2000" spc="-1" strike="noStrike">
               <a:latin typeface="Arial"/>
             </a:endParaRPr>
           </a:p>
           <a:p>
-            <a:pPr marL="216000" indent="-216000" algn="just">
+            <a:pPr marL="216000" indent="-215640" algn="just">
               <a:lnSpc>
                 <a:spcPct val="100000"/>
               </a:lnSpc>
@@ -7979,15 +7925,80 @@
                 <a:srgbClr val="000000"/>
               </a:buClr>
               <a:buSzPct val="45000"/>
+              <a:buFont typeface="Symbol"/>
+              <a:buChar char=""/>
+            </a:pPr>
+            <a:r>
+              <a:rPr b="0" lang="pt-BR" sz="2000" spc="-1" strike="noStrike">
+                <a:solidFill>
+                  <a:srgbClr val="000000"/>
+                </a:solidFill>
+                <a:latin typeface="Times New Roman"/>
+                <a:ea typeface="DejaVu Sans"/>
+              </a:rPr>
+              <a:t>Farofa de Feijão andú (feijão, bife de cabeça de lombo, ovo frito, farinha de mandioca, torresmo)</a:t>
+            </a:r>
+            <a:endParaRPr b="0" lang="pt-BR" sz="2000" spc="-1" strike="noStrike">
+              <a:latin typeface="Arial"/>
+            </a:endParaRPr>
+          </a:p>
+          <a:p>
+            <a:pPr algn="just">
+              <a:lnSpc>
+                <a:spcPct val="100000"/>
+              </a:lnSpc>
+            </a:pPr>
+            <a:endParaRPr b="0" lang="pt-BR" sz="2000" spc="-1" strike="noStrike">
+              <a:latin typeface="Arial"/>
+            </a:endParaRPr>
+          </a:p>
+          <a:p>
+            <a:pPr>
+              <a:lnSpc>
+                <a:spcPct val="100000"/>
+              </a:lnSpc>
+            </a:pPr>
+            <a:r>
+              <a:rPr b="1" lang="pt-BR" sz="2000" spc="-1" strike="noStrike">
+                <a:solidFill>
+                  <a:srgbClr val="000000"/>
+                </a:solidFill>
+                <a:latin typeface="Times New Roman"/>
+                <a:ea typeface="DejaVu Sans"/>
+              </a:rPr>
+              <a:t>Produtos in natura produzidos e comercializados pelo estabelecimento</a:t>
+            </a:r>
+            <a:endParaRPr b="0" lang="pt-BR" sz="2000" spc="-1" strike="noStrike">
+              <a:latin typeface="Arial"/>
+            </a:endParaRPr>
+          </a:p>
+          <a:p>
+            <a:pPr marL="216000" indent="-215640" algn="just">
+              <a:lnSpc>
+                <a:spcPct val="100000"/>
+              </a:lnSpc>
+              <a:buClr>
+                <a:srgbClr val="000000"/>
+              </a:buClr>
               <a:buFont typeface="Symbol" charset="2"/>
               <a:buChar char=""/>
             </a:pPr>
+            <a:r>
+              <a:rPr b="0" lang="pt-BR" sz="2000" spc="-1" strike="noStrike">
+                <a:solidFill>
+                  <a:srgbClr val="000000"/>
+                </a:solidFill>
+                <a:latin typeface="Times New Roman"/>
+                <a:ea typeface="DejaVu Sans"/>
+              </a:rPr>
+              <a:t>Linguiça de frango caipira com bacon e mussarela</a:t>
+            </a:r>
             <a:endParaRPr b="0" lang="pt-BR" sz="2000" spc="-1" strike="noStrike">
               <a:latin typeface="Arial"/>
             </a:endParaRPr>
           </a:p>
           <a:p>
-            <a:pPr marL="216000" indent="-216000" algn="just">
+            <a:pPr marL="216000" indent="-215640" algn="just">
               <a:lnSpc>
                 <a:spcPct val="100000"/>
               </a:lnSpc>
@@ -7995,21 +8006,25 @@
                 <a:srgbClr val="000000"/>
               </a:buClr>
               <a:buSzPct val="45000"/>
-              <a:buFont typeface="Symbol" charset="2"/>
+              <a:buFont typeface="Symbol"/>
               <a:buChar char=""/>
             </a:pPr>
             <a:r>
               <a:rPr b="0" lang="pt-BR" sz="2000" spc="-1" strike="noStrike">
+                <a:solidFill>
+                  <a:srgbClr val="000000"/>
+                </a:solidFill>
                 <a:latin typeface="Times New Roman"/>
-              </a:rPr>
-              <a:t>Kaol (Couve, Arroz, Ovo frito e linguiça artesanal, cebola e alho)</a:t>
+                <a:ea typeface="DejaVu Sans"/>
+              </a:rPr>
+              <a:t>Linguiça de pernil (com jiló, pura, com bacon)</a:t>
             </a:r>
             <a:endParaRPr b="0" lang="pt-BR" sz="2000" spc="-1" strike="noStrike">
               <a:latin typeface="Arial"/>
             </a:endParaRPr>
           </a:p>
           <a:p>
-            <a:pPr marL="216000" indent="-216000" algn="just">
+            <a:pPr marL="216000" indent="-215640" algn="just">
               <a:lnSpc>
                 <a:spcPct val="100000"/>
               </a:lnSpc>
@@ -8017,15 +8032,25 @@
                 <a:srgbClr val="000000"/>
               </a:buClr>
               <a:buSzPct val="45000"/>
-              <a:buFont typeface="Symbol" charset="2"/>
+              <a:buFont typeface="Symbol"/>
               <a:buChar char=""/>
             </a:pPr>
+            <a:r>
+              <a:rPr b="0" lang="pt-BR" sz="2000" spc="-1" strike="noStrike">
+                <a:solidFill>
+                  <a:srgbClr val="000000"/>
+                </a:solidFill>
+                <a:latin typeface="Times New Roman"/>
+                <a:ea typeface="DejaVu Sans"/>
+              </a:rPr>
+              <a:t>Defumados (Bacon, joelho de porco, costelinha de porco, pé, orelha)</a:t>
+            </a:r>
             <a:endParaRPr b="0" lang="pt-BR" sz="2000" spc="-1" strike="noStrike">
               <a:latin typeface="Arial"/>
             </a:endParaRPr>
           </a:p>
           <a:p>
-            <a:pPr marL="216000" indent="-216000" algn="just">
+            <a:pPr marL="216000" indent="-215640" algn="just">
               <a:lnSpc>
                 <a:spcPct val="100000"/>
               </a:lnSpc>
@@ -8033,175 +8058,18 @@
                 <a:srgbClr val="000000"/>
               </a:buClr>
               <a:buSzPct val="45000"/>
-              <a:buFont typeface="Symbol" charset="2"/>
+              <a:buFont typeface="Symbol"/>
               <a:buChar char=""/>
             </a:pPr>
-            <a:r>
-              <a:rPr b="0" lang="pt-BR" sz="2000" spc="-1" strike="noStrike">
-                <a:latin typeface="Times New Roman"/>
-              </a:rPr>
-              <a:t>Péla égua (Canjiquinha com suã de porco, linguiça artesanal e bacon, cebola e alho)</a:t>
-            </a:r>
             <a:endParaRPr b="0" lang="pt-BR" sz="2000" spc="-1" strike="noStrike">
               <a:latin typeface="Arial"/>
             </a:endParaRPr>
           </a:p>
           <a:p>
-            <a:pPr marL="216000" indent="-216000" algn="just">
-              <a:lnSpc>
-                <a:spcPct val="100000"/>
-              </a:lnSpc>
-              <a:buClr>
-                <a:srgbClr val="000000"/>
-              </a:buClr>
-              <a:buSzPct val="45000"/>
-              <a:buFont typeface="Symbol" charset="2"/>
-              <a:buChar char=""/>
-            </a:pPr>
-            <a:endParaRPr b="0" lang="pt-BR" sz="2000" spc="-1" strike="noStrike">
-              <a:latin typeface="Arial"/>
-            </a:endParaRPr>
-          </a:p>
-          <a:p>
-            <a:pPr marL="216000" indent="-216000" algn="just">
-              <a:lnSpc>
-                <a:spcPct val="100000"/>
-              </a:lnSpc>
-              <a:buClr>
-                <a:srgbClr val="000000"/>
-              </a:buClr>
-              <a:buSzPct val="45000"/>
-              <a:buFont typeface="Symbol" charset="2"/>
-              <a:buChar char=""/>
-            </a:pPr>
-            <a:r>
-              <a:rPr b="0" lang="pt-BR" sz="2000" spc="-1" strike="noStrike">
-                <a:latin typeface="Times New Roman"/>
-              </a:rPr>
-              <a:t>Farofa de Feijão andú (Feijão andú, bife de cabeça de lombo, ovo frito, farinha de mandioca sem torrar, torresmo de barriga de porco, cebola e alho)</a:t>
-            </a:r>
-            <a:endParaRPr b="0" lang="pt-BR" sz="2000" spc="-1" strike="noStrike">
-              <a:latin typeface="Arial"/>
-            </a:endParaRPr>
-          </a:p>
-          <a:p>
-            <a:pPr marL="216000" indent="-216000" algn="just">
-              <a:lnSpc>
-                <a:spcPct val="100000"/>
-              </a:lnSpc>
-              <a:buClr>
-                <a:srgbClr val="000000"/>
-              </a:buClr>
-              <a:buSzPct val="45000"/>
-              <a:buFont typeface="Symbol" charset="2"/>
-              <a:buChar char=""/>
-            </a:pPr>
-            <a:endParaRPr b="0" lang="pt-BR" sz="2000" spc="-1" strike="noStrike">
-              <a:latin typeface="Arial"/>
-            </a:endParaRPr>
-          </a:p>
-          <a:p>
-            <a:pPr algn="just"/>
-            <a:r>
-              <a:rPr b="0" lang="pt-BR" sz="2000" spc="-1" strike="noStrike">
-                <a:latin typeface="Times New Roman"/>
-              </a:rPr>
-              <a:t>Produtos in natura produzidos e comercializados pelo estabelecimento</a:t>
-            </a:r>
-            <a:endParaRPr b="0" lang="pt-BR" sz="2000" spc="-1" strike="noStrike">
-              <a:latin typeface="Arial"/>
-            </a:endParaRPr>
-          </a:p>
-          <a:p>
-            <a:pPr algn="just"/>
-            <a:endParaRPr b="0" lang="pt-BR" sz="2000" spc="-1" strike="noStrike">
-              <a:latin typeface="Arial"/>
-            </a:endParaRPr>
-          </a:p>
-          <a:p>
-            <a:pPr marL="216000" indent="-216000" algn="just">
-              <a:buClr>
-                <a:srgbClr val="000000"/>
-              </a:buClr>
-              <a:buSzPct val="45000"/>
-              <a:buFont typeface="Symbol" charset="2"/>
-              <a:buChar char=""/>
-            </a:pPr>
-            <a:r>
-              <a:rPr b="0" lang="pt-BR" sz="2000" spc="-1" strike="noStrike">
-                <a:latin typeface="Times New Roman"/>
-              </a:rPr>
-              <a:t>Linguiça de frango caipira com bacon e mussarela</a:t>
-            </a:r>
-            <a:endParaRPr b="0" lang="pt-BR" sz="2000" spc="-1" strike="noStrike">
-              <a:latin typeface="Arial"/>
-            </a:endParaRPr>
-          </a:p>
-          <a:p>
-            <a:pPr marL="216000" indent="-216000" algn="just">
-              <a:buClr>
-                <a:srgbClr val="000000"/>
-              </a:buClr>
-              <a:buSzPct val="45000"/>
-              <a:buFont typeface="Symbol" charset="2"/>
-              <a:buChar char=""/>
-            </a:pPr>
-            <a:r>
-              <a:rPr b="0" lang="pt-BR" sz="2000" spc="-1" strike="noStrike">
-                <a:latin typeface="Times New Roman"/>
-              </a:rPr>
-              <a:t>Linguiça de pernil (com jiló, pura, com bacon)</a:t>
-            </a:r>
-            <a:endParaRPr b="0" lang="pt-BR" sz="2000" spc="-1" strike="noStrike">
-              <a:latin typeface="Arial"/>
-            </a:endParaRPr>
-          </a:p>
-          <a:p>
-            <a:pPr marL="216000" indent="-216000" algn="just">
-              <a:buClr>
-                <a:srgbClr val="000000"/>
-              </a:buClr>
-              <a:buSzPct val="45000"/>
-              <a:buFont typeface="Symbol" charset="2"/>
-              <a:buChar char=""/>
-            </a:pPr>
-            <a:r>
-              <a:rPr b="0" lang="pt-BR" sz="2000" spc="-1" strike="noStrike">
-                <a:latin typeface="Times New Roman"/>
-              </a:rPr>
-              <a:t>Defumados (Bacon, joelho de porco, costelinha de porco, pé, orelha)</a:t>
-            </a:r>
-            <a:endParaRPr b="0" lang="pt-BR" sz="2000" spc="-1" strike="noStrike">
-              <a:latin typeface="Arial"/>
-            </a:endParaRPr>
-          </a:p>
-          <a:p>
-            <a:pPr marL="216000" indent="-216000" algn="just">
-              <a:buClr>
-                <a:srgbClr val="000000"/>
-              </a:buClr>
-              <a:buSzPct val="45000"/>
-              <a:buFont typeface="Symbol" charset="2"/>
-              <a:buChar char=""/>
-            </a:pPr>
-            <a:r>
-              <a:rPr b="0" lang="pt-BR" sz="2000" spc="-1" strike="noStrike">
-                <a:latin typeface="Times New Roman"/>
-              </a:rPr>
-              <a:t>Linguiça mista com pernil e maça de peito (boi)</a:t>
-            </a:r>
-            <a:endParaRPr b="0" lang="pt-BR" sz="2000" spc="-1" strike="noStrike">
-              <a:latin typeface="Arial"/>
-            </a:endParaRPr>
-          </a:p>
-          <a:p>
-            <a:pPr marL="216000" indent="-216000" algn="just">
-              <a:buClr>
-                <a:srgbClr val="000000"/>
-              </a:buClr>
-              <a:buSzPct val="45000"/>
-              <a:buFont typeface="Symbol" charset="2"/>
-              <a:buChar char=""/>
+            <a:pPr algn="just">
+              <a:lnSpc>
+                <a:spcPct val="100000"/>
+              </a:lnSpc>
             </a:pPr>
             <a:endParaRPr b="0" lang="pt-BR" sz="2000" spc="-1" strike="noStrike">
               <a:latin typeface="Arial"/>
@@ -8248,7 +8116,7 @@
         <p:spPr>
           <a:xfrm>
             <a:off x="838080" y="365040"/>
-            <a:ext cx="10513800" cy="1323720"/>
+            <a:ext cx="10513440" cy="1323360"/>
           </a:xfrm>
           <a:prstGeom prst="rect">
             <a:avLst/>
@@ -8299,7 +8167,7 @@
         <p:spPr>
           <a:xfrm>
             <a:off x="720000" y="1825560"/>
-            <a:ext cx="10513800" cy="4349520"/>
+            <a:ext cx="10513440" cy="4349160"/>
           </a:xfrm>
           <a:prstGeom prst="rect">
             <a:avLst/>
@@ -8355,7 +8223,7 @@
         <p:spPr>
           <a:xfrm>
             <a:off x="838080" y="365040"/>
-            <a:ext cx="10513800" cy="1323720"/>
+            <a:ext cx="10513440" cy="1323360"/>
           </a:xfrm>
           <a:prstGeom prst="rect">
             <a:avLst/>
@@ -8406,7 +8274,7 @@
         <p:spPr>
           <a:xfrm>
             <a:off x="838080" y="1825560"/>
-            <a:ext cx="10513800" cy="4349520"/>
+            <a:ext cx="10513440" cy="4349160"/>
           </a:xfrm>
           <a:prstGeom prst="rect">
             <a:avLst/>
@@ -8462,7 +8330,7 @@
         <p:spPr>
           <a:xfrm>
             <a:off x="838080" y="365040"/>
-            <a:ext cx="10513800" cy="1323720"/>
+            <a:ext cx="10513440" cy="1323360"/>
           </a:xfrm>
           <a:prstGeom prst="rect">
             <a:avLst/>
@@ -8513,7 +8381,7 @@
         <p:spPr>
           <a:xfrm>
             <a:off x="838080" y="1825560"/>
-            <a:ext cx="10513800" cy="4349520"/>
+            <a:ext cx="10513440" cy="4349160"/>
           </a:xfrm>
           <a:prstGeom prst="rect">
             <a:avLst/>

--- a/plano-de-negocios-restaurante-tioto.pptx
+++ b/plano-de-negocios-restaurante-tioto.pptx
@@ -4128,7 +4128,7 @@
         <p:spPr>
           <a:xfrm>
             <a:off x="5441040" y="6062040"/>
-            <a:ext cx="1109880" cy="586440"/>
+            <a:ext cx="1109520" cy="586080"/>
           </a:xfrm>
           <a:prstGeom prst="rect">
             <a:avLst/>
@@ -4411,7 +4411,7 @@
         <p:spPr>
           <a:xfrm>
             <a:off x="5540040" y="6176880"/>
-            <a:ext cx="1109880" cy="586440"/>
+            <a:ext cx="1109520" cy="586080"/>
           </a:xfrm>
           <a:prstGeom prst="rect">
             <a:avLst/>
@@ -4694,7 +4694,7 @@
         <p:spPr>
           <a:xfrm>
             <a:off x="5540040" y="6132960"/>
-            <a:ext cx="1109880" cy="586440"/>
+            <a:ext cx="1109520" cy="586080"/>
           </a:xfrm>
           <a:prstGeom prst="rect">
             <a:avLst/>
@@ -5145,7 +5145,7 @@
         <p:spPr>
           <a:xfrm>
             <a:off x="1523880" y="523800"/>
-            <a:ext cx="9141840" cy="2385360"/>
+            <a:ext cx="9141480" cy="2385000"/>
           </a:xfrm>
           <a:prstGeom prst="rect">
             <a:avLst/>
@@ -5196,7 +5196,7 @@
         <p:spPr>
           <a:xfrm>
             <a:off x="1523880" y="3003480"/>
-            <a:ext cx="9141840" cy="2239560"/>
+            <a:ext cx="9141480" cy="2239200"/>
           </a:xfrm>
           <a:prstGeom prst="rect">
             <a:avLst/>
@@ -5332,14 +5332,14 @@
       </p:grpSpPr>
       <p:sp>
         <p:nvSpPr>
-          <p:cNvPr id="145" name="CustomShape 1"/>
+          <p:cNvPr id="146" name="CustomShape 1"/>
           <p:cNvSpPr/>
           <p:nvPr/>
         </p:nvSpPr>
         <p:spPr>
           <a:xfrm>
             <a:off x="838080" y="365040"/>
-            <a:ext cx="10513440" cy="1323360"/>
+            <a:ext cx="10513080" cy="1323000"/>
           </a:xfrm>
           <a:prstGeom prst="rect">
             <a:avLst/>
@@ -5383,14 +5383,14 @@
       </p:sp>
       <p:sp>
         <p:nvSpPr>
-          <p:cNvPr id="146" name="CustomShape 2"/>
+          <p:cNvPr id="147" name="CustomShape 2"/>
           <p:cNvSpPr/>
           <p:nvPr/>
         </p:nvSpPr>
         <p:spPr>
           <a:xfrm>
             <a:off x="838080" y="1825560"/>
-            <a:ext cx="10513440" cy="4349160"/>
+            <a:ext cx="10513080" cy="4348800"/>
           </a:xfrm>
           <a:prstGeom prst="rect">
             <a:avLst/>
@@ -5446,7 +5446,7 @@
         <p:spPr>
           <a:xfrm>
             <a:off x="838080" y="365040"/>
-            <a:ext cx="10513440" cy="1323360"/>
+            <a:ext cx="10513080" cy="1323000"/>
           </a:xfrm>
           <a:prstGeom prst="rect">
             <a:avLst/>
@@ -5497,7 +5497,7 @@
         <p:spPr>
           <a:xfrm>
             <a:off x="838080" y="1689480"/>
-            <a:ext cx="10513440" cy="4485240"/>
+            <a:ext cx="10513080" cy="4484880"/>
           </a:xfrm>
           <a:prstGeom prst="rect">
             <a:avLst/>
@@ -5621,7 +5621,7 @@
         <p:spPr>
           <a:xfrm>
             <a:off x="838080" y="365040"/>
-            <a:ext cx="10513440" cy="1323360"/>
+            <a:ext cx="10513080" cy="1323000"/>
           </a:xfrm>
           <a:prstGeom prst="rect">
             <a:avLst/>
@@ -5672,7 +5672,7 @@
         <p:spPr>
           <a:xfrm>
             <a:off x="360000" y="1499040"/>
-            <a:ext cx="11518920" cy="2413440"/>
+            <a:ext cx="11518560" cy="2413080"/>
           </a:xfrm>
           <a:prstGeom prst="rect">
             <a:avLst/>
@@ -5746,7 +5746,7 @@
                 <a:latin typeface="Times New Roman"/>
                 <a:ea typeface="DejaVu Sans"/>
               </a:rPr>
-              <a:t>Nosso público-alvo serão pessoas da faixa etária de 25 a 50 anos, turistas ou nativos predominantemente famílias e ou casais. </a:t>
+              <a:t>O público-alvo serão pessoas da faixa etária de 25 a 50 anos, predominantemente famílias e ou casais. </a:t>
             </a:r>
             <a:endParaRPr b="0" lang="pt-BR" sz="2000" spc="-1" strike="noStrike">
               <a:latin typeface="Arial"/>
@@ -5766,7 +5766,7 @@
                 <a:latin typeface="Times New Roman"/>
                 <a:ea typeface="DejaVu Sans"/>
               </a:rPr>
-              <a:t>Os produtores locais e da agricultura familiar, serão nossos principais parceiros para a aquisição de produtos utilizados na confecção dos pratos.</a:t>
+              <a:t>Além de fornecedores tradicionais, os agricultores familiares da região, também serão nossos parceiros na aquisição de produtos.</a:t>
             </a:r>
             <a:endParaRPr b="0" lang="pt-BR" sz="2000" spc="-1" strike="noStrike">
               <a:latin typeface="Arial"/>
@@ -5794,6 +5794,29 @@
           </a:p>
         </p:txBody>
       </p:sp>
+      <p:pic>
+        <p:nvPicPr>
+          <p:cNvPr id="124" name="" descr=""/>
+          <p:cNvPicPr/>
+          <p:nvPr/>
+        </p:nvPicPr>
+        <p:blipFill>
+          <a:blip r:embed="rId1"/>
+          <a:stretch/>
+        </p:blipFill>
+        <p:spPr>
+          <a:xfrm>
+            <a:off x="432000" y="4407480"/>
+            <a:ext cx="2360520" cy="2360520"/>
+          </a:xfrm>
+          <a:prstGeom prst="rect">
+            <a:avLst/>
+          </a:prstGeom>
+          <a:ln>
+            <a:noFill/>
+          </a:ln>
+        </p:spPr>
+      </p:pic>
     </p:spTree>
   </p:cSld>
   <mc:AlternateContent>
@@ -5826,14 +5849,14 @@
       </p:grpSpPr>
       <p:sp>
         <p:nvSpPr>
-          <p:cNvPr id="124" name="CustomShape 1"/>
+          <p:cNvPr id="125" name="CustomShape 1"/>
           <p:cNvSpPr/>
           <p:nvPr/>
         </p:nvSpPr>
         <p:spPr>
           <a:xfrm>
             <a:off x="838080" y="365040"/>
-            <a:ext cx="10513440" cy="605160"/>
+            <a:ext cx="10513080" cy="604800"/>
           </a:xfrm>
           <a:prstGeom prst="rect">
             <a:avLst/>
@@ -5877,14 +5900,14 @@
       </p:sp>
       <p:sp>
         <p:nvSpPr>
-          <p:cNvPr id="125" name="CustomShape 2"/>
+          <p:cNvPr id="126" name="CustomShape 2"/>
           <p:cNvSpPr/>
           <p:nvPr/>
         </p:nvSpPr>
         <p:spPr>
           <a:xfrm>
             <a:off x="9156600" y="1102680"/>
-            <a:ext cx="2194920" cy="3553560"/>
+            <a:ext cx="2194560" cy="3553200"/>
           </a:xfrm>
           <a:prstGeom prst="rect">
             <a:avLst/>
@@ -6118,14 +6141,14 @@
       </p:sp>
       <p:sp>
         <p:nvSpPr>
-          <p:cNvPr id="126" name="CustomShape 3"/>
+          <p:cNvPr id="127" name="CustomShape 3"/>
           <p:cNvSpPr/>
           <p:nvPr/>
         </p:nvSpPr>
         <p:spPr>
           <a:xfrm>
             <a:off x="2764440" y="2878200"/>
-            <a:ext cx="2089440" cy="1778040"/>
+            <a:ext cx="2089080" cy="1777680"/>
           </a:xfrm>
           <a:prstGeom prst="rect">
             <a:avLst/>
@@ -6271,14 +6294,14 @@
       </p:sp>
       <p:sp>
         <p:nvSpPr>
-          <p:cNvPr id="127" name="CustomShape 4"/>
+          <p:cNvPr id="128" name="CustomShape 4"/>
           <p:cNvSpPr/>
           <p:nvPr/>
         </p:nvSpPr>
         <p:spPr>
           <a:xfrm>
             <a:off x="4929120" y="1102680"/>
-            <a:ext cx="2001600" cy="4971960"/>
+            <a:ext cx="2001240" cy="4971600"/>
           </a:xfrm>
           <a:prstGeom prst="rect">
             <a:avLst/>
@@ -6495,14 +6518,14 @@
       </p:sp>
       <p:sp>
         <p:nvSpPr>
-          <p:cNvPr id="128" name="CustomShape 5"/>
+          <p:cNvPr id="129" name="CustomShape 5"/>
           <p:cNvSpPr/>
           <p:nvPr/>
         </p:nvSpPr>
         <p:spPr>
           <a:xfrm>
             <a:off x="7007040" y="1102680"/>
-            <a:ext cx="2074680" cy="1734120"/>
+            <a:ext cx="2074320" cy="1733760"/>
           </a:xfrm>
           <a:prstGeom prst="rect">
             <a:avLst/>
@@ -6643,14 +6666,14 @@
       </p:sp>
       <p:sp>
         <p:nvSpPr>
-          <p:cNvPr id="129" name="CustomShape 6"/>
+          <p:cNvPr id="130" name="CustomShape 6"/>
           <p:cNvSpPr/>
           <p:nvPr/>
         </p:nvSpPr>
         <p:spPr>
           <a:xfrm>
             <a:off x="766800" y="1103400"/>
-            <a:ext cx="1936440" cy="3552840"/>
+            <a:ext cx="1936080" cy="3552480"/>
           </a:xfrm>
           <a:prstGeom prst="rect">
             <a:avLst/>
@@ -6864,14 +6887,14 @@
       </p:sp>
       <p:sp>
         <p:nvSpPr>
-          <p:cNvPr id="130" name="CustomShape 7"/>
+          <p:cNvPr id="131" name="CustomShape 7"/>
           <p:cNvSpPr/>
           <p:nvPr/>
         </p:nvSpPr>
         <p:spPr>
           <a:xfrm>
             <a:off x="766800" y="4708440"/>
-            <a:ext cx="4087440" cy="1365840"/>
+            <a:ext cx="4087080" cy="1365480"/>
           </a:xfrm>
           <a:prstGeom prst="rect">
             <a:avLst/>
@@ -7012,14 +7035,14 @@
       </p:sp>
       <p:sp>
         <p:nvSpPr>
-          <p:cNvPr id="131" name="CustomShape 8"/>
+          <p:cNvPr id="132" name="CustomShape 8"/>
           <p:cNvSpPr/>
           <p:nvPr/>
         </p:nvSpPr>
         <p:spPr>
           <a:xfrm>
             <a:off x="7007040" y="2889000"/>
-            <a:ext cx="2078640" cy="1767240"/>
+            <a:ext cx="2078280" cy="1766880"/>
           </a:xfrm>
           <a:prstGeom prst="rect">
             <a:avLst/>
@@ -7166,14 +7189,14 @@
       </p:sp>
       <p:sp>
         <p:nvSpPr>
-          <p:cNvPr id="132" name="CustomShape 9"/>
+          <p:cNvPr id="133" name="CustomShape 9"/>
           <p:cNvSpPr/>
           <p:nvPr/>
         </p:nvSpPr>
         <p:spPr>
           <a:xfrm>
             <a:off x="7007040" y="4708440"/>
-            <a:ext cx="4344480" cy="1351080"/>
+            <a:ext cx="4344120" cy="1350720"/>
           </a:xfrm>
           <a:prstGeom prst="rect">
             <a:avLst/>
@@ -7279,14 +7302,14 @@
       </p:sp>
       <p:sp>
         <p:nvSpPr>
-          <p:cNvPr id="133" name="CustomShape 10"/>
+          <p:cNvPr id="134" name="CustomShape 10"/>
           <p:cNvSpPr/>
           <p:nvPr/>
         </p:nvSpPr>
         <p:spPr>
           <a:xfrm>
             <a:off x="2764440" y="1102680"/>
-            <a:ext cx="2092680" cy="1734120"/>
+            <a:ext cx="2092320" cy="1733760"/>
           </a:xfrm>
           <a:prstGeom prst="rect">
             <a:avLst/>
@@ -7460,14 +7483,14 @@
       </p:grpSpPr>
       <p:sp>
         <p:nvSpPr>
-          <p:cNvPr id="134" name="CustomShape 1"/>
+          <p:cNvPr id="135" name="CustomShape 1"/>
           <p:cNvSpPr/>
           <p:nvPr/>
         </p:nvSpPr>
         <p:spPr>
           <a:xfrm>
             <a:off x="838080" y="365040"/>
-            <a:ext cx="10513440" cy="1323360"/>
+            <a:ext cx="10513080" cy="1323000"/>
           </a:xfrm>
           <a:prstGeom prst="rect">
             <a:avLst/>
@@ -7511,14 +7534,14 @@
       </p:sp>
       <p:sp>
         <p:nvSpPr>
-          <p:cNvPr id="135" name="CustomShape 2"/>
+          <p:cNvPr id="136" name="CustomShape 2"/>
           <p:cNvSpPr/>
           <p:nvPr/>
         </p:nvSpPr>
         <p:spPr>
           <a:xfrm>
             <a:off x="838080" y="1825560"/>
-            <a:ext cx="10513440" cy="4349160"/>
+            <a:ext cx="10513080" cy="4348800"/>
           </a:xfrm>
           <a:prstGeom prst="rect">
             <a:avLst/>
@@ -7686,14 +7709,14 @@
       </p:grpSpPr>
       <p:sp>
         <p:nvSpPr>
-          <p:cNvPr id="136" name="CustomShape 1"/>
+          <p:cNvPr id="137" name="CustomShape 1"/>
           <p:cNvSpPr/>
           <p:nvPr/>
         </p:nvSpPr>
         <p:spPr>
           <a:xfrm>
             <a:off x="838080" y="365040"/>
-            <a:ext cx="10513440" cy="1323360"/>
+            <a:ext cx="10513080" cy="1323000"/>
           </a:xfrm>
           <a:prstGeom prst="rect">
             <a:avLst/>
@@ -7737,14 +7760,14 @@
       </p:sp>
       <p:sp>
         <p:nvSpPr>
-          <p:cNvPr id="137" name="CustomShape 2"/>
+          <p:cNvPr id="138" name="CustomShape 2"/>
           <p:cNvSpPr/>
           <p:nvPr/>
         </p:nvSpPr>
         <p:spPr>
           <a:xfrm>
             <a:off x="838080" y="1825560"/>
-            <a:ext cx="5179320" cy="4349160"/>
+            <a:ext cx="5178960" cy="4348800"/>
           </a:xfrm>
           <a:prstGeom prst="rect">
             <a:avLst/>
@@ -7763,14 +7786,14 @@
       </p:sp>
       <p:sp>
         <p:nvSpPr>
-          <p:cNvPr id="138" name="CustomShape 3"/>
+          <p:cNvPr id="139" name="CustomShape 3"/>
           <p:cNvSpPr/>
           <p:nvPr/>
         </p:nvSpPr>
         <p:spPr>
           <a:xfrm>
             <a:off x="720000" y="1692000"/>
-            <a:ext cx="10631520" cy="4349160"/>
+            <a:ext cx="10631160" cy="4348800"/>
           </a:xfrm>
           <a:prstGeom prst="rect">
             <a:avLst/>
@@ -7811,7 +7834,7 @@
             </a:endParaRPr>
           </a:p>
           <a:p>
-            <a:pPr marL="216000" indent="-216000" algn="just">
+            <a:pPr marL="216000" indent="-215280">
               <a:lnSpc>
                 <a:spcPct val="100000"/>
               </a:lnSpc>
@@ -7836,7 +7859,7 @@
             </a:endParaRPr>
           </a:p>
           <a:p>
-            <a:pPr marL="216000" indent="-216000" algn="just">
+            <a:pPr marL="216000" indent="-215280">
               <a:lnSpc>
                 <a:spcPct val="100000"/>
               </a:lnSpc>
@@ -7891,15 +7914,14 @@
             </a:endParaRPr>
           </a:p>
           <a:p>
-            <a:pPr marL="216000" indent="-215640" algn="just">
+            <a:pPr marL="216000" indent="-215280">
               <a:lnSpc>
                 <a:spcPct val="100000"/>
               </a:lnSpc>
               <a:buClr>
                 <a:srgbClr val="000000"/>
               </a:buClr>
-              <a:buSzPct val="45000"/>
-              <a:buFont typeface="Symbol"/>
+              <a:buFont typeface="Symbol" charset="2"/>
               <a:buChar char=""/>
             </a:pPr>
             <a:r>
@@ -7910,22 +7932,21 @@
                 <a:latin typeface="Times New Roman"/>
                 <a:ea typeface="DejaVu Sans"/>
               </a:rPr>
-              <a:t>Kaol (Couve, Arroz, Ovo frito, linguiça artesanal, creme de mandioca)</a:t>
+              <a:t>Kaol (Couve, Arroz, Ovo frito, linguiça artesanal ao molho)</a:t>
             </a:r>
             <a:endParaRPr b="0" lang="pt-BR" sz="2000" spc="-1" strike="noStrike">
               <a:latin typeface="Arial"/>
             </a:endParaRPr>
           </a:p>
           <a:p>
-            <a:pPr marL="216000" indent="-215640" algn="just">
+            <a:pPr marL="216000" indent="-215280">
               <a:lnSpc>
                 <a:spcPct val="100000"/>
               </a:lnSpc>
               <a:buClr>
                 <a:srgbClr val="000000"/>
               </a:buClr>
-              <a:buSzPct val="45000"/>
-              <a:buFont typeface="Symbol"/>
+              <a:buFont typeface="Symbol" charset="2"/>
               <a:buChar char=""/>
             </a:pPr>
             <a:r>
@@ -7973,7 +7994,7 @@
             </a:endParaRPr>
           </a:p>
           <a:p>
-            <a:pPr marL="216000" indent="-215640" algn="just">
+            <a:pPr marL="216000" indent="-215280">
               <a:lnSpc>
                 <a:spcPct val="100000"/>
               </a:lnSpc>
@@ -7998,15 +8019,14 @@
             </a:endParaRPr>
           </a:p>
           <a:p>
-            <a:pPr marL="216000" indent="-215640" algn="just">
+            <a:pPr marL="216000" indent="-215280">
               <a:lnSpc>
                 <a:spcPct val="100000"/>
               </a:lnSpc>
               <a:buClr>
                 <a:srgbClr val="000000"/>
               </a:buClr>
-              <a:buSzPct val="45000"/>
-              <a:buFont typeface="Symbol"/>
+              <a:buFont typeface="Symbol" charset="2"/>
               <a:buChar char=""/>
             </a:pPr>
             <a:r>
@@ -8024,15 +8044,14 @@
             </a:endParaRPr>
           </a:p>
           <a:p>
-            <a:pPr marL="216000" indent="-215640" algn="just">
+            <a:pPr marL="216000" indent="-215280">
               <a:lnSpc>
                 <a:spcPct val="100000"/>
               </a:lnSpc>
               <a:buClr>
                 <a:srgbClr val="000000"/>
               </a:buClr>
-              <a:buSzPct val="45000"/>
-              <a:buFont typeface="Symbol"/>
+              <a:buFont typeface="Symbol" charset="2"/>
               <a:buChar char=""/>
             </a:pPr>
             <a:r>
@@ -8043,23 +8062,17 @@
                 <a:latin typeface="Times New Roman"/>
                 <a:ea typeface="DejaVu Sans"/>
               </a:rPr>
-              <a:t>Defumados (Bacon, joelho de porco, costelinha de porco, pé, orelha)</a:t>
+              <a:t>Defumados (Barriga de porco (Bacon), joelho de porco, costelinha de porco, pé, orelha)</a:t>
             </a:r>
             <a:endParaRPr b="0" lang="pt-BR" sz="2000" spc="-1" strike="noStrike">
               <a:latin typeface="Arial"/>
             </a:endParaRPr>
           </a:p>
           <a:p>
-            <a:pPr marL="216000" indent="-215640" algn="just">
-              <a:lnSpc>
-                <a:spcPct val="100000"/>
-              </a:lnSpc>
-              <a:buClr>
-                <a:srgbClr val="000000"/>
-              </a:buClr>
-              <a:buSzPct val="45000"/>
-              <a:buFont typeface="Symbol"/>
-              <a:buChar char=""/>
+            <a:pPr algn="just">
+              <a:lnSpc>
+                <a:spcPct val="100000"/>
+              </a:lnSpc>
             </a:pPr>
             <a:endParaRPr b="0" lang="pt-BR" sz="2000" spc="-1" strike="noStrike">
               <a:latin typeface="Arial"/>
@@ -8109,14 +8122,14 @@
       </p:grpSpPr>
       <p:sp>
         <p:nvSpPr>
-          <p:cNvPr id="139" name="CustomShape 1"/>
+          <p:cNvPr id="140" name="CustomShape 1"/>
           <p:cNvSpPr/>
           <p:nvPr/>
         </p:nvSpPr>
         <p:spPr>
           <a:xfrm>
             <a:off x="838080" y="365040"/>
-            <a:ext cx="10513440" cy="1323360"/>
+            <a:ext cx="10513080" cy="1323000"/>
           </a:xfrm>
           <a:prstGeom prst="rect">
             <a:avLst/>
@@ -8160,14 +8173,14 @@
       </p:sp>
       <p:sp>
         <p:nvSpPr>
-          <p:cNvPr id="140" name="CustomShape 2"/>
+          <p:cNvPr id="141" name="CustomShape 2"/>
           <p:cNvSpPr/>
           <p:nvPr/>
         </p:nvSpPr>
         <p:spPr>
           <a:xfrm>
             <a:off x="720000" y="1825560"/>
-            <a:ext cx="10513440" cy="4349160"/>
+            <a:ext cx="10513080" cy="4348800"/>
           </a:xfrm>
           <a:prstGeom prst="rect">
             <a:avLst/>
@@ -8216,14 +8229,14 @@
       </p:grpSpPr>
       <p:sp>
         <p:nvSpPr>
-          <p:cNvPr id="141" name="CustomShape 1"/>
+          <p:cNvPr id="142" name="CustomShape 1"/>
           <p:cNvSpPr/>
           <p:nvPr/>
         </p:nvSpPr>
         <p:spPr>
           <a:xfrm>
             <a:off x="838080" y="365040"/>
-            <a:ext cx="10513440" cy="1323360"/>
+            <a:ext cx="10513080" cy="1323000"/>
           </a:xfrm>
           <a:prstGeom prst="rect">
             <a:avLst/>
@@ -8267,14 +8280,14 @@
       </p:sp>
       <p:sp>
         <p:nvSpPr>
-          <p:cNvPr id="142" name="CustomShape 2"/>
+          <p:cNvPr id="143" name="CustomShape 2"/>
           <p:cNvSpPr/>
           <p:nvPr/>
         </p:nvSpPr>
         <p:spPr>
           <a:xfrm>
             <a:off x="838080" y="1825560"/>
-            <a:ext cx="10513440" cy="4349160"/>
+            <a:ext cx="10513080" cy="4348800"/>
           </a:xfrm>
           <a:prstGeom prst="rect">
             <a:avLst/>
@@ -8323,14 +8336,14 @@
       </p:grpSpPr>
       <p:sp>
         <p:nvSpPr>
-          <p:cNvPr id="143" name="CustomShape 1"/>
+          <p:cNvPr id="144" name="CustomShape 1"/>
           <p:cNvSpPr/>
           <p:nvPr/>
         </p:nvSpPr>
         <p:spPr>
           <a:xfrm>
             <a:off x="838080" y="365040"/>
-            <a:ext cx="10513440" cy="1323360"/>
+            <a:ext cx="10513080" cy="1323000"/>
           </a:xfrm>
           <a:prstGeom prst="rect">
             <a:avLst/>
@@ -8374,14 +8387,14 @@
       </p:sp>
       <p:sp>
         <p:nvSpPr>
-          <p:cNvPr id="144" name="CustomShape 2"/>
+          <p:cNvPr id="145" name="CustomShape 2"/>
           <p:cNvSpPr/>
           <p:nvPr/>
         </p:nvSpPr>
         <p:spPr>
           <a:xfrm>
             <a:off x="838080" y="1825560"/>
-            <a:ext cx="10513440" cy="4349160"/>
+            <a:ext cx="10513080" cy="4348800"/>
           </a:xfrm>
           <a:prstGeom prst="rect">
             <a:avLst/>

--- a/plano-de-negocios-restaurante-tioto.pptx
+++ b/plano-de-negocios-restaurante-tioto.pptx
@@ -17,6 +17,7 @@
     <p:sldId id="263" r:id="rId12"/>
     <p:sldId id="264" r:id="rId13"/>
     <p:sldId id="265" r:id="rId14"/>
+    <p:sldId id="266" r:id="rId15"/>
   </p:sldIdLst>
   <p:sldSz cx="12192000" cy="6858000"/>
   <p:notesSz cx="7559675" cy="10691812"/>
@@ -4128,7 +4129,7 @@
         <p:spPr>
           <a:xfrm>
             <a:off x="5441040" y="6062040"/>
-            <a:ext cx="1109520" cy="586080"/>
+            <a:ext cx="1109160" cy="585720"/>
           </a:xfrm>
           <a:prstGeom prst="rect">
             <a:avLst/>
@@ -4411,7 +4412,7 @@
         <p:spPr>
           <a:xfrm>
             <a:off x="5540040" y="6176880"/>
-            <a:ext cx="1109520" cy="586080"/>
+            <a:ext cx="1109160" cy="585720"/>
           </a:xfrm>
           <a:prstGeom prst="rect">
             <a:avLst/>
@@ -4694,7 +4695,7 @@
         <p:spPr>
           <a:xfrm>
             <a:off x="5540040" y="6132960"/>
-            <a:ext cx="1109520" cy="586080"/>
+            <a:ext cx="1109160" cy="585720"/>
           </a:xfrm>
           <a:prstGeom prst="rect">
             <a:avLst/>
@@ -4730,12 +4731,12 @@
           <a:p>
             <a:pPr algn="ctr"/>
             <a:r>
-              <a:rPr b="0" lang="pt-BR" sz="1800" spc="-1" strike="noStrike">
+              <a:rPr b="0" lang="pt-BR" sz="4400" spc="-1" strike="noStrike">
                 <a:latin typeface="Arial"/>
               </a:rPr>
               <a:t>Clique para editar o formato do texto do título</a:t>
             </a:r>
-            <a:endParaRPr b="0" lang="pt-BR" sz="1800" spc="-1" strike="noStrike">
+            <a:endParaRPr b="0" lang="pt-BR" sz="4400" spc="-1" strike="noStrike">
               <a:latin typeface="Arial"/>
             </a:endParaRPr>
           </a:p>
@@ -4762,10 +4763,10 @@
         </p:spPr>
         <p:txBody>
           <a:bodyPr lIns="0" rIns="0" tIns="0" bIns="0">
-            <a:normAutofit/>
-          </a:bodyPr>
-          <a:p>
-            <a:pPr marL="432000" indent="-324000" algn="ctr">
+            <a:normAutofit fontScale="64000"/>
+          </a:bodyPr>
+          <a:p>
+            <a:pPr marL="432000" indent="-324000">
               <a:spcBef>
                 <a:spcPts val="1417"/>
               </a:spcBef>
@@ -4777,17 +4778,17 @@
               <a:buChar char=""/>
             </a:pPr>
             <a:r>
-              <a:rPr b="0" lang="pt-BR" sz="1800" spc="-1" strike="noStrike">
+              <a:rPr b="0" lang="pt-BR" sz="3200" spc="-1" strike="noStrike">
                 <a:latin typeface="Arial"/>
               </a:rPr>
               <a:t>Clique para editar o formato do texto da estrutura de tópicos</a:t>
             </a:r>
-            <a:endParaRPr b="0" lang="pt-BR" sz="1800" spc="-1" strike="noStrike">
-              <a:latin typeface="Arial"/>
-            </a:endParaRPr>
-          </a:p>
-          <a:p>
-            <a:pPr lvl="1" marL="864000" indent="-324000" algn="ctr">
+            <a:endParaRPr b="0" lang="pt-BR" sz="3200" spc="-1" strike="noStrike">
+              <a:latin typeface="Arial"/>
+            </a:endParaRPr>
+          </a:p>
+          <a:p>
+            <a:pPr lvl="1" marL="864000" indent="-324000">
               <a:spcBef>
                 <a:spcPts val="1134"/>
               </a:spcBef>
@@ -4799,17 +4800,17 @@
               <a:buChar char=""/>
             </a:pPr>
             <a:r>
-              <a:rPr b="0" lang="pt-BR" sz="1800" spc="-1" strike="noStrike">
+              <a:rPr b="0" lang="pt-BR" sz="2800" spc="-1" strike="noStrike">
                 <a:latin typeface="Arial"/>
               </a:rPr>
               <a:t>2.º nível da estrutura de tópicos</a:t>
             </a:r>
-            <a:endParaRPr b="0" lang="pt-BR" sz="1800" spc="-1" strike="noStrike">
-              <a:latin typeface="Arial"/>
-            </a:endParaRPr>
-          </a:p>
-          <a:p>
-            <a:pPr lvl="2" marL="1296000" indent="-288000" algn="ctr">
+            <a:endParaRPr b="0" lang="pt-BR" sz="2800" spc="-1" strike="noStrike">
+              <a:latin typeface="Arial"/>
+            </a:endParaRPr>
+          </a:p>
+          <a:p>
+            <a:pPr lvl="2" marL="1296000" indent="-288000">
               <a:spcBef>
                 <a:spcPts val="850"/>
               </a:spcBef>
@@ -4821,17 +4822,17 @@
               <a:buChar char=""/>
             </a:pPr>
             <a:r>
-              <a:rPr b="0" lang="pt-BR" sz="1800" spc="-1" strike="noStrike">
+              <a:rPr b="0" lang="pt-BR" sz="2400" spc="-1" strike="noStrike">
                 <a:latin typeface="Arial"/>
               </a:rPr>
               <a:t>3.º nível da estrutura de tópicos</a:t>
             </a:r>
-            <a:endParaRPr b="0" lang="pt-BR" sz="1800" spc="-1" strike="noStrike">
-              <a:latin typeface="Arial"/>
-            </a:endParaRPr>
-          </a:p>
-          <a:p>
-            <a:pPr lvl="3" marL="1728000" indent="-216000" algn="ctr">
+            <a:endParaRPr b="0" lang="pt-BR" sz="2400" spc="-1" strike="noStrike">
+              <a:latin typeface="Arial"/>
+            </a:endParaRPr>
+          </a:p>
+          <a:p>
+            <a:pPr lvl="3" marL="1728000" indent="-216000">
               <a:spcBef>
                 <a:spcPts val="567"/>
               </a:spcBef>
@@ -4843,17 +4844,17 @@
               <a:buChar char=""/>
             </a:pPr>
             <a:r>
-              <a:rPr b="0" lang="pt-BR" sz="1800" spc="-1" strike="noStrike">
+              <a:rPr b="0" lang="pt-BR" sz="2000" spc="-1" strike="noStrike">
                 <a:latin typeface="Arial"/>
               </a:rPr>
               <a:t>4.º nível da estrutura de tópicos</a:t>
             </a:r>
-            <a:endParaRPr b="0" lang="pt-BR" sz="1800" spc="-1" strike="noStrike">
-              <a:latin typeface="Arial"/>
-            </a:endParaRPr>
-          </a:p>
-          <a:p>
-            <a:pPr lvl="4" marL="2160000" indent="-216000" algn="ctr">
+            <a:endParaRPr b="0" lang="pt-BR" sz="2000" spc="-1" strike="noStrike">
+              <a:latin typeface="Arial"/>
+            </a:endParaRPr>
+          </a:p>
+          <a:p>
+            <a:pPr lvl="4" marL="2160000" indent="-216000">
               <a:spcBef>
                 <a:spcPts val="283"/>
               </a:spcBef>
@@ -4865,17 +4866,17 @@
               <a:buChar char=""/>
             </a:pPr>
             <a:r>
-              <a:rPr b="0" lang="pt-BR" sz="1800" spc="-1" strike="noStrike">
+              <a:rPr b="0" lang="pt-BR" sz="2000" spc="-1" strike="noStrike">
                 <a:latin typeface="Arial"/>
               </a:rPr>
               <a:t>5.º nível da estrutura de tópicos</a:t>
             </a:r>
-            <a:endParaRPr b="0" lang="pt-BR" sz="1800" spc="-1" strike="noStrike">
-              <a:latin typeface="Arial"/>
-            </a:endParaRPr>
-          </a:p>
-          <a:p>
-            <a:pPr lvl="5" marL="2592000" indent="-216000" algn="ctr">
+            <a:endParaRPr b="0" lang="pt-BR" sz="2000" spc="-1" strike="noStrike">
+              <a:latin typeface="Arial"/>
+            </a:endParaRPr>
+          </a:p>
+          <a:p>
+            <a:pPr lvl="5" marL="2592000" indent="-216000">
               <a:spcBef>
                 <a:spcPts val="283"/>
               </a:spcBef>
@@ -4887,17 +4888,17 @@
               <a:buChar char=""/>
             </a:pPr>
             <a:r>
-              <a:rPr b="0" lang="pt-BR" sz="1800" spc="-1" strike="noStrike">
+              <a:rPr b="0" lang="pt-BR" sz="2000" spc="-1" strike="noStrike">
                 <a:latin typeface="Arial"/>
               </a:rPr>
               <a:t>6.º nível da estrutura de tópicos</a:t>
             </a:r>
-            <a:endParaRPr b="0" lang="pt-BR" sz="1800" spc="-1" strike="noStrike">
-              <a:latin typeface="Arial"/>
-            </a:endParaRPr>
-          </a:p>
-          <a:p>
-            <a:pPr lvl="6" marL="3024000" indent="-216000" algn="ctr">
+            <a:endParaRPr b="0" lang="pt-BR" sz="2000" spc="-1" strike="noStrike">
+              <a:latin typeface="Arial"/>
+            </a:endParaRPr>
+          </a:p>
+          <a:p>
+            <a:pPr lvl="6" marL="3024000" indent="-216000">
               <a:spcBef>
                 <a:spcPts val="283"/>
               </a:spcBef>
@@ -4909,12 +4910,12 @@
               <a:buChar char=""/>
             </a:pPr>
             <a:r>
-              <a:rPr b="0" lang="pt-BR" sz="1800" spc="-1" strike="noStrike">
+              <a:rPr b="0" lang="pt-BR" sz="2000" spc="-1" strike="noStrike">
                 <a:latin typeface="Arial"/>
               </a:rPr>
               <a:t>7.º nível da estrutura de tópicos</a:t>
             </a:r>
-            <a:endParaRPr b="0" lang="pt-BR" sz="1800" spc="-1" strike="noStrike">
+            <a:endParaRPr b="0" lang="pt-BR" sz="2000" spc="-1" strike="noStrike">
               <a:latin typeface="Arial"/>
             </a:endParaRPr>
           </a:p>
@@ -4941,10 +4942,10 @@
         </p:spPr>
         <p:txBody>
           <a:bodyPr lIns="0" rIns="0" tIns="0" bIns="0">
-            <a:normAutofit/>
-          </a:bodyPr>
-          <a:p>
-            <a:pPr marL="432000" indent="-324000" algn="ctr">
+            <a:normAutofit fontScale="64000"/>
+          </a:bodyPr>
+          <a:p>
+            <a:pPr marL="432000" indent="-324000">
               <a:spcBef>
                 <a:spcPts val="1417"/>
               </a:spcBef>
@@ -4956,17 +4957,17 @@
               <a:buChar char=""/>
             </a:pPr>
             <a:r>
-              <a:rPr b="0" lang="pt-BR" sz="1800" spc="-1" strike="noStrike">
+              <a:rPr b="0" lang="pt-BR" sz="3200" spc="-1" strike="noStrike">
                 <a:latin typeface="Arial"/>
               </a:rPr>
               <a:t>Clique para editar o formato do texto da estrutura de tópicos</a:t>
             </a:r>
-            <a:endParaRPr b="0" lang="pt-BR" sz="1800" spc="-1" strike="noStrike">
-              <a:latin typeface="Arial"/>
-            </a:endParaRPr>
-          </a:p>
-          <a:p>
-            <a:pPr lvl="1" marL="864000" indent="-324000" algn="ctr">
+            <a:endParaRPr b="0" lang="pt-BR" sz="3200" spc="-1" strike="noStrike">
+              <a:latin typeface="Arial"/>
+            </a:endParaRPr>
+          </a:p>
+          <a:p>
+            <a:pPr lvl="1" marL="864000" indent="-324000">
               <a:spcBef>
                 <a:spcPts val="1134"/>
               </a:spcBef>
@@ -4978,17 +4979,17 @@
               <a:buChar char=""/>
             </a:pPr>
             <a:r>
-              <a:rPr b="0" lang="pt-BR" sz="1800" spc="-1" strike="noStrike">
+              <a:rPr b="0" lang="pt-BR" sz="2800" spc="-1" strike="noStrike">
                 <a:latin typeface="Arial"/>
               </a:rPr>
               <a:t>2.º nível da estrutura de tópicos</a:t>
             </a:r>
-            <a:endParaRPr b="0" lang="pt-BR" sz="1800" spc="-1" strike="noStrike">
-              <a:latin typeface="Arial"/>
-            </a:endParaRPr>
-          </a:p>
-          <a:p>
-            <a:pPr lvl="2" marL="1296000" indent="-288000" algn="ctr">
+            <a:endParaRPr b="0" lang="pt-BR" sz="2800" spc="-1" strike="noStrike">
+              <a:latin typeface="Arial"/>
+            </a:endParaRPr>
+          </a:p>
+          <a:p>
+            <a:pPr lvl="2" marL="1296000" indent="-288000">
               <a:spcBef>
                 <a:spcPts val="850"/>
               </a:spcBef>
@@ -5000,17 +5001,17 @@
               <a:buChar char=""/>
             </a:pPr>
             <a:r>
-              <a:rPr b="0" lang="pt-BR" sz="1800" spc="-1" strike="noStrike">
+              <a:rPr b="0" lang="pt-BR" sz="2400" spc="-1" strike="noStrike">
                 <a:latin typeface="Arial"/>
               </a:rPr>
               <a:t>3.º nível da estrutura de tópicos</a:t>
             </a:r>
-            <a:endParaRPr b="0" lang="pt-BR" sz="1800" spc="-1" strike="noStrike">
-              <a:latin typeface="Arial"/>
-            </a:endParaRPr>
-          </a:p>
-          <a:p>
-            <a:pPr lvl="3" marL="1728000" indent="-216000" algn="ctr">
+            <a:endParaRPr b="0" lang="pt-BR" sz="2400" spc="-1" strike="noStrike">
+              <a:latin typeface="Arial"/>
+            </a:endParaRPr>
+          </a:p>
+          <a:p>
+            <a:pPr lvl="3" marL="1728000" indent="-216000">
               <a:spcBef>
                 <a:spcPts val="567"/>
               </a:spcBef>
@@ -5022,17 +5023,17 @@
               <a:buChar char=""/>
             </a:pPr>
             <a:r>
-              <a:rPr b="0" lang="pt-BR" sz="1800" spc="-1" strike="noStrike">
+              <a:rPr b="0" lang="pt-BR" sz="2000" spc="-1" strike="noStrike">
                 <a:latin typeface="Arial"/>
               </a:rPr>
               <a:t>4.º nível da estrutura de tópicos</a:t>
             </a:r>
-            <a:endParaRPr b="0" lang="pt-BR" sz="1800" spc="-1" strike="noStrike">
-              <a:latin typeface="Arial"/>
-            </a:endParaRPr>
-          </a:p>
-          <a:p>
-            <a:pPr lvl="4" marL="2160000" indent="-216000" algn="ctr">
+            <a:endParaRPr b="0" lang="pt-BR" sz="2000" spc="-1" strike="noStrike">
+              <a:latin typeface="Arial"/>
+            </a:endParaRPr>
+          </a:p>
+          <a:p>
+            <a:pPr lvl="4" marL="2160000" indent="-216000">
               <a:spcBef>
                 <a:spcPts val="283"/>
               </a:spcBef>
@@ -5044,17 +5045,17 @@
               <a:buChar char=""/>
             </a:pPr>
             <a:r>
-              <a:rPr b="0" lang="pt-BR" sz="1800" spc="-1" strike="noStrike">
+              <a:rPr b="0" lang="pt-BR" sz="2000" spc="-1" strike="noStrike">
                 <a:latin typeface="Arial"/>
               </a:rPr>
               <a:t>5.º nível da estrutura de tópicos</a:t>
             </a:r>
-            <a:endParaRPr b="0" lang="pt-BR" sz="1800" spc="-1" strike="noStrike">
-              <a:latin typeface="Arial"/>
-            </a:endParaRPr>
-          </a:p>
-          <a:p>
-            <a:pPr lvl="5" marL="2592000" indent="-216000" algn="ctr">
+            <a:endParaRPr b="0" lang="pt-BR" sz="2000" spc="-1" strike="noStrike">
+              <a:latin typeface="Arial"/>
+            </a:endParaRPr>
+          </a:p>
+          <a:p>
+            <a:pPr lvl="5" marL="2592000" indent="-216000">
               <a:spcBef>
                 <a:spcPts val="283"/>
               </a:spcBef>
@@ -5066,17 +5067,17 @@
               <a:buChar char=""/>
             </a:pPr>
             <a:r>
-              <a:rPr b="0" lang="pt-BR" sz="1800" spc="-1" strike="noStrike">
+              <a:rPr b="0" lang="pt-BR" sz="2000" spc="-1" strike="noStrike">
                 <a:latin typeface="Arial"/>
               </a:rPr>
               <a:t>6.º nível da estrutura de tópicos</a:t>
             </a:r>
-            <a:endParaRPr b="0" lang="pt-BR" sz="1800" spc="-1" strike="noStrike">
-              <a:latin typeface="Arial"/>
-            </a:endParaRPr>
-          </a:p>
-          <a:p>
-            <a:pPr lvl="6" marL="3024000" indent="-216000" algn="ctr">
+            <a:endParaRPr b="0" lang="pt-BR" sz="2000" spc="-1" strike="noStrike">
+              <a:latin typeface="Arial"/>
+            </a:endParaRPr>
+          </a:p>
+          <a:p>
+            <a:pPr lvl="6" marL="3024000" indent="-216000">
               <a:spcBef>
                 <a:spcPts val="283"/>
               </a:spcBef>
@@ -5088,12 +5089,12 @@
               <a:buChar char=""/>
             </a:pPr>
             <a:r>
-              <a:rPr b="0" lang="pt-BR" sz="1800" spc="-1" strike="noStrike">
+              <a:rPr b="0" lang="pt-BR" sz="2000" spc="-1" strike="noStrike">
                 <a:latin typeface="Arial"/>
               </a:rPr>
               <a:t>7.º nível da estrutura de tópicos</a:t>
             </a:r>
-            <a:endParaRPr b="0" lang="pt-BR" sz="1800" spc="-1" strike="noStrike">
+            <a:endParaRPr b="0" lang="pt-BR" sz="2000" spc="-1" strike="noStrike">
               <a:latin typeface="Arial"/>
             </a:endParaRPr>
           </a:p>
@@ -5145,7 +5146,7 @@
         <p:spPr>
           <a:xfrm>
             <a:off x="1523880" y="523800"/>
-            <a:ext cx="9141480" cy="2385000"/>
+            <a:ext cx="9141120" cy="2384640"/>
           </a:xfrm>
           <a:prstGeom prst="rect">
             <a:avLst/>
@@ -5196,7 +5197,7 @@
         <p:spPr>
           <a:xfrm>
             <a:off x="1523880" y="3003480"/>
-            <a:ext cx="9141480" cy="2239200"/>
+            <a:ext cx="9141120" cy="2238840"/>
           </a:xfrm>
           <a:prstGeom prst="rect">
             <a:avLst/>
@@ -5339,7 +5340,7 @@
         <p:spPr>
           <a:xfrm>
             <a:off x="838080" y="365040"/>
-            <a:ext cx="10513080" cy="1323000"/>
+            <a:ext cx="10512720" cy="1322640"/>
           </a:xfrm>
           <a:prstGeom prst="rect">
             <a:avLst/>
@@ -5373,7 +5374,7 @@
                 <a:latin typeface="Calibri Light"/>
                 <a:ea typeface="DejaVu Sans"/>
               </a:rPr>
-              <a:t>4. Considerações finais - TCC I</a:t>
+              <a:t>3.2. Análise de concorrência</a:t>
             </a:r>
             <a:endParaRPr b="0" lang="pt-BR" sz="4400" spc="-1" strike="noStrike">
               <a:latin typeface="Arial"/>
@@ -5390,7 +5391,114 @@
         <p:spPr>
           <a:xfrm>
             <a:off x="838080" y="1825560"/>
-            <a:ext cx="10513080" cy="4348800"/>
+            <a:ext cx="10512720" cy="4348440"/>
+          </a:xfrm>
+          <a:prstGeom prst="rect">
+            <a:avLst/>
+          </a:prstGeom>
+          <a:noFill/>
+          <a:ln>
+            <a:noFill/>
+          </a:ln>
+        </p:spPr>
+        <p:style>
+          <a:lnRef idx="0"/>
+          <a:fillRef idx="0"/>
+          <a:effectRef idx="0"/>
+          <a:fontRef idx="minor"/>
+        </p:style>
+      </p:sp>
+    </p:spTree>
+  </p:cSld>
+  <mc:AlternateContent>
+    <mc:Choice Requires="p14">
+      <p:transition spd="slow" p14:dur="2000"/>
+    </mc:Choice>
+    <mc:Fallback>
+      <p:transition spd="slow"/>
+    </mc:Fallback>
+  </mc:AlternateContent>
+</p:sld>
+</file>
+
+<file path=ppt/slides/slide11.xml><?xml version="1.0" encoding="utf-8"?>
+<p:sld xmlns:a="http://schemas.openxmlformats.org/drawingml/2006/main" xmlns:p="http://schemas.openxmlformats.org/presentationml/2006/main" xmlns:r="http://schemas.openxmlformats.org/officeDocument/2006/relationships" xmlns:p14="http://schemas.microsoft.com/office/powerpoint/2010/main" xmlns:p15="http://schemas.microsoft.com/office/powerpoint/2012/main" xmlns:mc="http://schemas.openxmlformats.org/markup-compatibility/2006">
+  <p:cSld>
+    <p:spTree>
+      <p:nvGrpSpPr>
+        <p:cNvPr id="1" name=""/>
+        <p:cNvGrpSpPr/>
+        <p:nvPr/>
+      </p:nvGrpSpPr>
+      <p:grpSpPr>
+        <a:xfrm>
+          <a:off x="0" y="0"/>
+          <a:ext cx="0" cy="0"/>
+          <a:chOff x="0" y="0"/>
+          <a:chExt cx="0" cy="0"/>
+        </a:xfrm>
+      </p:grpSpPr>
+      <p:sp>
+        <p:nvSpPr>
+          <p:cNvPr id="148" name="CustomShape 1"/>
+          <p:cNvSpPr/>
+          <p:nvPr/>
+        </p:nvSpPr>
+        <p:spPr>
+          <a:xfrm>
+            <a:off x="838080" y="365040"/>
+            <a:ext cx="10512720" cy="1322640"/>
+          </a:xfrm>
+          <a:prstGeom prst="rect">
+            <a:avLst/>
+          </a:prstGeom>
+          <a:noFill/>
+          <a:ln>
+            <a:noFill/>
+          </a:ln>
+        </p:spPr>
+        <p:style>
+          <a:lnRef idx="0"/>
+          <a:fillRef idx="0"/>
+          <a:effectRef idx="0"/>
+          <a:fontRef idx="minor"/>
+        </p:style>
+        <p:txBody>
+          <a:bodyPr lIns="90000" rIns="90000" tIns="45000" bIns="45000" anchor="ctr">
+            <a:noAutofit/>
+          </a:bodyPr>
+          <a:p>
+            <a:pPr>
+              <a:lnSpc>
+                <a:spcPct val="90000"/>
+              </a:lnSpc>
+            </a:pPr>
+            <a:r>
+              <a:rPr b="0" lang="pt-BR" sz="4400" spc="-1" strike="noStrike">
+                <a:solidFill>
+                  <a:srgbClr val="808080"/>
+                </a:solidFill>
+                <a:latin typeface="Calibri Light"/>
+                <a:ea typeface="DejaVu Sans"/>
+              </a:rPr>
+              <a:t>4. Considerações finais - TCC I</a:t>
+            </a:r>
+            <a:endParaRPr b="0" lang="pt-BR" sz="4400" spc="-1" strike="noStrike">
+              <a:latin typeface="Arial"/>
+            </a:endParaRPr>
+          </a:p>
+        </p:txBody>
+      </p:sp>
+      <p:sp>
+        <p:nvSpPr>
+          <p:cNvPr id="149" name="CustomShape 2"/>
+          <p:cNvSpPr/>
+          <p:nvPr/>
+        </p:nvSpPr>
+        <p:spPr>
+          <a:xfrm>
+            <a:off x="838080" y="1825560"/>
+            <a:ext cx="10512720" cy="4348440"/>
           </a:xfrm>
           <a:prstGeom prst="rect">
             <a:avLst/>
@@ -5446,7 +5554,7 @@
         <p:spPr>
           <a:xfrm>
             <a:off x="838080" y="365040"/>
-            <a:ext cx="10513080" cy="1323000"/>
+            <a:ext cx="10512720" cy="1322640"/>
           </a:xfrm>
           <a:prstGeom prst="rect">
             <a:avLst/>
@@ -5497,7 +5605,7 @@
         <p:spPr>
           <a:xfrm>
             <a:off x="838080" y="1689480"/>
-            <a:ext cx="10513080" cy="4484880"/>
+            <a:ext cx="10512720" cy="4484520"/>
           </a:xfrm>
           <a:prstGeom prst="rect">
             <a:avLst/>
@@ -5621,7 +5729,7 @@
         <p:spPr>
           <a:xfrm>
             <a:off x="838080" y="365040"/>
-            <a:ext cx="10513080" cy="1323000"/>
+            <a:ext cx="10512720" cy="1322640"/>
           </a:xfrm>
           <a:prstGeom prst="rect">
             <a:avLst/>
@@ -5672,7 +5780,7 @@
         <p:spPr>
           <a:xfrm>
             <a:off x="360000" y="1499040"/>
-            <a:ext cx="11518560" cy="2413080"/>
+            <a:ext cx="11518200" cy="2412720"/>
           </a:xfrm>
           <a:prstGeom prst="rect">
             <a:avLst/>
@@ -5807,7 +5915,7 @@
         <p:spPr>
           <a:xfrm>
             <a:off x="432000" y="4407480"/>
-            <a:ext cx="2360520" cy="2360520"/>
+            <a:ext cx="2360160" cy="2360160"/>
           </a:xfrm>
           <a:prstGeom prst="rect">
             <a:avLst/>
@@ -5856,7 +5964,7 @@
         <p:spPr>
           <a:xfrm>
             <a:off x="838080" y="365040"/>
-            <a:ext cx="10513080" cy="604800"/>
+            <a:ext cx="10512720" cy="604440"/>
           </a:xfrm>
           <a:prstGeom prst="rect">
             <a:avLst/>
@@ -5907,7 +6015,7 @@
         <p:spPr>
           <a:xfrm>
             <a:off x="9156600" y="1102680"/>
-            <a:ext cx="2194560" cy="3553200"/>
+            <a:ext cx="2194200" cy="3552840"/>
           </a:xfrm>
           <a:prstGeom prst="rect">
             <a:avLst/>
@@ -5915,22 +6023,14 @@
           <a:solidFill>
             <a:srgbClr val="92d050"/>
           </a:solidFill>
-          <a:ln>
+          <a:ln w="25560">
             <a:noFill/>
           </a:ln>
         </p:spPr>
         <p:style>
-          <a:lnRef idx="2">
-            <a:schemeClr val="accent1">
-              <a:shade val="50000"/>
-            </a:schemeClr>
-          </a:lnRef>
-          <a:fillRef idx="1">
-            <a:schemeClr val="accent1"/>
-          </a:fillRef>
-          <a:effectRef idx="0">
-            <a:schemeClr val="accent1"/>
-          </a:effectRef>
+          <a:lnRef idx="0"/>
+          <a:fillRef idx="0"/>
+          <a:effectRef idx="0"/>
           <a:fontRef idx="minor"/>
         </p:style>
         <p:txBody>
@@ -6148,32 +6248,22 @@
         <p:spPr>
           <a:xfrm>
             <a:off x="2764440" y="2878200"/>
-            <a:ext cx="2089080" cy="1777680"/>
+            <a:ext cx="2088720" cy="1777320"/>
           </a:xfrm>
           <a:prstGeom prst="rect">
             <a:avLst/>
           </a:prstGeom>
           <a:solidFill>
-            <a:schemeClr val="bg1">
-              <a:lumMod val="65000"/>
-            </a:schemeClr>
+            <a:srgbClr val="a6a6a6"/>
           </a:solidFill>
-          <a:ln>
+          <a:ln w="25560">
             <a:noFill/>
           </a:ln>
         </p:spPr>
         <p:style>
-          <a:lnRef idx="2">
-            <a:schemeClr val="accent1">
-              <a:shade val="50000"/>
-            </a:schemeClr>
-          </a:lnRef>
-          <a:fillRef idx="1">
-            <a:schemeClr val="accent1"/>
-          </a:fillRef>
-          <a:effectRef idx="0">
-            <a:schemeClr val="accent1"/>
-          </a:effectRef>
+          <a:lnRef idx="0"/>
+          <a:fillRef idx="0"/>
+          <a:effectRef idx="0"/>
           <a:fontRef idx="minor"/>
         </p:style>
         <p:txBody>
@@ -6301,33 +6391,22 @@
         <p:spPr>
           <a:xfrm>
             <a:off x="4929120" y="1102680"/>
-            <a:ext cx="2001240" cy="4971600"/>
+            <a:ext cx="2000880" cy="4971240"/>
           </a:xfrm>
           <a:prstGeom prst="rect">
             <a:avLst/>
           </a:prstGeom>
           <a:solidFill>
-            <a:schemeClr val="accent4">
-              <a:lumMod val="60000"/>
-              <a:lumOff val="40000"/>
-            </a:schemeClr>
+            <a:srgbClr val="ffd966"/>
           </a:solidFill>
-          <a:ln>
+          <a:ln w="25560">
             <a:noFill/>
           </a:ln>
         </p:spPr>
         <p:style>
-          <a:lnRef idx="2">
-            <a:schemeClr val="accent1">
-              <a:shade val="50000"/>
-            </a:schemeClr>
-          </a:lnRef>
-          <a:fillRef idx="1">
-            <a:schemeClr val="accent1"/>
-          </a:fillRef>
-          <a:effectRef idx="0">
-            <a:schemeClr val="accent1"/>
-          </a:effectRef>
+          <a:lnRef idx="0"/>
+          <a:fillRef idx="0"/>
+          <a:effectRef idx="0"/>
           <a:fontRef idx="minor"/>
         </p:style>
         <p:txBody>
@@ -6525,27 +6604,22 @@
         <p:spPr>
           <a:xfrm>
             <a:off x="7007040" y="1102680"/>
-            <a:ext cx="2074320" cy="1733760"/>
-          </a:xfrm>
-          <a:prstGeom prst="rect">
-            <a:avLst/>
-          </a:prstGeom>
-          <a:ln>
+            <a:ext cx="2073960" cy="1733400"/>
+          </a:xfrm>
+          <a:prstGeom prst="rect">
+            <a:avLst/>
+          </a:prstGeom>
+          <a:solidFill>
+            <a:srgbClr val="5b9bd5"/>
+          </a:solidFill>
+          <a:ln w="25560">
             <a:noFill/>
           </a:ln>
         </p:spPr>
         <p:style>
-          <a:lnRef idx="2">
-            <a:schemeClr val="accent1">
-              <a:shade val="50000"/>
-            </a:schemeClr>
-          </a:lnRef>
-          <a:fillRef idx="1">
-            <a:schemeClr val="accent1"/>
-          </a:fillRef>
-          <a:effectRef idx="0">
-            <a:schemeClr val="accent1"/>
-          </a:effectRef>
+          <a:lnRef idx="0"/>
+          <a:fillRef idx="0"/>
+          <a:effectRef idx="0"/>
           <a:fontRef idx="minor"/>
         </p:style>
         <p:txBody>
@@ -6673,7 +6747,7 @@
         <p:spPr>
           <a:xfrm>
             <a:off x="766800" y="1103400"/>
-            <a:ext cx="1936080" cy="3552480"/>
+            <a:ext cx="1935720" cy="3552120"/>
           </a:xfrm>
           <a:prstGeom prst="rect">
             <a:avLst/>
@@ -6681,22 +6755,14 @@
           <a:solidFill>
             <a:srgbClr val="7030a0"/>
           </a:solidFill>
-          <a:ln>
+          <a:ln w="25560">
             <a:noFill/>
           </a:ln>
         </p:spPr>
         <p:style>
-          <a:lnRef idx="2">
-            <a:schemeClr val="accent1">
-              <a:shade val="50000"/>
-            </a:schemeClr>
-          </a:lnRef>
-          <a:fillRef idx="1">
-            <a:schemeClr val="accent1"/>
-          </a:fillRef>
-          <a:effectRef idx="0">
-            <a:schemeClr val="accent1"/>
-          </a:effectRef>
+          <a:lnRef idx="0"/>
+          <a:fillRef idx="0"/>
+          <a:effectRef idx="0"/>
           <a:fontRef idx="minor"/>
         </p:style>
         <p:txBody>
@@ -6894,27 +6960,22 @@
         <p:spPr>
           <a:xfrm>
             <a:off x="766800" y="4708440"/>
-            <a:ext cx="4087080" cy="1365480"/>
-          </a:xfrm>
-          <a:prstGeom prst="rect">
-            <a:avLst/>
-          </a:prstGeom>
-          <a:ln>
+            <a:ext cx="4086720" cy="1365120"/>
+          </a:xfrm>
+          <a:prstGeom prst="rect">
+            <a:avLst/>
+          </a:prstGeom>
+          <a:solidFill>
+            <a:srgbClr val="5b9bd5"/>
+          </a:solidFill>
+          <a:ln w="25560">
             <a:noFill/>
           </a:ln>
         </p:spPr>
         <p:style>
-          <a:lnRef idx="2">
-            <a:schemeClr val="accent1">
-              <a:shade val="50000"/>
-            </a:schemeClr>
-          </a:lnRef>
-          <a:fillRef idx="1">
-            <a:schemeClr val="accent1"/>
-          </a:fillRef>
-          <a:effectRef idx="0">
-            <a:schemeClr val="accent1"/>
-          </a:effectRef>
+          <a:lnRef idx="0"/>
+          <a:fillRef idx="0"/>
+          <a:effectRef idx="0"/>
           <a:fontRef idx="minor"/>
         </p:style>
         <p:txBody>
@@ -7042,33 +7103,22 @@
         <p:spPr>
           <a:xfrm>
             <a:off x="7007040" y="2889000"/>
-            <a:ext cx="2078280" cy="1766880"/>
+            <a:ext cx="2077920" cy="1766520"/>
           </a:xfrm>
           <a:prstGeom prst="rect">
             <a:avLst/>
           </a:prstGeom>
           <a:solidFill>
-            <a:schemeClr val="accent2">
-              <a:lumMod val="60000"/>
-              <a:lumOff val="40000"/>
-            </a:schemeClr>
+            <a:srgbClr val="f4b183"/>
           </a:solidFill>
-          <a:ln>
+          <a:ln w="25560">
             <a:noFill/>
           </a:ln>
         </p:spPr>
         <p:style>
-          <a:lnRef idx="2">
-            <a:schemeClr val="accent1">
-              <a:shade val="50000"/>
-            </a:schemeClr>
-          </a:lnRef>
-          <a:fillRef idx="1">
-            <a:schemeClr val="accent1"/>
-          </a:fillRef>
-          <a:effectRef idx="0">
-            <a:schemeClr val="accent1"/>
-          </a:effectRef>
+          <a:lnRef idx="0"/>
+          <a:fillRef idx="0"/>
+          <a:effectRef idx="0"/>
           <a:fontRef idx="minor"/>
         </p:style>
         <p:txBody>
@@ -7196,32 +7246,22 @@
         <p:spPr>
           <a:xfrm>
             <a:off x="7007040" y="4708440"/>
-            <a:ext cx="4344120" cy="1350720"/>
+            <a:ext cx="4343760" cy="1350360"/>
           </a:xfrm>
           <a:prstGeom prst="rect">
             <a:avLst/>
           </a:prstGeom>
           <a:solidFill>
-            <a:schemeClr val="accent3">
-              <a:lumMod val="75000"/>
-            </a:schemeClr>
+            <a:srgbClr val="7c7c7c"/>
           </a:solidFill>
-          <a:ln>
+          <a:ln w="25560">
             <a:noFill/>
           </a:ln>
         </p:spPr>
         <p:style>
-          <a:lnRef idx="2">
-            <a:schemeClr val="accent1">
-              <a:shade val="50000"/>
-            </a:schemeClr>
-          </a:lnRef>
-          <a:fillRef idx="1">
-            <a:schemeClr val="accent1"/>
-          </a:fillRef>
-          <a:effectRef idx="0">
-            <a:schemeClr val="accent1"/>
-          </a:effectRef>
+          <a:lnRef idx="0"/>
+          <a:fillRef idx="0"/>
+          <a:effectRef idx="0"/>
           <a:fontRef idx="minor"/>
         </p:style>
         <p:txBody>
@@ -7309,7 +7349,7 @@
         <p:spPr>
           <a:xfrm>
             <a:off x="2764440" y="1102680"/>
-            <a:ext cx="2092320" cy="1733760"/>
+            <a:ext cx="2091960" cy="1733400"/>
           </a:xfrm>
           <a:prstGeom prst="rect">
             <a:avLst/>
@@ -7317,22 +7357,14 @@
           <a:solidFill>
             <a:srgbClr val="cd63b9"/>
           </a:solidFill>
-          <a:ln>
+          <a:ln w="25560">
             <a:noFill/>
           </a:ln>
         </p:spPr>
         <p:style>
-          <a:lnRef idx="2">
-            <a:schemeClr val="accent1">
-              <a:shade val="50000"/>
-            </a:schemeClr>
-          </a:lnRef>
-          <a:fillRef idx="1">
-            <a:schemeClr val="accent1"/>
-          </a:fillRef>
-          <a:effectRef idx="0">
-            <a:schemeClr val="accent1"/>
-          </a:effectRef>
+          <a:lnRef idx="0"/>
+          <a:fillRef idx="0"/>
+          <a:effectRef idx="0"/>
           <a:fontRef idx="minor"/>
         </p:style>
         <p:txBody>
@@ -7490,7 +7522,7 @@
         <p:spPr>
           <a:xfrm>
             <a:off x="838080" y="365040"/>
-            <a:ext cx="10513080" cy="1323000"/>
+            <a:ext cx="10512720" cy="1322640"/>
           </a:xfrm>
           <a:prstGeom prst="rect">
             <a:avLst/>
@@ -7541,7 +7573,7 @@
         <p:spPr>
           <a:xfrm>
             <a:off x="838080" y="1825560"/>
-            <a:ext cx="10513080" cy="4348800"/>
+            <a:ext cx="10512720" cy="4348440"/>
           </a:xfrm>
           <a:prstGeom prst="rect">
             <a:avLst/>
@@ -7716,7 +7748,7 @@
         <p:spPr>
           <a:xfrm>
             <a:off x="838080" y="365040"/>
-            <a:ext cx="10513080" cy="1323000"/>
+            <a:ext cx="10512720" cy="1322640"/>
           </a:xfrm>
           <a:prstGeom prst="rect">
             <a:avLst/>
@@ -7767,7 +7799,7 @@
         <p:spPr>
           <a:xfrm>
             <a:off x="838080" y="1825560"/>
-            <a:ext cx="5178960" cy="4348800"/>
+            <a:ext cx="5178600" cy="4348440"/>
           </a:xfrm>
           <a:prstGeom prst="rect">
             <a:avLst/>
@@ -7793,7 +7825,7 @@
         <p:spPr>
           <a:xfrm>
             <a:off x="720000" y="1692000"/>
-            <a:ext cx="10631160" cy="4348800"/>
+            <a:ext cx="10630800" cy="4348440"/>
           </a:xfrm>
           <a:prstGeom prst="rect">
             <a:avLst/>
@@ -7834,14 +7866,14 @@
             </a:endParaRPr>
           </a:p>
           <a:p>
-            <a:pPr marL="216000" indent="-215280">
+            <a:pPr marL="216000" indent="-214920">
               <a:lnSpc>
                 <a:spcPct val="100000"/>
               </a:lnSpc>
               <a:buClr>
                 <a:srgbClr val="000000"/>
               </a:buClr>
-              <a:buFont typeface="Symbol" charset="2"/>
+              <a:buFont typeface="Symbol"/>
               <a:buChar char=""/>
             </a:pPr>
             <a:r>
@@ -7859,14 +7891,14 @@
             </a:endParaRPr>
           </a:p>
           <a:p>
-            <a:pPr marL="216000" indent="-215280">
+            <a:pPr marL="216000" indent="-214920">
               <a:lnSpc>
                 <a:spcPct val="100000"/>
               </a:lnSpc>
               <a:buClr>
                 <a:srgbClr val="000000"/>
               </a:buClr>
-              <a:buFont typeface="Symbol" charset="2"/>
+              <a:buFont typeface="Symbol"/>
               <a:buChar char=""/>
             </a:pPr>
             <a:r>
@@ -7914,14 +7946,14 @@
             </a:endParaRPr>
           </a:p>
           <a:p>
-            <a:pPr marL="216000" indent="-215280">
+            <a:pPr marL="216000" indent="-214920">
               <a:lnSpc>
                 <a:spcPct val="100000"/>
               </a:lnSpc>
               <a:buClr>
                 <a:srgbClr val="000000"/>
               </a:buClr>
-              <a:buFont typeface="Symbol" charset="2"/>
+              <a:buFont typeface="Symbol"/>
               <a:buChar char=""/>
             </a:pPr>
             <a:r>
@@ -7939,14 +7971,14 @@
             </a:endParaRPr>
           </a:p>
           <a:p>
-            <a:pPr marL="216000" indent="-215280">
+            <a:pPr marL="216000" indent="-214920">
               <a:lnSpc>
                 <a:spcPct val="100000"/>
               </a:lnSpc>
               <a:buClr>
                 <a:srgbClr val="000000"/>
               </a:buClr>
-              <a:buFont typeface="Symbol" charset="2"/>
+              <a:buFont typeface="Symbol"/>
               <a:buChar char=""/>
             </a:pPr>
             <a:r>
@@ -7994,14 +8026,14 @@
             </a:endParaRPr>
           </a:p>
           <a:p>
-            <a:pPr marL="216000" indent="-215280">
+            <a:pPr marL="216000" indent="-214920">
               <a:lnSpc>
                 <a:spcPct val="100000"/>
               </a:lnSpc>
               <a:buClr>
                 <a:srgbClr val="000000"/>
               </a:buClr>
-              <a:buFont typeface="Symbol" charset="2"/>
+              <a:buFont typeface="Symbol"/>
               <a:buChar char=""/>
             </a:pPr>
             <a:r>
@@ -8019,14 +8051,14 @@
             </a:endParaRPr>
           </a:p>
           <a:p>
-            <a:pPr marL="216000" indent="-215280">
+            <a:pPr marL="216000" indent="-214920">
               <a:lnSpc>
                 <a:spcPct val="100000"/>
               </a:lnSpc>
               <a:buClr>
                 <a:srgbClr val="000000"/>
               </a:buClr>
-              <a:buFont typeface="Symbol" charset="2"/>
+              <a:buFont typeface="Symbol"/>
               <a:buChar char=""/>
             </a:pPr>
             <a:r>
@@ -8044,14 +8076,14 @@
             </a:endParaRPr>
           </a:p>
           <a:p>
-            <a:pPr marL="216000" indent="-215280">
+            <a:pPr marL="216000" indent="-214920">
               <a:lnSpc>
                 <a:spcPct val="100000"/>
               </a:lnSpc>
               <a:buClr>
                 <a:srgbClr val="000000"/>
               </a:buClr>
-              <a:buFont typeface="Symbol" charset="2"/>
+              <a:buFont typeface="Symbol"/>
               <a:buChar char=""/>
             </a:pPr>
             <a:r>
@@ -8129,7 +8161,7 @@
         <p:spPr>
           <a:xfrm>
             <a:off x="838080" y="365040"/>
-            <a:ext cx="10513080" cy="1323000"/>
+            <a:ext cx="10512720" cy="1322640"/>
           </a:xfrm>
           <a:prstGeom prst="rect">
             <a:avLst/>
@@ -8179,8 +8211,8 @@
         </p:nvSpPr>
         <p:spPr>
           <a:xfrm>
-            <a:off x="720000" y="1825560"/>
-            <a:ext cx="10513080" cy="4348800"/>
+            <a:off x="720000" y="1368000"/>
+            <a:ext cx="10630800" cy="4672440"/>
           </a:xfrm>
           <a:prstGeom prst="rect">
             <a:avLst/>
@@ -8196,6 +8228,211 @@
           <a:effectRef idx="0"/>
           <a:fontRef idx="minor"/>
         </p:style>
+        <p:txBody>
+          <a:bodyPr lIns="90000" rIns="90000" tIns="45000" bIns="45000">
+            <a:noAutofit/>
+          </a:bodyPr>
+          <a:p>
+            <a:pPr algn="just">
+              <a:lnSpc>
+                <a:spcPct val="100000"/>
+              </a:lnSpc>
+            </a:pPr>
+            <a:r>
+              <a:rPr b="0" lang="pt-BR" sz="2000" spc="-1" strike="noStrike">
+                <a:solidFill>
+                  <a:srgbClr val="000000"/>
+                </a:solidFill>
+                <a:latin typeface="Times New Roman"/>
+                <a:ea typeface="DejaVu Sans"/>
+              </a:rPr>
+              <a:t>Missão</a:t>
+            </a:r>
+            <a:endParaRPr b="0" lang="pt-BR" sz="2000" spc="-1" strike="noStrike">
+              <a:latin typeface="Arial"/>
+            </a:endParaRPr>
+          </a:p>
+          <a:p>
+            <a:pPr algn="just">
+              <a:lnSpc>
+                <a:spcPct val="100000"/>
+              </a:lnSpc>
+            </a:pPr>
+            <a:r>
+              <a:rPr b="0" lang="pt-BR" sz="2000" spc="-1" strike="noStrike">
+                <a:solidFill>
+                  <a:srgbClr val="000000"/>
+                </a:solidFill>
+                <a:latin typeface="Times New Roman"/>
+                <a:ea typeface="DejaVu Sans"/>
+              </a:rPr>
+              <a:t>Os clientes saboreiem nossos produtos, seja em nosso ambiente descontraído ou em suas casas. </a:t>
+            </a:r>
+            <a:endParaRPr b="0" lang="pt-BR" sz="2000" spc="-1" strike="noStrike">
+              <a:latin typeface="Arial"/>
+            </a:endParaRPr>
+          </a:p>
+          <a:p>
+            <a:pPr algn="just">
+              <a:lnSpc>
+                <a:spcPct val="100000"/>
+              </a:lnSpc>
+            </a:pPr>
+            <a:endParaRPr b="0" lang="pt-BR" sz="2000" spc="-1" strike="noStrike">
+              <a:latin typeface="Arial"/>
+            </a:endParaRPr>
+          </a:p>
+          <a:p>
+            <a:pPr algn="just">
+              <a:lnSpc>
+                <a:spcPct val="100000"/>
+              </a:lnSpc>
+            </a:pPr>
+            <a:r>
+              <a:rPr b="0" lang="pt-BR" sz="2000" spc="-1" strike="noStrike">
+                <a:solidFill>
+                  <a:srgbClr val="000000"/>
+                </a:solidFill>
+                <a:latin typeface="Times New Roman"/>
+                <a:ea typeface="DejaVu Sans"/>
+              </a:rPr>
+              <a:t>Visão</a:t>
+            </a:r>
+            <a:endParaRPr b="0" lang="pt-BR" sz="2000" spc="-1" strike="noStrike">
+              <a:latin typeface="Arial"/>
+            </a:endParaRPr>
+          </a:p>
+          <a:p>
+            <a:pPr algn="just">
+              <a:lnSpc>
+                <a:spcPct val="100000"/>
+              </a:lnSpc>
+            </a:pPr>
+            <a:r>
+              <a:rPr b="0" lang="pt-BR" sz="2000" spc="-1" strike="noStrike">
+                <a:solidFill>
+                  <a:srgbClr val="000000"/>
+                </a:solidFill>
+                <a:latin typeface="Times New Roman"/>
+                <a:ea typeface="DejaVu Sans"/>
+              </a:rPr>
+              <a:t>Ser uma marca forte e competitiva no mercado.</a:t>
+            </a:r>
+            <a:endParaRPr b="0" lang="pt-BR" sz="2000" spc="-1" strike="noStrike">
+              <a:latin typeface="Arial"/>
+            </a:endParaRPr>
+          </a:p>
+          <a:p>
+            <a:pPr algn="just">
+              <a:lnSpc>
+                <a:spcPct val="100000"/>
+              </a:lnSpc>
+            </a:pPr>
+            <a:endParaRPr b="0" lang="pt-BR" sz="2000" spc="-1" strike="noStrike">
+              <a:latin typeface="Arial"/>
+            </a:endParaRPr>
+          </a:p>
+          <a:p>
+            <a:pPr algn="just">
+              <a:lnSpc>
+                <a:spcPct val="100000"/>
+              </a:lnSpc>
+            </a:pPr>
+            <a:r>
+              <a:rPr b="0" lang="pt-BR" sz="2000" spc="-1" strike="noStrike">
+                <a:solidFill>
+                  <a:srgbClr val="000000"/>
+                </a:solidFill>
+                <a:latin typeface="Times New Roman"/>
+                <a:ea typeface="DejaVu Sans"/>
+              </a:rPr>
+              <a:t>Valores</a:t>
+            </a:r>
+            <a:endParaRPr b="0" lang="pt-BR" sz="2000" spc="-1" strike="noStrike">
+              <a:latin typeface="Arial"/>
+            </a:endParaRPr>
+          </a:p>
+          <a:p>
+            <a:pPr algn="just">
+              <a:lnSpc>
+                <a:spcPct val="100000"/>
+              </a:lnSpc>
+            </a:pPr>
+            <a:r>
+              <a:rPr b="0" lang="pt-BR" sz="2000" spc="-1" strike="noStrike">
+                <a:solidFill>
+                  <a:srgbClr val="000000"/>
+                </a:solidFill>
+                <a:latin typeface="Times New Roman"/>
+                <a:ea typeface="DejaVu Sans"/>
+              </a:rPr>
+              <a:t>Compromisso ao servir os cliente com produtos de característica ímpar, com responsabilidade e ética.</a:t>
+            </a:r>
+            <a:endParaRPr b="0" lang="pt-BR" sz="2000" spc="-1" strike="noStrike">
+              <a:latin typeface="Arial"/>
+            </a:endParaRPr>
+          </a:p>
+          <a:p>
+            <a:pPr algn="just">
+              <a:lnSpc>
+                <a:spcPct val="100000"/>
+              </a:lnSpc>
+            </a:pPr>
+            <a:endParaRPr b="0" lang="pt-BR" sz="2000" spc="-1" strike="noStrike">
+              <a:latin typeface="Arial"/>
+            </a:endParaRPr>
+          </a:p>
+          <a:p>
+            <a:pPr algn="just">
+              <a:lnSpc>
+                <a:spcPct val="100000"/>
+              </a:lnSpc>
+            </a:pPr>
+            <a:r>
+              <a:rPr b="0" lang="pt-BR" sz="2000" spc="-1" strike="noStrike">
+                <a:solidFill>
+                  <a:srgbClr val="000000"/>
+                </a:solidFill>
+                <a:latin typeface="Times New Roman"/>
+                <a:ea typeface="DejaVu Sans"/>
+              </a:rPr>
+              <a:t>Objetivos</a:t>
+            </a:r>
+            <a:endParaRPr b="0" lang="pt-BR" sz="2000" spc="-1" strike="noStrike">
+              <a:latin typeface="Arial"/>
+            </a:endParaRPr>
+          </a:p>
+          <a:p>
+            <a:pPr algn="just">
+              <a:lnSpc>
+                <a:spcPct val="100000"/>
+              </a:lnSpc>
+            </a:pPr>
+            <a:r>
+              <a:rPr b="0" lang="pt-BR" sz="2000" spc="-1" strike="noStrike">
+                <a:solidFill>
+                  <a:srgbClr val="000000"/>
+                </a:solidFill>
+                <a:latin typeface="Times New Roman"/>
+                <a:ea typeface="DejaVu Sans"/>
+              </a:rPr>
+              <a:t>Estar entre os estabelecimentos mais conhecidos da cidade, quando o assunto for comida mineira e regional, linguiças artesanais ou carnes de porco defumada.</a:t>
+            </a:r>
+            <a:endParaRPr b="0" lang="pt-BR" sz="2000" spc="-1" strike="noStrike">
+              <a:latin typeface="Arial"/>
+            </a:endParaRPr>
+          </a:p>
+          <a:p>
+            <a:pPr algn="just">
+              <a:lnSpc>
+                <a:spcPct val="100000"/>
+              </a:lnSpc>
+            </a:pPr>
+            <a:endParaRPr b="0" lang="pt-BR" sz="2000" spc="-1" strike="noStrike">
+              <a:latin typeface="Arial"/>
+            </a:endParaRPr>
+          </a:p>
+        </p:txBody>
       </p:sp>
     </p:spTree>
   </p:cSld>
@@ -8236,7 +8473,7 @@
         <p:spPr>
           <a:xfrm>
             <a:off x="838080" y="365040"/>
-            <a:ext cx="10513080" cy="1323000"/>
+            <a:ext cx="10512720" cy="1322640"/>
           </a:xfrm>
           <a:prstGeom prst="rect">
             <a:avLst/>
@@ -8270,7 +8507,7 @@
                 <a:latin typeface="Calibri Light"/>
                 <a:ea typeface="DejaVu Sans"/>
               </a:rPr>
-              <a:t>3.2. Análise do mercado consumidor</a:t>
+              <a:t>3.1.Análise Estratégica</a:t>
             </a:r>
             <a:endParaRPr b="0" lang="pt-BR" sz="4400" spc="-1" strike="noStrike">
               <a:latin typeface="Arial"/>
@@ -8286,8 +8523,8 @@
         </p:nvSpPr>
         <p:spPr>
           <a:xfrm>
-            <a:off x="838080" y="1825560"/>
-            <a:ext cx="10513080" cy="4348800"/>
+            <a:off x="720000" y="1368000"/>
+            <a:ext cx="10630800" cy="4672440"/>
           </a:xfrm>
           <a:prstGeom prst="rect">
             <a:avLst/>
@@ -8303,6 +8540,51 @@
           <a:effectRef idx="0"/>
           <a:fontRef idx="minor"/>
         </p:style>
+        <p:txBody>
+          <a:bodyPr lIns="90000" rIns="90000" tIns="45000" bIns="45000">
+            <a:noAutofit/>
+          </a:bodyPr>
+          <a:p>
+            <a:pPr algn="just">
+              <a:lnSpc>
+                <a:spcPct val="100000"/>
+              </a:lnSpc>
+            </a:pPr>
+            <a:r>
+              <a:rPr b="0" lang="pt-BR" sz="2000" spc="-1" strike="noStrike">
+                <a:solidFill>
+                  <a:srgbClr val="000000"/>
+                </a:solidFill>
+                <a:latin typeface="Times New Roman"/>
+                <a:ea typeface="DejaVu Sans"/>
+              </a:rPr>
+              <a:t>Análise Swot</a:t>
+            </a:r>
+            <a:endParaRPr b="0" lang="pt-BR" sz="2000" spc="-1" strike="noStrike">
+              <a:latin typeface="Arial"/>
+            </a:endParaRPr>
+          </a:p>
+          <a:p>
+            <a:pPr algn="just">
+              <a:lnSpc>
+                <a:spcPct val="100000"/>
+              </a:lnSpc>
+            </a:pPr>
+            <a:endParaRPr b="0" lang="pt-BR" sz="2000" spc="-1" strike="noStrike">
+              <a:latin typeface="Arial"/>
+            </a:endParaRPr>
+          </a:p>
+          <a:p>
+            <a:pPr algn="just">
+              <a:lnSpc>
+                <a:spcPct val="100000"/>
+              </a:lnSpc>
+            </a:pPr>
+            <a:endParaRPr b="0" lang="pt-BR" sz="2000" spc="-1" strike="noStrike">
+              <a:latin typeface="Arial"/>
+            </a:endParaRPr>
+          </a:p>
+        </p:txBody>
       </p:sp>
     </p:spTree>
   </p:cSld>
@@ -8343,7 +8625,7 @@
         <p:spPr>
           <a:xfrm>
             <a:off x="838080" y="365040"/>
-            <a:ext cx="10513080" cy="1323000"/>
+            <a:ext cx="10512720" cy="1322640"/>
           </a:xfrm>
           <a:prstGeom prst="rect">
             <a:avLst/>
@@ -8377,7 +8659,7 @@
                 <a:latin typeface="Calibri Light"/>
                 <a:ea typeface="DejaVu Sans"/>
               </a:rPr>
-              <a:t>3.2. Análise de concorrência</a:t>
+              <a:t>3.2. Análise do mercado consumidor</a:t>
             </a:r>
             <a:endParaRPr b="0" lang="pt-BR" sz="4400" spc="-1" strike="noStrike">
               <a:latin typeface="Arial"/>
@@ -8394,7 +8676,7 @@
         <p:spPr>
           <a:xfrm>
             <a:off x="838080" y="1825560"/>
-            <a:ext cx="10513080" cy="4348800"/>
+            <a:ext cx="10512720" cy="4348440"/>
           </a:xfrm>
           <a:prstGeom prst="rect">
             <a:avLst/>
@@ -8435,34 +8717,34 @@
         <a:sysClr val="window" lastClr="FFFFFF"/>
       </a:lt1>
       <a:dk2>
-        <a:srgbClr val="44546a"/>
+        <a:srgbClr val="1f497d"/>
       </a:dk2>
       <a:lt2>
-        <a:srgbClr val="e7e6e6"/>
+        <a:srgbClr val="eeece1"/>
       </a:lt2>
       <a:accent1>
-        <a:srgbClr val="5b9bd5"/>
+        <a:srgbClr val="4f81bd"/>
       </a:accent1>
       <a:accent2>
-        <a:srgbClr val="ed7d31"/>
+        <a:srgbClr val="c0504d"/>
       </a:accent2>
       <a:accent3>
-        <a:srgbClr val="a5a5a5"/>
+        <a:srgbClr val="9bbb59"/>
       </a:accent3>
       <a:accent4>
-        <a:srgbClr val="ffc000"/>
+        <a:srgbClr val="8064a2"/>
       </a:accent4>
       <a:accent5>
-        <a:srgbClr val="4472c4"/>
+        <a:srgbClr val="4bacc6"/>
       </a:accent5>
       <a:accent6>
-        <a:srgbClr val="70ad47"/>
+        <a:srgbClr val="f79646"/>
       </a:accent6>
       <a:hlink>
-        <a:srgbClr val="0563c1"/>
+        <a:srgbClr val="0000ff"/>
       </a:hlink>
       <a:folHlink>
-        <a:srgbClr val="954f72"/>
+        <a:srgbClr val="800080"/>
       </a:folHlink>
     </a:clrScheme>
     <a:fontScheme name="Office">
@@ -8661,34 +8943,34 @@
         <a:sysClr val="window" lastClr="FFFFFF"/>
       </a:lt1>
       <a:dk2>
-        <a:srgbClr val="44546a"/>
+        <a:srgbClr val="1f497d"/>
       </a:dk2>
       <a:lt2>
-        <a:srgbClr val="e7e6e6"/>
+        <a:srgbClr val="eeece1"/>
       </a:lt2>
       <a:accent1>
-        <a:srgbClr val="5b9bd5"/>
+        <a:srgbClr val="4f81bd"/>
       </a:accent1>
       <a:accent2>
-        <a:srgbClr val="ed7d31"/>
+        <a:srgbClr val="c0504d"/>
       </a:accent2>
       <a:accent3>
-        <a:srgbClr val="a5a5a5"/>
+        <a:srgbClr val="9bbb59"/>
       </a:accent3>
       <a:accent4>
-        <a:srgbClr val="ffc000"/>
+        <a:srgbClr val="8064a2"/>
       </a:accent4>
       <a:accent5>
-        <a:srgbClr val="4472c4"/>
+        <a:srgbClr val="4bacc6"/>
       </a:accent5>
       <a:accent6>
-        <a:srgbClr val="70ad47"/>
+        <a:srgbClr val="f79646"/>
       </a:accent6>
       <a:hlink>
-        <a:srgbClr val="0563c1"/>
+        <a:srgbClr val="0000ff"/>
       </a:hlink>
       <a:folHlink>
-        <a:srgbClr val="954f72"/>
+        <a:srgbClr val="800080"/>
       </a:folHlink>
     </a:clrScheme>
     <a:fontScheme name="Office">
@@ -8887,34 +9169,34 @@
         <a:sysClr val="window" lastClr="FFFFFF"/>
       </a:lt1>
       <a:dk2>
-        <a:srgbClr val="44546a"/>
+        <a:srgbClr val="1f497d"/>
       </a:dk2>
       <a:lt2>
-        <a:srgbClr val="e7e6e6"/>
+        <a:srgbClr val="eeece1"/>
       </a:lt2>
       <a:accent1>
-        <a:srgbClr val="5b9bd5"/>
+        <a:srgbClr val="4f81bd"/>
       </a:accent1>
       <a:accent2>
-        <a:srgbClr val="ed7d31"/>
+        <a:srgbClr val="c0504d"/>
       </a:accent2>
       <a:accent3>
-        <a:srgbClr val="a5a5a5"/>
+        <a:srgbClr val="9bbb59"/>
       </a:accent3>
       <a:accent4>
-        <a:srgbClr val="ffc000"/>
+        <a:srgbClr val="8064a2"/>
       </a:accent4>
       <a:accent5>
-        <a:srgbClr val="4472c4"/>
+        <a:srgbClr val="4bacc6"/>
       </a:accent5>
       <a:accent6>
-        <a:srgbClr val="70ad47"/>
+        <a:srgbClr val="f79646"/>
       </a:accent6>
       <a:hlink>
-        <a:srgbClr val="0563c1"/>
+        <a:srgbClr val="0000ff"/>
       </a:hlink>
       <a:folHlink>
-        <a:srgbClr val="954f72"/>
+        <a:srgbClr val="800080"/>
       </a:folHlink>
     </a:clrScheme>
     <a:fontScheme name="Office">

--- a/plano-de-negocios-restaurante-tioto.pptx
+++ b/plano-de-negocios-restaurante-tioto.pptx
@@ -4129,7 +4129,7 @@
         <p:spPr>
           <a:xfrm>
             <a:off x="5441040" y="6062040"/>
-            <a:ext cx="1109160" cy="585720"/>
+            <a:ext cx="1108800" cy="585360"/>
           </a:xfrm>
           <a:prstGeom prst="rect">
             <a:avLst/>
@@ -4152,7 +4152,7 @@
         <p:spPr>
           <a:xfrm>
             <a:off x="609480" y="273600"/>
-            <a:ext cx="10972440" cy="1144800"/>
+            <a:ext cx="10972080" cy="1144440"/>
           </a:xfrm>
           <a:prstGeom prst="rect">
             <a:avLst/>
@@ -4165,12 +4165,12 @@
           <a:p>
             <a:pPr algn="ctr"/>
             <a:r>
-              <a:rPr b="0" lang="pt-BR" sz="4400" spc="-1" strike="noStrike">
+              <a:rPr b="0" lang="pt-BR" sz="1800" spc="-1" strike="noStrike">
                 <a:latin typeface="Arial"/>
               </a:rPr>
               <a:t>Clique para editar o formato do texto do título</a:t>
             </a:r>
-            <a:endParaRPr b="0" lang="pt-BR" sz="4400" spc="-1" strike="noStrike">
+            <a:endParaRPr b="0" lang="pt-BR" sz="1800" spc="-1" strike="noStrike">
               <a:latin typeface="Arial"/>
             </a:endParaRPr>
           </a:p>
@@ -4412,7 +4412,7 @@
         <p:spPr>
           <a:xfrm>
             <a:off x="5540040" y="6176880"/>
-            <a:ext cx="1109160" cy="585720"/>
+            <a:ext cx="1108800" cy="585360"/>
           </a:xfrm>
           <a:prstGeom prst="rect">
             <a:avLst/>
@@ -4695,7 +4695,7 @@
         <p:spPr>
           <a:xfrm>
             <a:off x="5540040" y="6132960"/>
-            <a:ext cx="1109160" cy="585720"/>
+            <a:ext cx="1108800" cy="585360"/>
           </a:xfrm>
           <a:prstGeom prst="rect">
             <a:avLst/>
@@ -4731,12 +4731,12 @@
           <a:p>
             <a:pPr algn="ctr"/>
             <a:r>
-              <a:rPr b="0" lang="pt-BR" sz="4400" spc="-1" strike="noStrike">
+              <a:rPr b="0" lang="pt-BR" sz="1800" spc="-1" strike="noStrike">
                 <a:latin typeface="Arial"/>
               </a:rPr>
               <a:t>Clique para editar o formato do texto do título</a:t>
             </a:r>
-            <a:endParaRPr b="0" lang="pt-BR" sz="4400" spc="-1" strike="noStrike">
+            <a:endParaRPr b="0" lang="pt-BR" sz="1800" spc="-1" strike="noStrike">
               <a:latin typeface="Arial"/>
             </a:endParaRPr>
           </a:p>
@@ -4763,10 +4763,10 @@
         </p:spPr>
         <p:txBody>
           <a:bodyPr lIns="0" rIns="0" tIns="0" bIns="0">
-            <a:normAutofit fontScale="64000"/>
-          </a:bodyPr>
-          <a:p>
-            <a:pPr marL="432000" indent="-324000">
+            <a:normAutofit/>
+          </a:bodyPr>
+          <a:p>
+            <a:pPr marL="432000" indent="-324000" algn="ctr">
               <a:spcBef>
                 <a:spcPts val="1417"/>
               </a:spcBef>
@@ -4778,17 +4778,17 @@
               <a:buChar char=""/>
             </a:pPr>
             <a:r>
-              <a:rPr b="0" lang="pt-BR" sz="3200" spc="-1" strike="noStrike">
+              <a:rPr b="0" lang="pt-BR" sz="1800" spc="-1" strike="noStrike">
                 <a:latin typeface="Arial"/>
               </a:rPr>
               <a:t>Clique para editar o formato do texto da estrutura de tópicos</a:t>
             </a:r>
-            <a:endParaRPr b="0" lang="pt-BR" sz="3200" spc="-1" strike="noStrike">
-              <a:latin typeface="Arial"/>
-            </a:endParaRPr>
-          </a:p>
-          <a:p>
-            <a:pPr lvl="1" marL="864000" indent="-324000">
+            <a:endParaRPr b="0" lang="pt-BR" sz="1800" spc="-1" strike="noStrike">
+              <a:latin typeface="Arial"/>
+            </a:endParaRPr>
+          </a:p>
+          <a:p>
+            <a:pPr lvl="1" marL="864000" indent="-324000" algn="ctr">
               <a:spcBef>
                 <a:spcPts val="1134"/>
               </a:spcBef>
@@ -4800,17 +4800,17 @@
               <a:buChar char=""/>
             </a:pPr>
             <a:r>
-              <a:rPr b="0" lang="pt-BR" sz="2800" spc="-1" strike="noStrike">
+              <a:rPr b="0" lang="pt-BR" sz="1800" spc="-1" strike="noStrike">
                 <a:latin typeface="Arial"/>
               </a:rPr>
               <a:t>2.º nível da estrutura de tópicos</a:t>
             </a:r>
-            <a:endParaRPr b="0" lang="pt-BR" sz="2800" spc="-1" strike="noStrike">
-              <a:latin typeface="Arial"/>
-            </a:endParaRPr>
-          </a:p>
-          <a:p>
-            <a:pPr lvl="2" marL="1296000" indent="-288000">
+            <a:endParaRPr b="0" lang="pt-BR" sz="1800" spc="-1" strike="noStrike">
+              <a:latin typeface="Arial"/>
+            </a:endParaRPr>
+          </a:p>
+          <a:p>
+            <a:pPr lvl="2" marL="1296000" indent="-288000" algn="ctr">
               <a:spcBef>
                 <a:spcPts val="850"/>
               </a:spcBef>
@@ -4822,17 +4822,17 @@
               <a:buChar char=""/>
             </a:pPr>
             <a:r>
-              <a:rPr b="0" lang="pt-BR" sz="2400" spc="-1" strike="noStrike">
+              <a:rPr b="0" lang="pt-BR" sz="1800" spc="-1" strike="noStrike">
                 <a:latin typeface="Arial"/>
               </a:rPr>
               <a:t>3.º nível da estrutura de tópicos</a:t>
             </a:r>
-            <a:endParaRPr b="0" lang="pt-BR" sz="2400" spc="-1" strike="noStrike">
-              <a:latin typeface="Arial"/>
-            </a:endParaRPr>
-          </a:p>
-          <a:p>
-            <a:pPr lvl="3" marL="1728000" indent="-216000">
+            <a:endParaRPr b="0" lang="pt-BR" sz="1800" spc="-1" strike="noStrike">
+              <a:latin typeface="Arial"/>
+            </a:endParaRPr>
+          </a:p>
+          <a:p>
+            <a:pPr lvl="3" marL="1728000" indent="-216000" algn="ctr">
               <a:spcBef>
                 <a:spcPts val="567"/>
               </a:spcBef>
@@ -4844,17 +4844,17 @@
               <a:buChar char=""/>
             </a:pPr>
             <a:r>
-              <a:rPr b="0" lang="pt-BR" sz="2000" spc="-1" strike="noStrike">
+              <a:rPr b="0" lang="pt-BR" sz="1800" spc="-1" strike="noStrike">
                 <a:latin typeface="Arial"/>
               </a:rPr>
               <a:t>4.º nível da estrutura de tópicos</a:t>
             </a:r>
-            <a:endParaRPr b="0" lang="pt-BR" sz="2000" spc="-1" strike="noStrike">
-              <a:latin typeface="Arial"/>
-            </a:endParaRPr>
-          </a:p>
-          <a:p>
-            <a:pPr lvl="4" marL="2160000" indent="-216000">
+            <a:endParaRPr b="0" lang="pt-BR" sz="1800" spc="-1" strike="noStrike">
+              <a:latin typeface="Arial"/>
+            </a:endParaRPr>
+          </a:p>
+          <a:p>
+            <a:pPr lvl="4" marL="2160000" indent="-216000" algn="ctr">
               <a:spcBef>
                 <a:spcPts val="283"/>
               </a:spcBef>
@@ -4866,17 +4866,17 @@
               <a:buChar char=""/>
             </a:pPr>
             <a:r>
-              <a:rPr b="0" lang="pt-BR" sz="2000" spc="-1" strike="noStrike">
+              <a:rPr b="0" lang="pt-BR" sz="1800" spc="-1" strike="noStrike">
                 <a:latin typeface="Arial"/>
               </a:rPr>
               <a:t>5.º nível da estrutura de tópicos</a:t>
             </a:r>
-            <a:endParaRPr b="0" lang="pt-BR" sz="2000" spc="-1" strike="noStrike">
-              <a:latin typeface="Arial"/>
-            </a:endParaRPr>
-          </a:p>
-          <a:p>
-            <a:pPr lvl="5" marL="2592000" indent="-216000">
+            <a:endParaRPr b="0" lang="pt-BR" sz="1800" spc="-1" strike="noStrike">
+              <a:latin typeface="Arial"/>
+            </a:endParaRPr>
+          </a:p>
+          <a:p>
+            <a:pPr lvl="5" marL="2592000" indent="-216000" algn="ctr">
               <a:spcBef>
                 <a:spcPts val="283"/>
               </a:spcBef>
@@ -4888,17 +4888,17 @@
               <a:buChar char=""/>
             </a:pPr>
             <a:r>
-              <a:rPr b="0" lang="pt-BR" sz="2000" spc="-1" strike="noStrike">
+              <a:rPr b="0" lang="pt-BR" sz="1800" spc="-1" strike="noStrike">
                 <a:latin typeface="Arial"/>
               </a:rPr>
               <a:t>6.º nível da estrutura de tópicos</a:t>
             </a:r>
-            <a:endParaRPr b="0" lang="pt-BR" sz="2000" spc="-1" strike="noStrike">
-              <a:latin typeface="Arial"/>
-            </a:endParaRPr>
-          </a:p>
-          <a:p>
-            <a:pPr lvl="6" marL="3024000" indent="-216000">
+            <a:endParaRPr b="0" lang="pt-BR" sz="1800" spc="-1" strike="noStrike">
+              <a:latin typeface="Arial"/>
+            </a:endParaRPr>
+          </a:p>
+          <a:p>
+            <a:pPr lvl="6" marL="3024000" indent="-216000" algn="ctr">
               <a:spcBef>
                 <a:spcPts val="283"/>
               </a:spcBef>
@@ -4910,12 +4910,12 @@
               <a:buChar char=""/>
             </a:pPr>
             <a:r>
-              <a:rPr b="0" lang="pt-BR" sz="2000" spc="-1" strike="noStrike">
+              <a:rPr b="0" lang="pt-BR" sz="1800" spc="-1" strike="noStrike">
                 <a:latin typeface="Arial"/>
               </a:rPr>
               <a:t>7.º nível da estrutura de tópicos</a:t>
             </a:r>
-            <a:endParaRPr b="0" lang="pt-BR" sz="2000" spc="-1" strike="noStrike">
+            <a:endParaRPr b="0" lang="pt-BR" sz="1800" spc="-1" strike="noStrike">
               <a:latin typeface="Arial"/>
             </a:endParaRPr>
           </a:p>
@@ -4942,10 +4942,10 @@
         </p:spPr>
         <p:txBody>
           <a:bodyPr lIns="0" rIns="0" tIns="0" bIns="0">
-            <a:normAutofit fontScale="64000"/>
-          </a:bodyPr>
-          <a:p>
-            <a:pPr marL="432000" indent="-324000">
+            <a:normAutofit/>
+          </a:bodyPr>
+          <a:p>
+            <a:pPr marL="432000" indent="-324000" algn="ctr">
               <a:spcBef>
                 <a:spcPts val="1417"/>
               </a:spcBef>
@@ -4957,17 +4957,17 @@
               <a:buChar char=""/>
             </a:pPr>
             <a:r>
-              <a:rPr b="0" lang="pt-BR" sz="3200" spc="-1" strike="noStrike">
+              <a:rPr b="0" lang="pt-BR" sz="1800" spc="-1" strike="noStrike">
                 <a:latin typeface="Arial"/>
               </a:rPr>
               <a:t>Clique para editar o formato do texto da estrutura de tópicos</a:t>
             </a:r>
-            <a:endParaRPr b="0" lang="pt-BR" sz="3200" spc="-1" strike="noStrike">
-              <a:latin typeface="Arial"/>
-            </a:endParaRPr>
-          </a:p>
-          <a:p>
-            <a:pPr lvl="1" marL="864000" indent="-324000">
+            <a:endParaRPr b="0" lang="pt-BR" sz="1800" spc="-1" strike="noStrike">
+              <a:latin typeface="Arial"/>
+            </a:endParaRPr>
+          </a:p>
+          <a:p>
+            <a:pPr lvl="1" marL="864000" indent="-324000" algn="ctr">
               <a:spcBef>
                 <a:spcPts val="1134"/>
               </a:spcBef>
@@ -4979,17 +4979,17 @@
               <a:buChar char=""/>
             </a:pPr>
             <a:r>
-              <a:rPr b="0" lang="pt-BR" sz="2800" spc="-1" strike="noStrike">
+              <a:rPr b="0" lang="pt-BR" sz="1800" spc="-1" strike="noStrike">
                 <a:latin typeface="Arial"/>
               </a:rPr>
               <a:t>2.º nível da estrutura de tópicos</a:t>
             </a:r>
-            <a:endParaRPr b="0" lang="pt-BR" sz="2800" spc="-1" strike="noStrike">
-              <a:latin typeface="Arial"/>
-            </a:endParaRPr>
-          </a:p>
-          <a:p>
-            <a:pPr lvl="2" marL="1296000" indent="-288000">
+            <a:endParaRPr b="0" lang="pt-BR" sz="1800" spc="-1" strike="noStrike">
+              <a:latin typeface="Arial"/>
+            </a:endParaRPr>
+          </a:p>
+          <a:p>
+            <a:pPr lvl="2" marL="1296000" indent="-288000" algn="ctr">
               <a:spcBef>
                 <a:spcPts val="850"/>
               </a:spcBef>
@@ -5001,17 +5001,17 @@
               <a:buChar char=""/>
             </a:pPr>
             <a:r>
-              <a:rPr b="0" lang="pt-BR" sz="2400" spc="-1" strike="noStrike">
+              <a:rPr b="0" lang="pt-BR" sz="1800" spc="-1" strike="noStrike">
                 <a:latin typeface="Arial"/>
               </a:rPr>
               <a:t>3.º nível da estrutura de tópicos</a:t>
             </a:r>
-            <a:endParaRPr b="0" lang="pt-BR" sz="2400" spc="-1" strike="noStrike">
-              <a:latin typeface="Arial"/>
-            </a:endParaRPr>
-          </a:p>
-          <a:p>
-            <a:pPr lvl="3" marL="1728000" indent="-216000">
+            <a:endParaRPr b="0" lang="pt-BR" sz="1800" spc="-1" strike="noStrike">
+              <a:latin typeface="Arial"/>
+            </a:endParaRPr>
+          </a:p>
+          <a:p>
+            <a:pPr lvl="3" marL="1728000" indent="-216000" algn="ctr">
               <a:spcBef>
                 <a:spcPts val="567"/>
               </a:spcBef>
@@ -5023,17 +5023,17 @@
               <a:buChar char=""/>
             </a:pPr>
             <a:r>
-              <a:rPr b="0" lang="pt-BR" sz="2000" spc="-1" strike="noStrike">
+              <a:rPr b="0" lang="pt-BR" sz="1800" spc="-1" strike="noStrike">
                 <a:latin typeface="Arial"/>
               </a:rPr>
               <a:t>4.º nível da estrutura de tópicos</a:t>
             </a:r>
-            <a:endParaRPr b="0" lang="pt-BR" sz="2000" spc="-1" strike="noStrike">
-              <a:latin typeface="Arial"/>
-            </a:endParaRPr>
-          </a:p>
-          <a:p>
-            <a:pPr lvl="4" marL="2160000" indent="-216000">
+            <a:endParaRPr b="0" lang="pt-BR" sz="1800" spc="-1" strike="noStrike">
+              <a:latin typeface="Arial"/>
+            </a:endParaRPr>
+          </a:p>
+          <a:p>
+            <a:pPr lvl="4" marL="2160000" indent="-216000" algn="ctr">
               <a:spcBef>
                 <a:spcPts val="283"/>
               </a:spcBef>
@@ -5045,17 +5045,17 @@
               <a:buChar char=""/>
             </a:pPr>
             <a:r>
-              <a:rPr b="0" lang="pt-BR" sz="2000" spc="-1" strike="noStrike">
+              <a:rPr b="0" lang="pt-BR" sz="1800" spc="-1" strike="noStrike">
                 <a:latin typeface="Arial"/>
               </a:rPr>
               <a:t>5.º nível da estrutura de tópicos</a:t>
             </a:r>
-            <a:endParaRPr b="0" lang="pt-BR" sz="2000" spc="-1" strike="noStrike">
-              <a:latin typeface="Arial"/>
-            </a:endParaRPr>
-          </a:p>
-          <a:p>
-            <a:pPr lvl="5" marL="2592000" indent="-216000">
+            <a:endParaRPr b="0" lang="pt-BR" sz="1800" spc="-1" strike="noStrike">
+              <a:latin typeface="Arial"/>
+            </a:endParaRPr>
+          </a:p>
+          <a:p>
+            <a:pPr lvl="5" marL="2592000" indent="-216000" algn="ctr">
               <a:spcBef>
                 <a:spcPts val="283"/>
               </a:spcBef>
@@ -5067,17 +5067,17 @@
               <a:buChar char=""/>
             </a:pPr>
             <a:r>
-              <a:rPr b="0" lang="pt-BR" sz="2000" spc="-1" strike="noStrike">
+              <a:rPr b="0" lang="pt-BR" sz="1800" spc="-1" strike="noStrike">
                 <a:latin typeface="Arial"/>
               </a:rPr>
               <a:t>6.º nível da estrutura de tópicos</a:t>
             </a:r>
-            <a:endParaRPr b="0" lang="pt-BR" sz="2000" spc="-1" strike="noStrike">
-              <a:latin typeface="Arial"/>
-            </a:endParaRPr>
-          </a:p>
-          <a:p>
-            <a:pPr lvl="6" marL="3024000" indent="-216000">
+            <a:endParaRPr b="0" lang="pt-BR" sz="1800" spc="-1" strike="noStrike">
+              <a:latin typeface="Arial"/>
+            </a:endParaRPr>
+          </a:p>
+          <a:p>
+            <a:pPr lvl="6" marL="3024000" indent="-216000" algn="ctr">
               <a:spcBef>
                 <a:spcPts val="283"/>
               </a:spcBef>
@@ -5089,12 +5089,12 @@
               <a:buChar char=""/>
             </a:pPr>
             <a:r>
-              <a:rPr b="0" lang="pt-BR" sz="2000" spc="-1" strike="noStrike">
+              <a:rPr b="0" lang="pt-BR" sz="1800" spc="-1" strike="noStrike">
                 <a:latin typeface="Arial"/>
               </a:rPr>
               <a:t>7.º nível da estrutura de tópicos</a:t>
             </a:r>
-            <a:endParaRPr b="0" lang="pt-BR" sz="2000" spc="-1" strike="noStrike">
+            <a:endParaRPr b="0" lang="pt-BR" sz="1800" spc="-1" strike="noStrike">
               <a:latin typeface="Arial"/>
             </a:endParaRPr>
           </a:p>
@@ -5146,7 +5146,7 @@
         <p:spPr>
           <a:xfrm>
             <a:off x="1523880" y="523800"/>
-            <a:ext cx="9141120" cy="2384640"/>
+            <a:ext cx="9140760" cy="2384280"/>
           </a:xfrm>
           <a:prstGeom prst="rect">
             <a:avLst/>
@@ -5197,7 +5197,7 @@
         <p:spPr>
           <a:xfrm>
             <a:off x="1523880" y="3003480"/>
-            <a:ext cx="9141120" cy="2238840"/>
+            <a:ext cx="9140760" cy="2238480"/>
           </a:xfrm>
           <a:prstGeom prst="rect">
             <a:avLst/>
@@ -5340,7 +5340,7 @@
         <p:spPr>
           <a:xfrm>
             <a:off x="838080" y="365040"/>
-            <a:ext cx="10512720" cy="1322640"/>
+            <a:ext cx="10512360" cy="1322280"/>
           </a:xfrm>
           <a:prstGeom prst="rect">
             <a:avLst/>
@@ -5391,7 +5391,7 @@
         <p:spPr>
           <a:xfrm>
             <a:off x="838080" y="1825560"/>
-            <a:ext cx="10512720" cy="4348440"/>
+            <a:ext cx="10512360" cy="4348080"/>
           </a:xfrm>
           <a:prstGeom prst="rect">
             <a:avLst/>
@@ -5447,7 +5447,7 @@
         <p:spPr>
           <a:xfrm>
             <a:off x="838080" y="365040"/>
-            <a:ext cx="10512720" cy="1322640"/>
+            <a:ext cx="10512360" cy="1322280"/>
           </a:xfrm>
           <a:prstGeom prst="rect">
             <a:avLst/>
@@ -5498,7 +5498,7 @@
         <p:spPr>
           <a:xfrm>
             <a:off x="838080" y="1825560"/>
-            <a:ext cx="10512720" cy="4348440"/>
+            <a:ext cx="10512360" cy="4348080"/>
           </a:xfrm>
           <a:prstGeom prst="rect">
             <a:avLst/>
@@ -5554,7 +5554,7 @@
         <p:spPr>
           <a:xfrm>
             <a:off x="838080" y="365040"/>
-            <a:ext cx="10512720" cy="1322640"/>
+            <a:ext cx="10512360" cy="1322280"/>
           </a:xfrm>
           <a:prstGeom prst="rect">
             <a:avLst/>
@@ -5605,7 +5605,7 @@
         <p:spPr>
           <a:xfrm>
             <a:off x="838080" y="1689480"/>
-            <a:ext cx="10512720" cy="4484520"/>
+            <a:ext cx="10512360" cy="4484160"/>
           </a:xfrm>
           <a:prstGeom prst="rect">
             <a:avLst/>
@@ -5729,7 +5729,7 @@
         <p:spPr>
           <a:xfrm>
             <a:off x="838080" y="365040"/>
-            <a:ext cx="10512720" cy="1322640"/>
+            <a:ext cx="10512360" cy="1322280"/>
           </a:xfrm>
           <a:prstGeom prst="rect">
             <a:avLst/>
@@ -5780,7 +5780,7 @@
         <p:spPr>
           <a:xfrm>
             <a:off x="360000" y="1499040"/>
-            <a:ext cx="11518200" cy="2412720"/>
+            <a:ext cx="11517840" cy="2412360"/>
           </a:xfrm>
           <a:prstGeom prst="rect">
             <a:avLst/>
@@ -5915,7 +5915,7 @@
         <p:spPr>
           <a:xfrm>
             <a:off x="432000" y="4407480"/>
-            <a:ext cx="2360160" cy="2360160"/>
+            <a:ext cx="2359800" cy="2359800"/>
           </a:xfrm>
           <a:prstGeom prst="rect">
             <a:avLst/>
@@ -5964,7 +5964,7 @@
         <p:spPr>
           <a:xfrm>
             <a:off x="838080" y="365040"/>
-            <a:ext cx="10512720" cy="604440"/>
+            <a:ext cx="10512360" cy="604080"/>
           </a:xfrm>
           <a:prstGeom prst="rect">
             <a:avLst/>
@@ -6015,7 +6015,7 @@
         <p:spPr>
           <a:xfrm>
             <a:off x="9156600" y="1102680"/>
-            <a:ext cx="2194200" cy="3552840"/>
+            <a:ext cx="2193840" cy="3552480"/>
           </a:xfrm>
           <a:prstGeom prst="rect">
             <a:avLst/>
@@ -6248,7 +6248,7 @@
         <p:spPr>
           <a:xfrm>
             <a:off x="2764440" y="2878200"/>
-            <a:ext cx="2088720" cy="1777320"/>
+            <a:ext cx="2088360" cy="1776960"/>
           </a:xfrm>
           <a:prstGeom prst="rect">
             <a:avLst/>
@@ -6391,7 +6391,7 @@
         <p:spPr>
           <a:xfrm>
             <a:off x="4929120" y="1102680"/>
-            <a:ext cx="2000880" cy="4971240"/>
+            <a:ext cx="2000520" cy="4970880"/>
           </a:xfrm>
           <a:prstGeom prst="rect">
             <a:avLst/>
@@ -6604,7 +6604,7 @@
         <p:spPr>
           <a:xfrm>
             <a:off x="7007040" y="1102680"/>
-            <a:ext cx="2073960" cy="1733400"/>
+            <a:ext cx="2073600" cy="1733040"/>
           </a:xfrm>
           <a:prstGeom prst="rect">
             <a:avLst/>
@@ -6747,7 +6747,7 @@
         <p:spPr>
           <a:xfrm>
             <a:off x="766800" y="1103400"/>
-            <a:ext cx="1935720" cy="3552120"/>
+            <a:ext cx="1935360" cy="3551760"/>
           </a:xfrm>
           <a:prstGeom prst="rect">
             <a:avLst/>
@@ -6960,7 +6960,7 @@
         <p:spPr>
           <a:xfrm>
             <a:off x="766800" y="4708440"/>
-            <a:ext cx="4086720" cy="1365120"/>
+            <a:ext cx="4086360" cy="1364760"/>
           </a:xfrm>
           <a:prstGeom prst="rect">
             <a:avLst/>
@@ -7103,7 +7103,7 @@
         <p:spPr>
           <a:xfrm>
             <a:off x="7007040" y="2889000"/>
-            <a:ext cx="2077920" cy="1766520"/>
+            <a:ext cx="2077560" cy="1766160"/>
           </a:xfrm>
           <a:prstGeom prst="rect">
             <a:avLst/>
@@ -7246,7 +7246,7 @@
         <p:spPr>
           <a:xfrm>
             <a:off x="7007040" y="4708440"/>
-            <a:ext cx="4343760" cy="1350360"/>
+            <a:ext cx="4343400" cy="1350000"/>
           </a:xfrm>
           <a:prstGeom prst="rect">
             <a:avLst/>
@@ -7349,7 +7349,7 @@
         <p:spPr>
           <a:xfrm>
             <a:off x="2764440" y="1102680"/>
-            <a:ext cx="2091960" cy="1733400"/>
+            <a:ext cx="2091600" cy="1733040"/>
           </a:xfrm>
           <a:prstGeom prst="rect">
             <a:avLst/>
@@ -7522,7 +7522,7 @@
         <p:spPr>
           <a:xfrm>
             <a:off x="838080" y="365040"/>
-            <a:ext cx="10512720" cy="1322640"/>
+            <a:ext cx="10512360" cy="1322280"/>
           </a:xfrm>
           <a:prstGeom prst="rect">
             <a:avLst/>
@@ -7573,7 +7573,7 @@
         <p:spPr>
           <a:xfrm>
             <a:off x="838080" y="1825560"/>
-            <a:ext cx="10512720" cy="4348440"/>
+            <a:ext cx="10512360" cy="4348080"/>
           </a:xfrm>
           <a:prstGeom prst="rect">
             <a:avLst/>
@@ -7748,7 +7748,7 @@
         <p:spPr>
           <a:xfrm>
             <a:off x="838080" y="365040"/>
-            <a:ext cx="10512720" cy="1322640"/>
+            <a:ext cx="10512360" cy="1322280"/>
           </a:xfrm>
           <a:prstGeom prst="rect">
             <a:avLst/>
@@ -7799,7 +7799,7 @@
         <p:spPr>
           <a:xfrm>
             <a:off x="838080" y="1825560"/>
-            <a:ext cx="5178600" cy="4348440"/>
+            <a:ext cx="5178240" cy="4348080"/>
           </a:xfrm>
           <a:prstGeom prst="rect">
             <a:avLst/>
@@ -7825,7 +7825,7 @@
         <p:spPr>
           <a:xfrm>
             <a:off x="720000" y="1692000"/>
-            <a:ext cx="10630800" cy="4348440"/>
+            <a:ext cx="10630440" cy="4348080"/>
           </a:xfrm>
           <a:prstGeom prst="rect">
             <a:avLst/>
@@ -7866,7 +7866,7 @@
             </a:endParaRPr>
           </a:p>
           <a:p>
-            <a:pPr marL="216000" indent="-214920">
+            <a:pPr marL="216000" indent="-214560">
               <a:lnSpc>
                 <a:spcPct val="100000"/>
               </a:lnSpc>
@@ -7891,7 +7891,7 @@
             </a:endParaRPr>
           </a:p>
           <a:p>
-            <a:pPr marL="216000" indent="-214920">
+            <a:pPr marL="216000" indent="-214560">
               <a:lnSpc>
                 <a:spcPct val="100000"/>
               </a:lnSpc>
@@ -7946,7 +7946,7 @@
             </a:endParaRPr>
           </a:p>
           <a:p>
-            <a:pPr marL="216000" indent="-214920">
+            <a:pPr marL="216000" indent="-214560">
               <a:lnSpc>
                 <a:spcPct val="100000"/>
               </a:lnSpc>
@@ -7971,7 +7971,7 @@
             </a:endParaRPr>
           </a:p>
           <a:p>
-            <a:pPr marL="216000" indent="-214920">
+            <a:pPr marL="216000" indent="-214560">
               <a:lnSpc>
                 <a:spcPct val="100000"/>
               </a:lnSpc>
@@ -8026,7 +8026,7 @@
             </a:endParaRPr>
           </a:p>
           <a:p>
-            <a:pPr marL="216000" indent="-214920">
+            <a:pPr marL="216000" indent="-214560">
               <a:lnSpc>
                 <a:spcPct val="100000"/>
               </a:lnSpc>
@@ -8051,7 +8051,7 @@
             </a:endParaRPr>
           </a:p>
           <a:p>
-            <a:pPr marL="216000" indent="-214920">
+            <a:pPr marL="216000" indent="-214560">
               <a:lnSpc>
                 <a:spcPct val="100000"/>
               </a:lnSpc>
@@ -8076,7 +8076,7 @@
             </a:endParaRPr>
           </a:p>
           <a:p>
-            <a:pPr marL="216000" indent="-214920">
+            <a:pPr marL="216000" indent="-214560">
               <a:lnSpc>
                 <a:spcPct val="100000"/>
               </a:lnSpc>
@@ -8161,7 +8161,7 @@
         <p:spPr>
           <a:xfrm>
             <a:off x="838080" y="365040"/>
-            <a:ext cx="10512720" cy="1322640"/>
+            <a:ext cx="10512360" cy="1322280"/>
           </a:xfrm>
           <a:prstGeom prst="rect">
             <a:avLst/>
@@ -8212,7 +8212,7 @@
         <p:spPr>
           <a:xfrm>
             <a:off x="720000" y="1368000"/>
-            <a:ext cx="10630800" cy="4672440"/>
+            <a:ext cx="10630440" cy="4672080"/>
           </a:xfrm>
           <a:prstGeom prst="rect">
             <a:avLst/>
@@ -8473,7 +8473,7 @@
         <p:spPr>
           <a:xfrm>
             <a:off x="838080" y="365040"/>
-            <a:ext cx="10512720" cy="1322640"/>
+            <a:ext cx="10512360" cy="1322280"/>
           </a:xfrm>
           <a:prstGeom prst="rect">
             <a:avLst/>
@@ -8515,77 +8515,451 @@
           </a:p>
         </p:txBody>
       </p:sp>
-      <p:sp>
-        <p:nvSpPr>
-          <p:cNvPr id="143" name="CustomShape 2"/>
-          <p:cNvSpPr/>
+      <p:graphicFrame>
+        <p:nvGraphicFramePr>
+          <p:cNvPr id="143" name="Table 2"/>
+          <p:cNvGraphicFramePr/>
           <p:nvPr/>
-        </p:nvSpPr>
-        <p:spPr>
-          <a:xfrm>
-            <a:off x="720000" y="1368000"/>
-            <a:ext cx="10630800" cy="4672440"/>
-          </a:xfrm>
-          <a:prstGeom prst="rect">
-            <a:avLst/>
-          </a:prstGeom>
-          <a:noFill/>
-          <a:ln>
-            <a:noFill/>
-          </a:ln>
-        </p:spPr>
-        <p:style>
-          <a:lnRef idx="0"/>
-          <a:fillRef idx="0"/>
-          <a:effectRef idx="0"/>
-          <a:fontRef idx="minor"/>
-        </p:style>
-        <p:txBody>
-          <a:bodyPr lIns="90000" rIns="90000" tIns="45000" bIns="45000">
-            <a:noAutofit/>
-          </a:bodyPr>
-          <a:p>
-            <a:pPr algn="just">
-              <a:lnSpc>
-                <a:spcPct val="100000"/>
-              </a:lnSpc>
-            </a:pPr>
-            <a:r>
-              <a:rPr b="0" lang="pt-BR" sz="2000" spc="-1" strike="noStrike">
-                <a:solidFill>
-                  <a:srgbClr val="000000"/>
-                </a:solidFill>
-                <a:latin typeface="Times New Roman"/>
-                <a:ea typeface="DejaVu Sans"/>
-              </a:rPr>
-              <a:t>Análise Swot</a:t>
-            </a:r>
-            <a:endParaRPr b="0" lang="pt-BR" sz="2000" spc="-1" strike="noStrike">
-              <a:latin typeface="Arial"/>
-            </a:endParaRPr>
-          </a:p>
-          <a:p>
-            <a:pPr algn="just">
-              <a:lnSpc>
-                <a:spcPct val="100000"/>
-              </a:lnSpc>
-            </a:pPr>
-            <a:endParaRPr b="0" lang="pt-BR" sz="2000" spc="-1" strike="noStrike">
-              <a:latin typeface="Arial"/>
-            </a:endParaRPr>
-          </a:p>
-          <a:p>
-            <a:pPr algn="just">
-              <a:lnSpc>
-                <a:spcPct val="100000"/>
-              </a:lnSpc>
-            </a:pPr>
-            <a:endParaRPr b="0" lang="pt-BR" sz="2000" spc="-1" strike="noStrike">
-              <a:latin typeface="Arial"/>
-            </a:endParaRPr>
-          </a:p>
-        </p:txBody>
-      </p:sp>
+        </p:nvGraphicFramePr>
+        <p:xfrm>
+          <a:off x="158040" y="1627560"/>
+          <a:ext cx="11840040" cy="4635360"/>
+        </p:xfrm>
+        <a:graphic>
+          <a:graphicData uri="http://schemas.openxmlformats.org/drawingml/2006/table">
+            <a:tbl>
+              <a:tblPr/>
+              <a:tblGrid>
+                <a:gridCol w="5919480"/>
+                <a:gridCol w="5920560"/>
+              </a:tblGrid>
+              <a:tr h="1688760">
+                <a:tc>
+                  <a:txBody>
+                    <a:bodyPr lIns="90000" rIns="90000" tIns="46800" bIns="46800">
+                      <a:noAutofit/>
+                    </a:bodyPr>
+                    <a:p>
+                      <a:r>
+                        <a:rPr b="0" lang="pt-BR" sz="1800" spc="-1" strike="noStrike">
+                          <a:solidFill>
+                            <a:srgbClr val="2a6099"/>
+                          </a:solidFill>
+                          <a:latin typeface="Arial"/>
+                        </a:rPr>
+                        <a:t>Força</a:t>
+                      </a:r>
+                      <a:endParaRPr b="0" lang="pt-BR" sz="1800" spc="-1" strike="noStrike">
+                        <a:solidFill>
+                          <a:srgbClr val="2a6099"/>
+                        </a:solidFill>
+                        <a:latin typeface="Arial"/>
+                      </a:endParaRPr>
+                    </a:p>
+                    <a:p>
+                      <a:endParaRPr b="0" lang="pt-BR" sz="1800" spc="-1" strike="noStrike">
+                        <a:solidFill>
+                          <a:srgbClr val="2a6099"/>
+                        </a:solidFill>
+                        <a:latin typeface="Arial"/>
+                      </a:endParaRPr>
+                    </a:p>
+                    <a:p>
+                      <a:r>
+                        <a:rPr b="0" lang="pt-BR" sz="1800" spc="-1" strike="noStrike">
+                          <a:solidFill>
+                            <a:srgbClr val="2a6099"/>
+                          </a:solidFill>
+                          <a:latin typeface="Arial"/>
+                        </a:rPr>
+                        <a:t>- Conhecimento da produção de linguiças e defumados</a:t>
+                      </a:r>
+                      <a:endParaRPr b="0" lang="pt-BR" sz="1800" spc="-1" strike="noStrike">
+                        <a:solidFill>
+                          <a:srgbClr val="2a6099"/>
+                        </a:solidFill>
+                        <a:latin typeface="Arial"/>
+                      </a:endParaRPr>
+                    </a:p>
+                    <a:p>
+                      <a:endParaRPr b="0" lang="pt-BR" sz="1800" spc="-1" strike="noStrike">
+                        <a:solidFill>
+                          <a:srgbClr val="2a6099"/>
+                        </a:solidFill>
+                        <a:latin typeface="Arial"/>
+                      </a:endParaRPr>
+                    </a:p>
+                    <a:p>
+                      <a:r>
+                        <a:rPr b="0" lang="pt-BR" sz="1800" spc="-1" strike="noStrike">
+                          <a:solidFill>
+                            <a:srgbClr val="2a6099"/>
+                          </a:solidFill>
+                          <a:latin typeface="Arial"/>
+                        </a:rPr>
+                        <a:t>- Mão de obra barata</a:t>
+                      </a:r>
+                      <a:endParaRPr b="0" lang="pt-BR" sz="1800" spc="-1" strike="noStrike">
+                        <a:solidFill>
+                          <a:srgbClr val="2a6099"/>
+                        </a:solidFill>
+                        <a:latin typeface="Arial"/>
+                      </a:endParaRPr>
+                    </a:p>
+                  </a:txBody>
+                  <a:tcPr marL="90000" marR="90000">
+                    <a:lnL w="720">
+                      <a:solidFill>
+                        <a:srgbClr val="ffffff"/>
+                      </a:solidFill>
+                    </a:lnL>
+                    <a:lnR w="720">
+                      <a:solidFill>
+                        <a:srgbClr val="ffffff"/>
+                      </a:solidFill>
+                    </a:lnR>
+                    <a:lnT w="720">
+                      <a:solidFill>
+                        <a:srgbClr val="ffffff"/>
+                      </a:solidFill>
+                    </a:lnT>
+                    <a:lnB w="720">
+                      <a:solidFill>
+                        <a:srgbClr val="ffffff"/>
+                      </a:solidFill>
+                    </a:lnB>
+                    <a:solidFill>
+                      <a:srgbClr val="b3b3b3"/>
+                    </a:solidFill>
+                  </a:tcPr>
+                </a:tc>
+                <a:tc>
+                  <a:txBody>
+                    <a:bodyPr lIns="90000" rIns="90000" tIns="46800" bIns="46800">
+                      <a:noAutofit/>
+                    </a:bodyPr>
+                    <a:p>
+                      <a:r>
+                        <a:rPr b="0" lang="pt-BR" sz="1800" spc="-1" strike="noStrike">
+                          <a:solidFill>
+                            <a:srgbClr val="ff8000"/>
+                          </a:solidFill>
+                          <a:latin typeface="Arial"/>
+                        </a:rPr>
+                        <a:t>Fraqueza</a:t>
+                      </a:r>
+                      <a:endParaRPr b="0" lang="pt-BR" sz="1800" spc="-1" strike="noStrike">
+                        <a:solidFill>
+                          <a:srgbClr val="ff8000"/>
+                        </a:solidFill>
+                        <a:latin typeface="Arial"/>
+                      </a:endParaRPr>
+                    </a:p>
+                    <a:p>
+                      <a:endParaRPr b="0" lang="pt-BR" sz="1800" spc="-1" strike="noStrike">
+                        <a:solidFill>
+                          <a:srgbClr val="ff8000"/>
+                        </a:solidFill>
+                        <a:latin typeface="Arial"/>
+                      </a:endParaRPr>
+                    </a:p>
+                    <a:p>
+                      <a:r>
+                        <a:rPr b="0" lang="pt-BR" sz="1800" spc="-1" strike="noStrike">
+                          <a:solidFill>
+                            <a:srgbClr val="ff8000"/>
+                          </a:solidFill>
+                          <a:latin typeface="Arial"/>
+                        </a:rPr>
+                        <a:t>- Primeiro empreendimento</a:t>
+                      </a:r>
+                      <a:endParaRPr b="0" lang="pt-BR" sz="1800" spc="-1" strike="noStrike">
+                        <a:solidFill>
+                          <a:srgbClr val="ff8000"/>
+                        </a:solidFill>
+                        <a:latin typeface="Arial"/>
+                      </a:endParaRPr>
+                    </a:p>
+                    <a:p>
+                      <a:endParaRPr b="0" lang="pt-BR" sz="1800" spc="-1" strike="noStrike">
+                        <a:solidFill>
+                          <a:srgbClr val="ff8000"/>
+                        </a:solidFill>
+                        <a:latin typeface="Arial"/>
+                      </a:endParaRPr>
+                    </a:p>
+                    <a:p>
+                      <a:r>
+                        <a:rPr b="0" lang="pt-BR" sz="1800" spc="-1" strike="noStrike">
+                          <a:solidFill>
+                            <a:srgbClr val="ff8000"/>
+                          </a:solidFill>
+                          <a:latin typeface="Arial"/>
+                        </a:rPr>
+                        <a:t>- Investimento de capital próprio</a:t>
+                      </a:r>
+                      <a:endParaRPr b="0" lang="pt-BR" sz="1800" spc="-1" strike="noStrike">
+                        <a:solidFill>
+                          <a:srgbClr val="ff8000"/>
+                        </a:solidFill>
+                        <a:latin typeface="Arial"/>
+                      </a:endParaRPr>
+                    </a:p>
+                  </a:txBody>
+                  <a:tcPr marL="90000" marR="90000">
+                    <a:lnL w="720">
+                      <a:solidFill>
+                        <a:srgbClr val="ffffff"/>
+                      </a:solidFill>
+                    </a:lnL>
+                    <a:lnR w="720">
+                      <a:solidFill>
+                        <a:srgbClr val="ffffff"/>
+                      </a:solidFill>
+                    </a:lnR>
+                    <a:lnT w="720">
+                      <a:solidFill>
+                        <a:srgbClr val="ffffff"/>
+                      </a:solidFill>
+                    </a:lnT>
+                    <a:lnB w="720">
+                      <a:solidFill>
+                        <a:srgbClr val="ffffff"/>
+                      </a:solidFill>
+                    </a:lnB>
+                    <a:solidFill>
+                      <a:srgbClr val="b3b3b3"/>
+                    </a:solidFill>
+                  </a:tcPr>
+                </a:tc>
+              </a:tr>
+              <a:tr h="1958760">
+                <a:tc>
+                  <a:txBody>
+                    <a:bodyPr lIns="90000" rIns="90000" tIns="46800" bIns="46800">
+                      <a:noAutofit/>
+                    </a:bodyPr>
+                    <a:p>
+                      <a:r>
+                        <a:rPr b="0" lang="pt-BR" sz="1800" spc="-1" strike="noStrike">
+                          <a:solidFill>
+                            <a:srgbClr val="00a933"/>
+                          </a:solidFill>
+                          <a:latin typeface="Arial"/>
+                        </a:rPr>
+                        <a:t>Oportunidade</a:t>
+                      </a:r>
+                      <a:endParaRPr b="0" lang="pt-BR" sz="1800" spc="-1" strike="noStrike">
+                        <a:solidFill>
+                          <a:srgbClr val="00a933"/>
+                        </a:solidFill>
+                        <a:latin typeface="Arial"/>
+                      </a:endParaRPr>
+                    </a:p>
+                    <a:p>
+                      <a:endParaRPr b="0" lang="pt-BR" sz="1800" spc="-1" strike="noStrike">
+                        <a:solidFill>
+                          <a:srgbClr val="00a933"/>
+                        </a:solidFill>
+                        <a:latin typeface="Arial"/>
+                      </a:endParaRPr>
+                    </a:p>
+                    <a:p>
+                      <a:r>
+                        <a:rPr b="0" lang="pt-BR" sz="2000" spc="-1" strike="noStrike">
+                          <a:solidFill>
+                            <a:srgbClr val="00a933"/>
+                          </a:solidFill>
+                          <a:latin typeface="Times New Roman"/>
+                          <a:ea typeface="DejaVu Sans"/>
+                        </a:rPr>
+                        <a:t>- Fluxo constante de turistas durante todo o ano</a:t>
+                      </a:r>
+                      <a:endParaRPr b="0" lang="pt-BR" sz="2000" spc="-1" strike="noStrike">
+                        <a:solidFill>
+                          <a:srgbClr val="00a933"/>
+                        </a:solidFill>
+                        <a:latin typeface="Arial"/>
+                      </a:endParaRPr>
+                    </a:p>
+                    <a:p>
+                      <a:endParaRPr b="0" lang="pt-BR" sz="2000" spc="-1" strike="noStrike">
+                        <a:solidFill>
+                          <a:srgbClr val="00a933"/>
+                        </a:solidFill>
+                        <a:latin typeface="Arial"/>
+                      </a:endParaRPr>
+                    </a:p>
+                    <a:p>
+                      <a:r>
+                        <a:rPr b="0" lang="pt-BR" sz="2000" spc="-1" strike="noStrike">
+                          <a:solidFill>
+                            <a:srgbClr val="00a933"/>
+                          </a:solidFill>
+                          <a:latin typeface="Times New Roman"/>
+                          <a:ea typeface="DejaVu Sans"/>
+                        </a:rPr>
+                        <a:t>- Grande número de estudantes universitários (UFVJM)</a:t>
+                      </a:r>
+                      <a:endParaRPr b="0" lang="pt-BR" sz="2000" spc="-1" strike="noStrike">
+                        <a:solidFill>
+                          <a:srgbClr val="00a933"/>
+                        </a:solidFill>
+                        <a:latin typeface="Arial"/>
+                      </a:endParaRPr>
+                    </a:p>
+                  </a:txBody>
+                  <a:tcPr marL="90000" marR="90000">
+                    <a:lnL w="720">
+                      <a:solidFill>
+                        <a:srgbClr val="ffffff"/>
+                      </a:solidFill>
+                    </a:lnL>
+                    <a:lnR w="720">
+                      <a:solidFill>
+                        <a:srgbClr val="ffffff"/>
+                      </a:solidFill>
+                    </a:lnR>
+                    <a:lnT w="720">
+                      <a:solidFill>
+                        <a:srgbClr val="ffffff"/>
+                      </a:solidFill>
+                    </a:lnT>
+                    <a:lnB w="720">
+                      <a:solidFill>
+                        <a:srgbClr val="ffffff"/>
+                      </a:solidFill>
+                    </a:lnB>
+                    <a:solidFill>
+                      <a:srgbClr val="cccccc"/>
+                    </a:solidFill>
+                  </a:tcPr>
+                </a:tc>
+                <a:tc>
+                  <a:txBody>
+                    <a:bodyPr lIns="90000" rIns="90000" tIns="46800" bIns="46800">
+                      <a:noAutofit/>
+                    </a:bodyPr>
+                    <a:p>
+                      <a:r>
+                        <a:rPr b="0" lang="pt-BR" sz="2000" spc="-1" strike="noStrike">
+                          <a:solidFill>
+                            <a:srgbClr val="c9211e"/>
+                          </a:solidFill>
+                          <a:latin typeface="Times New Roman"/>
+                          <a:ea typeface="DejaVu Sans"/>
+                        </a:rPr>
+                        <a:t>Ameaças</a:t>
+                      </a:r>
+                      <a:endParaRPr b="0" lang="pt-BR" sz="2000" spc="-1" strike="noStrike">
+                        <a:solidFill>
+                          <a:srgbClr val="c9211e"/>
+                        </a:solidFill>
+                        <a:latin typeface="Arial"/>
+                      </a:endParaRPr>
+                    </a:p>
+                    <a:p>
+                      <a:endParaRPr b="0" lang="pt-BR" sz="2000" spc="-1" strike="noStrike">
+                        <a:solidFill>
+                          <a:srgbClr val="c9211e"/>
+                        </a:solidFill>
+                        <a:latin typeface="Arial"/>
+                      </a:endParaRPr>
+                    </a:p>
+                    <a:p>
+                      <a:r>
+                        <a:rPr b="0" lang="pt-BR" sz="2000" spc="-1" strike="noStrike">
+                          <a:solidFill>
+                            <a:srgbClr val="c9211e"/>
+                          </a:solidFill>
+                          <a:latin typeface="Times New Roman"/>
+                          <a:ea typeface="DejaVu Sans"/>
+                        </a:rPr>
+                        <a:t>- Grande rede de supermercado</a:t>
+                      </a:r>
+                      <a:endParaRPr b="0" lang="pt-BR" sz="2000" spc="-1" strike="noStrike">
+                        <a:solidFill>
+                          <a:srgbClr val="c9211e"/>
+                        </a:solidFill>
+                        <a:latin typeface="Arial"/>
+                      </a:endParaRPr>
+                    </a:p>
+                    <a:p>
+                      <a:endParaRPr b="0" lang="pt-BR" sz="2000" spc="-1" strike="noStrike">
+                        <a:solidFill>
+                          <a:srgbClr val="c9211e"/>
+                        </a:solidFill>
+                        <a:latin typeface="Arial"/>
+                      </a:endParaRPr>
+                    </a:p>
+                    <a:p>
+                      <a:pPr>
+                        <a:lnSpc>
+                          <a:spcPct val="100000"/>
+                        </a:lnSpc>
+                      </a:pPr>
+                      <a:r>
+                        <a:rPr b="0" lang="pt-BR" sz="2000" spc="-1" strike="noStrike">
+                          <a:solidFill>
+                            <a:srgbClr val="c9211e"/>
+                          </a:solidFill>
+                          <a:latin typeface="Times New Roman"/>
+                          <a:ea typeface="DejaVu Sans"/>
+                        </a:rPr>
+                        <a:t>- Pousadas e restaurantes oferecendo comida mineira e regional de bom qualidade</a:t>
+                      </a:r>
+                      <a:endParaRPr b="0" lang="pt-BR" sz="2000" spc="-1" strike="noStrike">
+                        <a:solidFill>
+                          <a:srgbClr val="c9211e"/>
+                        </a:solidFill>
+                        <a:latin typeface="Arial"/>
+                      </a:endParaRPr>
+                    </a:p>
+                    <a:p>
+                      <a:pPr>
+                        <a:lnSpc>
+                          <a:spcPct val="100000"/>
+                        </a:lnSpc>
+                      </a:pPr>
+                      <a:endParaRPr b="0" lang="pt-BR" sz="2000" spc="-1" strike="noStrike">
+                        <a:solidFill>
+                          <a:srgbClr val="c9211e"/>
+                        </a:solidFill>
+                        <a:latin typeface="Arial"/>
+                      </a:endParaRPr>
+                    </a:p>
+                  </a:txBody>
+                  <a:tcPr marL="90000" marR="90000">
+                    <a:lnL w="720">
+                      <a:solidFill>
+                        <a:srgbClr val="ffffff"/>
+                      </a:solidFill>
+                    </a:lnL>
+                    <a:lnR w="720">
+                      <a:solidFill>
+                        <a:srgbClr val="ffffff"/>
+                      </a:solidFill>
+                    </a:lnR>
+                    <a:lnT w="720">
+                      <a:solidFill>
+                        <a:srgbClr val="ffffff"/>
+                      </a:solidFill>
+                    </a:lnT>
+                    <a:lnB w="720">
+                      <a:solidFill>
+                        <a:srgbClr val="ffffff"/>
+                      </a:solidFill>
+                    </a:lnB>
+                    <a:solidFill>
+                      <a:srgbClr val="cccccc"/>
+                    </a:solidFill>
+                  </a:tcPr>
+                </a:tc>
+              </a:tr>
+            </a:tbl>
+          </a:graphicData>
+        </a:graphic>
+      </p:graphicFrame>
     </p:spTree>
   </p:cSld>
   <mc:AlternateContent>
@@ -8625,7 +8999,7 @@
         <p:spPr>
           <a:xfrm>
             <a:off x="838080" y="365040"/>
-            <a:ext cx="10512720" cy="1322640"/>
+            <a:ext cx="10512360" cy="1322280"/>
           </a:xfrm>
           <a:prstGeom prst="rect">
             <a:avLst/>
@@ -8676,7 +9050,7 @@
         <p:spPr>
           <a:xfrm>
             <a:off x="838080" y="1825560"/>
-            <a:ext cx="10512720" cy="4348440"/>
+            <a:ext cx="10512360" cy="4348080"/>
           </a:xfrm>
           <a:prstGeom prst="rect">
             <a:avLst/>

--- a/plano-de-negocios-restaurante-tioto.pptx
+++ b/plano-de-negocios-restaurante-tioto.pptx
@@ -4129,7 +4129,7 @@
         <p:spPr>
           <a:xfrm>
             <a:off x="5441040" y="6062040"/>
-            <a:ext cx="1108800" cy="585360"/>
+            <a:ext cx="1108080" cy="584640"/>
           </a:xfrm>
           <a:prstGeom prst="rect">
             <a:avLst/>
@@ -4152,7 +4152,7 @@
         <p:spPr>
           <a:xfrm>
             <a:off x="609480" y="273600"/>
-            <a:ext cx="10972080" cy="1144440"/>
+            <a:ext cx="10972440" cy="1144800"/>
           </a:xfrm>
           <a:prstGeom prst="rect">
             <a:avLst/>
@@ -4165,12 +4165,12 @@
           <a:p>
             <a:pPr algn="ctr"/>
             <a:r>
-              <a:rPr b="0" lang="pt-BR" sz="1800" spc="-1" strike="noStrike">
+              <a:rPr b="0" lang="pt-BR" sz="4400" spc="-1" strike="noStrike">
                 <a:latin typeface="Arial"/>
               </a:rPr>
               <a:t>Clique para editar o formato do texto do título</a:t>
             </a:r>
-            <a:endParaRPr b="0" lang="pt-BR" sz="1800" spc="-1" strike="noStrike">
+            <a:endParaRPr b="0" lang="pt-BR" sz="4400" spc="-1" strike="noStrike">
               <a:latin typeface="Arial"/>
             </a:endParaRPr>
           </a:p>
@@ -4412,7 +4412,7 @@
         <p:spPr>
           <a:xfrm>
             <a:off x="5540040" y="6176880"/>
-            <a:ext cx="1108800" cy="585360"/>
+            <a:ext cx="1108080" cy="584640"/>
           </a:xfrm>
           <a:prstGeom prst="rect">
             <a:avLst/>
@@ -4695,7 +4695,7 @@
         <p:spPr>
           <a:xfrm>
             <a:off x="5540040" y="6132960"/>
-            <a:ext cx="1108800" cy="585360"/>
+            <a:ext cx="1108080" cy="584640"/>
           </a:xfrm>
           <a:prstGeom prst="rect">
             <a:avLst/>
@@ -5146,7 +5146,7 @@
         <p:spPr>
           <a:xfrm>
             <a:off x="1523880" y="523800"/>
-            <a:ext cx="9140760" cy="2384280"/>
+            <a:ext cx="9140040" cy="2383560"/>
           </a:xfrm>
           <a:prstGeom prst="rect">
             <a:avLst/>
@@ -5197,7 +5197,7 @@
         <p:spPr>
           <a:xfrm>
             <a:off x="1523880" y="3003480"/>
-            <a:ext cx="9140760" cy="2238480"/>
+            <a:ext cx="9140040" cy="2237760"/>
           </a:xfrm>
           <a:prstGeom prst="rect">
             <a:avLst/>
@@ -5340,7 +5340,7 @@
         <p:spPr>
           <a:xfrm>
             <a:off x="838080" y="365040"/>
-            <a:ext cx="10512360" cy="1322280"/>
+            <a:ext cx="10511640" cy="1321560"/>
           </a:xfrm>
           <a:prstGeom prst="rect">
             <a:avLst/>
@@ -5391,7 +5391,7 @@
         <p:spPr>
           <a:xfrm>
             <a:off x="838080" y="1825560"/>
-            <a:ext cx="10512360" cy="4348080"/>
+            <a:ext cx="10511640" cy="4347360"/>
           </a:xfrm>
           <a:prstGeom prst="rect">
             <a:avLst/>
@@ -5447,7 +5447,7 @@
         <p:spPr>
           <a:xfrm>
             <a:off x="838080" y="365040"/>
-            <a:ext cx="10512360" cy="1322280"/>
+            <a:ext cx="10511640" cy="1321560"/>
           </a:xfrm>
           <a:prstGeom prst="rect">
             <a:avLst/>
@@ -5498,7 +5498,7 @@
         <p:spPr>
           <a:xfrm>
             <a:off x="838080" y="1825560"/>
-            <a:ext cx="10512360" cy="4348080"/>
+            <a:ext cx="10511640" cy="4347360"/>
           </a:xfrm>
           <a:prstGeom prst="rect">
             <a:avLst/>
@@ -5554,7 +5554,7 @@
         <p:spPr>
           <a:xfrm>
             <a:off x="838080" y="365040"/>
-            <a:ext cx="10512360" cy="1322280"/>
+            <a:ext cx="10511640" cy="1321560"/>
           </a:xfrm>
           <a:prstGeom prst="rect">
             <a:avLst/>
@@ -5605,7 +5605,7 @@
         <p:spPr>
           <a:xfrm>
             <a:off x="838080" y="1689480"/>
-            <a:ext cx="10512360" cy="4484160"/>
+            <a:ext cx="10511640" cy="4483440"/>
           </a:xfrm>
           <a:prstGeom prst="rect">
             <a:avLst/>
@@ -5682,7 +5682,7 @@
                 <a:latin typeface="Times New Roman"/>
                 <a:ea typeface="DejaVu Sans"/>
               </a:rPr>
-              <a:t>. Com grande riqueza cultural e arquitetônica, (Iphan, 2008), Diamantina também tem grande riqueza gastronômica, esta riqueza me chamou a atenção para abrir o empreendimento na cidade. </a:t>
+              <a:t>. Com grande riqueza cultural e arquitetônica, (Iphan, 2008), Diamantina também se destaca pela gastronômica singular, esta riqueza e singularidade me chamou a atenção para abrir o empreendimento na cidade. </a:t>
             </a:r>
             <a:endParaRPr b="0" lang="pt-BR" sz="2000" spc="-1" strike="noStrike">
               <a:latin typeface="Arial"/>
@@ -5729,7 +5729,7 @@
         <p:spPr>
           <a:xfrm>
             <a:off x="838080" y="365040"/>
-            <a:ext cx="10512360" cy="1322280"/>
+            <a:ext cx="10511640" cy="1321560"/>
           </a:xfrm>
           <a:prstGeom prst="rect">
             <a:avLst/>
@@ -5780,7 +5780,7 @@
         <p:spPr>
           <a:xfrm>
             <a:off x="360000" y="1499040"/>
-            <a:ext cx="11517840" cy="2412360"/>
+            <a:ext cx="11517120" cy="2411640"/>
           </a:xfrm>
           <a:prstGeom prst="rect">
             <a:avLst/>
@@ -5915,7 +5915,7 @@
         <p:spPr>
           <a:xfrm>
             <a:off x="432000" y="4407480"/>
-            <a:ext cx="2359800" cy="2359800"/>
+            <a:ext cx="2359080" cy="2359080"/>
           </a:xfrm>
           <a:prstGeom prst="rect">
             <a:avLst/>
@@ -5964,7 +5964,7 @@
         <p:spPr>
           <a:xfrm>
             <a:off x="838080" y="365040"/>
-            <a:ext cx="10512360" cy="604080"/>
+            <a:ext cx="10511640" cy="603360"/>
           </a:xfrm>
           <a:prstGeom prst="rect">
             <a:avLst/>
@@ -6015,7 +6015,7 @@
         <p:spPr>
           <a:xfrm>
             <a:off x="9156600" y="1102680"/>
-            <a:ext cx="2193840" cy="3552480"/>
+            <a:ext cx="2193120" cy="3551760"/>
           </a:xfrm>
           <a:prstGeom prst="rect">
             <a:avLst/>
@@ -6248,7 +6248,7 @@
         <p:spPr>
           <a:xfrm>
             <a:off x="2764440" y="2878200"/>
-            <a:ext cx="2088360" cy="1776960"/>
+            <a:ext cx="2087640" cy="1776240"/>
           </a:xfrm>
           <a:prstGeom prst="rect">
             <a:avLst/>
@@ -6391,7 +6391,7 @@
         <p:spPr>
           <a:xfrm>
             <a:off x="4929120" y="1102680"/>
-            <a:ext cx="2000520" cy="4970880"/>
+            <a:ext cx="1999800" cy="4970160"/>
           </a:xfrm>
           <a:prstGeom prst="rect">
             <a:avLst/>
@@ -6604,7 +6604,7 @@
         <p:spPr>
           <a:xfrm>
             <a:off x="7007040" y="1102680"/>
-            <a:ext cx="2073600" cy="1733040"/>
+            <a:ext cx="2072880" cy="1732320"/>
           </a:xfrm>
           <a:prstGeom prst="rect">
             <a:avLst/>
@@ -6747,7 +6747,7 @@
         <p:spPr>
           <a:xfrm>
             <a:off x="766800" y="1103400"/>
-            <a:ext cx="1935360" cy="3551760"/>
+            <a:ext cx="1934640" cy="3551040"/>
           </a:xfrm>
           <a:prstGeom prst="rect">
             <a:avLst/>
@@ -6960,7 +6960,7 @@
         <p:spPr>
           <a:xfrm>
             <a:off x="766800" y="4708440"/>
-            <a:ext cx="4086360" cy="1364760"/>
+            <a:ext cx="4085640" cy="1364040"/>
           </a:xfrm>
           <a:prstGeom prst="rect">
             <a:avLst/>
@@ -7103,7 +7103,7 @@
         <p:spPr>
           <a:xfrm>
             <a:off x="7007040" y="2889000"/>
-            <a:ext cx="2077560" cy="1766160"/>
+            <a:ext cx="2076840" cy="1765440"/>
           </a:xfrm>
           <a:prstGeom prst="rect">
             <a:avLst/>
@@ -7246,7 +7246,7 @@
         <p:spPr>
           <a:xfrm>
             <a:off x="7007040" y="4708440"/>
-            <a:ext cx="4343400" cy="1350000"/>
+            <a:ext cx="4342680" cy="1349280"/>
           </a:xfrm>
           <a:prstGeom prst="rect">
             <a:avLst/>
@@ -7349,7 +7349,7 @@
         <p:spPr>
           <a:xfrm>
             <a:off x="2764440" y="1102680"/>
-            <a:ext cx="2091600" cy="1733040"/>
+            <a:ext cx="2090880" cy="1732320"/>
           </a:xfrm>
           <a:prstGeom prst="rect">
             <a:avLst/>
@@ -7522,7 +7522,7 @@
         <p:spPr>
           <a:xfrm>
             <a:off x="838080" y="365040"/>
-            <a:ext cx="10512360" cy="1322280"/>
+            <a:ext cx="10511640" cy="1321560"/>
           </a:xfrm>
           <a:prstGeom prst="rect">
             <a:avLst/>
@@ -7573,7 +7573,7 @@
         <p:spPr>
           <a:xfrm>
             <a:off x="838080" y="1825560"/>
-            <a:ext cx="10512360" cy="4348080"/>
+            <a:ext cx="10511640" cy="4347360"/>
           </a:xfrm>
           <a:prstGeom prst="rect">
             <a:avLst/>
@@ -7748,7 +7748,7 @@
         <p:spPr>
           <a:xfrm>
             <a:off x="838080" y="365040"/>
-            <a:ext cx="10512360" cy="1322280"/>
+            <a:ext cx="10511640" cy="1321560"/>
           </a:xfrm>
           <a:prstGeom prst="rect">
             <a:avLst/>
@@ -7799,7 +7799,7 @@
         <p:spPr>
           <a:xfrm>
             <a:off x="838080" y="1825560"/>
-            <a:ext cx="5178240" cy="4348080"/>
+            <a:ext cx="5177520" cy="4347360"/>
           </a:xfrm>
           <a:prstGeom prst="rect">
             <a:avLst/>
@@ -7825,7 +7825,7 @@
         <p:spPr>
           <a:xfrm>
             <a:off x="720000" y="1692000"/>
-            <a:ext cx="10630440" cy="4348080"/>
+            <a:ext cx="10629720" cy="4347360"/>
           </a:xfrm>
           <a:prstGeom prst="rect">
             <a:avLst/>
@@ -7866,7 +7866,7 @@
             </a:endParaRPr>
           </a:p>
           <a:p>
-            <a:pPr marL="216000" indent="-214560">
+            <a:pPr marL="216000" indent="-213840">
               <a:lnSpc>
                 <a:spcPct val="100000"/>
               </a:lnSpc>
@@ -7891,7 +7891,7 @@
             </a:endParaRPr>
           </a:p>
           <a:p>
-            <a:pPr marL="216000" indent="-214560">
+            <a:pPr marL="216000" indent="-213840">
               <a:lnSpc>
                 <a:spcPct val="100000"/>
               </a:lnSpc>
@@ -7946,7 +7946,7 @@
             </a:endParaRPr>
           </a:p>
           <a:p>
-            <a:pPr marL="216000" indent="-214560">
+            <a:pPr marL="216000" indent="-213840">
               <a:lnSpc>
                 <a:spcPct val="100000"/>
               </a:lnSpc>
@@ -7971,7 +7971,7 @@
             </a:endParaRPr>
           </a:p>
           <a:p>
-            <a:pPr marL="216000" indent="-214560">
+            <a:pPr marL="216000" indent="-213840">
               <a:lnSpc>
                 <a:spcPct val="100000"/>
               </a:lnSpc>
@@ -8026,7 +8026,7 @@
             </a:endParaRPr>
           </a:p>
           <a:p>
-            <a:pPr marL="216000" indent="-214560">
+            <a:pPr marL="216000" indent="-213840">
               <a:lnSpc>
                 <a:spcPct val="100000"/>
               </a:lnSpc>
@@ -8051,7 +8051,7 @@
             </a:endParaRPr>
           </a:p>
           <a:p>
-            <a:pPr marL="216000" indent="-214560">
+            <a:pPr marL="216000" indent="-213840">
               <a:lnSpc>
                 <a:spcPct val="100000"/>
               </a:lnSpc>
@@ -8076,7 +8076,7 @@
             </a:endParaRPr>
           </a:p>
           <a:p>
-            <a:pPr marL="216000" indent="-214560">
+            <a:pPr marL="216000" indent="-213840">
               <a:lnSpc>
                 <a:spcPct val="100000"/>
               </a:lnSpc>
@@ -8161,7 +8161,7 @@
         <p:spPr>
           <a:xfrm>
             <a:off x="838080" y="365040"/>
-            <a:ext cx="10512360" cy="1322280"/>
+            <a:ext cx="10511640" cy="1321560"/>
           </a:xfrm>
           <a:prstGeom prst="rect">
             <a:avLst/>
@@ -8212,7 +8212,7 @@
         <p:spPr>
           <a:xfrm>
             <a:off x="720000" y="1368000"/>
-            <a:ext cx="10630440" cy="4672080"/>
+            <a:ext cx="10629720" cy="4671360"/>
           </a:xfrm>
           <a:prstGeom prst="rect">
             <a:avLst/>
@@ -8473,7 +8473,7 @@
         <p:spPr>
           <a:xfrm>
             <a:off x="838080" y="365040"/>
-            <a:ext cx="10512360" cy="1322280"/>
+            <a:ext cx="10511640" cy="1321560"/>
           </a:xfrm>
           <a:prstGeom prst="rect">
             <a:avLst/>
@@ -8523,7 +8523,7 @@
         </p:nvGraphicFramePr>
         <p:xfrm>
           <a:off x="158040" y="1627560"/>
-          <a:ext cx="11840040" cy="4635360"/>
+          <a:ext cx="11839680" cy="3647160"/>
         </p:xfrm>
         <a:graphic>
           <a:graphicData uri="http://schemas.openxmlformats.org/drawingml/2006/table">
@@ -8536,10 +8536,15 @@
               <a:tr h="1688760">
                 <a:tc>
                   <a:txBody>
-                    <a:bodyPr lIns="90000" rIns="90000" tIns="46800" bIns="46800">
+                    <a:bodyPr lIns="90000" rIns="90000">
                       <a:noAutofit/>
                     </a:bodyPr>
                     <a:p>
+                      <a:pPr>
+                        <a:lnSpc>
+                          <a:spcPct val="100000"/>
+                        </a:lnSpc>
+                      </a:pPr>
                       <a:r>
                         <a:rPr b="0" lang="pt-BR" sz="1800" spc="-1" strike="noStrike">
                           <a:solidFill>
@@ -8550,21 +8555,25 @@
                         <a:t>Força</a:t>
                       </a:r>
                       <a:endParaRPr b="0" lang="pt-BR" sz="1800" spc="-1" strike="noStrike">
-                        <a:solidFill>
-                          <a:srgbClr val="2a6099"/>
-                        </a:solidFill>
                         <a:latin typeface="Arial"/>
                       </a:endParaRPr>
                     </a:p>
                     <a:p>
+                      <a:pPr>
+                        <a:lnSpc>
+                          <a:spcPct val="100000"/>
+                        </a:lnSpc>
+                      </a:pPr>
                       <a:endParaRPr b="0" lang="pt-BR" sz="1800" spc="-1" strike="noStrike">
-                        <a:solidFill>
-                          <a:srgbClr val="2a6099"/>
-                        </a:solidFill>
                         <a:latin typeface="Arial"/>
                       </a:endParaRPr>
                     </a:p>
                     <a:p>
+                      <a:pPr>
+                        <a:lnSpc>
+                          <a:spcPct val="100000"/>
+                        </a:lnSpc>
+                      </a:pPr>
                       <a:r>
                         <a:rPr b="0" lang="pt-BR" sz="1800" spc="-1" strike="noStrike">
                           <a:solidFill>
@@ -8575,21 +8584,25 @@
                         <a:t>- Conhecimento da produção de linguiças e defumados</a:t>
                       </a:r>
                       <a:endParaRPr b="0" lang="pt-BR" sz="1800" spc="-1" strike="noStrike">
-                        <a:solidFill>
-                          <a:srgbClr val="2a6099"/>
-                        </a:solidFill>
                         <a:latin typeface="Arial"/>
                       </a:endParaRPr>
                     </a:p>
                     <a:p>
+                      <a:pPr>
+                        <a:lnSpc>
+                          <a:spcPct val="100000"/>
+                        </a:lnSpc>
+                      </a:pPr>
                       <a:endParaRPr b="0" lang="pt-BR" sz="1800" spc="-1" strike="noStrike">
-                        <a:solidFill>
-                          <a:srgbClr val="2a6099"/>
-                        </a:solidFill>
                         <a:latin typeface="Arial"/>
                       </a:endParaRPr>
                     </a:p>
                     <a:p>
+                      <a:pPr>
+                        <a:lnSpc>
+                          <a:spcPct val="100000"/>
+                        </a:lnSpc>
+                      </a:pPr>
                       <a:r>
                         <a:rPr b="0" lang="pt-BR" sz="1800" spc="-1" strike="noStrike">
                           <a:solidFill>
@@ -8600,9 +8613,6 @@
                         <a:t>- Mão de obra barata</a:t>
                       </a:r>
                       <a:endParaRPr b="0" lang="pt-BR" sz="1800" spc="-1" strike="noStrike">
-                        <a:solidFill>
-                          <a:srgbClr val="2a6099"/>
-                        </a:solidFill>
                         <a:latin typeface="Arial"/>
                       </a:endParaRPr>
                     </a:p>
@@ -8635,10 +8645,15 @@
                 </a:tc>
                 <a:tc>
                   <a:txBody>
-                    <a:bodyPr lIns="90000" rIns="90000" tIns="46800" bIns="46800">
+                    <a:bodyPr lIns="90000" rIns="90000">
                       <a:noAutofit/>
                     </a:bodyPr>
                     <a:p>
+                      <a:pPr>
+                        <a:lnSpc>
+                          <a:spcPct val="100000"/>
+                        </a:lnSpc>
+                      </a:pPr>
                       <a:r>
                         <a:rPr b="0" lang="pt-BR" sz="1800" spc="-1" strike="noStrike">
                           <a:solidFill>
@@ -8649,21 +8664,25 @@
                         <a:t>Fraqueza</a:t>
                       </a:r>
                       <a:endParaRPr b="0" lang="pt-BR" sz="1800" spc="-1" strike="noStrike">
-                        <a:solidFill>
-                          <a:srgbClr val="ff8000"/>
-                        </a:solidFill>
                         <a:latin typeface="Arial"/>
                       </a:endParaRPr>
                     </a:p>
                     <a:p>
+                      <a:pPr>
+                        <a:lnSpc>
+                          <a:spcPct val="100000"/>
+                        </a:lnSpc>
+                      </a:pPr>
                       <a:endParaRPr b="0" lang="pt-BR" sz="1800" spc="-1" strike="noStrike">
-                        <a:solidFill>
-                          <a:srgbClr val="ff8000"/>
-                        </a:solidFill>
                         <a:latin typeface="Arial"/>
                       </a:endParaRPr>
                     </a:p>
                     <a:p>
+                      <a:pPr>
+                        <a:lnSpc>
+                          <a:spcPct val="100000"/>
+                        </a:lnSpc>
+                      </a:pPr>
                       <a:r>
                         <a:rPr b="0" lang="pt-BR" sz="1800" spc="-1" strike="noStrike">
                           <a:solidFill>
@@ -8674,21 +8693,25 @@
                         <a:t>- Primeiro empreendimento</a:t>
                       </a:r>
                       <a:endParaRPr b="0" lang="pt-BR" sz="1800" spc="-1" strike="noStrike">
-                        <a:solidFill>
-                          <a:srgbClr val="ff8000"/>
-                        </a:solidFill>
                         <a:latin typeface="Arial"/>
                       </a:endParaRPr>
                     </a:p>
                     <a:p>
+                      <a:pPr>
+                        <a:lnSpc>
+                          <a:spcPct val="100000"/>
+                        </a:lnSpc>
+                      </a:pPr>
                       <a:endParaRPr b="0" lang="pt-BR" sz="1800" spc="-1" strike="noStrike">
-                        <a:solidFill>
-                          <a:srgbClr val="ff8000"/>
-                        </a:solidFill>
                         <a:latin typeface="Arial"/>
                       </a:endParaRPr>
                     </a:p>
                     <a:p>
+                      <a:pPr>
+                        <a:lnSpc>
+                          <a:spcPct val="100000"/>
+                        </a:lnSpc>
+                      </a:pPr>
                       <a:r>
                         <a:rPr b="0" lang="pt-BR" sz="1800" spc="-1" strike="noStrike">
                           <a:solidFill>
@@ -8699,9 +8722,6 @@
                         <a:t>- Investimento de capital próprio</a:t>
                       </a:r>
                       <a:endParaRPr b="0" lang="pt-BR" sz="1800" spc="-1" strike="noStrike">
-                        <a:solidFill>
-                          <a:srgbClr val="ff8000"/>
-                        </a:solidFill>
                         <a:latin typeface="Arial"/>
                       </a:endParaRPr>
                     </a:p>
@@ -8736,10 +8756,15 @@
               <a:tr h="1958760">
                 <a:tc>
                   <a:txBody>
-                    <a:bodyPr lIns="90000" rIns="90000" tIns="46800" bIns="46800">
+                    <a:bodyPr lIns="90000" rIns="90000">
                       <a:noAutofit/>
                     </a:bodyPr>
                     <a:p>
+                      <a:pPr>
+                        <a:lnSpc>
+                          <a:spcPct val="100000"/>
+                        </a:lnSpc>
+                      </a:pPr>
                       <a:r>
                         <a:rPr b="0" lang="pt-BR" sz="1800" spc="-1" strike="noStrike">
                           <a:solidFill>
@@ -8750,21 +8775,25 @@
                         <a:t>Oportunidade</a:t>
                       </a:r>
                       <a:endParaRPr b="0" lang="pt-BR" sz="1800" spc="-1" strike="noStrike">
-                        <a:solidFill>
-                          <a:srgbClr val="00a933"/>
-                        </a:solidFill>
                         <a:latin typeface="Arial"/>
                       </a:endParaRPr>
                     </a:p>
                     <a:p>
+                      <a:pPr>
+                        <a:lnSpc>
+                          <a:spcPct val="100000"/>
+                        </a:lnSpc>
+                      </a:pPr>
                       <a:endParaRPr b="0" lang="pt-BR" sz="1800" spc="-1" strike="noStrike">
-                        <a:solidFill>
-                          <a:srgbClr val="00a933"/>
-                        </a:solidFill>
                         <a:latin typeface="Arial"/>
                       </a:endParaRPr>
                     </a:p>
                     <a:p>
+                      <a:pPr>
+                        <a:lnSpc>
+                          <a:spcPct val="100000"/>
+                        </a:lnSpc>
+                      </a:pPr>
                       <a:r>
                         <a:rPr b="0" lang="pt-BR" sz="2000" spc="-1" strike="noStrike">
                           <a:solidFill>
@@ -8776,21 +8805,25 @@
                         <a:t>- Fluxo constante de turistas durante todo o ano</a:t>
                       </a:r>
                       <a:endParaRPr b="0" lang="pt-BR" sz="2000" spc="-1" strike="noStrike">
-                        <a:solidFill>
-                          <a:srgbClr val="00a933"/>
-                        </a:solidFill>
                         <a:latin typeface="Arial"/>
                       </a:endParaRPr>
                     </a:p>
                     <a:p>
+                      <a:pPr>
+                        <a:lnSpc>
+                          <a:spcPct val="100000"/>
+                        </a:lnSpc>
+                      </a:pPr>
                       <a:endParaRPr b="0" lang="pt-BR" sz="2000" spc="-1" strike="noStrike">
-                        <a:solidFill>
-                          <a:srgbClr val="00a933"/>
-                        </a:solidFill>
                         <a:latin typeface="Arial"/>
                       </a:endParaRPr>
                     </a:p>
                     <a:p>
+                      <a:pPr>
+                        <a:lnSpc>
+                          <a:spcPct val="100000"/>
+                        </a:lnSpc>
+                      </a:pPr>
                       <a:r>
                         <a:rPr b="0" lang="pt-BR" sz="2000" spc="-1" strike="noStrike">
                           <a:solidFill>
@@ -8802,9 +8835,6 @@
                         <a:t>- Grande número de estudantes universitários (UFVJM)</a:t>
                       </a:r>
                       <a:endParaRPr b="0" lang="pt-BR" sz="2000" spc="-1" strike="noStrike">
-                        <a:solidFill>
-                          <a:srgbClr val="00a933"/>
-                        </a:solidFill>
                         <a:latin typeface="Arial"/>
                       </a:endParaRPr>
                     </a:p>
@@ -8837,10 +8867,15 @@
                 </a:tc>
                 <a:tc>
                   <a:txBody>
-                    <a:bodyPr lIns="90000" rIns="90000" tIns="46800" bIns="46800">
+                    <a:bodyPr lIns="90000" rIns="90000">
                       <a:noAutofit/>
                     </a:bodyPr>
                     <a:p>
+                      <a:pPr>
+                        <a:lnSpc>
+                          <a:spcPct val="100000"/>
+                        </a:lnSpc>
+                      </a:pPr>
                       <a:r>
                         <a:rPr b="0" lang="pt-BR" sz="2000" spc="-1" strike="noStrike">
                           <a:solidFill>
@@ -8852,21 +8887,25 @@
                         <a:t>Ameaças</a:t>
                       </a:r>
                       <a:endParaRPr b="0" lang="pt-BR" sz="2000" spc="-1" strike="noStrike">
-                        <a:solidFill>
-                          <a:srgbClr val="c9211e"/>
-                        </a:solidFill>
                         <a:latin typeface="Arial"/>
                       </a:endParaRPr>
                     </a:p>
                     <a:p>
+                      <a:pPr>
+                        <a:lnSpc>
+                          <a:spcPct val="100000"/>
+                        </a:lnSpc>
+                      </a:pPr>
                       <a:endParaRPr b="0" lang="pt-BR" sz="2000" spc="-1" strike="noStrike">
-                        <a:solidFill>
-                          <a:srgbClr val="c9211e"/>
-                        </a:solidFill>
                         <a:latin typeface="Arial"/>
                       </a:endParaRPr>
                     </a:p>
                     <a:p>
+                      <a:pPr>
+                        <a:lnSpc>
+                          <a:spcPct val="100000"/>
+                        </a:lnSpc>
+                      </a:pPr>
                       <a:r>
                         <a:rPr b="0" lang="pt-BR" sz="2000" spc="-1" strike="noStrike">
                           <a:solidFill>
@@ -8878,17 +8917,16 @@
                         <a:t>- Grande rede de supermercado</a:t>
                       </a:r>
                       <a:endParaRPr b="0" lang="pt-BR" sz="2000" spc="-1" strike="noStrike">
-                        <a:solidFill>
-                          <a:srgbClr val="c9211e"/>
-                        </a:solidFill>
                         <a:latin typeface="Arial"/>
                       </a:endParaRPr>
                     </a:p>
                     <a:p>
+                      <a:pPr>
+                        <a:lnSpc>
+                          <a:spcPct val="100000"/>
+                        </a:lnSpc>
+                      </a:pPr>
                       <a:endParaRPr b="0" lang="pt-BR" sz="2000" spc="-1" strike="noStrike">
-                        <a:solidFill>
-                          <a:srgbClr val="c9211e"/>
-                        </a:solidFill>
                         <a:latin typeface="Arial"/>
                       </a:endParaRPr>
                     </a:p>
@@ -8909,9 +8947,6 @@
                         <a:t>- Pousadas e restaurantes oferecendo comida mineira e regional de bom qualidade</a:t>
                       </a:r>
                       <a:endParaRPr b="0" lang="pt-BR" sz="2000" spc="-1" strike="noStrike">
-                        <a:solidFill>
-                          <a:srgbClr val="c9211e"/>
-                        </a:solidFill>
                         <a:latin typeface="Arial"/>
                       </a:endParaRPr>
                     </a:p>
@@ -8922,9 +8957,6 @@
                         </a:lnSpc>
                       </a:pPr>
                       <a:endParaRPr b="0" lang="pt-BR" sz="2000" spc="-1" strike="noStrike">
-                        <a:solidFill>
-                          <a:srgbClr val="c9211e"/>
-                        </a:solidFill>
                         <a:latin typeface="Arial"/>
                       </a:endParaRPr>
                     </a:p>
@@ -8999,7 +9031,7 @@
         <p:spPr>
           <a:xfrm>
             <a:off x="838080" y="365040"/>
-            <a:ext cx="10512360" cy="1322280"/>
+            <a:ext cx="10511640" cy="1321560"/>
           </a:xfrm>
           <a:prstGeom prst="rect">
             <a:avLst/>
@@ -9049,8 +9081,8 @@
         </p:nvSpPr>
         <p:spPr>
           <a:xfrm>
-            <a:off x="838080" y="1825560"/>
-            <a:ext cx="10512360" cy="4348080"/>
+            <a:off x="720000" y="1440000"/>
+            <a:ext cx="10629720" cy="4319640"/>
           </a:xfrm>
           <a:prstGeom prst="rect">
             <a:avLst/>
@@ -9066,6 +9098,151 @@
           <a:effectRef idx="0"/>
           <a:fontRef idx="minor"/>
         </p:style>
+        <p:txBody>
+          <a:bodyPr lIns="90000" rIns="90000" tIns="45000" bIns="45000">
+            <a:noAutofit/>
+          </a:bodyPr>
+          <a:p>
+            <a:pPr algn="just">
+              <a:lnSpc>
+                <a:spcPct val="100000"/>
+              </a:lnSpc>
+            </a:pPr>
+            <a:r>
+              <a:rPr b="0" lang="pt-BR" sz="2000" spc="-1" strike="noStrike">
+                <a:solidFill>
+                  <a:srgbClr val="000000"/>
+                </a:solidFill>
+                <a:latin typeface="Times New Roman"/>
+                <a:ea typeface="DejaVu Sans"/>
+              </a:rPr>
+              <a:t>De acordo com o IBGE, em 2020 a população estimada era de 47.825, onde 21.2% tem ocupação formal e a segunda maior faixa etária está entre 25 a 50 anos. </a:t>
+            </a:r>
+            <a:endParaRPr b="0" lang="pt-BR" sz="2000" spc="-1" strike="noStrike">
+              <a:latin typeface="Arial"/>
+            </a:endParaRPr>
+          </a:p>
+          <a:p>
+            <a:pPr algn="just">
+              <a:lnSpc>
+                <a:spcPct val="100000"/>
+              </a:lnSpc>
+            </a:pPr>
+            <a:r>
+              <a:rPr b="0" lang="pt-BR" sz="2000" spc="-1" strike="noStrike">
+                <a:solidFill>
+                  <a:srgbClr val="000000"/>
+                </a:solidFill>
+                <a:latin typeface="Times New Roman"/>
+                <a:ea typeface="DejaVu Sans"/>
+              </a:rPr>
+              <a:t>Segundo a prefeitura, ocorrem diversos eventos culturais durante o ano, podemos destacar a Programação musical do mercado velho e o Sarau da arte miúda, estes com importância regional. Os eventos de maior relevância são o Carnaval e Vesperata, com grande fluxo de turistas. Sendo que a Vesperata ocorre mais de uma vez no ano e é o segundo evento com maior número de turistas ficando atrás apenas do carnaval.</a:t>
+            </a:r>
+            <a:endParaRPr b="0" lang="pt-BR" sz="2000" spc="-1" strike="noStrike">
+              <a:latin typeface="Arial"/>
+            </a:endParaRPr>
+          </a:p>
+          <a:p>
+            <a:pPr algn="just">
+              <a:lnSpc>
+                <a:spcPct val="100000"/>
+              </a:lnSpc>
+            </a:pPr>
+            <a:r>
+              <a:rPr b="0" lang="pt-BR" sz="2000" spc="-1" strike="noStrike">
+                <a:solidFill>
+                  <a:srgbClr val="000000"/>
+                </a:solidFill>
+                <a:latin typeface="Times New Roman"/>
+                <a:ea typeface="DejaVu Sans"/>
+              </a:rPr>
+              <a:t>Em 2008, foi lançado pela Abrasel em parceria com o Sebrae o projeto “</a:t>
+            </a:r>
+            <a:r>
+              <a:rPr b="1" lang="pt-BR" sz="2000" spc="-1" strike="noStrike">
+                <a:solidFill>
+                  <a:srgbClr val="000000"/>
+                </a:solidFill>
+                <a:latin typeface="Times New Roman"/>
+                <a:ea typeface="DejaVu Sans"/>
+              </a:rPr>
+              <a:t>Caminhos do Sabor - A União faz o destino</a:t>
+            </a:r>
+            <a:r>
+              <a:rPr b="0" lang="pt-BR" sz="2000" spc="-1" strike="noStrike">
+                <a:solidFill>
+                  <a:srgbClr val="000000"/>
+                </a:solidFill>
+                <a:latin typeface="Times New Roman"/>
+                <a:ea typeface="DejaVu Sans"/>
+              </a:rPr>
+              <a:t>”, o objetivo do projeto é fortalecer os destinos turísticos no Brasil, trabalhando a gastronomia como um ponto que agregue mais valor aos negócios do turismo. Esta ação tem o papel de valorizar os atrativos turísticos da gastronomia local e Diamantina foi uma destas cidades escolhidas.</a:t>
+            </a:r>
+            <a:endParaRPr b="0" lang="pt-BR" sz="2000" spc="-1" strike="noStrike">
+              <a:latin typeface="Arial"/>
+            </a:endParaRPr>
+          </a:p>
+          <a:p>
+            <a:pPr algn="just">
+              <a:lnSpc>
+                <a:spcPct val="100000"/>
+              </a:lnSpc>
+            </a:pPr>
+            <a:r>
+              <a:rPr b="0" lang="pt-BR" sz="2000" spc="-1" strike="noStrike">
+                <a:solidFill>
+                  <a:srgbClr val="000000"/>
+                </a:solidFill>
+                <a:latin typeface="Times New Roman"/>
+                <a:ea typeface="DejaVu Sans"/>
+              </a:rPr>
+              <a:t>Outro ponto bastante importante, foi o lançamento em 2017 pelo Instituto Estrada Real, do novo passaporte para a maior rota turística do país, que é a </a:t>
+            </a:r>
+            <a:r>
+              <a:rPr b="1" lang="pt-BR" sz="2000" spc="-1" strike="noStrike">
+                <a:solidFill>
+                  <a:srgbClr val="000000"/>
+                </a:solidFill>
+                <a:latin typeface="Times New Roman"/>
+                <a:ea typeface="DejaVu Sans"/>
+              </a:rPr>
+              <a:t>Estrada Real</a:t>
+            </a:r>
+            <a:r>
+              <a:rPr b="0" lang="pt-BR" sz="2000" spc="-1" strike="noStrike">
+                <a:solidFill>
+                  <a:srgbClr val="000000"/>
+                </a:solidFill>
+                <a:latin typeface="Times New Roman"/>
+                <a:ea typeface="DejaVu Sans"/>
+              </a:rPr>
+              <a:t>, impulsionando ainda mais o turismo em Minas gerais, e Diamantina que é o início ou fim da </a:t>
+            </a:r>
+            <a:r>
+              <a:rPr b="1" lang="pt-BR" sz="2000" spc="-1" strike="noStrike">
+                <a:solidFill>
+                  <a:srgbClr val="000000"/>
+                </a:solidFill>
+                <a:latin typeface="Times New Roman"/>
+                <a:ea typeface="DejaVu Sans"/>
+              </a:rPr>
+              <a:t>Estrada Real</a:t>
+            </a:r>
+            <a:r>
+              <a:rPr b="0" lang="pt-BR" sz="2000" spc="-1" strike="noStrike">
+                <a:solidFill>
+                  <a:srgbClr val="000000"/>
+                </a:solidFill>
+                <a:latin typeface="Times New Roman"/>
+                <a:ea typeface="DejaVu Sans"/>
+              </a:rPr>
+              <a:t> caso o viajante esteja saindo de Paraty-RJ.</a:t>
+            </a:r>
+            <a:endParaRPr b="0" lang="pt-BR" sz="2000" spc="-1" strike="noStrike">
+              <a:latin typeface="Arial"/>
+            </a:endParaRPr>
+          </a:p>
+        </p:txBody>
       </p:sp>
     </p:spTree>
   </p:cSld>

--- a/plano-de-negocios-restaurante-tioto.pptx
+++ b/plano-de-negocios-restaurante-tioto.pptx
@@ -4129,7 +4129,7 @@
         <p:spPr>
           <a:xfrm>
             <a:off x="5441040" y="6062040"/>
-            <a:ext cx="1108080" cy="584640"/>
+            <a:ext cx="1107720" cy="584280"/>
           </a:xfrm>
           <a:prstGeom prst="rect">
             <a:avLst/>
@@ -4412,7 +4412,7 @@
         <p:spPr>
           <a:xfrm>
             <a:off x="5540040" y="6176880"/>
-            <a:ext cx="1108080" cy="584640"/>
+            <a:ext cx="1107720" cy="584280"/>
           </a:xfrm>
           <a:prstGeom prst="rect">
             <a:avLst/>
@@ -4695,7 +4695,7 @@
         <p:spPr>
           <a:xfrm>
             <a:off x="5540040" y="6132960"/>
-            <a:ext cx="1108080" cy="584640"/>
+            <a:ext cx="1107720" cy="584280"/>
           </a:xfrm>
           <a:prstGeom prst="rect">
             <a:avLst/>
@@ -5146,7 +5146,7 @@
         <p:spPr>
           <a:xfrm>
             <a:off x="1523880" y="523800"/>
-            <a:ext cx="9140040" cy="2383560"/>
+            <a:ext cx="9139680" cy="2383200"/>
           </a:xfrm>
           <a:prstGeom prst="rect">
             <a:avLst/>
@@ -5197,7 +5197,7 @@
         <p:spPr>
           <a:xfrm>
             <a:off x="1523880" y="3003480"/>
-            <a:ext cx="9140040" cy="2237760"/>
+            <a:ext cx="9139680" cy="2237400"/>
           </a:xfrm>
           <a:prstGeom prst="rect">
             <a:avLst/>
@@ -5340,7 +5340,7 @@
         <p:spPr>
           <a:xfrm>
             <a:off x="838080" y="365040"/>
-            <a:ext cx="10511640" cy="1321560"/>
+            <a:ext cx="10511280" cy="1321200"/>
           </a:xfrm>
           <a:prstGeom prst="rect">
             <a:avLst/>
@@ -5391,7 +5391,7 @@
         <p:spPr>
           <a:xfrm>
             <a:off x="838080" y="1825560"/>
-            <a:ext cx="10511640" cy="4347360"/>
+            <a:ext cx="10511280" cy="4347000"/>
           </a:xfrm>
           <a:prstGeom prst="rect">
             <a:avLst/>
@@ -5447,7 +5447,7 @@
         <p:spPr>
           <a:xfrm>
             <a:off x="838080" y="365040"/>
-            <a:ext cx="10511640" cy="1321560"/>
+            <a:ext cx="10511280" cy="1321200"/>
           </a:xfrm>
           <a:prstGeom prst="rect">
             <a:avLst/>
@@ -5498,7 +5498,7 @@
         <p:spPr>
           <a:xfrm>
             <a:off x="838080" y="1825560"/>
-            <a:ext cx="10511640" cy="4347360"/>
+            <a:ext cx="10511280" cy="4347000"/>
           </a:xfrm>
           <a:prstGeom prst="rect">
             <a:avLst/>
@@ -5554,7 +5554,7 @@
         <p:spPr>
           <a:xfrm>
             <a:off x="838080" y="365040"/>
-            <a:ext cx="10511640" cy="1321560"/>
+            <a:ext cx="10511280" cy="1321200"/>
           </a:xfrm>
           <a:prstGeom prst="rect">
             <a:avLst/>
@@ -5605,7 +5605,7 @@
         <p:spPr>
           <a:xfrm>
             <a:off x="838080" y="1689480"/>
-            <a:ext cx="10511640" cy="4483440"/>
+            <a:ext cx="10511280" cy="4483080"/>
           </a:xfrm>
           <a:prstGeom prst="rect">
             <a:avLst/>
@@ -5729,7 +5729,7 @@
         <p:spPr>
           <a:xfrm>
             <a:off x="838080" y="365040"/>
-            <a:ext cx="10511640" cy="1321560"/>
+            <a:ext cx="10511280" cy="1321200"/>
           </a:xfrm>
           <a:prstGeom prst="rect">
             <a:avLst/>
@@ -5780,7 +5780,7 @@
         <p:spPr>
           <a:xfrm>
             <a:off x="360000" y="1499040"/>
-            <a:ext cx="11517120" cy="2411640"/>
+            <a:ext cx="11516760" cy="2411280"/>
           </a:xfrm>
           <a:prstGeom prst="rect">
             <a:avLst/>
@@ -5915,7 +5915,7 @@
         <p:spPr>
           <a:xfrm>
             <a:off x="432000" y="4407480"/>
-            <a:ext cx="2359080" cy="2359080"/>
+            <a:ext cx="2358720" cy="2358720"/>
           </a:xfrm>
           <a:prstGeom prst="rect">
             <a:avLst/>
@@ -5964,7 +5964,7 @@
         <p:spPr>
           <a:xfrm>
             <a:off x="838080" y="365040"/>
-            <a:ext cx="10511640" cy="603360"/>
+            <a:ext cx="10511280" cy="603000"/>
           </a:xfrm>
           <a:prstGeom prst="rect">
             <a:avLst/>
@@ -6015,7 +6015,7 @@
         <p:spPr>
           <a:xfrm>
             <a:off x="9156600" y="1102680"/>
-            <a:ext cx="2193120" cy="3551760"/>
+            <a:ext cx="2192760" cy="3551400"/>
           </a:xfrm>
           <a:prstGeom prst="rect">
             <a:avLst/>
@@ -6248,7 +6248,7 @@
         <p:spPr>
           <a:xfrm>
             <a:off x="2764440" y="2878200"/>
-            <a:ext cx="2087640" cy="1776240"/>
+            <a:ext cx="2087280" cy="1775880"/>
           </a:xfrm>
           <a:prstGeom prst="rect">
             <a:avLst/>
@@ -6391,7 +6391,7 @@
         <p:spPr>
           <a:xfrm>
             <a:off x="4929120" y="1102680"/>
-            <a:ext cx="1999800" cy="4970160"/>
+            <a:ext cx="1999440" cy="4969800"/>
           </a:xfrm>
           <a:prstGeom prst="rect">
             <a:avLst/>
@@ -6604,7 +6604,7 @@
         <p:spPr>
           <a:xfrm>
             <a:off x="7007040" y="1102680"/>
-            <a:ext cx="2072880" cy="1732320"/>
+            <a:ext cx="2072520" cy="1731960"/>
           </a:xfrm>
           <a:prstGeom prst="rect">
             <a:avLst/>
@@ -6747,7 +6747,7 @@
         <p:spPr>
           <a:xfrm>
             <a:off x="766800" y="1103400"/>
-            <a:ext cx="1934640" cy="3551040"/>
+            <a:ext cx="1934280" cy="3550680"/>
           </a:xfrm>
           <a:prstGeom prst="rect">
             <a:avLst/>
@@ -6960,7 +6960,7 @@
         <p:spPr>
           <a:xfrm>
             <a:off x="766800" y="4708440"/>
-            <a:ext cx="4085640" cy="1364040"/>
+            <a:ext cx="4085280" cy="1363680"/>
           </a:xfrm>
           <a:prstGeom prst="rect">
             <a:avLst/>
@@ -7103,7 +7103,7 @@
         <p:spPr>
           <a:xfrm>
             <a:off x="7007040" y="2889000"/>
-            <a:ext cx="2076840" cy="1765440"/>
+            <a:ext cx="2076480" cy="1765080"/>
           </a:xfrm>
           <a:prstGeom prst="rect">
             <a:avLst/>
@@ -7246,7 +7246,7 @@
         <p:spPr>
           <a:xfrm>
             <a:off x="7007040" y="4708440"/>
-            <a:ext cx="4342680" cy="1349280"/>
+            <a:ext cx="4342320" cy="1348920"/>
           </a:xfrm>
           <a:prstGeom prst="rect">
             <a:avLst/>
@@ -7349,7 +7349,7 @@
         <p:spPr>
           <a:xfrm>
             <a:off x="2764440" y="1102680"/>
-            <a:ext cx="2090880" cy="1732320"/>
+            <a:ext cx="2090520" cy="1731960"/>
           </a:xfrm>
           <a:prstGeom prst="rect">
             <a:avLst/>
@@ -7522,7 +7522,7 @@
         <p:spPr>
           <a:xfrm>
             <a:off x="838080" y="365040"/>
-            <a:ext cx="10511640" cy="1321560"/>
+            <a:ext cx="10511280" cy="1321200"/>
           </a:xfrm>
           <a:prstGeom prst="rect">
             <a:avLst/>
@@ -7573,7 +7573,7 @@
         <p:spPr>
           <a:xfrm>
             <a:off x="838080" y="1825560"/>
-            <a:ext cx="10511640" cy="4347360"/>
+            <a:ext cx="10511280" cy="4347000"/>
           </a:xfrm>
           <a:prstGeom prst="rect">
             <a:avLst/>
@@ -7748,7 +7748,7 @@
         <p:spPr>
           <a:xfrm>
             <a:off x="838080" y="365040"/>
-            <a:ext cx="10511640" cy="1321560"/>
+            <a:ext cx="10511280" cy="1321200"/>
           </a:xfrm>
           <a:prstGeom prst="rect">
             <a:avLst/>
@@ -7799,7 +7799,7 @@
         <p:spPr>
           <a:xfrm>
             <a:off x="838080" y="1825560"/>
-            <a:ext cx="5177520" cy="4347360"/>
+            <a:ext cx="5177160" cy="4347000"/>
           </a:xfrm>
           <a:prstGeom prst="rect">
             <a:avLst/>
@@ -7825,7 +7825,7 @@
         <p:spPr>
           <a:xfrm>
             <a:off x="720000" y="1692000"/>
-            <a:ext cx="10629720" cy="4347360"/>
+            <a:ext cx="10629360" cy="4347000"/>
           </a:xfrm>
           <a:prstGeom prst="rect">
             <a:avLst/>
@@ -7866,7 +7866,7 @@
             </a:endParaRPr>
           </a:p>
           <a:p>
-            <a:pPr marL="216000" indent="-213840">
+            <a:pPr marL="216000" indent="-213480">
               <a:lnSpc>
                 <a:spcPct val="100000"/>
               </a:lnSpc>
@@ -7891,7 +7891,7 @@
             </a:endParaRPr>
           </a:p>
           <a:p>
-            <a:pPr marL="216000" indent="-213840">
+            <a:pPr marL="216000" indent="-213480">
               <a:lnSpc>
                 <a:spcPct val="100000"/>
               </a:lnSpc>
@@ -7946,7 +7946,7 @@
             </a:endParaRPr>
           </a:p>
           <a:p>
-            <a:pPr marL="216000" indent="-213840">
+            <a:pPr marL="216000" indent="-213480">
               <a:lnSpc>
                 <a:spcPct val="100000"/>
               </a:lnSpc>
@@ -7971,7 +7971,7 @@
             </a:endParaRPr>
           </a:p>
           <a:p>
-            <a:pPr marL="216000" indent="-213840">
+            <a:pPr marL="216000" indent="-213480">
               <a:lnSpc>
                 <a:spcPct val="100000"/>
               </a:lnSpc>
@@ -8026,7 +8026,7 @@
             </a:endParaRPr>
           </a:p>
           <a:p>
-            <a:pPr marL="216000" indent="-213840">
+            <a:pPr marL="216000" indent="-213480">
               <a:lnSpc>
                 <a:spcPct val="100000"/>
               </a:lnSpc>
@@ -8051,7 +8051,7 @@
             </a:endParaRPr>
           </a:p>
           <a:p>
-            <a:pPr marL="216000" indent="-213840">
+            <a:pPr marL="216000" indent="-213480">
               <a:lnSpc>
                 <a:spcPct val="100000"/>
               </a:lnSpc>
@@ -8076,7 +8076,7 @@
             </a:endParaRPr>
           </a:p>
           <a:p>
-            <a:pPr marL="216000" indent="-213840">
+            <a:pPr marL="216000" indent="-213480">
               <a:lnSpc>
                 <a:spcPct val="100000"/>
               </a:lnSpc>
@@ -8161,7 +8161,7 @@
         <p:spPr>
           <a:xfrm>
             <a:off x="838080" y="365040"/>
-            <a:ext cx="10511640" cy="1321560"/>
+            <a:ext cx="10511280" cy="1321200"/>
           </a:xfrm>
           <a:prstGeom prst="rect">
             <a:avLst/>
@@ -8212,7 +8212,7 @@
         <p:spPr>
           <a:xfrm>
             <a:off x="720000" y="1368000"/>
-            <a:ext cx="10629720" cy="4671360"/>
+            <a:ext cx="10629360" cy="4671000"/>
           </a:xfrm>
           <a:prstGeom prst="rect">
             <a:avLst/>
@@ -8473,7 +8473,7 @@
         <p:spPr>
           <a:xfrm>
             <a:off x="838080" y="365040"/>
-            <a:ext cx="10511640" cy="1321560"/>
+            <a:ext cx="10511280" cy="1321200"/>
           </a:xfrm>
           <a:prstGeom prst="rect">
             <a:avLst/>
@@ -8944,6 +8944,36 @@
                           <a:latin typeface="Times New Roman"/>
                           <a:ea typeface="DejaVu Sans"/>
                         </a:rPr>
+                        <a:t>- Valor elevado do aluguel no centro histórico</a:t>
+                      </a:r>
+                      <a:endParaRPr b="0" lang="pt-BR" sz="2000" spc="-1" strike="noStrike">
+                        <a:latin typeface="Arial"/>
+                      </a:endParaRPr>
+                    </a:p>
+                    <a:p>
+                      <a:pPr>
+                        <a:lnSpc>
+                          <a:spcPct val="100000"/>
+                        </a:lnSpc>
+                      </a:pPr>
+                      <a:endParaRPr b="0" lang="pt-BR" sz="2000" spc="-1" strike="noStrike">
+                        <a:latin typeface="Arial"/>
+                      </a:endParaRPr>
+                    </a:p>
+                    <a:p>
+                      <a:pPr>
+                        <a:lnSpc>
+                          <a:spcPct val="100000"/>
+                        </a:lnSpc>
+                      </a:pPr>
+                      <a:r>
+                        <a:rPr b="0" lang="pt-BR" sz="2000" spc="-1" strike="noStrike">
+                          <a:solidFill>
+                            <a:srgbClr val="c9211e"/>
+                          </a:solidFill>
+                          <a:latin typeface="Times New Roman"/>
+                          <a:ea typeface="DejaVu Sans"/>
+                        </a:rPr>
                         <a:t>- Pousadas e restaurantes oferecendo comida mineira e regional de bom qualidade</a:t>
                       </a:r>
                       <a:endParaRPr b="0" lang="pt-BR" sz="2000" spc="-1" strike="noStrike">
@@ -9031,7 +9061,7 @@
         <p:spPr>
           <a:xfrm>
             <a:off x="838080" y="365040"/>
-            <a:ext cx="10511640" cy="1321560"/>
+            <a:ext cx="10511280" cy="1321200"/>
           </a:xfrm>
           <a:prstGeom prst="rect">
             <a:avLst/>
@@ -9082,7 +9112,7 @@
         <p:spPr>
           <a:xfrm>
             <a:off x="720000" y="1440000"/>
-            <a:ext cx="10629720" cy="4319640"/>
+            <a:ext cx="10629360" cy="4319280"/>
           </a:xfrm>
           <a:prstGeom prst="rect">
             <a:avLst/>

--- a/plano-de-negocios-restaurante-tioto.pptx
+++ b/plano-de-negocios-restaurante-tioto.pptx
@@ -18,6 +18,9 @@
     <p:sldId id="264" r:id="rId13"/>
     <p:sldId id="265" r:id="rId14"/>
     <p:sldId id="266" r:id="rId15"/>
+    <p:sldId id="267" r:id="rId16"/>
+    <p:sldId id="268" r:id="rId17"/>
+    <p:sldId id="269" r:id="rId18"/>
   </p:sldIdLst>
   <p:sldSz cx="12192000" cy="6858000"/>
   <p:notesSz cx="7559675" cy="10691812"/>
@@ -65,7 +68,7 @@
       </p:grpSpPr>
       <p:sp>
         <p:nvSpPr>
-          <p:cNvPr id="24" name="PlaceHolder 1"/>
+          <p:cNvPr id="25" name="PlaceHolder 1"/>
           <p:cNvSpPr>
             <a:spLocks noGrp="1"/>
           </p:cNvSpPr>
@@ -87,16 +90,18 @@
             <a:noAutofit/>
           </a:bodyPr>
           <a:p>
-            <a:pPr algn="ctr"/>
-            <a:endParaRPr b="0" lang="pt-BR" sz="4400" spc="-1" strike="noStrike">
-              <a:latin typeface="Arial"/>
-            </a:endParaRPr>
-          </a:p>
-        </p:txBody>
-      </p:sp>
-      <p:sp>
-        <p:nvSpPr>
-          <p:cNvPr id="25" name="PlaceHolder 2"/>
+            <a:endParaRPr b="0" lang="pt-BR" sz="1800" spc="-1" strike="noStrike">
+              <a:solidFill>
+                <a:srgbClr val="000000"/>
+              </a:solidFill>
+              <a:latin typeface="Arial"/>
+            </a:endParaRPr>
+          </a:p>
+        </p:txBody>
+      </p:sp>
+      <p:sp>
+        <p:nvSpPr>
+          <p:cNvPr id="26" name="PlaceHolder 2"/>
           <p:cNvSpPr>
             <a:spLocks noGrp="1"/>
           </p:cNvSpPr>
@@ -118,15 +123,18 @@
             <a:normAutofit/>
           </a:bodyPr>
           <a:p>
-            <a:endParaRPr b="0" lang="pt-BR" sz="3200" spc="-1" strike="noStrike">
-              <a:latin typeface="Arial"/>
-            </a:endParaRPr>
-          </a:p>
-        </p:txBody>
-      </p:sp>
-      <p:sp>
-        <p:nvSpPr>
-          <p:cNvPr id="26" name="PlaceHolder 3"/>
+            <a:endParaRPr b="0" lang="pt-BR" sz="2800" spc="-1" strike="noStrike">
+              <a:solidFill>
+                <a:srgbClr val="000000"/>
+              </a:solidFill>
+              <a:latin typeface="Arial"/>
+            </a:endParaRPr>
+          </a:p>
+        </p:txBody>
+      </p:sp>
+      <p:sp>
+        <p:nvSpPr>
+          <p:cNvPr id="27" name="PlaceHolder 3"/>
           <p:cNvSpPr>
             <a:spLocks noGrp="1"/>
           </p:cNvSpPr>
@@ -148,7 +156,10 @@
             <a:normAutofit/>
           </a:bodyPr>
           <a:p>
-            <a:endParaRPr b="0" lang="pt-BR" sz="3200" spc="-1" strike="noStrike">
+            <a:endParaRPr b="0" lang="pt-BR" sz="2800" spc="-1" strike="noStrike">
+              <a:solidFill>
+                <a:srgbClr val="000000"/>
+              </a:solidFill>
               <a:latin typeface="Arial"/>
             </a:endParaRPr>
           </a:p>
@@ -178,7 +189,7 @@
       </p:grpSpPr>
       <p:sp>
         <p:nvSpPr>
-          <p:cNvPr id="27" name="PlaceHolder 1"/>
+          <p:cNvPr id="28" name="PlaceHolder 1"/>
           <p:cNvSpPr>
             <a:spLocks noGrp="1"/>
           </p:cNvSpPr>
@@ -200,16 +211,18 @@
             <a:noAutofit/>
           </a:bodyPr>
           <a:p>
-            <a:pPr algn="ctr"/>
-            <a:endParaRPr b="0" lang="pt-BR" sz="4400" spc="-1" strike="noStrike">
-              <a:latin typeface="Arial"/>
-            </a:endParaRPr>
-          </a:p>
-        </p:txBody>
-      </p:sp>
-      <p:sp>
-        <p:nvSpPr>
-          <p:cNvPr id="28" name="PlaceHolder 2"/>
+            <a:endParaRPr b="0" lang="pt-BR" sz="1800" spc="-1" strike="noStrike">
+              <a:solidFill>
+                <a:srgbClr val="000000"/>
+              </a:solidFill>
+              <a:latin typeface="Arial"/>
+            </a:endParaRPr>
+          </a:p>
+        </p:txBody>
+      </p:sp>
+      <p:sp>
+        <p:nvSpPr>
+          <p:cNvPr id="29" name="PlaceHolder 2"/>
           <p:cNvSpPr>
             <a:spLocks noGrp="1"/>
           </p:cNvSpPr>
@@ -231,15 +244,18 @@
             <a:normAutofit/>
           </a:bodyPr>
           <a:p>
-            <a:endParaRPr b="0" lang="pt-BR" sz="3200" spc="-1" strike="noStrike">
-              <a:latin typeface="Arial"/>
-            </a:endParaRPr>
-          </a:p>
-        </p:txBody>
-      </p:sp>
-      <p:sp>
-        <p:nvSpPr>
-          <p:cNvPr id="29" name="PlaceHolder 3"/>
+            <a:endParaRPr b="0" lang="pt-BR" sz="2800" spc="-1" strike="noStrike">
+              <a:solidFill>
+                <a:srgbClr val="000000"/>
+              </a:solidFill>
+              <a:latin typeface="Arial"/>
+            </a:endParaRPr>
+          </a:p>
+        </p:txBody>
+      </p:sp>
+      <p:sp>
+        <p:nvSpPr>
+          <p:cNvPr id="30" name="PlaceHolder 3"/>
           <p:cNvSpPr>
             <a:spLocks noGrp="1"/>
           </p:cNvSpPr>
@@ -261,15 +277,18 @@
             <a:normAutofit/>
           </a:bodyPr>
           <a:p>
-            <a:endParaRPr b="0" lang="pt-BR" sz="3200" spc="-1" strike="noStrike">
-              <a:latin typeface="Arial"/>
-            </a:endParaRPr>
-          </a:p>
-        </p:txBody>
-      </p:sp>
-      <p:sp>
-        <p:nvSpPr>
-          <p:cNvPr id="30" name="PlaceHolder 4"/>
+            <a:endParaRPr b="0" lang="pt-BR" sz="2800" spc="-1" strike="noStrike">
+              <a:solidFill>
+                <a:srgbClr val="000000"/>
+              </a:solidFill>
+              <a:latin typeface="Arial"/>
+            </a:endParaRPr>
+          </a:p>
+        </p:txBody>
+      </p:sp>
+      <p:sp>
+        <p:nvSpPr>
+          <p:cNvPr id="31" name="PlaceHolder 4"/>
           <p:cNvSpPr>
             <a:spLocks noGrp="1"/>
           </p:cNvSpPr>
@@ -291,15 +310,18 @@
             <a:normAutofit/>
           </a:bodyPr>
           <a:p>
-            <a:endParaRPr b="0" lang="pt-BR" sz="3200" spc="-1" strike="noStrike">
-              <a:latin typeface="Arial"/>
-            </a:endParaRPr>
-          </a:p>
-        </p:txBody>
-      </p:sp>
-      <p:sp>
-        <p:nvSpPr>
-          <p:cNvPr id="31" name="PlaceHolder 5"/>
+            <a:endParaRPr b="0" lang="pt-BR" sz="2800" spc="-1" strike="noStrike">
+              <a:solidFill>
+                <a:srgbClr val="000000"/>
+              </a:solidFill>
+              <a:latin typeface="Arial"/>
+            </a:endParaRPr>
+          </a:p>
+        </p:txBody>
+      </p:sp>
+      <p:sp>
+        <p:nvSpPr>
+          <p:cNvPr id="32" name="PlaceHolder 5"/>
           <p:cNvSpPr>
             <a:spLocks noGrp="1"/>
           </p:cNvSpPr>
@@ -321,7 +343,10 @@
             <a:normAutofit/>
           </a:bodyPr>
           <a:p>
-            <a:endParaRPr b="0" lang="pt-BR" sz="3200" spc="-1" strike="noStrike">
+            <a:endParaRPr b="0" lang="pt-BR" sz="2800" spc="-1" strike="noStrike">
+              <a:solidFill>
+                <a:srgbClr val="000000"/>
+              </a:solidFill>
               <a:latin typeface="Arial"/>
             </a:endParaRPr>
           </a:p>
@@ -351,7 +376,7 @@
       </p:grpSpPr>
       <p:sp>
         <p:nvSpPr>
-          <p:cNvPr id="32" name="PlaceHolder 1"/>
+          <p:cNvPr id="33" name="PlaceHolder 1"/>
           <p:cNvSpPr>
             <a:spLocks noGrp="1"/>
           </p:cNvSpPr>
@@ -373,16 +398,18 @@
             <a:noAutofit/>
           </a:bodyPr>
           <a:p>
-            <a:pPr algn="ctr"/>
-            <a:endParaRPr b="0" lang="pt-BR" sz="4400" spc="-1" strike="noStrike">
-              <a:latin typeface="Arial"/>
-            </a:endParaRPr>
-          </a:p>
-        </p:txBody>
-      </p:sp>
-      <p:sp>
-        <p:nvSpPr>
-          <p:cNvPr id="33" name="PlaceHolder 2"/>
+            <a:endParaRPr b="0" lang="pt-BR" sz="1800" spc="-1" strike="noStrike">
+              <a:solidFill>
+                <a:srgbClr val="000000"/>
+              </a:solidFill>
+              <a:latin typeface="Arial"/>
+            </a:endParaRPr>
+          </a:p>
+        </p:txBody>
+      </p:sp>
+      <p:sp>
+        <p:nvSpPr>
+          <p:cNvPr id="34" name="PlaceHolder 2"/>
           <p:cNvSpPr>
             <a:spLocks noGrp="1"/>
           </p:cNvSpPr>
@@ -404,15 +431,18 @@
             <a:normAutofit/>
           </a:bodyPr>
           <a:p>
-            <a:endParaRPr b="0" lang="pt-BR" sz="3200" spc="-1" strike="noStrike">
-              <a:latin typeface="Arial"/>
-            </a:endParaRPr>
-          </a:p>
-        </p:txBody>
-      </p:sp>
-      <p:sp>
-        <p:nvSpPr>
-          <p:cNvPr id="34" name="PlaceHolder 3"/>
+            <a:endParaRPr b="0" lang="pt-BR" sz="2800" spc="-1" strike="noStrike">
+              <a:solidFill>
+                <a:srgbClr val="000000"/>
+              </a:solidFill>
+              <a:latin typeface="Arial"/>
+            </a:endParaRPr>
+          </a:p>
+        </p:txBody>
+      </p:sp>
+      <p:sp>
+        <p:nvSpPr>
+          <p:cNvPr id="35" name="PlaceHolder 3"/>
           <p:cNvSpPr>
             <a:spLocks noGrp="1"/>
           </p:cNvSpPr>
@@ -434,15 +464,18 @@
             <a:normAutofit/>
           </a:bodyPr>
           <a:p>
-            <a:endParaRPr b="0" lang="pt-BR" sz="3200" spc="-1" strike="noStrike">
-              <a:latin typeface="Arial"/>
-            </a:endParaRPr>
-          </a:p>
-        </p:txBody>
-      </p:sp>
-      <p:sp>
-        <p:nvSpPr>
-          <p:cNvPr id="35" name="PlaceHolder 4"/>
+            <a:endParaRPr b="0" lang="pt-BR" sz="2800" spc="-1" strike="noStrike">
+              <a:solidFill>
+                <a:srgbClr val="000000"/>
+              </a:solidFill>
+              <a:latin typeface="Arial"/>
+            </a:endParaRPr>
+          </a:p>
+        </p:txBody>
+      </p:sp>
+      <p:sp>
+        <p:nvSpPr>
+          <p:cNvPr id="36" name="PlaceHolder 4"/>
           <p:cNvSpPr>
             <a:spLocks noGrp="1"/>
           </p:cNvSpPr>
@@ -464,15 +497,18 @@
             <a:normAutofit/>
           </a:bodyPr>
           <a:p>
-            <a:endParaRPr b="0" lang="pt-BR" sz="3200" spc="-1" strike="noStrike">
-              <a:latin typeface="Arial"/>
-            </a:endParaRPr>
-          </a:p>
-        </p:txBody>
-      </p:sp>
-      <p:sp>
-        <p:nvSpPr>
-          <p:cNvPr id="36" name="PlaceHolder 5"/>
+            <a:endParaRPr b="0" lang="pt-BR" sz="2800" spc="-1" strike="noStrike">
+              <a:solidFill>
+                <a:srgbClr val="000000"/>
+              </a:solidFill>
+              <a:latin typeface="Arial"/>
+            </a:endParaRPr>
+          </a:p>
+        </p:txBody>
+      </p:sp>
+      <p:sp>
+        <p:nvSpPr>
+          <p:cNvPr id="37" name="PlaceHolder 5"/>
           <p:cNvSpPr>
             <a:spLocks noGrp="1"/>
           </p:cNvSpPr>
@@ -494,15 +530,18 @@
             <a:normAutofit/>
           </a:bodyPr>
           <a:p>
-            <a:endParaRPr b="0" lang="pt-BR" sz="3200" spc="-1" strike="noStrike">
-              <a:latin typeface="Arial"/>
-            </a:endParaRPr>
-          </a:p>
-        </p:txBody>
-      </p:sp>
-      <p:sp>
-        <p:nvSpPr>
-          <p:cNvPr id="37" name="PlaceHolder 6"/>
+            <a:endParaRPr b="0" lang="pt-BR" sz="2800" spc="-1" strike="noStrike">
+              <a:solidFill>
+                <a:srgbClr val="000000"/>
+              </a:solidFill>
+              <a:latin typeface="Arial"/>
+            </a:endParaRPr>
+          </a:p>
+        </p:txBody>
+      </p:sp>
+      <p:sp>
+        <p:nvSpPr>
+          <p:cNvPr id="38" name="PlaceHolder 6"/>
           <p:cNvSpPr>
             <a:spLocks noGrp="1"/>
           </p:cNvSpPr>
@@ -524,15 +563,18 @@
             <a:normAutofit/>
           </a:bodyPr>
           <a:p>
-            <a:endParaRPr b="0" lang="pt-BR" sz="3200" spc="-1" strike="noStrike">
-              <a:latin typeface="Arial"/>
-            </a:endParaRPr>
-          </a:p>
-        </p:txBody>
-      </p:sp>
-      <p:sp>
-        <p:nvSpPr>
-          <p:cNvPr id="38" name="PlaceHolder 7"/>
+            <a:endParaRPr b="0" lang="pt-BR" sz="2800" spc="-1" strike="noStrike">
+              <a:solidFill>
+                <a:srgbClr val="000000"/>
+              </a:solidFill>
+              <a:latin typeface="Arial"/>
+            </a:endParaRPr>
+          </a:p>
+        </p:txBody>
+      </p:sp>
+      <p:sp>
+        <p:nvSpPr>
+          <p:cNvPr id="39" name="PlaceHolder 7"/>
           <p:cNvSpPr>
             <a:spLocks noGrp="1"/>
           </p:cNvSpPr>
@@ -554,7 +596,10 @@
             <a:normAutofit/>
           </a:bodyPr>
           <a:p>
-            <a:endParaRPr b="0" lang="pt-BR" sz="3200" spc="-1" strike="noStrike">
+            <a:endParaRPr b="0" lang="pt-BR" sz="2800" spc="-1" strike="noStrike">
+              <a:solidFill>
+                <a:srgbClr val="000000"/>
+              </a:solidFill>
               <a:latin typeface="Arial"/>
             </a:endParaRPr>
           </a:p>
@@ -606,7 +651,7 @@
       </p:grpSpPr>
       <p:sp>
         <p:nvSpPr>
-          <p:cNvPr id="42" name="PlaceHolder 1"/>
+          <p:cNvPr id="44" name="PlaceHolder 1"/>
           <p:cNvSpPr>
             <a:spLocks noGrp="1"/>
           </p:cNvSpPr>
@@ -628,16 +673,18 @@
             <a:noAutofit/>
           </a:bodyPr>
           <a:p>
-            <a:pPr algn="ctr"/>
-            <a:endParaRPr b="0" lang="pt-BR" sz="4400" spc="-1" strike="noStrike">
-              <a:latin typeface="Arial"/>
-            </a:endParaRPr>
-          </a:p>
-        </p:txBody>
-      </p:sp>
-      <p:sp>
-        <p:nvSpPr>
-          <p:cNvPr id="43" name="PlaceHolder 2"/>
+            <a:endParaRPr b="0" lang="pt-BR" sz="1800" spc="-1" strike="noStrike">
+              <a:solidFill>
+                <a:srgbClr val="000000"/>
+              </a:solidFill>
+              <a:latin typeface="Arial"/>
+            </a:endParaRPr>
+          </a:p>
+        </p:txBody>
+      </p:sp>
+      <p:sp>
+        <p:nvSpPr>
+          <p:cNvPr id="45" name="PlaceHolder 2"/>
           <p:cNvSpPr>
             <a:spLocks noGrp="1"/>
           </p:cNvSpPr>
@@ -690,7 +737,7 @@
       </p:grpSpPr>
       <p:sp>
         <p:nvSpPr>
-          <p:cNvPr id="44" name="PlaceHolder 1"/>
+          <p:cNvPr id="46" name="PlaceHolder 1"/>
           <p:cNvSpPr>
             <a:spLocks noGrp="1"/>
           </p:cNvSpPr>
@@ -712,16 +759,18 @@
             <a:noAutofit/>
           </a:bodyPr>
           <a:p>
-            <a:pPr algn="ctr"/>
-            <a:endParaRPr b="0" lang="pt-BR" sz="4400" spc="-1" strike="noStrike">
-              <a:latin typeface="Arial"/>
-            </a:endParaRPr>
-          </a:p>
-        </p:txBody>
-      </p:sp>
-      <p:sp>
-        <p:nvSpPr>
-          <p:cNvPr id="45" name="PlaceHolder 2"/>
+            <a:endParaRPr b="0" lang="pt-BR" sz="1800" spc="-1" strike="noStrike">
+              <a:solidFill>
+                <a:srgbClr val="000000"/>
+              </a:solidFill>
+              <a:latin typeface="Arial"/>
+            </a:endParaRPr>
+          </a:p>
+        </p:txBody>
+      </p:sp>
+      <p:sp>
+        <p:nvSpPr>
+          <p:cNvPr id="47" name="PlaceHolder 2"/>
           <p:cNvSpPr>
             <a:spLocks noGrp="1"/>
           </p:cNvSpPr>
@@ -743,7 +792,10 @@
             <a:normAutofit/>
           </a:bodyPr>
           <a:p>
-            <a:endParaRPr b="0" lang="pt-BR" sz="3200" spc="-1" strike="noStrike">
+            <a:endParaRPr b="0" lang="pt-BR" sz="2800" spc="-1" strike="noStrike">
+              <a:solidFill>
+                <a:srgbClr val="000000"/>
+              </a:solidFill>
               <a:latin typeface="Arial"/>
             </a:endParaRPr>
           </a:p>
@@ -773,7 +825,7 @@
       </p:grpSpPr>
       <p:sp>
         <p:nvSpPr>
-          <p:cNvPr id="46" name="PlaceHolder 1"/>
+          <p:cNvPr id="48" name="PlaceHolder 1"/>
           <p:cNvSpPr>
             <a:spLocks noGrp="1"/>
           </p:cNvSpPr>
@@ -795,16 +847,18 @@
             <a:noAutofit/>
           </a:bodyPr>
           <a:p>
-            <a:pPr algn="ctr"/>
-            <a:endParaRPr b="0" lang="pt-BR" sz="4400" spc="-1" strike="noStrike">
-              <a:latin typeface="Arial"/>
-            </a:endParaRPr>
-          </a:p>
-        </p:txBody>
-      </p:sp>
-      <p:sp>
-        <p:nvSpPr>
-          <p:cNvPr id="47" name="PlaceHolder 2"/>
+            <a:endParaRPr b="0" lang="pt-BR" sz="1800" spc="-1" strike="noStrike">
+              <a:solidFill>
+                <a:srgbClr val="000000"/>
+              </a:solidFill>
+              <a:latin typeface="Arial"/>
+            </a:endParaRPr>
+          </a:p>
+        </p:txBody>
+      </p:sp>
+      <p:sp>
+        <p:nvSpPr>
+          <p:cNvPr id="49" name="PlaceHolder 2"/>
           <p:cNvSpPr>
             <a:spLocks noGrp="1"/>
           </p:cNvSpPr>
@@ -826,15 +880,18 @@
             <a:normAutofit/>
           </a:bodyPr>
           <a:p>
-            <a:endParaRPr b="0" lang="pt-BR" sz="3200" spc="-1" strike="noStrike">
-              <a:latin typeface="Arial"/>
-            </a:endParaRPr>
-          </a:p>
-        </p:txBody>
-      </p:sp>
-      <p:sp>
-        <p:nvSpPr>
-          <p:cNvPr id="48" name="PlaceHolder 3"/>
+            <a:endParaRPr b="0" lang="pt-BR" sz="2800" spc="-1" strike="noStrike">
+              <a:solidFill>
+                <a:srgbClr val="000000"/>
+              </a:solidFill>
+              <a:latin typeface="Arial"/>
+            </a:endParaRPr>
+          </a:p>
+        </p:txBody>
+      </p:sp>
+      <p:sp>
+        <p:nvSpPr>
+          <p:cNvPr id="50" name="PlaceHolder 3"/>
           <p:cNvSpPr>
             <a:spLocks noGrp="1"/>
           </p:cNvSpPr>
@@ -856,7 +913,10 @@
             <a:normAutofit/>
           </a:bodyPr>
           <a:p>
-            <a:endParaRPr b="0" lang="pt-BR" sz="3200" spc="-1" strike="noStrike">
+            <a:endParaRPr b="0" lang="pt-BR" sz="2800" spc="-1" strike="noStrike">
+              <a:solidFill>
+                <a:srgbClr val="000000"/>
+              </a:solidFill>
               <a:latin typeface="Arial"/>
             </a:endParaRPr>
           </a:p>
@@ -886,7 +946,7 @@
       </p:grpSpPr>
       <p:sp>
         <p:nvSpPr>
-          <p:cNvPr id="49" name="PlaceHolder 1"/>
+          <p:cNvPr id="51" name="PlaceHolder 1"/>
           <p:cNvSpPr>
             <a:spLocks noGrp="1"/>
           </p:cNvSpPr>
@@ -908,8 +968,10 @@
             <a:noAutofit/>
           </a:bodyPr>
           <a:p>
-            <a:pPr algn="ctr"/>
-            <a:endParaRPr b="0" lang="pt-BR" sz="4400" spc="-1" strike="noStrike">
+            <a:endParaRPr b="0" lang="pt-BR" sz="1800" spc="-1" strike="noStrike">
+              <a:solidFill>
+                <a:srgbClr val="000000"/>
+              </a:solidFill>
               <a:latin typeface="Arial"/>
             </a:endParaRPr>
           </a:p>
@@ -939,7 +1001,7 @@
       </p:grpSpPr>
       <p:sp>
         <p:nvSpPr>
-          <p:cNvPr id="50" name="PlaceHolder 1"/>
+          <p:cNvPr id="52" name="PlaceHolder 1"/>
           <p:cNvSpPr>
             <a:spLocks noGrp="1"/>
           </p:cNvSpPr>
@@ -992,7 +1054,7 @@
       </p:grpSpPr>
       <p:sp>
         <p:nvSpPr>
-          <p:cNvPr id="51" name="PlaceHolder 1"/>
+          <p:cNvPr id="53" name="PlaceHolder 1"/>
           <p:cNvSpPr>
             <a:spLocks noGrp="1"/>
           </p:cNvSpPr>
@@ -1014,16 +1076,18 @@
             <a:noAutofit/>
           </a:bodyPr>
           <a:p>
-            <a:pPr algn="ctr"/>
-            <a:endParaRPr b="0" lang="pt-BR" sz="4400" spc="-1" strike="noStrike">
-              <a:latin typeface="Arial"/>
-            </a:endParaRPr>
-          </a:p>
-        </p:txBody>
-      </p:sp>
-      <p:sp>
-        <p:nvSpPr>
-          <p:cNvPr id="52" name="PlaceHolder 2"/>
+            <a:endParaRPr b="0" lang="pt-BR" sz="1800" spc="-1" strike="noStrike">
+              <a:solidFill>
+                <a:srgbClr val="000000"/>
+              </a:solidFill>
+              <a:latin typeface="Arial"/>
+            </a:endParaRPr>
+          </a:p>
+        </p:txBody>
+      </p:sp>
+      <p:sp>
+        <p:nvSpPr>
+          <p:cNvPr id="54" name="PlaceHolder 2"/>
           <p:cNvSpPr>
             <a:spLocks noGrp="1"/>
           </p:cNvSpPr>
@@ -1045,15 +1109,18 @@
             <a:normAutofit/>
           </a:bodyPr>
           <a:p>
-            <a:endParaRPr b="0" lang="pt-BR" sz="3200" spc="-1" strike="noStrike">
-              <a:latin typeface="Arial"/>
-            </a:endParaRPr>
-          </a:p>
-        </p:txBody>
-      </p:sp>
-      <p:sp>
-        <p:nvSpPr>
-          <p:cNvPr id="53" name="PlaceHolder 3"/>
+            <a:endParaRPr b="0" lang="pt-BR" sz="2800" spc="-1" strike="noStrike">
+              <a:solidFill>
+                <a:srgbClr val="000000"/>
+              </a:solidFill>
+              <a:latin typeface="Arial"/>
+            </a:endParaRPr>
+          </a:p>
+        </p:txBody>
+      </p:sp>
+      <p:sp>
+        <p:nvSpPr>
+          <p:cNvPr id="55" name="PlaceHolder 3"/>
           <p:cNvSpPr>
             <a:spLocks noGrp="1"/>
           </p:cNvSpPr>
@@ -1075,15 +1142,18 @@
             <a:normAutofit/>
           </a:bodyPr>
           <a:p>
-            <a:endParaRPr b="0" lang="pt-BR" sz="3200" spc="-1" strike="noStrike">
-              <a:latin typeface="Arial"/>
-            </a:endParaRPr>
-          </a:p>
-        </p:txBody>
-      </p:sp>
-      <p:sp>
-        <p:nvSpPr>
-          <p:cNvPr id="54" name="PlaceHolder 4"/>
+            <a:endParaRPr b="0" lang="pt-BR" sz="2800" spc="-1" strike="noStrike">
+              <a:solidFill>
+                <a:srgbClr val="000000"/>
+              </a:solidFill>
+              <a:latin typeface="Arial"/>
+            </a:endParaRPr>
+          </a:p>
+        </p:txBody>
+      </p:sp>
+      <p:sp>
+        <p:nvSpPr>
+          <p:cNvPr id="56" name="PlaceHolder 4"/>
           <p:cNvSpPr>
             <a:spLocks noGrp="1"/>
           </p:cNvSpPr>
@@ -1105,7 +1175,10 @@
             <a:normAutofit/>
           </a:bodyPr>
           <a:p>
-            <a:endParaRPr b="0" lang="pt-BR" sz="3200" spc="-1" strike="noStrike">
+            <a:endParaRPr b="0" lang="pt-BR" sz="2800" spc="-1" strike="noStrike">
+              <a:solidFill>
+                <a:srgbClr val="000000"/>
+              </a:solidFill>
               <a:latin typeface="Arial"/>
             </a:endParaRPr>
           </a:p>
@@ -1135,7 +1208,7 @@
       </p:grpSpPr>
       <p:sp>
         <p:nvSpPr>
-          <p:cNvPr id="3" name="PlaceHolder 1"/>
+          <p:cNvPr id="4" name="PlaceHolder 1"/>
           <p:cNvSpPr>
             <a:spLocks noGrp="1"/>
           </p:cNvSpPr>
@@ -1157,16 +1230,18 @@
             <a:noAutofit/>
           </a:bodyPr>
           <a:p>
-            <a:pPr algn="ctr"/>
-            <a:endParaRPr b="0" lang="pt-BR" sz="4400" spc="-1" strike="noStrike">
-              <a:latin typeface="Arial"/>
-            </a:endParaRPr>
-          </a:p>
-        </p:txBody>
-      </p:sp>
-      <p:sp>
-        <p:nvSpPr>
-          <p:cNvPr id="4" name="PlaceHolder 2"/>
+            <a:endParaRPr b="0" lang="pt-BR" sz="1800" spc="-1" strike="noStrike">
+              <a:solidFill>
+                <a:srgbClr val="000000"/>
+              </a:solidFill>
+              <a:latin typeface="Arial"/>
+            </a:endParaRPr>
+          </a:p>
+        </p:txBody>
+      </p:sp>
+      <p:sp>
+        <p:nvSpPr>
+          <p:cNvPr id="5" name="PlaceHolder 2"/>
           <p:cNvSpPr>
             <a:spLocks noGrp="1"/>
           </p:cNvSpPr>
@@ -1219,7 +1294,7 @@
       </p:grpSpPr>
       <p:sp>
         <p:nvSpPr>
-          <p:cNvPr id="55" name="PlaceHolder 1"/>
+          <p:cNvPr id="57" name="PlaceHolder 1"/>
           <p:cNvSpPr>
             <a:spLocks noGrp="1"/>
           </p:cNvSpPr>
@@ -1241,16 +1316,18 @@
             <a:noAutofit/>
           </a:bodyPr>
           <a:p>
-            <a:pPr algn="ctr"/>
-            <a:endParaRPr b="0" lang="pt-BR" sz="4400" spc="-1" strike="noStrike">
-              <a:latin typeface="Arial"/>
-            </a:endParaRPr>
-          </a:p>
-        </p:txBody>
-      </p:sp>
-      <p:sp>
-        <p:nvSpPr>
-          <p:cNvPr id="56" name="PlaceHolder 2"/>
+            <a:endParaRPr b="0" lang="pt-BR" sz="1800" spc="-1" strike="noStrike">
+              <a:solidFill>
+                <a:srgbClr val="000000"/>
+              </a:solidFill>
+              <a:latin typeface="Arial"/>
+            </a:endParaRPr>
+          </a:p>
+        </p:txBody>
+      </p:sp>
+      <p:sp>
+        <p:nvSpPr>
+          <p:cNvPr id="58" name="PlaceHolder 2"/>
           <p:cNvSpPr>
             <a:spLocks noGrp="1"/>
           </p:cNvSpPr>
@@ -1272,15 +1349,18 @@
             <a:normAutofit/>
           </a:bodyPr>
           <a:p>
-            <a:endParaRPr b="0" lang="pt-BR" sz="3200" spc="-1" strike="noStrike">
-              <a:latin typeface="Arial"/>
-            </a:endParaRPr>
-          </a:p>
-        </p:txBody>
-      </p:sp>
-      <p:sp>
-        <p:nvSpPr>
-          <p:cNvPr id="57" name="PlaceHolder 3"/>
+            <a:endParaRPr b="0" lang="pt-BR" sz="2800" spc="-1" strike="noStrike">
+              <a:solidFill>
+                <a:srgbClr val="000000"/>
+              </a:solidFill>
+              <a:latin typeface="Arial"/>
+            </a:endParaRPr>
+          </a:p>
+        </p:txBody>
+      </p:sp>
+      <p:sp>
+        <p:nvSpPr>
+          <p:cNvPr id="59" name="PlaceHolder 3"/>
           <p:cNvSpPr>
             <a:spLocks noGrp="1"/>
           </p:cNvSpPr>
@@ -1302,15 +1382,18 @@
             <a:normAutofit/>
           </a:bodyPr>
           <a:p>
-            <a:endParaRPr b="0" lang="pt-BR" sz="3200" spc="-1" strike="noStrike">
-              <a:latin typeface="Arial"/>
-            </a:endParaRPr>
-          </a:p>
-        </p:txBody>
-      </p:sp>
-      <p:sp>
-        <p:nvSpPr>
-          <p:cNvPr id="58" name="PlaceHolder 4"/>
+            <a:endParaRPr b="0" lang="pt-BR" sz="2800" spc="-1" strike="noStrike">
+              <a:solidFill>
+                <a:srgbClr val="000000"/>
+              </a:solidFill>
+              <a:latin typeface="Arial"/>
+            </a:endParaRPr>
+          </a:p>
+        </p:txBody>
+      </p:sp>
+      <p:sp>
+        <p:nvSpPr>
+          <p:cNvPr id="60" name="PlaceHolder 4"/>
           <p:cNvSpPr>
             <a:spLocks noGrp="1"/>
           </p:cNvSpPr>
@@ -1332,7 +1415,10 @@
             <a:normAutofit/>
           </a:bodyPr>
           <a:p>
-            <a:endParaRPr b="0" lang="pt-BR" sz="3200" spc="-1" strike="noStrike">
+            <a:endParaRPr b="0" lang="pt-BR" sz="2800" spc="-1" strike="noStrike">
+              <a:solidFill>
+                <a:srgbClr val="000000"/>
+              </a:solidFill>
               <a:latin typeface="Arial"/>
             </a:endParaRPr>
           </a:p>
@@ -1362,7 +1448,7 @@
       </p:grpSpPr>
       <p:sp>
         <p:nvSpPr>
-          <p:cNvPr id="59" name="PlaceHolder 1"/>
+          <p:cNvPr id="61" name="PlaceHolder 1"/>
           <p:cNvSpPr>
             <a:spLocks noGrp="1"/>
           </p:cNvSpPr>
@@ -1384,16 +1470,18 @@
             <a:noAutofit/>
           </a:bodyPr>
           <a:p>
-            <a:pPr algn="ctr"/>
-            <a:endParaRPr b="0" lang="pt-BR" sz="4400" spc="-1" strike="noStrike">
-              <a:latin typeface="Arial"/>
-            </a:endParaRPr>
-          </a:p>
-        </p:txBody>
-      </p:sp>
-      <p:sp>
-        <p:nvSpPr>
-          <p:cNvPr id="60" name="PlaceHolder 2"/>
+            <a:endParaRPr b="0" lang="pt-BR" sz="1800" spc="-1" strike="noStrike">
+              <a:solidFill>
+                <a:srgbClr val="000000"/>
+              </a:solidFill>
+              <a:latin typeface="Arial"/>
+            </a:endParaRPr>
+          </a:p>
+        </p:txBody>
+      </p:sp>
+      <p:sp>
+        <p:nvSpPr>
+          <p:cNvPr id="62" name="PlaceHolder 2"/>
           <p:cNvSpPr>
             <a:spLocks noGrp="1"/>
           </p:cNvSpPr>
@@ -1415,15 +1503,18 @@
             <a:normAutofit/>
           </a:bodyPr>
           <a:p>
-            <a:endParaRPr b="0" lang="pt-BR" sz="3200" spc="-1" strike="noStrike">
-              <a:latin typeface="Arial"/>
-            </a:endParaRPr>
-          </a:p>
-        </p:txBody>
-      </p:sp>
-      <p:sp>
-        <p:nvSpPr>
-          <p:cNvPr id="61" name="PlaceHolder 3"/>
+            <a:endParaRPr b="0" lang="pt-BR" sz="2800" spc="-1" strike="noStrike">
+              <a:solidFill>
+                <a:srgbClr val="000000"/>
+              </a:solidFill>
+              <a:latin typeface="Arial"/>
+            </a:endParaRPr>
+          </a:p>
+        </p:txBody>
+      </p:sp>
+      <p:sp>
+        <p:nvSpPr>
+          <p:cNvPr id="63" name="PlaceHolder 3"/>
           <p:cNvSpPr>
             <a:spLocks noGrp="1"/>
           </p:cNvSpPr>
@@ -1445,15 +1536,18 @@
             <a:normAutofit/>
           </a:bodyPr>
           <a:p>
-            <a:endParaRPr b="0" lang="pt-BR" sz="3200" spc="-1" strike="noStrike">
-              <a:latin typeface="Arial"/>
-            </a:endParaRPr>
-          </a:p>
-        </p:txBody>
-      </p:sp>
-      <p:sp>
-        <p:nvSpPr>
-          <p:cNvPr id="62" name="PlaceHolder 4"/>
+            <a:endParaRPr b="0" lang="pt-BR" sz="2800" spc="-1" strike="noStrike">
+              <a:solidFill>
+                <a:srgbClr val="000000"/>
+              </a:solidFill>
+              <a:latin typeface="Arial"/>
+            </a:endParaRPr>
+          </a:p>
+        </p:txBody>
+      </p:sp>
+      <p:sp>
+        <p:nvSpPr>
+          <p:cNvPr id="64" name="PlaceHolder 4"/>
           <p:cNvSpPr>
             <a:spLocks noGrp="1"/>
           </p:cNvSpPr>
@@ -1475,7 +1569,10 @@
             <a:normAutofit/>
           </a:bodyPr>
           <a:p>
-            <a:endParaRPr b="0" lang="pt-BR" sz="3200" spc="-1" strike="noStrike">
+            <a:endParaRPr b="0" lang="pt-BR" sz="2800" spc="-1" strike="noStrike">
+              <a:solidFill>
+                <a:srgbClr val="000000"/>
+              </a:solidFill>
               <a:latin typeface="Arial"/>
             </a:endParaRPr>
           </a:p>
@@ -1505,7 +1602,7 @@
       </p:grpSpPr>
       <p:sp>
         <p:nvSpPr>
-          <p:cNvPr id="63" name="PlaceHolder 1"/>
+          <p:cNvPr id="65" name="PlaceHolder 1"/>
           <p:cNvSpPr>
             <a:spLocks noGrp="1"/>
           </p:cNvSpPr>
@@ -1527,16 +1624,18 @@
             <a:noAutofit/>
           </a:bodyPr>
           <a:p>
-            <a:pPr algn="ctr"/>
-            <a:endParaRPr b="0" lang="pt-BR" sz="4400" spc="-1" strike="noStrike">
-              <a:latin typeface="Arial"/>
-            </a:endParaRPr>
-          </a:p>
-        </p:txBody>
-      </p:sp>
-      <p:sp>
-        <p:nvSpPr>
-          <p:cNvPr id="64" name="PlaceHolder 2"/>
+            <a:endParaRPr b="0" lang="pt-BR" sz="1800" spc="-1" strike="noStrike">
+              <a:solidFill>
+                <a:srgbClr val="000000"/>
+              </a:solidFill>
+              <a:latin typeface="Arial"/>
+            </a:endParaRPr>
+          </a:p>
+        </p:txBody>
+      </p:sp>
+      <p:sp>
+        <p:nvSpPr>
+          <p:cNvPr id="66" name="PlaceHolder 2"/>
           <p:cNvSpPr>
             <a:spLocks noGrp="1"/>
           </p:cNvSpPr>
@@ -1558,15 +1657,18 @@
             <a:normAutofit/>
           </a:bodyPr>
           <a:p>
-            <a:endParaRPr b="0" lang="pt-BR" sz="3200" spc="-1" strike="noStrike">
-              <a:latin typeface="Arial"/>
-            </a:endParaRPr>
-          </a:p>
-        </p:txBody>
-      </p:sp>
-      <p:sp>
-        <p:nvSpPr>
-          <p:cNvPr id="65" name="PlaceHolder 3"/>
+            <a:endParaRPr b="0" lang="pt-BR" sz="2800" spc="-1" strike="noStrike">
+              <a:solidFill>
+                <a:srgbClr val="000000"/>
+              </a:solidFill>
+              <a:latin typeface="Arial"/>
+            </a:endParaRPr>
+          </a:p>
+        </p:txBody>
+      </p:sp>
+      <p:sp>
+        <p:nvSpPr>
+          <p:cNvPr id="67" name="PlaceHolder 3"/>
           <p:cNvSpPr>
             <a:spLocks noGrp="1"/>
           </p:cNvSpPr>
@@ -1588,7 +1690,10 @@
             <a:normAutofit/>
           </a:bodyPr>
           <a:p>
-            <a:endParaRPr b="0" lang="pt-BR" sz="3200" spc="-1" strike="noStrike">
+            <a:endParaRPr b="0" lang="pt-BR" sz="2800" spc="-1" strike="noStrike">
+              <a:solidFill>
+                <a:srgbClr val="000000"/>
+              </a:solidFill>
               <a:latin typeface="Arial"/>
             </a:endParaRPr>
           </a:p>
@@ -1618,7 +1723,7 @@
       </p:grpSpPr>
       <p:sp>
         <p:nvSpPr>
-          <p:cNvPr id="66" name="PlaceHolder 1"/>
+          <p:cNvPr id="68" name="PlaceHolder 1"/>
           <p:cNvSpPr>
             <a:spLocks noGrp="1"/>
           </p:cNvSpPr>
@@ -1640,16 +1745,18 @@
             <a:noAutofit/>
           </a:bodyPr>
           <a:p>
-            <a:pPr algn="ctr"/>
-            <a:endParaRPr b="0" lang="pt-BR" sz="4400" spc="-1" strike="noStrike">
-              <a:latin typeface="Arial"/>
-            </a:endParaRPr>
-          </a:p>
-        </p:txBody>
-      </p:sp>
-      <p:sp>
-        <p:nvSpPr>
-          <p:cNvPr id="67" name="PlaceHolder 2"/>
+            <a:endParaRPr b="0" lang="pt-BR" sz="1800" spc="-1" strike="noStrike">
+              <a:solidFill>
+                <a:srgbClr val="000000"/>
+              </a:solidFill>
+              <a:latin typeface="Arial"/>
+            </a:endParaRPr>
+          </a:p>
+        </p:txBody>
+      </p:sp>
+      <p:sp>
+        <p:nvSpPr>
+          <p:cNvPr id="69" name="PlaceHolder 2"/>
           <p:cNvSpPr>
             <a:spLocks noGrp="1"/>
           </p:cNvSpPr>
@@ -1671,15 +1778,18 @@
             <a:normAutofit/>
           </a:bodyPr>
           <a:p>
-            <a:endParaRPr b="0" lang="pt-BR" sz="3200" spc="-1" strike="noStrike">
-              <a:latin typeface="Arial"/>
-            </a:endParaRPr>
-          </a:p>
-        </p:txBody>
-      </p:sp>
-      <p:sp>
-        <p:nvSpPr>
-          <p:cNvPr id="68" name="PlaceHolder 3"/>
+            <a:endParaRPr b="0" lang="pt-BR" sz="2800" spc="-1" strike="noStrike">
+              <a:solidFill>
+                <a:srgbClr val="000000"/>
+              </a:solidFill>
+              <a:latin typeface="Arial"/>
+            </a:endParaRPr>
+          </a:p>
+        </p:txBody>
+      </p:sp>
+      <p:sp>
+        <p:nvSpPr>
+          <p:cNvPr id="70" name="PlaceHolder 3"/>
           <p:cNvSpPr>
             <a:spLocks noGrp="1"/>
           </p:cNvSpPr>
@@ -1701,15 +1811,18 @@
             <a:normAutofit/>
           </a:bodyPr>
           <a:p>
-            <a:endParaRPr b="0" lang="pt-BR" sz="3200" spc="-1" strike="noStrike">
-              <a:latin typeface="Arial"/>
-            </a:endParaRPr>
-          </a:p>
-        </p:txBody>
-      </p:sp>
-      <p:sp>
-        <p:nvSpPr>
-          <p:cNvPr id="69" name="PlaceHolder 4"/>
+            <a:endParaRPr b="0" lang="pt-BR" sz="2800" spc="-1" strike="noStrike">
+              <a:solidFill>
+                <a:srgbClr val="000000"/>
+              </a:solidFill>
+              <a:latin typeface="Arial"/>
+            </a:endParaRPr>
+          </a:p>
+        </p:txBody>
+      </p:sp>
+      <p:sp>
+        <p:nvSpPr>
+          <p:cNvPr id="71" name="PlaceHolder 4"/>
           <p:cNvSpPr>
             <a:spLocks noGrp="1"/>
           </p:cNvSpPr>
@@ -1731,15 +1844,18 @@
             <a:normAutofit/>
           </a:bodyPr>
           <a:p>
-            <a:endParaRPr b="0" lang="pt-BR" sz="3200" spc="-1" strike="noStrike">
-              <a:latin typeface="Arial"/>
-            </a:endParaRPr>
-          </a:p>
-        </p:txBody>
-      </p:sp>
-      <p:sp>
-        <p:nvSpPr>
-          <p:cNvPr id="70" name="PlaceHolder 5"/>
+            <a:endParaRPr b="0" lang="pt-BR" sz="2800" spc="-1" strike="noStrike">
+              <a:solidFill>
+                <a:srgbClr val="000000"/>
+              </a:solidFill>
+              <a:latin typeface="Arial"/>
+            </a:endParaRPr>
+          </a:p>
+        </p:txBody>
+      </p:sp>
+      <p:sp>
+        <p:nvSpPr>
+          <p:cNvPr id="72" name="PlaceHolder 5"/>
           <p:cNvSpPr>
             <a:spLocks noGrp="1"/>
           </p:cNvSpPr>
@@ -1761,7 +1877,10 @@
             <a:normAutofit/>
           </a:bodyPr>
           <a:p>
-            <a:endParaRPr b="0" lang="pt-BR" sz="3200" spc="-1" strike="noStrike">
+            <a:endParaRPr b="0" lang="pt-BR" sz="2800" spc="-1" strike="noStrike">
+              <a:solidFill>
+                <a:srgbClr val="000000"/>
+              </a:solidFill>
               <a:latin typeface="Arial"/>
             </a:endParaRPr>
           </a:p>
@@ -1791,7 +1910,7 @@
       </p:grpSpPr>
       <p:sp>
         <p:nvSpPr>
-          <p:cNvPr id="71" name="PlaceHolder 1"/>
+          <p:cNvPr id="73" name="PlaceHolder 1"/>
           <p:cNvSpPr>
             <a:spLocks noGrp="1"/>
           </p:cNvSpPr>
@@ -1813,16 +1932,18 @@
             <a:noAutofit/>
           </a:bodyPr>
           <a:p>
-            <a:pPr algn="ctr"/>
-            <a:endParaRPr b="0" lang="pt-BR" sz="4400" spc="-1" strike="noStrike">
-              <a:latin typeface="Arial"/>
-            </a:endParaRPr>
-          </a:p>
-        </p:txBody>
-      </p:sp>
-      <p:sp>
-        <p:nvSpPr>
-          <p:cNvPr id="72" name="PlaceHolder 2"/>
+            <a:endParaRPr b="0" lang="pt-BR" sz="1800" spc="-1" strike="noStrike">
+              <a:solidFill>
+                <a:srgbClr val="000000"/>
+              </a:solidFill>
+              <a:latin typeface="Arial"/>
+            </a:endParaRPr>
+          </a:p>
+        </p:txBody>
+      </p:sp>
+      <p:sp>
+        <p:nvSpPr>
+          <p:cNvPr id="74" name="PlaceHolder 2"/>
           <p:cNvSpPr>
             <a:spLocks noGrp="1"/>
           </p:cNvSpPr>
@@ -1844,15 +1965,18 @@
             <a:normAutofit/>
           </a:bodyPr>
           <a:p>
-            <a:endParaRPr b="0" lang="pt-BR" sz="3200" spc="-1" strike="noStrike">
-              <a:latin typeface="Arial"/>
-            </a:endParaRPr>
-          </a:p>
-        </p:txBody>
-      </p:sp>
-      <p:sp>
-        <p:nvSpPr>
-          <p:cNvPr id="73" name="PlaceHolder 3"/>
+            <a:endParaRPr b="0" lang="pt-BR" sz="2800" spc="-1" strike="noStrike">
+              <a:solidFill>
+                <a:srgbClr val="000000"/>
+              </a:solidFill>
+              <a:latin typeface="Arial"/>
+            </a:endParaRPr>
+          </a:p>
+        </p:txBody>
+      </p:sp>
+      <p:sp>
+        <p:nvSpPr>
+          <p:cNvPr id="75" name="PlaceHolder 3"/>
           <p:cNvSpPr>
             <a:spLocks noGrp="1"/>
           </p:cNvSpPr>
@@ -1874,15 +1998,18 @@
             <a:normAutofit/>
           </a:bodyPr>
           <a:p>
-            <a:endParaRPr b="0" lang="pt-BR" sz="3200" spc="-1" strike="noStrike">
-              <a:latin typeface="Arial"/>
-            </a:endParaRPr>
-          </a:p>
-        </p:txBody>
-      </p:sp>
-      <p:sp>
-        <p:nvSpPr>
-          <p:cNvPr id="74" name="PlaceHolder 4"/>
+            <a:endParaRPr b="0" lang="pt-BR" sz="2800" spc="-1" strike="noStrike">
+              <a:solidFill>
+                <a:srgbClr val="000000"/>
+              </a:solidFill>
+              <a:latin typeface="Arial"/>
+            </a:endParaRPr>
+          </a:p>
+        </p:txBody>
+      </p:sp>
+      <p:sp>
+        <p:nvSpPr>
+          <p:cNvPr id="76" name="PlaceHolder 4"/>
           <p:cNvSpPr>
             <a:spLocks noGrp="1"/>
           </p:cNvSpPr>
@@ -1904,15 +2031,18 @@
             <a:normAutofit/>
           </a:bodyPr>
           <a:p>
-            <a:endParaRPr b="0" lang="pt-BR" sz="3200" spc="-1" strike="noStrike">
-              <a:latin typeface="Arial"/>
-            </a:endParaRPr>
-          </a:p>
-        </p:txBody>
-      </p:sp>
-      <p:sp>
-        <p:nvSpPr>
-          <p:cNvPr id="75" name="PlaceHolder 5"/>
+            <a:endParaRPr b="0" lang="pt-BR" sz="2800" spc="-1" strike="noStrike">
+              <a:solidFill>
+                <a:srgbClr val="000000"/>
+              </a:solidFill>
+              <a:latin typeface="Arial"/>
+            </a:endParaRPr>
+          </a:p>
+        </p:txBody>
+      </p:sp>
+      <p:sp>
+        <p:nvSpPr>
+          <p:cNvPr id="77" name="PlaceHolder 5"/>
           <p:cNvSpPr>
             <a:spLocks noGrp="1"/>
           </p:cNvSpPr>
@@ -1934,15 +2064,18 @@
             <a:normAutofit/>
           </a:bodyPr>
           <a:p>
-            <a:endParaRPr b="0" lang="pt-BR" sz="3200" spc="-1" strike="noStrike">
-              <a:latin typeface="Arial"/>
-            </a:endParaRPr>
-          </a:p>
-        </p:txBody>
-      </p:sp>
-      <p:sp>
-        <p:nvSpPr>
-          <p:cNvPr id="76" name="PlaceHolder 6"/>
+            <a:endParaRPr b="0" lang="pt-BR" sz="2800" spc="-1" strike="noStrike">
+              <a:solidFill>
+                <a:srgbClr val="000000"/>
+              </a:solidFill>
+              <a:latin typeface="Arial"/>
+            </a:endParaRPr>
+          </a:p>
+        </p:txBody>
+      </p:sp>
+      <p:sp>
+        <p:nvSpPr>
+          <p:cNvPr id="78" name="PlaceHolder 6"/>
           <p:cNvSpPr>
             <a:spLocks noGrp="1"/>
           </p:cNvSpPr>
@@ -1964,15 +2097,18 @@
             <a:normAutofit/>
           </a:bodyPr>
           <a:p>
-            <a:endParaRPr b="0" lang="pt-BR" sz="3200" spc="-1" strike="noStrike">
-              <a:latin typeface="Arial"/>
-            </a:endParaRPr>
-          </a:p>
-        </p:txBody>
-      </p:sp>
-      <p:sp>
-        <p:nvSpPr>
-          <p:cNvPr id="77" name="PlaceHolder 7"/>
+            <a:endParaRPr b="0" lang="pt-BR" sz="2800" spc="-1" strike="noStrike">
+              <a:solidFill>
+                <a:srgbClr val="000000"/>
+              </a:solidFill>
+              <a:latin typeface="Arial"/>
+            </a:endParaRPr>
+          </a:p>
+        </p:txBody>
+      </p:sp>
+      <p:sp>
+        <p:nvSpPr>
+          <p:cNvPr id="79" name="PlaceHolder 7"/>
           <p:cNvSpPr>
             <a:spLocks noGrp="1"/>
           </p:cNvSpPr>
@@ -1994,7 +2130,10 @@
             <a:normAutofit/>
           </a:bodyPr>
           <a:p>
-            <a:endParaRPr b="0" lang="pt-BR" sz="3200" spc="-1" strike="noStrike">
+            <a:endParaRPr b="0" lang="pt-BR" sz="2800" spc="-1" strike="noStrike">
+              <a:solidFill>
+                <a:srgbClr val="000000"/>
+              </a:solidFill>
               <a:latin typeface="Arial"/>
             </a:endParaRPr>
           </a:p>
@@ -2046,7 +2185,7 @@
       </p:grpSpPr>
       <p:sp>
         <p:nvSpPr>
-          <p:cNvPr id="82" name="PlaceHolder 1"/>
+          <p:cNvPr id="85" name="PlaceHolder 1"/>
           <p:cNvSpPr>
             <a:spLocks noGrp="1"/>
           </p:cNvSpPr>
@@ -2068,16 +2207,18 @@
             <a:noAutofit/>
           </a:bodyPr>
           <a:p>
-            <a:pPr algn="ctr"/>
-            <a:endParaRPr b="0" lang="pt-BR" sz="4400" spc="-1" strike="noStrike">
-              <a:latin typeface="Arial"/>
-            </a:endParaRPr>
-          </a:p>
-        </p:txBody>
-      </p:sp>
-      <p:sp>
-        <p:nvSpPr>
-          <p:cNvPr id="83" name="PlaceHolder 2"/>
+            <a:endParaRPr b="0" lang="pt-BR" sz="1800" spc="-1" strike="noStrike">
+              <a:solidFill>
+                <a:srgbClr val="000000"/>
+              </a:solidFill>
+              <a:latin typeface="Arial"/>
+            </a:endParaRPr>
+          </a:p>
+        </p:txBody>
+      </p:sp>
+      <p:sp>
+        <p:nvSpPr>
+          <p:cNvPr id="86" name="PlaceHolder 2"/>
           <p:cNvSpPr>
             <a:spLocks noGrp="1"/>
           </p:cNvSpPr>
@@ -2130,7 +2271,7 @@
       </p:grpSpPr>
       <p:sp>
         <p:nvSpPr>
-          <p:cNvPr id="84" name="PlaceHolder 1"/>
+          <p:cNvPr id="87" name="PlaceHolder 1"/>
           <p:cNvSpPr>
             <a:spLocks noGrp="1"/>
           </p:cNvSpPr>
@@ -2152,16 +2293,18 @@
             <a:noAutofit/>
           </a:bodyPr>
           <a:p>
-            <a:pPr algn="ctr"/>
-            <a:endParaRPr b="0" lang="pt-BR" sz="4400" spc="-1" strike="noStrike">
-              <a:latin typeface="Arial"/>
-            </a:endParaRPr>
-          </a:p>
-        </p:txBody>
-      </p:sp>
-      <p:sp>
-        <p:nvSpPr>
-          <p:cNvPr id="85" name="PlaceHolder 2"/>
+            <a:endParaRPr b="0" lang="pt-BR" sz="1800" spc="-1" strike="noStrike">
+              <a:solidFill>
+                <a:srgbClr val="000000"/>
+              </a:solidFill>
+              <a:latin typeface="Arial"/>
+            </a:endParaRPr>
+          </a:p>
+        </p:txBody>
+      </p:sp>
+      <p:sp>
+        <p:nvSpPr>
+          <p:cNvPr id="88" name="PlaceHolder 2"/>
           <p:cNvSpPr>
             <a:spLocks noGrp="1"/>
           </p:cNvSpPr>
@@ -2183,7 +2326,10 @@
             <a:normAutofit/>
           </a:bodyPr>
           <a:p>
-            <a:endParaRPr b="0" lang="pt-BR" sz="3200" spc="-1" strike="noStrike">
+            <a:endParaRPr b="0" lang="pt-BR" sz="2800" spc="-1" strike="noStrike">
+              <a:solidFill>
+                <a:srgbClr val="000000"/>
+              </a:solidFill>
               <a:latin typeface="Arial"/>
             </a:endParaRPr>
           </a:p>
@@ -2213,7 +2359,7 @@
       </p:grpSpPr>
       <p:sp>
         <p:nvSpPr>
-          <p:cNvPr id="86" name="PlaceHolder 1"/>
+          <p:cNvPr id="89" name="PlaceHolder 1"/>
           <p:cNvSpPr>
             <a:spLocks noGrp="1"/>
           </p:cNvSpPr>
@@ -2235,16 +2381,18 @@
             <a:noAutofit/>
           </a:bodyPr>
           <a:p>
-            <a:pPr algn="ctr"/>
-            <a:endParaRPr b="0" lang="pt-BR" sz="4400" spc="-1" strike="noStrike">
-              <a:latin typeface="Arial"/>
-            </a:endParaRPr>
-          </a:p>
-        </p:txBody>
-      </p:sp>
-      <p:sp>
-        <p:nvSpPr>
-          <p:cNvPr id="87" name="PlaceHolder 2"/>
+            <a:endParaRPr b="0" lang="pt-BR" sz="1800" spc="-1" strike="noStrike">
+              <a:solidFill>
+                <a:srgbClr val="000000"/>
+              </a:solidFill>
+              <a:latin typeface="Arial"/>
+            </a:endParaRPr>
+          </a:p>
+        </p:txBody>
+      </p:sp>
+      <p:sp>
+        <p:nvSpPr>
+          <p:cNvPr id="90" name="PlaceHolder 2"/>
           <p:cNvSpPr>
             <a:spLocks noGrp="1"/>
           </p:cNvSpPr>
@@ -2266,15 +2414,18 @@
             <a:normAutofit/>
           </a:bodyPr>
           <a:p>
-            <a:endParaRPr b="0" lang="pt-BR" sz="3200" spc="-1" strike="noStrike">
-              <a:latin typeface="Arial"/>
-            </a:endParaRPr>
-          </a:p>
-        </p:txBody>
-      </p:sp>
-      <p:sp>
-        <p:nvSpPr>
-          <p:cNvPr id="88" name="PlaceHolder 3"/>
+            <a:endParaRPr b="0" lang="pt-BR" sz="2800" spc="-1" strike="noStrike">
+              <a:solidFill>
+                <a:srgbClr val="000000"/>
+              </a:solidFill>
+              <a:latin typeface="Arial"/>
+            </a:endParaRPr>
+          </a:p>
+        </p:txBody>
+      </p:sp>
+      <p:sp>
+        <p:nvSpPr>
+          <p:cNvPr id="91" name="PlaceHolder 3"/>
           <p:cNvSpPr>
             <a:spLocks noGrp="1"/>
           </p:cNvSpPr>
@@ -2296,7 +2447,10 @@
             <a:normAutofit/>
           </a:bodyPr>
           <a:p>
-            <a:endParaRPr b="0" lang="pt-BR" sz="3200" spc="-1" strike="noStrike">
+            <a:endParaRPr b="0" lang="pt-BR" sz="2800" spc="-1" strike="noStrike">
+              <a:solidFill>
+                <a:srgbClr val="000000"/>
+              </a:solidFill>
               <a:latin typeface="Arial"/>
             </a:endParaRPr>
           </a:p>
@@ -2326,7 +2480,7 @@
       </p:grpSpPr>
       <p:sp>
         <p:nvSpPr>
-          <p:cNvPr id="89" name="PlaceHolder 1"/>
+          <p:cNvPr id="92" name="PlaceHolder 1"/>
           <p:cNvSpPr>
             <a:spLocks noGrp="1"/>
           </p:cNvSpPr>
@@ -2348,8 +2502,10 @@
             <a:noAutofit/>
           </a:bodyPr>
           <a:p>
-            <a:pPr algn="ctr"/>
-            <a:endParaRPr b="0" lang="pt-BR" sz="4400" spc="-1" strike="noStrike">
+            <a:endParaRPr b="0" lang="pt-BR" sz="1800" spc="-1" strike="noStrike">
+              <a:solidFill>
+                <a:srgbClr val="000000"/>
+              </a:solidFill>
               <a:latin typeface="Arial"/>
             </a:endParaRPr>
           </a:p>
@@ -2379,7 +2535,7 @@
       </p:grpSpPr>
       <p:sp>
         <p:nvSpPr>
-          <p:cNvPr id="5" name="PlaceHolder 1"/>
+          <p:cNvPr id="6" name="PlaceHolder 1"/>
           <p:cNvSpPr>
             <a:spLocks noGrp="1"/>
           </p:cNvSpPr>
@@ -2401,16 +2557,18 @@
             <a:noAutofit/>
           </a:bodyPr>
           <a:p>
-            <a:pPr algn="ctr"/>
-            <a:endParaRPr b="0" lang="pt-BR" sz="4400" spc="-1" strike="noStrike">
-              <a:latin typeface="Arial"/>
-            </a:endParaRPr>
-          </a:p>
-        </p:txBody>
-      </p:sp>
-      <p:sp>
-        <p:nvSpPr>
-          <p:cNvPr id="6" name="PlaceHolder 2"/>
+            <a:endParaRPr b="0" lang="pt-BR" sz="1800" spc="-1" strike="noStrike">
+              <a:solidFill>
+                <a:srgbClr val="000000"/>
+              </a:solidFill>
+              <a:latin typeface="Arial"/>
+            </a:endParaRPr>
+          </a:p>
+        </p:txBody>
+      </p:sp>
+      <p:sp>
+        <p:nvSpPr>
+          <p:cNvPr id="7" name="PlaceHolder 2"/>
           <p:cNvSpPr>
             <a:spLocks noGrp="1"/>
           </p:cNvSpPr>
@@ -2432,7 +2590,10 @@
             <a:normAutofit/>
           </a:bodyPr>
           <a:p>
-            <a:endParaRPr b="0" lang="pt-BR" sz="3200" spc="-1" strike="noStrike">
+            <a:endParaRPr b="0" lang="pt-BR" sz="2800" spc="-1" strike="noStrike">
+              <a:solidFill>
+                <a:srgbClr val="000000"/>
+              </a:solidFill>
               <a:latin typeface="Arial"/>
             </a:endParaRPr>
           </a:p>
@@ -2462,7 +2623,7 @@
       </p:grpSpPr>
       <p:sp>
         <p:nvSpPr>
-          <p:cNvPr id="90" name="PlaceHolder 1"/>
+          <p:cNvPr id="93" name="PlaceHolder 1"/>
           <p:cNvSpPr>
             <a:spLocks noGrp="1"/>
           </p:cNvSpPr>
@@ -2515,7 +2676,7 @@
       </p:grpSpPr>
       <p:sp>
         <p:nvSpPr>
-          <p:cNvPr id="91" name="PlaceHolder 1"/>
+          <p:cNvPr id="94" name="PlaceHolder 1"/>
           <p:cNvSpPr>
             <a:spLocks noGrp="1"/>
           </p:cNvSpPr>
@@ -2537,16 +2698,18 @@
             <a:noAutofit/>
           </a:bodyPr>
           <a:p>
-            <a:pPr algn="ctr"/>
-            <a:endParaRPr b="0" lang="pt-BR" sz="4400" spc="-1" strike="noStrike">
-              <a:latin typeface="Arial"/>
-            </a:endParaRPr>
-          </a:p>
-        </p:txBody>
-      </p:sp>
-      <p:sp>
-        <p:nvSpPr>
-          <p:cNvPr id="92" name="PlaceHolder 2"/>
+            <a:endParaRPr b="0" lang="pt-BR" sz="1800" spc="-1" strike="noStrike">
+              <a:solidFill>
+                <a:srgbClr val="000000"/>
+              </a:solidFill>
+              <a:latin typeface="Arial"/>
+            </a:endParaRPr>
+          </a:p>
+        </p:txBody>
+      </p:sp>
+      <p:sp>
+        <p:nvSpPr>
+          <p:cNvPr id="95" name="PlaceHolder 2"/>
           <p:cNvSpPr>
             <a:spLocks noGrp="1"/>
           </p:cNvSpPr>
@@ -2568,15 +2731,18 @@
             <a:normAutofit/>
           </a:bodyPr>
           <a:p>
-            <a:endParaRPr b="0" lang="pt-BR" sz="3200" spc="-1" strike="noStrike">
-              <a:latin typeface="Arial"/>
-            </a:endParaRPr>
-          </a:p>
-        </p:txBody>
-      </p:sp>
-      <p:sp>
-        <p:nvSpPr>
-          <p:cNvPr id="93" name="PlaceHolder 3"/>
+            <a:endParaRPr b="0" lang="pt-BR" sz="2800" spc="-1" strike="noStrike">
+              <a:solidFill>
+                <a:srgbClr val="000000"/>
+              </a:solidFill>
+              <a:latin typeface="Arial"/>
+            </a:endParaRPr>
+          </a:p>
+        </p:txBody>
+      </p:sp>
+      <p:sp>
+        <p:nvSpPr>
+          <p:cNvPr id="96" name="PlaceHolder 3"/>
           <p:cNvSpPr>
             <a:spLocks noGrp="1"/>
           </p:cNvSpPr>
@@ -2598,15 +2764,18 @@
             <a:normAutofit/>
           </a:bodyPr>
           <a:p>
-            <a:endParaRPr b="0" lang="pt-BR" sz="3200" spc="-1" strike="noStrike">
-              <a:latin typeface="Arial"/>
-            </a:endParaRPr>
-          </a:p>
-        </p:txBody>
-      </p:sp>
-      <p:sp>
-        <p:nvSpPr>
-          <p:cNvPr id="94" name="PlaceHolder 4"/>
+            <a:endParaRPr b="0" lang="pt-BR" sz="2800" spc="-1" strike="noStrike">
+              <a:solidFill>
+                <a:srgbClr val="000000"/>
+              </a:solidFill>
+              <a:latin typeface="Arial"/>
+            </a:endParaRPr>
+          </a:p>
+        </p:txBody>
+      </p:sp>
+      <p:sp>
+        <p:nvSpPr>
+          <p:cNvPr id="97" name="PlaceHolder 4"/>
           <p:cNvSpPr>
             <a:spLocks noGrp="1"/>
           </p:cNvSpPr>
@@ -2628,7 +2797,10 @@
             <a:normAutofit/>
           </a:bodyPr>
           <a:p>
-            <a:endParaRPr b="0" lang="pt-BR" sz="3200" spc="-1" strike="noStrike">
+            <a:endParaRPr b="0" lang="pt-BR" sz="2800" spc="-1" strike="noStrike">
+              <a:solidFill>
+                <a:srgbClr val="000000"/>
+              </a:solidFill>
               <a:latin typeface="Arial"/>
             </a:endParaRPr>
           </a:p>
@@ -2658,7 +2830,7 @@
       </p:grpSpPr>
       <p:sp>
         <p:nvSpPr>
-          <p:cNvPr id="95" name="PlaceHolder 1"/>
+          <p:cNvPr id="98" name="PlaceHolder 1"/>
           <p:cNvSpPr>
             <a:spLocks noGrp="1"/>
           </p:cNvSpPr>
@@ -2680,16 +2852,18 @@
             <a:noAutofit/>
           </a:bodyPr>
           <a:p>
-            <a:pPr algn="ctr"/>
-            <a:endParaRPr b="0" lang="pt-BR" sz="4400" spc="-1" strike="noStrike">
-              <a:latin typeface="Arial"/>
-            </a:endParaRPr>
-          </a:p>
-        </p:txBody>
-      </p:sp>
-      <p:sp>
-        <p:nvSpPr>
-          <p:cNvPr id="96" name="PlaceHolder 2"/>
+            <a:endParaRPr b="0" lang="pt-BR" sz="1800" spc="-1" strike="noStrike">
+              <a:solidFill>
+                <a:srgbClr val="000000"/>
+              </a:solidFill>
+              <a:latin typeface="Arial"/>
+            </a:endParaRPr>
+          </a:p>
+        </p:txBody>
+      </p:sp>
+      <p:sp>
+        <p:nvSpPr>
+          <p:cNvPr id="99" name="PlaceHolder 2"/>
           <p:cNvSpPr>
             <a:spLocks noGrp="1"/>
           </p:cNvSpPr>
@@ -2711,15 +2885,18 @@
             <a:normAutofit/>
           </a:bodyPr>
           <a:p>
-            <a:endParaRPr b="0" lang="pt-BR" sz="3200" spc="-1" strike="noStrike">
-              <a:latin typeface="Arial"/>
-            </a:endParaRPr>
-          </a:p>
-        </p:txBody>
-      </p:sp>
-      <p:sp>
-        <p:nvSpPr>
-          <p:cNvPr id="97" name="PlaceHolder 3"/>
+            <a:endParaRPr b="0" lang="pt-BR" sz="2800" spc="-1" strike="noStrike">
+              <a:solidFill>
+                <a:srgbClr val="000000"/>
+              </a:solidFill>
+              <a:latin typeface="Arial"/>
+            </a:endParaRPr>
+          </a:p>
+        </p:txBody>
+      </p:sp>
+      <p:sp>
+        <p:nvSpPr>
+          <p:cNvPr id="100" name="PlaceHolder 3"/>
           <p:cNvSpPr>
             <a:spLocks noGrp="1"/>
           </p:cNvSpPr>
@@ -2741,15 +2918,18 @@
             <a:normAutofit/>
           </a:bodyPr>
           <a:p>
-            <a:endParaRPr b="0" lang="pt-BR" sz="3200" spc="-1" strike="noStrike">
-              <a:latin typeface="Arial"/>
-            </a:endParaRPr>
-          </a:p>
-        </p:txBody>
-      </p:sp>
-      <p:sp>
-        <p:nvSpPr>
-          <p:cNvPr id="98" name="PlaceHolder 4"/>
+            <a:endParaRPr b="0" lang="pt-BR" sz="2800" spc="-1" strike="noStrike">
+              <a:solidFill>
+                <a:srgbClr val="000000"/>
+              </a:solidFill>
+              <a:latin typeface="Arial"/>
+            </a:endParaRPr>
+          </a:p>
+        </p:txBody>
+      </p:sp>
+      <p:sp>
+        <p:nvSpPr>
+          <p:cNvPr id="101" name="PlaceHolder 4"/>
           <p:cNvSpPr>
             <a:spLocks noGrp="1"/>
           </p:cNvSpPr>
@@ -2771,7 +2951,10 @@
             <a:normAutofit/>
           </a:bodyPr>
           <a:p>
-            <a:endParaRPr b="0" lang="pt-BR" sz="3200" spc="-1" strike="noStrike">
+            <a:endParaRPr b="0" lang="pt-BR" sz="2800" spc="-1" strike="noStrike">
+              <a:solidFill>
+                <a:srgbClr val="000000"/>
+              </a:solidFill>
               <a:latin typeface="Arial"/>
             </a:endParaRPr>
           </a:p>
@@ -2801,7 +2984,7 @@
       </p:grpSpPr>
       <p:sp>
         <p:nvSpPr>
-          <p:cNvPr id="99" name="PlaceHolder 1"/>
+          <p:cNvPr id="102" name="PlaceHolder 1"/>
           <p:cNvSpPr>
             <a:spLocks noGrp="1"/>
           </p:cNvSpPr>
@@ -2823,16 +3006,18 @@
             <a:noAutofit/>
           </a:bodyPr>
           <a:p>
-            <a:pPr algn="ctr"/>
-            <a:endParaRPr b="0" lang="pt-BR" sz="4400" spc="-1" strike="noStrike">
-              <a:latin typeface="Arial"/>
-            </a:endParaRPr>
-          </a:p>
-        </p:txBody>
-      </p:sp>
-      <p:sp>
-        <p:nvSpPr>
-          <p:cNvPr id="100" name="PlaceHolder 2"/>
+            <a:endParaRPr b="0" lang="pt-BR" sz="1800" spc="-1" strike="noStrike">
+              <a:solidFill>
+                <a:srgbClr val="000000"/>
+              </a:solidFill>
+              <a:latin typeface="Arial"/>
+            </a:endParaRPr>
+          </a:p>
+        </p:txBody>
+      </p:sp>
+      <p:sp>
+        <p:nvSpPr>
+          <p:cNvPr id="103" name="PlaceHolder 2"/>
           <p:cNvSpPr>
             <a:spLocks noGrp="1"/>
           </p:cNvSpPr>
@@ -2854,15 +3039,18 @@
             <a:normAutofit/>
           </a:bodyPr>
           <a:p>
-            <a:endParaRPr b="0" lang="pt-BR" sz="3200" spc="-1" strike="noStrike">
-              <a:latin typeface="Arial"/>
-            </a:endParaRPr>
-          </a:p>
-        </p:txBody>
-      </p:sp>
-      <p:sp>
-        <p:nvSpPr>
-          <p:cNvPr id="101" name="PlaceHolder 3"/>
+            <a:endParaRPr b="0" lang="pt-BR" sz="2800" spc="-1" strike="noStrike">
+              <a:solidFill>
+                <a:srgbClr val="000000"/>
+              </a:solidFill>
+              <a:latin typeface="Arial"/>
+            </a:endParaRPr>
+          </a:p>
+        </p:txBody>
+      </p:sp>
+      <p:sp>
+        <p:nvSpPr>
+          <p:cNvPr id="104" name="PlaceHolder 3"/>
           <p:cNvSpPr>
             <a:spLocks noGrp="1"/>
           </p:cNvSpPr>
@@ -2884,15 +3072,18 @@
             <a:normAutofit/>
           </a:bodyPr>
           <a:p>
-            <a:endParaRPr b="0" lang="pt-BR" sz="3200" spc="-1" strike="noStrike">
-              <a:latin typeface="Arial"/>
-            </a:endParaRPr>
-          </a:p>
-        </p:txBody>
-      </p:sp>
-      <p:sp>
-        <p:nvSpPr>
-          <p:cNvPr id="102" name="PlaceHolder 4"/>
+            <a:endParaRPr b="0" lang="pt-BR" sz="2800" spc="-1" strike="noStrike">
+              <a:solidFill>
+                <a:srgbClr val="000000"/>
+              </a:solidFill>
+              <a:latin typeface="Arial"/>
+            </a:endParaRPr>
+          </a:p>
+        </p:txBody>
+      </p:sp>
+      <p:sp>
+        <p:nvSpPr>
+          <p:cNvPr id="105" name="PlaceHolder 4"/>
           <p:cNvSpPr>
             <a:spLocks noGrp="1"/>
           </p:cNvSpPr>
@@ -2914,7 +3105,10 @@
             <a:normAutofit/>
           </a:bodyPr>
           <a:p>
-            <a:endParaRPr b="0" lang="pt-BR" sz="3200" spc="-1" strike="noStrike">
+            <a:endParaRPr b="0" lang="pt-BR" sz="2800" spc="-1" strike="noStrike">
+              <a:solidFill>
+                <a:srgbClr val="000000"/>
+              </a:solidFill>
               <a:latin typeface="Arial"/>
             </a:endParaRPr>
           </a:p>
@@ -2944,7 +3138,7 @@
       </p:grpSpPr>
       <p:sp>
         <p:nvSpPr>
-          <p:cNvPr id="103" name="PlaceHolder 1"/>
+          <p:cNvPr id="106" name="PlaceHolder 1"/>
           <p:cNvSpPr>
             <a:spLocks noGrp="1"/>
           </p:cNvSpPr>
@@ -2966,16 +3160,18 @@
             <a:noAutofit/>
           </a:bodyPr>
           <a:p>
-            <a:pPr algn="ctr"/>
-            <a:endParaRPr b="0" lang="pt-BR" sz="4400" spc="-1" strike="noStrike">
-              <a:latin typeface="Arial"/>
-            </a:endParaRPr>
-          </a:p>
-        </p:txBody>
-      </p:sp>
-      <p:sp>
-        <p:nvSpPr>
-          <p:cNvPr id="104" name="PlaceHolder 2"/>
+            <a:endParaRPr b="0" lang="pt-BR" sz="1800" spc="-1" strike="noStrike">
+              <a:solidFill>
+                <a:srgbClr val="000000"/>
+              </a:solidFill>
+              <a:latin typeface="Arial"/>
+            </a:endParaRPr>
+          </a:p>
+        </p:txBody>
+      </p:sp>
+      <p:sp>
+        <p:nvSpPr>
+          <p:cNvPr id="107" name="PlaceHolder 2"/>
           <p:cNvSpPr>
             <a:spLocks noGrp="1"/>
           </p:cNvSpPr>
@@ -2997,15 +3193,18 @@
             <a:normAutofit/>
           </a:bodyPr>
           <a:p>
-            <a:endParaRPr b="0" lang="pt-BR" sz="3200" spc="-1" strike="noStrike">
-              <a:latin typeface="Arial"/>
-            </a:endParaRPr>
-          </a:p>
-        </p:txBody>
-      </p:sp>
-      <p:sp>
-        <p:nvSpPr>
-          <p:cNvPr id="105" name="PlaceHolder 3"/>
+            <a:endParaRPr b="0" lang="pt-BR" sz="2800" spc="-1" strike="noStrike">
+              <a:solidFill>
+                <a:srgbClr val="000000"/>
+              </a:solidFill>
+              <a:latin typeface="Arial"/>
+            </a:endParaRPr>
+          </a:p>
+        </p:txBody>
+      </p:sp>
+      <p:sp>
+        <p:nvSpPr>
+          <p:cNvPr id="108" name="PlaceHolder 3"/>
           <p:cNvSpPr>
             <a:spLocks noGrp="1"/>
           </p:cNvSpPr>
@@ -3027,7 +3226,10 @@
             <a:normAutofit/>
           </a:bodyPr>
           <a:p>
-            <a:endParaRPr b="0" lang="pt-BR" sz="3200" spc="-1" strike="noStrike">
+            <a:endParaRPr b="0" lang="pt-BR" sz="2800" spc="-1" strike="noStrike">
+              <a:solidFill>
+                <a:srgbClr val="000000"/>
+              </a:solidFill>
               <a:latin typeface="Arial"/>
             </a:endParaRPr>
           </a:p>
@@ -3057,7 +3259,7 @@
       </p:grpSpPr>
       <p:sp>
         <p:nvSpPr>
-          <p:cNvPr id="106" name="PlaceHolder 1"/>
+          <p:cNvPr id="109" name="PlaceHolder 1"/>
           <p:cNvSpPr>
             <a:spLocks noGrp="1"/>
           </p:cNvSpPr>
@@ -3079,16 +3281,18 @@
             <a:noAutofit/>
           </a:bodyPr>
           <a:p>
-            <a:pPr algn="ctr"/>
-            <a:endParaRPr b="0" lang="pt-BR" sz="4400" spc="-1" strike="noStrike">
-              <a:latin typeface="Arial"/>
-            </a:endParaRPr>
-          </a:p>
-        </p:txBody>
-      </p:sp>
-      <p:sp>
-        <p:nvSpPr>
-          <p:cNvPr id="107" name="PlaceHolder 2"/>
+            <a:endParaRPr b="0" lang="pt-BR" sz="1800" spc="-1" strike="noStrike">
+              <a:solidFill>
+                <a:srgbClr val="000000"/>
+              </a:solidFill>
+              <a:latin typeface="Arial"/>
+            </a:endParaRPr>
+          </a:p>
+        </p:txBody>
+      </p:sp>
+      <p:sp>
+        <p:nvSpPr>
+          <p:cNvPr id="110" name="PlaceHolder 2"/>
           <p:cNvSpPr>
             <a:spLocks noGrp="1"/>
           </p:cNvSpPr>
@@ -3110,15 +3314,18 @@
             <a:normAutofit/>
           </a:bodyPr>
           <a:p>
-            <a:endParaRPr b="0" lang="pt-BR" sz="3200" spc="-1" strike="noStrike">
-              <a:latin typeface="Arial"/>
-            </a:endParaRPr>
-          </a:p>
-        </p:txBody>
-      </p:sp>
-      <p:sp>
-        <p:nvSpPr>
-          <p:cNvPr id="108" name="PlaceHolder 3"/>
+            <a:endParaRPr b="0" lang="pt-BR" sz="2800" spc="-1" strike="noStrike">
+              <a:solidFill>
+                <a:srgbClr val="000000"/>
+              </a:solidFill>
+              <a:latin typeface="Arial"/>
+            </a:endParaRPr>
+          </a:p>
+        </p:txBody>
+      </p:sp>
+      <p:sp>
+        <p:nvSpPr>
+          <p:cNvPr id="111" name="PlaceHolder 3"/>
           <p:cNvSpPr>
             <a:spLocks noGrp="1"/>
           </p:cNvSpPr>
@@ -3140,15 +3347,18 @@
             <a:normAutofit/>
           </a:bodyPr>
           <a:p>
-            <a:endParaRPr b="0" lang="pt-BR" sz="3200" spc="-1" strike="noStrike">
-              <a:latin typeface="Arial"/>
-            </a:endParaRPr>
-          </a:p>
-        </p:txBody>
-      </p:sp>
-      <p:sp>
-        <p:nvSpPr>
-          <p:cNvPr id="109" name="PlaceHolder 4"/>
+            <a:endParaRPr b="0" lang="pt-BR" sz="2800" spc="-1" strike="noStrike">
+              <a:solidFill>
+                <a:srgbClr val="000000"/>
+              </a:solidFill>
+              <a:latin typeface="Arial"/>
+            </a:endParaRPr>
+          </a:p>
+        </p:txBody>
+      </p:sp>
+      <p:sp>
+        <p:nvSpPr>
+          <p:cNvPr id="112" name="PlaceHolder 4"/>
           <p:cNvSpPr>
             <a:spLocks noGrp="1"/>
           </p:cNvSpPr>
@@ -3170,15 +3380,18 @@
             <a:normAutofit/>
           </a:bodyPr>
           <a:p>
-            <a:endParaRPr b="0" lang="pt-BR" sz="3200" spc="-1" strike="noStrike">
-              <a:latin typeface="Arial"/>
-            </a:endParaRPr>
-          </a:p>
-        </p:txBody>
-      </p:sp>
-      <p:sp>
-        <p:nvSpPr>
-          <p:cNvPr id="110" name="PlaceHolder 5"/>
+            <a:endParaRPr b="0" lang="pt-BR" sz="2800" spc="-1" strike="noStrike">
+              <a:solidFill>
+                <a:srgbClr val="000000"/>
+              </a:solidFill>
+              <a:latin typeface="Arial"/>
+            </a:endParaRPr>
+          </a:p>
+        </p:txBody>
+      </p:sp>
+      <p:sp>
+        <p:nvSpPr>
+          <p:cNvPr id="113" name="PlaceHolder 5"/>
           <p:cNvSpPr>
             <a:spLocks noGrp="1"/>
           </p:cNvSpPr>
@@ -3200,7 +3413,10 @@
             <a:normAutofit/>
           </a:bodyPr>
           <a:p>
-            <a:endParaRPr b="0" lang="pt-BR" sz="3200" spc="-1" strike="noStrike">
+            <a:endParaRPr b="0" lang="pt-BR" sz="2800" spc="-1" strike="noStrike">
+              <a:solidFill>
+                <a:srgbClr val="000000"/>
+              </a:solidFill>
               <a:latin typeface="Arial"/>
             </a:endParaRPr>
           </a:p>
@@ -3230,7 +3446,7 @@
       </p:grpSpPr>
       <p:sp>
         <p:nvSpPr>
-          <p:cNvPr id="111" name="PlaceHolder 1"/>
+          <p:cNvPr id="114" name="PlaceHolder 1"/>
           <p:cNvSpPr>
             <a:spLocks noGrp="1"/>
           </p:cNvSpPr>
@@ -3252,16 +3468,18 @@
             <a:noAutofit/>
           </a:bodyPr>
           <a:p>
-            <a:pPr algn="ctr"/>
-            <a:endParaRPr b="0" lang="pt-BR" sz="4400" spc="-1" strike="noStrike">
-              <a:latin typeface="Arial"/>
-            </a:endParaRPr>
-          </a:p>
-        </p:txBody>
-      </p:sp>
-      <p:sp>
-        <p:nvSpPr>
-          <p:cNvPr id="112" name="PlaceHolder 2"/>
+            <a:endParaRPr b="0" lang="pt-BR" sz="1800" spc="-1" strike="noStrike">
+              <a:solidFill>
+                <a:srgbClr val="000000"/>
+              </a:solidFill>
+              <a:latin typeface="Arial"/>
+            </a:endParaRPr>
+          </a:p>
+        </p:txBody>
+      </p:sp>
+      <p:sp>
+        <p:nvSpPr>
+          <p:cNvPr id="115" name="PlaceHolder 2"/>
           <p:cNvSpPr>
             <a:spLocks noGrp="1"/>
           </p:cNvSpPr>
@@ -3283,15 +3501,18 @@
             <a:normAutofit/>
           </a:bodyPr>
           <a:p>
-            <a:endParaRPr b="0" lang="pt-BR" sz="3200" spc="-1" strike="noStrike">
-              <a:latin typeface="Arial"/>
-            </a:endParaRPr>
-          </a:p>
-        </p:txBody>
-      </p:sp>
-      <p:sp>
-        <p:nvSpPr>
-          <p:cNvPr id="113" name="PlaceHolder 3"/>
+            <a:endParaRPr b="0" lang="pt-BR" sz="2800" spc="-1" strike="noStrike">
+              <a:solidFill>
+                <a:srgbClr val="000000"/>
+              </a:solidFill>
+              <a:latin typeface="Arial"/>
+            </a:endParaRPr>
+          </a:p>
+        </p:txBody>
+      </p:sp>
+      <p:sp>
+        <p:nvSpPr>
+          <p:cNvPr id="116" name="PlaceHolder 3"/>
           <p:cNvSpPr>
             <a:spLocks noGrp="1"/>
           </p:cNvSpPr>
@@ -3313,15 +3534,18 @@
             <a:normAutofit/>
           </a:bodyPr>
           <a:p>
-            <a:endParaRPr b="0" lang="pt-BR" sz="3200" spc="-1" strike="noStrike">
-              <a:latin typeface="Arial"/>
-            </a:endParaRPr>
-          </a:p>
-        </p:txBody>
-      </p:sp>
-      <p:sp>
-        <p:nvSpPr>
-          <p:cNvPr id="114" name="PlaceHolder 4"/>
+            <a:endParaRPr b="0" lang="pt-BR" sz="2800" spc="-1" strike="noStrike">
+              <a:solidFill>
+                <a:srgbClr val="000000"/>
+              </a:solidFill>
+              <a:latin typeface="Arial"/>
+            </a:endParaRPr>
+          </a:p>
+        </p:txBody>
+      </p:sp>
+      <p:sp>
+        <p:nvSpPr>
+          <p:cNvPr id="117" name="PlaceHolder 4"/>
           <p:cNvSpPr>
             <a:spLocks noGrp="1"/>
           </p:cNvSpPr>
@@ -3343,15 +3567,18 @@
             <a:normAutofit/>
           </a:bodyPr>
           <a:p>
-            <a:endParaRPr b="0" lang="pt-BR" sz="3200" spc="-1" strike="noStrike">
-              <a:latin typeface="Arial"/>
-            </a:endParaRPr>
-          </a:p>
-        </p:txBody>
-      </p:sp>
-      <p:sp>
-        <p:nvSpPr>
-          <p:cNvPr id="115" name="PlaceHolder 5"/>
+            <a:endParaRPr b="0" lang="pt-BR" sz="2800" spc="-1" strike="noStrike">
+              <a:solidFill>
+                <a:srgbClr val="000000"/>
+              </a:solidFill>
+              <a:latin typeface="Arial"/>
+            </a:endParaRPr>
+          </a:p>
+        </p:txBody>
+      </p:sp>
+      <p:sp>
+        <p:nvSpPr>
+          <p:cNvPr id="118" name="PlaceHolder 5"/>
           <p:cNvSpPr>
             <a:spLocks noGrp="1"/>
           </p:cNvSpPr>
@@ -3373,15 +3600,18 @@
             <a:normAutofit/>
           </a:bodyPr>
           <a:p>
-            <a:endParaRPr b="0" lang="pt-BR" sz="3200" spc="-1" strike="noStrike">
-              <a:latin typeface="Arial"/>
-            </a:endParaRPr>
-          </a:p>
-        </p:txBody>
-      </p:sp>
-      <p:sp>
-        <p:nvSpPr>
-          <p:cNvPr id="116" name="PlaceHolder 6"/>
+            <a:endParaRPr b="0" lang="pt-BR" sz="2800" spc="-1" strike="noStrike">
+              <a:solidFill>
+                <a:srgbClr val="000000"/>
+              </a:solidFill>
+              <a:latin typeface="Arial"/>
+            </a:endParaRPr>
+          </a:p>
+        </p:txBody>
+      </p:sp>
+      <p:sp>
+        <p:nvSpPr>
+          <p:cNvPr id="119" name="PlaceHolder 6"/>
           <p:cNvSpPr>
             <a:spLocks noGrp="1"/>
           </p:cNvSpPr>
@@ -3403,15 +3633,18 @@
             <a:normAutofit/>
           </a:bodyPr>
           <a:p>
-            <a:endParaRPr b="0" lang="pt-BR" sz="3200" spc="-1" strike="noStrike">
-              <a:latin typeface="Arial"/>
-            </a:endParaRPr>
-          </a:p>
-        </p:txBody>
-      </p:sp>
-      <p:sp>
-        <p:nvSpPr>
-          <p:cNvPr id="117" name="PlaceHolder 7"/>
+            <a:endParaRPr b="0" lang="pt-BR" sz="2800" spc="-1" strike="noStrike">
+              <a:solidFill>
+                <a:srgbClr val="000000"/>
+              </a:solidFill>
+              <a:latin typeface="Arial"/>
+            </a:endParaRPr>
+          </a:p>
+        </p:txBody>
+      </p:sp>
+      <p:sp>
+        <p:nvSpPr>
+          <p:cNvPr id="120" name="PlaceHolder 7"/>
           <p:cNvSpPr>
             <a:spLocks noGrp="1"/>
           </p:cNvSpPr>
@@ -3433,7 +3666,10 @@
             <a:normAutofit/>
           </a:bodyPr>
           <a:p>
-            <a:endParaRPr b="0" lang="pt-BR" sz="3200" spc="-1" strike="noStrike">
+            <a:endParaRPr b="0" lang="pt-BR" sz="2800" spc="-1" strike="noStrike">
+              <a:solidFill>
+                <a:srgbClr val="000000"/>
+              </a:solidFill>
               <a:latin typeface="Arial"/>
             </a:endParaRPr>
           </a:p>
@@ -3463,7 +3699,7 @@
       </p:grpSpPr>
       <p:sp>
         <p:nvSpPr>
-          <p:cNvPr id="7" name="PlaceHolder 1"/>
+          <p:cNvPr id="8" name="PlaceHolder 1"/>
           <p:cNvSpPr>
             <a:spLocks noGrp="1"/>
           </p:cNvSpPr>
@@ -3485,16 +3721,18 @@
             <a:noAutofit/>
           </a:bodyPr>
           <a:p>
-            <a:pPr algn="ctr"/>
-            <a:endParaRPr b="0" lang="pt-BR" sz="4400" spc="-1" strike="noStrike">
-              <a:latin typeface="Arial"/>
-            </a:endParaRPr>
-          </a:p>
-        </p:txBody>
-      </p:sp>
-      <p:sp>
-        <p:nvSpPr>
-          <p:cNvPr id="8" name="PlaceHolder 2"/>
+            <a:endParaRPr b="0" lang="pt-BR" sz="1800" spc="-1" strike="noStrike">
+              <a:solidFill>
+                <a:srgbClr val="000000"/>
+              </a:solidFill>
+              <a:latin typeface="Arial"/>
+            </a:endParaRPr>
+          </a:p>
+        </p:txBody>
+      </p:sp>
+      <p:sp>
+        <p:nvSpPr>
+          <p:cNvPr id="9" name="PlaceHolder 2"/>
           <p:cNvSpPr>
             <a:spLocks noGrp="1"/>
           </p:cNvSpPr>
@@ -3516,15 +3754,18 @@
             <a:normAutofit/>
           </a:bodyPr>
           <a:p>
-            <a:endParaRPr b="0" lang="pt-BR" sz="3200" spc="-1" strike="noStrike">
-              <a:latin typeface="Arial"/>
-            </a:endParaRPr>
-          </a:p>
-        </p:txBody>
-      </p:sp>
-      <p:sp>
-        <p:nvSpPr>
-          <p:cNvPr id="9" name="PlaceHolder 3"/>
+            <a:endParaRPr b="0" lang="pt-BR" sz="2800" spc="-1" strike="noStrike">
+              <a:solidFill>
+                <a:srgbClr val="000000"/>
+              </a:solidFill>
+              <a:latin typeface="Arial"/>
+            </a:endParaRPr>
+          </a:p>
+        </p:txBody>
+      </p:sp>
+      <p:sp>
+        <p:nvSpPr>
+          <p:cNvPr id="10" name="PlaceHolder 3"/>
           <p:cNvSpPr>
             <a:spLocks noGrp="1"/>
           </p:cNvSpPr>
@@ -3546,7 +3787,10 @@
             <a:normAutofit/>
           </a:bodyPr>
           <a:p>
-            <a:endParaRPr b="0" lang="pt-BR" sz="3200" spc="-1" strike="noStrike">
+            <a:endParaRPr b="0" lang="pt-BR" sz="2800" spc="-1" strike="noStrike">
+              <a:solidFill>
+                <a:srgbClr val="000000"/>
+              </a:solidFill>
               <a:latin typeface="Arial"/>
             </a:endParaRPr>
           </a:p>
@@ -3576,7 +3820,7 @@
       </p:grpSpPr>
       <p:sp>
         <p:nvSpPr>
-          <p:cNvPr id="10" name="PlaceHolder 1"/>
+          <p:cNvPr id="11" name="PlaceHolder 1"/>
           <p:cNvSpPr>
             <a:spLocks noGrp="1"/>
           </p:cNvSpPr>
@@ -3598,8 +3842,10 @@
             <a:noAutofit/>
           </a:bodyPr>
           <a:p>
-            <a:pPr algn="ctr"/>
-            <a:endParaRPr b="0" lang="pt-BR" sz="4400" spc="-1" strike="noStrike">
+            <a:endParaRPr b="0" lang="pt-BR" sz="1800" spc="-1" strike="noStrike">
+              <a:solidFill>
+                <a:srgbClr val="000000"/>
+              </a:solidFill>
               <a:latin typeface="Arial"/>
             </a:endParaRPr>
           </a:p>
@@ -3629,7 +3875,7 @@
       </p:grpSpPr>
       <p:sp>
         <p:nvSpPr>
-          <p:cNvPr id="11" name="PlaceHolder 1"/>
+          <p:cNvPr id="12" name="PlaceHolder 1"/>
           <p:cNvSpPr>
             <a:spLocks noGrp="1"/>
           </p:cNvSpPr>
@@ -3682,7 +3928,7 @@
       </p:grpSpPr>
       <p:sp>
         <p:nvSpPr>
-          <p:cNvPr id="12" name="PlaceHolder 1"/>
+          <p:cNvPr id="13" name="PlaceHolder 1"/>
           <p:cNvSpPr>
             <a:spLocks noGrp="1"/>
           </p:cNvSpPr>
@@ -3704,16 +3950,18 @@
             <a:noAutofit/>
           </a:bodyPr>
           <a:p>
-            <a:pPr algn="ctr"/>
-            <a:endParaRPr b="0" lang="pt-BR" sz="4400" spc="-1" strike="noStrike">
-              <a:latin typeface="Arial"/>
-            </a:endParaRPr>
-          </a:p>
-        </p:txBody>
-      </p:sp>
-      <p:sp>
-        <p:nvSpPr>
-          <p:cNvPr id="13" name="PlaceHolder 2"/>
+            <a:endParaRPr b="0" lang="pt-BR" sz="1800" spc="-1" strike="noStrike">
+              <a:solidFill>
+                <a:srgbClr val="000000"/>
+              </a:solidFill>
+              <a:latin typeface="Arial"/>
+            </a:endParaRPr>
+          </a:p>
+        </p:txBody>
+      </p:sp>
+      <p:sp>
+        <p:nvSpPr>
+          <p:cNvPr id="14" name="PlaceHolder 2"/>
           <p:cNvSpPr>
             <a:spLocks noGrp="1"/>
           </p:cNvSpPr>
@@ -3735,15 +3983,18 @@
             <a:normAutofit/>
           </a:bodyPr>
           <a:p>
-            <a:endParaRPr b="0" lang="pt-BR" sz="3200" spc="-1" strike="noStrike">
-              <a:latin typeface="Arial"/>
-            </a:endParaRPr>
-          </a:p>
-        </p:txBody>
-      </p:sp>
-      <p:sp>
-        <p:nvSpPr>
-          <p:cNvPr id="14" name="PlaceHolder 3"/>
+            <a:endParaRPr b="0" lang="pt-BR" sz="2800" spc="-1" strike="noStrike">
+              <a:solidFill>
+                <a:srgbClr val="000000"/>
+              </a:solidFill>
+              <a:latin typeface="Arial"/>
+            </a:endParaRPr>
+          </a:p>
+        </p:txBody>
+      </p:sp>
+      <p:sp>
+        <p:nvSpPr>
+          <p:cNvPr id="15" name="PlaceHolder 3"/>
           <p:cNvSpPr>
             <a:spLocks noGrp="1"/>
           </p:cNvSpPr>
@@ -3765,15 +4016,18 @@
             <a:normAutofit/>
           </a:bodyPr>
           <a:p>
-            <a:endParaRPr b="0" lang="pt-BR" sz="3200" spc="-1" strike="noStrike">
-              <a:latin typeface="Arial"/>
-            </a:endParaRPr>
-          </a:p>
-        </p:txBody>
-      </p:sp>
-      <p:sp>
-        <p:nvSpPr>
-          <p:cNvPr id="15" name="PlaceHolder 4"/>
+            <a:endParaRPr b="0" lang="pt-BR" sz="2800" spc="-1" strike="noStrike">
+              <a:solidFill>
+                <a:srgbClr val="000000"/>
+              </a:solidFill>
+              <a:latin typeface="Arial"/>
+            </a:endParaRPr>
+          </a:p>
+        </p:txBody>
+      </p:sp>
+      <p:sp>
+        <p:nvSpPr>
+          <p:cNvPr id="16" name="PlaceHolder 4"/>
           <p:cNvSpPr>
             <a:spLocks noGrp="1"/>
           </p:cNvSpPr>
@@ -3795,7 +4049,10 @@
             <a:normAutofit/>
           </a:bodyPr>
           <a:p>
-            <a:endParaRPr b="0" lang="pt-BR" sz="3200" spc="-1" strike="noStrike">
+            <a:endParaRPr b="0" lang="pt-BR" sz="2800" spc="-1" strike="noStrike">
+              <a:solidFill>
+                <a:srgbClr val="000000"/>
+              </a:solidFill>
               <a:latin typeface="Arial"/>
             </a:endParaRPr>
           </a:p>
@@ -3825,7 +4082,7 @@
       </p:grpSpPr>
       <p:sp>
         <p:nvSpPr>
-          <p:cNvPr id="16" name="PlaceHolder 1"/>
+          <p:cNvPr id="17" name="PlaceHolder 1"/>
           <p:cNvSpPr>
             <a:spLocks noGrp="1"/>
           </p:cNvSpPr>
@@ -3847,16 +4104,18 @@
             <a:noAutofit/>
           </a:bodyPr>
           <a:p>
-            <a:pPr algn="ctr"/>
-            <a:endParaRPr b="0" lang="pt-BR" sz="4400" spc="-1" strike="noStrike">
-              <a:latin typeface="Arial"/>
-            </a:endParaRPr>
-          </a:p>
-        </p:txBody>
-      </p:sp>
-      <p:sp>
-        <p:nvSpPr>
-          <p:cNvPr id="17" name="PlaceHolder 2"/>
+            <a:endParaRPr b="0" lang="pt-BR" sz="1800" spc="-1" strike="noStrike">
+              <a:solidFill>
+                <a:srgbClr val="000000"/>
+              </a:solidFill>
+              <a:latin typeface="Arial"/>
+            </a:endParaRPr>
+          </a:p>
+        </p:txBody>
+      </p:sp>
+      <p:sp>
+        <p:nvSpPr>
+          <p:cNvPr id="18" name="PlaceHolder 2"/>
           <p:cNvSpPr>
             <a:spLocks noGrp="1"/>
           </p:cNvSpPr>
@@ -3878,15 +4137,18 @@
             <a:normAutofit/>
           </a:bodyPr>
           <a:p>
-            <a:endParaRPr b="0" lang="pt-BR" sz="3200" spc="-1" strike="noStrike">
-              <a:latin typeface="Arial"/>
-            </a:endParaRPr>
-          </a:p>
-        </p:txBody>
-      </p:sp>
-      <p:sp>
-        <p:nvSpPr>
-          <p:cNvPr id="18" name="PlaceHolder 3"/>
+            <a:endParaRPr b="0" lang="pt-BR" sz="2800" spc="-1" strike="noStrike">
+              <a:solidFill>
+                <a:srgbClr val="000000"/>
+              </a:solidFill>
+              <a:latin typeface="Arial"/>
+            </a:endParaRPr>
+          </a:p>
+        </p:txBody>
+      </p:sp>
+      <p:sp>
+        <p:nvSpPr>
+          <p:cNvPr id="19" name="PlaceHolder 3"/>
           <p:cNvSpPr>
             <a:spLocks noGrp="1"/>
           </p:cNvSpPr>
@@ -3908,15 +4170,18 @@
             <a:normAutofit/>
           </a:bodyPr>
           <a:p>
-            <a:endParaRPr b="0" lang="pt-BR" sz="3200" spc="-1" strike="noStrike">
-              <a:latin typeface="Arial"/>
-            </a:endParaRPr>
-          </a:p>
-        </p:txBody>
-      </p:sp>
-      <p:sp>
-        <p:nvSpPr>
-          <p:cNvPr id="19" name="PlaceHolder 4"/>
+            <a:endParaRPr b="0" lang="pt-BR" sz="2800" spc="-1" strike="noStrike">
+              <a:solidFill>
+                <a:srgbClr val="000000"/>
+              </a:solidFill>
+              <a:latin typeface="Arial"/>
+            </a:endParaRPr>
+          </a:p>
+        </p:txBody>
+      </p:sp>
+      <p:sp>
+        <p:nvSpPr>
+          <p:cNvPr id="20" name="PlaceHolder 4"/>
           <p:cNvSpPr>
             <a:spLocks noGrp="1"/>
           </p:cNvSpPr>
@@ -3938,7 +4203,10 @@
             <a:normAutofit/>
           </a:bodyPr>
           <a:p>
-            <a:endParaRPr b="0" lang="pt-BR" sz="3200" spc="-1" strike="noStrike">
+            <a:endParaRPr b="0" lang="pt-BR" sz="2800" spc="-1" strike="noStrike">
+              <a:solidFill>
+                <a:srgbClr val="000000"/>
+              </a:solidFill>
               <a:latin typeface="Arial"/>
             </a:endParaRPr>
           </a:p>
@@ -3968,7 +4236,7 @@
       </p:grpSpPr>
       <p:sp>
         <p:nvSpPr>
-          <p:cNvPr id="20" name="PlaceHolder 1"/>
+          <p:cNvPr id="21" name="PlaceHolder 1"/>
           <p:cNvSpPr>
             <a:spLocks noGrp="1"/>
           </p:cNvSpPr>
@@ -3990,16 +4258,18 @@
             <a:noAutofit/>
           </a:bodyPr>
           <a:p>
-            <a:pPr algn="ctr"/>
-            <a:endParaRPr b="0" lang="pt-BR" sz="4400" spc="-1" strike="noStrike">
-              <a:latin typeface="Arial"/>
-            </a:endParaRPr>
-          </a:p>
-        </p:txBody>
-      </p:sp>
-      <p:sp>
-        <p:nvSpPr>
-          <p:cNvPr id="21" name="PlaceHolder 2"/>
+            <a:endParaRPr b="0" lang="pt-BR" sz="1800" spc="-1" strike="noStrike">
+              <a:solidFill>
+                <a:srgbClr val="000000"/>
+              </a:solidFill>
+              <a:latin typeface="Arial"/>
+            </a:endParaRPr>
+          </a:p>
+        </p:txBody>
+      </p:sp>
+      <p:sp>
+        <p:nvSpPr>
+          <p:cNvPr id="22" name="PlaceHolder 2"/>
           <p:cNvSpPr>
             <a:spLocks noGrp="1"/>
           </p:cNvSpPr>
@@ -4021,15 +4291,18 @@
             <a:normAutofit/>
           </a:bodyPr>
           <a:p>
-            <a:endParaRPr b="0" lang="pt-BR" sz="3200" spc="-1" strike="noStrike">
-              <a:latin typeface="Arial"/>
-            </a:endParaRPr>
-          </a:p>
-        </p:txBody>
-      </p:sp>
-      <p:sp>
-        <p:nvSpPr>
-          <p:cNvPr id="22" name="PlaceHolder 3"/>
+            <a:endParaRPr b="0" lang="pt-BR" sz="2800" spc="-1" strike="noStrike">
+              <a:solidFill>
+                <a:srgbClr val="000000"/>
+              </a:solidFill>
+              <a:latin typeface="Arial"/>
+            </a:endParaRPr>
+          </a:p>
+        </p:txBody>
+      </p:sp>
+      <p:sp>
+        <p:nvSpPr>
+          <p:cNvPr id="23" name="PlaceHolder 3"/>
           <p:cNvSpPr>
             <a:spLocks noGrp="1"/>
           </p:cNvSpPr>
@@ -4051,15 +4324,18 @@
             <a:normAutofit/>
           </a:bodyPr>
           <a:p>
-            <a:endParaRPr b="0" lang="pt-BR" sz="3200" spc="-1" strike="noStrike">
-              <a:latin typeface="Arial"/>
-            </a:endParaRPr>
-          </a:p>
-        </p:txBody>
-      </p:sp>
-      <p:sp>
-        <p:nvSpPr>
-          <p:cNvPr id="23" name="PlaceHolder 4"/>
+            <a:endParaRPr b="0" lang="pt-BR" sz="2800" spc="-1" strike="noStrike">
+              <a:solidFill>
+                <a:srgbClr val="000000"/>
+              </a:solidFill>
+              <a:latin typeface="Arial"/>
+            </a:endParaRPr>
+          </a:p>
+        </p:txBody>
+      </p:sp>
+      <p:sp>
+        <p:nvSpPr>
+          <p:cNvPr id="24" name="PlaceHolder 4"/>
           <p:cNvSpPr>
             <a:spLocks noGrp="1"/>
           </p:cNvSpPr>
@@ -4081,7 +4357,10 @@
             <a:normAutofit/>
           </a:bodyPr>
           <a:p>
-            <a:endParaRPr b="0" lang="pt-BR" sz="3200" spc="-1" strike="noStrike">
+            <a:endParaRPr b="0" lang="pt-BR" sz="2800" spc="-1" strike="noStrike">
+              <a:solidFill>
+                <a:srgbClr val="000000"/>
+              </a:solidFill>
               <a:latin typeface="Arial"/>
             </a:endParaRPr>
           </a:p>
@@ -4129,7 +4408,7 @@
         <p:spPr>
           <a:xfrm>
             <a:off x="5441040" y="6062040"/>
-            <a:ext cx="1107720" cy="584280"/>
+            <a:ext cx="1107360" cy="583920"/>
           </a:xfrm>
           <a:prstGeom prst="rect">
             <a:avLst/>
@@ -4141,7 +4420,58 @@
       </p:pic>
       <p:sp>
         <p:nvSpPr>
-          <p:cNvPr id="1" name="PlaceHolder 1"/>
+          <p:cNvPr id="1" name="CustomShape 1"/>
+          <p:cNvSpPr/>
+          <p:nvPr/>
+        </p:nvSpPr>
+        <p:spPr>
+          <a:xfrm>
+            <a:off x="0" y="6649920"/>
+            <a:ext cx="10495080" cy="153000"/>
+          </a:xfrm>
+          <a:prstGeom prst="rect">
+            <a:avLst/>
+          </a:prstGeom>
+          <a:noFill/>
+          <a:ln>
+            <a:noFill/>
+          </a:ln>
+        </p:spPr>
+        <p:style>
+          <a:lnRef idx="0"/>
+          <a:fillRef idx="0"/>
+          <a:effectRef idx="0"/>
+          <a:fontRef idx="minor"/>
+        </p:style>
+        <p:txBody>
+          <a:bodyPr lIns="0" rIns="0" tIns="0" bIns="0" anchor="ctr" anchorCtr="1">
+            <a:spAutoFit/>
+          </a:bodyPr>
+          <a:p>
+            <a:pPr>
+              <a:lnSpc>
+                <a:spcPct val="100000"/>
+              </a:lnSpc>
+            </a:pPr>
+            <a:r>
+              <a:rPr b="0" lang="pt-BR" sz="1000" spc="-1" strike="noStrike">
+                <a:solidFill>
+                  <a:srgbClr val="000000"/>
+                </a:solidFill>
+                <a:latin typeface="Calibri"/>
+                <a:ea typeface="DejaVu Sans"/>
+              </a:rPr>
+              <a:t>Este documento contém informações pública, sendo seu conteúdo restrito apenas a pessoas autorizadas. Qualquer reprodução, alteração, distribuição sem prévio consentimento são proibidas.</a:t>
+            </a:r>
+            <a:endParaRPr b="0" lang="pt-BR" sz="1000" spc="-1" strike="noStrike">
+              <a:latin typeface="Arial"/>
+            </a:endParaRPr>
+          </a:p>
+        </p:txBody>
+      </p:sp>
+      <p:sp>
+        <p:nvSpPr>
+          <p:cNvPr id="2" name="PlaceHolder 2"/>
           <p:cNvSpPr>
             <a:spLocks noGrp="1"/>
           </p:cNvSpPr>
@@ -4163,22 +4493,27 @@
             <a:noAutofit/>
           </a:bodyPr>
           <a:p>
-            <a:pPr algn="ctr"/>
-            <a:r>
-              <a:rPr b="0" lang="pt-BR" sz="4400" spc="-1" strike="noStrike">
+            <a:r>
+              <a:rPr b="0" lang="pt-BR" sz="1800" spc="-1" strike="noStrike">
+                <a:solidFill>
+                  <a:srgbClr val="000000"/>
+                </a:solidFill>
                 <a:latin typeface="Arial"/>
               </a:rPr>
               <a:t>Clique para editar o formato do texto do título</a:t>
             </a:r>
-            <a:endParaRPr b="0" lang="pt-BR" sz="4400" spc="-1" strike="noStrike">
-              <a:latin typeface="Arial"/>
-            </a:endParaRPr>
-          </a:p>
-        </p:txBody>
-      </p:sp>
-      <p:sp>
-        <p:nvSpPr>
-          <p:cNvPr id="2" name="PlaceHolder 2"/>
+            <a:endParaRPr b="0" lang="pt-BR" sz="1800" spc="-1" strike="noStrike">
+              <a:solidFill>
+                <a:srgbClr val="000000"/>
+              </a:solidFill>
+              <a:latin typeface="Arial"/>
+            </a:endParaRPr>
+          </a:p>
+        </p:txBody>
+      </p:sp>
+      <p:sp>
+        <p:nvSpPr>
+          <p:cNvPr id="3" name="PlaceHolder 3"/>
           <p:cNvSpPr>
             <a:spLocks noGrp="1"/>
           </p:cNvSpPr>
@@ -4212,12 +4547,18 @@
               <a:buChar char=""/>
             </a:pPr>
             <a:r>
-              <a:rPr b="0" lang="pt-BR" sz="3200" spc="-1" strike="noStrike">
+              <a:rPr b="0" lang="pt-BR" sz="2800" spc="-1" strike="noStrike">
+                <a:solidFill>
+                  <a:srgbClr val="000000"/>
+                </a:solidFill>
                 <a:latin typeface="Arial"/>
               </a:rPr>
               <a:t>Clique para editar o formato do texto da estrutura de tópicos</a:t>
             </a:r>
-            <a:endParaRPr b="0" lang="pt-BR" sz="3200" spc="-1" strike="noStrike">
+            <a:endParaRPr b="0" lang="pt-BR" sz="2800" spc="-1" strike="noStrike">
+              <a:solidFill>
+                <a:srgbClr val="000000"/>
+              </a:solidFill>
               <a:latin typeface="Arial"/>
             </a:endParaRPr>
           </a:p>
@@ -4234,12 +4575,18 @@
               <a:buChar char=""/>
             </a:pPr>
             <a:r>
-              <a:rPr b="0" lang="pt-BR" sz="2800" spc="-1" strike="noStrike">
+              <a:rPr b="0" lang="pt-BR" sz="2000" spc="-1" strike="noStrike">
+                <a:solidFill>
+                  <a:srgbClr val="000000"/>
+                </a:solidFill>
                 <a:latin typeface="Arial"/>
               </a:rPr>
               <a:t>2.º nível da estrutura de tópicos</a:t>
             </a:r>
-            <a:endParaRPr b="0" lang="pt-BR" sz="2800" spc="-1" strike="noStrike">
+            <a:endParaRPr b="0" lang="pt-BR" sz="2000" spc="-1" strike="noStrike">
+              <a:solidFill>
+                <a:srgbClr val="000000"/>
+              </a:solidFill>
               <a:latin typeface="Arial"/>
             </a:endParaRPr>
           </a:p>
@@ -4256,12 +4603,18 @@
               <a:buChar char=""/>
             </a:pPr>
             <a:r>
-              <a:rPr b="0" lang="pt-BR" sz="2400" spc="-1" strike="noStrike">
+              <a:rPr b="0" lang="pt-BR" sz="1800" spc="-1" strike="noStrike">
+                <a:solidFill>
+                  <a:srgbClr val="000000"/>
+                </a:solidFill>
                 <a:latin typeface="Arial"/>
               </a:rPr>
               <a:t>3.º nível da estrutura de tópicos</a:t>
             </a:r>
-            <a:endParaRPr b="0" lang="pt-BR" sz="2400" spc="-1" strike="noStrike">
+            <a:endParaRPr b="0" lang="pt-BR" sz="1800" spc="-1" strike="noStrike">
+              <a:solidFill>
+                <a:srgbClr val="000000"/>
+              </a:solidFill>
               <a:latin typeface="Arial"/>
             </a:endParaRPr>
           </a:p>
@@ -4278,12 +4631,18 @@
               <a:buChar char=""/>
             </a:pPr>
             <a:r>
-              <a:rPr b="0" lang="pt-BR" sz="2000" spc="-1" strike="noStrike">
+              <a:rPr b="0" lang="pt-BR" sz="1800" spc="-1" strike="noStrike">
+                <a:solidFill>
+                  <a:srgbClr val="000000"/>
+                </a:solidFill>
                 <a:latin typeface="Arial"/>
               </a:rPr>
               <a:t>4.º nível da estrutura de tópicos</a:t>
             </a:r>
-            <a:endParaRPr b="0" lang="pt-BR" sz="2000" spc="-1" strike="noStrike">
+            <a:endParaRPr b="0" lang="pt-BR" sz="1800" spc="-1" strike="noStrike">
+              <a:solidFill>
+                <a:srgbClr val="000000"/>
+              </a:solidFill>
               <a:latin typeface="Arial"/>
             </a:endParaRPr>
           </a:p>
@@ -4301,11 +4660,17 @@
             </a:pPr>
             <a:r>
               <a:rPr b="0" lang="pt-BR" sz="2000" spc="-1" strike="noStrike">
+                <a:solidFill>
+                  <a:srgbClr val="000000"/>
+                </a:solidFill>
                 <a:latin typeface="Arial"/>
               </a:rPr>
               <a:t>5.º nível da estrutura de tópicos</a:t>
             </a:r>
             <a:endParaRPr b="0" lang="pt-BR" sz="2000" spc="-1" strike="noStrike">
+              <a:solidFill>
+                <a:srgbClr val="000000"/>
+              </a:solidFill>
               <a:latin typeface="Arial"/>
             </a:endParaRPr>
           </a:p>
@@ -4323,11 +4688,17 @@
             </a:pPr>
             <a:r>
               <a:rPr b="0" lang="pt-BR" sz="2000" spc="-1" strike="noStrike">
+                <a:solidFill>
+                  <a:srgbClr val="000000"/>
+                </a:solidFill>
                 <a:latin typeface="Arial"/>
               </a:rPr>
               <a:t>6.º nível da estrutura de tópicos</a:t>
             </a:r>
             <a:endParaRPr b="0" lang="pt-BR" sz="2000" spc="-1" strike="noStrike">
+              <a:solidFill>
+                <a:srgbClr val="000000"/>
+              </a:solidFill>
               <a:latin typeface="Arial"/>
             </a:endParaRPr>
           </a:p>
@@ -4345,11 +4716,17 @@
             </a:pPr>
             <a:r>
               <a:rPr b="0" lang="pt-BR" sz="2000" spc="-1" strike="noStrike">
+                <a:solidFill>
+                  <a:srgbClr val="000000"/>
+                </a:solidFill>
                 <a:latin typeface="Arial"/>
               </a:rPr>
               <a:t>7.º nível da estrutura de tópicos</a:t>
             </a:r>
             <a:endParaRPr b="0" lang="pt-BR" sz="2000" spc="-1" strike="noStrike">
+              <a:solidFill>
+                <a:srgbClr val="000000"/>
+              </a:solidFill>
               <a:latin typeface="Arial"/>
             </a:endParaRPr>
           </a:p>
@@ -4401,7 +4778,7 @@
       </p:grpSpPr>
       <p:pic>
         <p:nvPicPr>
-          <p:cNvPr id="39" name="Imagem 6" descr="marca vertical"/>
+          <p:cNvPr id="40" name="Imagem 6" descr="marca vertical"/>
           <p:cNvPicPr/>
           <p:nvPr/>
         </p:nvPicPr>
@@ -4412,7 +4789,7 @@
         <p:spPr>
           <a:xfrm>
             <a:off x="5540040" y="6176880"/>
-            <a:ext cx="1107720" cy="584280"/>
+            <a:ext cx="1107360" cy="583920"/>
           </a:xfrm>
           <a:prstGeom prst="rect">
             <a:avLst/>
@@ -4424,7 +4801,58 @@
       </p:pic>
       <p:sp>
         <p:nvSpPr>
-          <p:cNvPr id="40" name="PlaceHolder 1"/>
+          <p:cNvPr id="41" name="CustomShape 1"/>
+          <p:cNvSpPr/>
+          <p:nvPr/>
+        </p:nvSpPr>
+        <p:spPr>
+          <a:xfrm>
+            <a:off x="0" y="6649920"/>
+            <a:ext cx="10495080" cy="153000"/>
+          </a:xfrm>
+          <a:prstGeom prst="rect">
+            <a:avLst/>
+          </a:prstGeom>
+          <a:noFill/>
+          <a:ln>
+            <a:noFill/>
+          </a:ln>
+        </p:spPr>
+        <p:style>
+          <a:lnRef idx="0"/>
+          <a:fillRef idx="0"/>
+          <a:effectRef idx="0"/>
+          <a:fontRef idx="minor"/>
+        </p:style>
+        <p:txBody>
+          <a:bodyPr lIns="0" rIns="0" tIns="0" bIns="0" anchor="ctr" anchorCtr="1">
+            <a:spAutoFit/>
+          </a:bodyPr>
+          <a:p>
+            <a:pPr>
+              <a:lnSpc>
+                <a:spcPct val="100000"/>
+              </a:lnSpc>
+            </a:pPr>
+            <a:r>
+              <a:rPr b="0" lang="pt-BR" sz="1000" spc="-1" strike="noStrike">
+                <a:solidFill>
+                  <a:srgbClr val="000000"/>
+                </a:solidFill>
+                <a:latin typeface="Calibri"/>
+                <a:ea typeface="DejaVu Sans"/>
+              </a:rPr>
+              <a:t>Este documento contém informações pública, sendo seu conteúdo restrito apenas a pessoas autorizadas. Qualquer reprodução, alteração, distribuição sem prévio consentimento são proibidas.</a:t>
+            </a:r>
+            <a:endParaRPr b="0" lang="pt-BR" sz="1000" spc="-1" strike="noStrike">
+              <a:latin typeface="Arial"/>
+            </a:endParaRPr>
+          </a:p>
+        </p:txBody>
+      </p:sp>
+      <p:sp>
+        <p:nvSpPr>
+          <p:cNvPr id="42" name="PlaceHolder 2"/>
           <p:cNvSpPr>
             <a:spLocks noGrp="1"/>
           </p:cNvSpPr>
@@ -4446,22 +4874,27 @@
             <a:noAutofit/>
           </a:bodyPr>
           <a:p>
-            <a:pPr algn="ctr"/>
-            <a:r>
-              <a:rPr b="0" lang="pt-BR" sz="4400" spc="-1" strike="noStrike">
+            <a:r>
+              <a:rPr b="0" lang="pt-BR" sz="1800" spc="-1" strike="noStrike">
+                <a:solidFill>
+                  <a:srgbClr val="000000"/>
+                </a:solidFill>
                 <a:latin typeface="Arial"/>
               </a:rPr>
               <a:t>Clique para editar o formato do texto do título</a:t>
             </a:r>
-            <a:endParaRPr b="0" lang="pt-BR" sz="4400" spc="-1" strike="noStrike">
-              <a:latin typeface="Arial"/>
-            </a:endParaRPr>
-          </a:p>
-        </p:txBody>
-      </p:sp>
-      <p:sp>
-        <p:nvSpPr>
-          <p:cNvPr id="41" name="PlaceHolder 2"/>
+            <a:endParaRPr b="0" lang="pt-BR" sz="1800" spc="-1" strike="noStrike">
+              <a:solidFill>
+                <a:srgbClr val="000000"/>
+              </a:solidFill>
+              <a:latin typeface="Arial"/>
+            </a:endParaRPr>
+          </a:p>
+        </p:txBody>
+      </p:sp>
+      <p:sp>
+        <p:nvSpPr>
+          <p:cNvPr id="43" name="PlaceHolder 3"/>
           <p:cNvSpPr>
             <a:spLocks noGrp="1"/>
           </p:cNvSpPr>
@@ -4495,12 +4928,18 @@
               <a:buChar char=""/>
             </a:pPr>
             <a:r>
-              <a:rPr b="0" lang="pt-BR" sz="3200" spc="-1" strike="noStrike">
+              <a:rPr b="0" lang="pt-BR" sz="2800" spc="-1" strike="noStrike">
+                <a:solidFill>
+                  <a:srgbClr val="000000"/>
+                </a:solidFill>
                 <a:latin typeface="Arial"/>
               </a:rPr>
               <a:t>Clique para editar o formato do texto da estrutura de tópicos</a:t>
             </a:r>
-            <a:endParaRPr b="0" lang="pt-BR" sz="3200" spc="-1" strike="noStrike">
+            <a:endParaRPr b="0" lang="pt-BR" sz="2800" spc="-1" strike="noStrike">
+              <a:solidFill>
+                <a:srgbClr val="000000"/>
+              </a:solidFill>
               <a:latin typeface="Arial"/>
             </a:endParaRPr>
           </a:p>
@@ -4517,12 +4956,18 @@
               <a:buChar char=""/>
             </a:pPr>
             <a:r>
-              <a:rPr b="0" lang="pt-BR" sz="2800" spc="-1" strike="noStrike">
+              <a:rPr b="0" lang="pt-BR" sz="2000" spc="-1" strike="noStrike">
+                <a:solidFill>
+                  <a:srgbClr val="000000"/>
+                </a:solidFill>
                 <a:latin typeface="Arial"/>
               </a:rPr>
               <a:t>2.º nível da estrutura de tópicos</a:t>
             </a:r>
-            <a:endParaRPr b="0" lang="pt-BR" sz="2800" spc="-1" strike="noStrike">
+            <a:endParaRPr b="0" lang="pt-BR" sz="2000" spc="-1" strike="noStrike">
+              <a:solidFill>
+                <a:srgbClr val="000000"/>
+              </a:solidFill>
               <a:latin typeface="Arial"/>
             </a:endParaRPr>
           </a:p>
@@ -4539,12 +4984,18 @@
               <a:buChar char=""/>
             </a:pPr>
             <a:r>
-              <a:rPr b="0" lang="pt-BR" sz="2400" spc="-1" strike="noStrike">
+              <a:rPr b="0" lang="pt-BR" sz="1800" spc="-1" strike="noStrike">
+                <a:solidFill>
+                  <a:srgbClr val="000000"/>
+                </a:solidFill>
                 <a:latin typeface="Arial"/>
               </a:rPr>
               <a:t>3.º nível da estrutura de tópicos</a:t>
             </a:r>
-            <a:endParaRPr b="0" lang="pt-BR" sz="2400" spc="-1" strike="noStrike">
+            <a:endParaRPr b="0" lang="pt-BR" sz="1800" spc="-1" strike="noStrike">
+              <a:solidFill>
+                <a:srgbClr val="000000"/>
+              </a:solidFill>
               <a:latin typeface="Arial"/>
             </a:endParaRPr>
           </a:p>
@@ -4561,12 +5012,18 @@
               <a:buChar char=""/>
             </a:pPr>
             <a:r>
-              <a:rPr b="0" lang="pt-BR" sz="2000" spc="-1" strike="noStrike">
+              <a:rPr b="0" lang="pt-BR" sz="1800" spc="-1" strike="noStrike">
+                <a:solidFill>
+                  <a:srgbClr val="000000"/>
+                </a:solidFill>
                 <a:latin typeface="Arial"/>
               </a:rPr>
               <a:t>4.º nível da estrutura de tópicos</a:t>
             </a:r>
-            <a:endParaRPr b="0" lang="pt-BR" sz="2000" spc="-1" strike="noStrike">
+            <a:endParaRPr b="0" lang="pt-BR" sz="1800" spc="-1" strike="noStrike">
+              <a:solidFill>
+                <a:srgbClr val="000000"/>
+              </a:solidFill>
               <a:latin typeface="Arial"/>
             </a:endParaRPr>
           </a:p>
@@ -4584,11 +5041,17 @@
             </a:pPr>
             <a:r>
               <a:rPr b="0" lang="pt-BR" sz="2000" spc="-1" strike="noStrike">
+                <a:solidFill>
+                  <a:srgbClr val="000000"/>
+                </a:solidFill>
                 <a:latin typeface="Arial"/>
               </a:rPr>
               <a:t>5.º nível da estrutura de tópicos</a:t>
             </a:r>
             <a:endParaRPr b="0" lang="pt-BR" sz="2000" spc="-1" strike="noStrike">
+              <a:solidFill>
+                <a:srgbClr val="000000"/>
+              </a:solidFill>
               <a:latin typeface="Arial"/>
             </a:endParaRPr>
           </a:p>
@@ -4606,11 +5069,17 @@
             </a:pPr>
             <a:r>
               <a:rPr b="0" lang="pt-BR" sz="2000" spc="-1" strike="noStrike">
+                <a:solidFill>
+                  <a:srgbClr val="000000"/>
+                </a:solidFill>
                 <a:latin typeface="Arial"/>
               </a:rPr>
               <a:t>6.º nível da estrutura de tópicos</a:t>
             </a:r>
             <a:endParaRPr b="0" lang="pt-BR" sz="2000" spc="-1" strike="noStrike">
+              <a:solidFill>
+                <a:srgbClr val="000000"/>
+              </a:solidFill>
               <a:latin typeface="Arial"/>
             </a:endParaRPr>
           </a:p>
@@ -4628,11 +5097,17 @@
             </a:pPr>
             <a:r>
               <a:rPr b="0" lang="pt-BR" sz="2000" spc="-1" strike="noStrike">
+                <a:solidFill>
+                  <a:srgbClr val="000000"/>
+                </a:solidFill>
                 <a:latin typeface="Arial"/>
               </a:rPr>
               <a:t>7.º nível da estrutura de tópicos</a:t>
             </a:r>
             <a:endParaRPr b="0" lang="pt-BR" sz="2000" spc="-1" strike="noStrike">
+              <a:solidFill>
+                <a:srgbClr val="000000"/>
+              </a:solidFill>
               <a:latin typeface="Arial"/>
             </a:endParaRPr>
           </a:p>
@@ -4684,7 +5159,7 @@
       </p:grpSpPr>
       <p:pic>
         <p:nvPicPr>
-          <p:cNvPr id="78" name="Imagem 7" descr="marca vertical"/>
+          <p:cNvPr id="80" name="Imagem 7" descr="marca vertical"/>
           <p:cNvPicPr/>
           <p:nvPr/>
         </p:nvPicPr>
@@ -4695,7 +5170,7 @@
         <p:spPr>
           <a:xfrm>
             <a:off x="5540040" y="6132960"/>
-            <a:ext cx="1107720" cy="584280"/>
+            <a:ext cx="1107360" cy="583920"/>
           </a:xfrm>
           <a:prstGeom prst="rect">
             <a:avLst/>
@@ -4707,7 +5182,58 @@
       </p:pic>
       <p:sp>
         <p:nvSpPr>
-          <p:cNvPr id="79" name="PlaceHolder 1"/>
+          <p:cNvPr id="81" name="CustomShape 1"/>
+          <p:cNvSpPr/>
+          <p:nvPr/>
+        </p:nvSpPr>
+        <p:spPr>
+          <a:xfrm>
+            <a:off x="0" y="6649920"/>
+            <a:ext cx="10495080" cy="153000"/>
+          </a:xfrm>
+          <a:prstGeom prst="rect">
+            <a:avLst/>
+          </a:prstGeom>
+          <a:noFill/>
+          <a:ln>
+            <a:noFill/>
+          </a:ln>
+        </p:spPr>
+        <p:style>
+          <a:lnRef idx="0"/>
+          <a:fillRef idx="0"/>
+          <a:effectRef idx="0"/>
+          <a:fontRef idx="minor"/>
+        </p:style>
+        <p:txBody>
+          <a:bodyPr lIns="0" rIns="0" tIns="0" bIns="0" anchor="ctr" anchorCtr="1">
+            <a:spAutoFit/>
+          </a:bodyPr>
+          <a:p>
+            <a:pPr>
+              <a:lnSpc>
+                <a:spcPct val="100000"/>
+              </a:lnSpc>
+            </a:pPr>
+            <a:r>
+              <a:rPr b="0" lang="pt-BR" sz="1000" spc="-1" strike="noStrike">
+                <a:solidFill>
+                  <a:srgbClr val="000000"/>
+                </a:solidFill>
+                <a:latin typeface="Calibri"/>
+                <a:ea typeface="DejaVu Sans"/>
+              </a:rPr>
+              <a:t>Este documento contém informações pública, sendo seu conteúdo restrito apenas a pessoas autorizadas. Qualquer reprodução, alteração, distribuição sem prévio consentimento são proibidas.</a:t>
+            </a:r>
+            <a:endParaRPr b="0" lang="pt-BR" sz="1000" spc="-1" strike="noStrike">
+              <a:latin typeface="Arial"/>
+            </a:endParaRPr>
+          </a:p>
+        </p:txBody>
+      </p:sp>
+      <p:sp>
+        <p:nvSpPr>
+          <p:cNvPr id="82" name="PlaceHolder 2"/>
           <p:cNvSpPr>
             <a:spLocks noGrp="1"/>
           </p:cNvSpPr>
@@ -4731,20 +5257,26 @@
           <a:p>
             <a:pPr algn="ctr"/>
             <a:r>
-              <a:rPr b="0" lang="pt-BR" sz="1800" spc="-1" strike="noStrike">
+              <a:rPr b="0" lang="pt-BR" sz="4400" spc="-1" strike="noStrike">
+                <a:solidFill>
+                  <a:srgbClr val="000000"/>
+                </a:solidFill>
                 <a:latin typeface="Arial"/>
               </a:rPr>
               <a:t>Clique para editar o formato do texto do título</a:t>
             </a:r>
-            <a:endParaRPr b="0" lang="pt-BR" sz="1800" spc="-1" strike="noStrike">
-              <a:latin typeface="Arial"/>
-            </a:endParaRPr>
-          </a:p>
-        </p:txBody>
-      </p:sp>
-      <p:sp>
-        <p:nvSpPr>
-          <p:cNvPr id="80" name="PlaceHolder 2"/>
+            <a:endParaRPr b="0" lang="pt-BR" sz="4400" spc="-1" strike="noStrike">
+              <a:solidFill>
+                <a:srgbClr val="000000"/>
+              </a:solidFill>
+              <a:latin typeface="Arial"/>
+            </a:endParaRPr>
+          </a:p>
+        </p:txBody>
+      </p:sp>
+      <p:sp>
+        <p:nvSpPr>
+          <p:cNvPr id="83" name="PlaceHolder 3"/>
           <p:cNvSpPr>
             <a:spLocks noGrp="1"/>
           </p:cNvSpPr>
@@ -4763,7 +5295,7 @@
         </p:spPr>
         <p:txBody>
           <a:bodyPr lIns="0" rIns="0" tIns="0" bIns="0">
-            <a:normAutofit/>
+            <a:normAutofit fontScale="51000"/>
           </a:bodyPr>
           <a:p>
             <a:pPr marL="432000" indent="-324000" algn="ctr">
@@ -4778,12 +5310,18 @@
               <a:buChar char=""/>
             </a:pPr>
             <a:r>
-              <a:rPr b="0" lang="pt-BR" sz="1800" spc="-1" strike="noStrike">
+              <a:rPr b="0" lang="pt-BR" sz="2800" spc="-1" strike="noStrike">
+                <a:solidFill>
+                  <a:srgbClr val="000000"/>
+                </a:solidFill>
                 <a:latin typeface="Arial"/>
               </a:rPr>
               <a:t>Clique para editar o formato do texto da estrutura de tópicos</a:t>
             </a:r>
-            <a:endParaRPr b="0" lang="pt-BR" sz="1800" spc="-1" strike="noStrike">
+            <a:endParaRPr b="0" lang="pt-BR" sz="2800" spc="-1" strike="noStrike">
+              <a:solidFill>
+                <a:srgbClr val="000000"/>
+              </a:solidFill>
               <a:latin typeface="Arial"/>
             </a:endParaRPr>
           </a:p>
@@ -4800,12 +5338,18 @@
               <a:buChar char=""/>
             </a:pPr>
             <a:r>
-              <a:rPr b="0" lang="pt-BR" sz="1800" spc="-1" strike="noStrike">
+              <a:rPr b="0" lang="pt-BR" sz="2800" spc="-1" strike="noStrike">
+                <a:solidFill>
+                  <a:srgbClr val="000000"/>
+                </a:solidFill>
                 <a:latin typeface="Arial"/>
               </a:rPr>
               <a:t>2.º nível da estrutura de tópicos</a:t>
             </a:r>
-            <a:endParaRPr b="0" lang="pt-BR" sz="1800" spc="-1" strike="noStrike">
+            <a:endParaRPr b="0" lang="pt-BR" sz="2800" spc="-1" strike="noStrike">
+              <a:solidFill>
+                <a:srgbClr val="000000"/>
+              </a:solidFill>
               <a:latin typeface="Arial"/>
             </a:endParaRPr>
           </a:p>
@@ -4822,12 +5366,18 @@
               <a:buChar char=""/>
             </a:pPr>
             <a:r>
-              <a:rPr b="0" lang="pt-BR" sz="1800" spc="-1" strike="noStrike">
+              <a:rPr b="0" lang="pt-BR" sz="2800" spc="-1" strike="noStrike">
+                <a:solidFill>
+                  <a:srgbClr val="000000"/>
+                </a:solidFill>
                 <a:latin typeface="Arial"/>
               </a:rPr>
               <a:t>3.º nível da estrutura de tópicos</a:t>
             </a:r>
-            <a:endParaRPr b="0" lang="pt-BR" sz="1800" spc="-1" strike="noStrike">
+            <a:endParaRPr b="0" lang="pt-BR" sz="2800" spc="-1" strike="noStrike">
+              <a:solidFill>
+                <a:srgbClr val="000000"/>
+              </a:solidFill>
               <a:latin typeface="Arial"/>
             </a:endParaRPr>
           </a:p>
@@ -4844,12 +5394,18 @@
               <a:buChar char=""/>
             </a:pPr>
             <a:r>
-              <a:rPr b="0" lang="pt-BR" sz="1800" spc="-1" strike="noStrike">
+              <a:rPr b="0" lang="pt-BR" sz="2800" spc="-1" strike="noStrike">
+                <a:solidFill>
+                  <a:srgbClr val="000000"/>
+                </a:solidFill>
                 <a:latin typeface="Arial"/>
               </a:rPr>
               <a:t>4.º nível da estrutura de tópicos</a:t>
             </a:r>
-            <a:endParaRPr b="0" lang="pt-BR" sz="1800" spc="-1" strike="noStrike">
+            <a:endParaRPr b="0" lang="pt-BR" sz="2800" spc="-1" strike="noStrike">
+              <a:solidFill>
+                <a:srgbClr val="000000"/>
+              </a:solidFill>
               <a:latin typeface="Arial"/>
             </a:endParaRPr>
           </a:p>
@@ -4866,12 +5422,18 @@
               <a:buChar char=""/>
             </a:pPr>
             <a:r>
-              <a:rPr b="0" lang="pt-BR" sz="1800" spc="-1" strike="noStrike">
+              <a:rPr b="0" lang="pt-BR" sz="2800" spc="-1" strike="noStrike">
+                <a:solidFill>
+                  <a:srgbClr val="000000"/>
+                </a:solidFill>
                 <a:latin typeface="Arial"/>
               </a:rPr>
               <a:t>5.º nível da estrutura de tópicos</a:t>
             </a:r>
-            <a:endParaRPr b="0" lang="pt-BR" sz="1800" spc="-1" strike="noStrike">
+            <a:endParaRPr b="0" lang="pt-BR" sz="2800" spc="-1" strike="noStrike">
+              <a:solidFill>
+                <a:srgbClr val="000000"/>
+              </a:solidFill>
               <a:latin typeface="Arial"/>
             </a:endParaRPr>
           </a:p>
@@ -4888,12 +5450,18 @@
               <a:buChar char=""/>
             </a:pPr>
             <a:r>
-              <a:rPr b="0" lang="pt-BR" sz="1800" spc="-1" strike="noStrike">
+              <a:rPr b="0" lang="pt-BR" sz="2800" spc="-1" strike="noStrike">
+                <a:solidFill>
+                  <a:srgbClr val="000000"/>
+                </a:solidFill>
                 <a:latin typeface="Arial"/>
               </a:rPr>
               <a:t>6.º nível da estrutura de tópicos</a:t>
             </a:r>
-            <a:endParaRPr b="0" lang="pt-BR" sz="1800" spc="-1" strike="noStrike">
+            <a:endParaRPr b="0" lang="pt-BR" sz="2800" spc="-1" strike="noStrike">
+              <a:solidFill>
+                <a:srgbClr val="000000"/>
+              </a:solidFill>
               <a:latin typeface="Arial"/>
             </a:endParaRPr>
           </a:p>
@@ -4910,20 +5478,26 @@
               <a:buChar char=""/>
             </a:pPr>
             <a:r>
-              <a:rPr b="0" lang="pt-BR" sz="1800" spc="-1" strike="noStrike">
+              <a:rPr b="0" lang="pt-BR" sz="2800" spc="-1" strike="noStrike">
+                <a:solidFill>
+                  <a:srgbClr val="000000"/>
+                </a:solidFill>
                 <a:latin typeface="Arial"/>
               </a:rPr>
               <a:t>7.º nível da estrutura de tópicos</a:t>
             </a:r>
-            <a:endParaRPr b="0" lang="pt-BR" sz="1800" spc="-1" strike="noStrike">
-              <a:latin typeface="Arial"/>
-            </a:endParaRPr>
-          </a:p>
-        </p:txBody>
-      </p:sp>
-      <p:sp>
-        <p:nvSpPr>
-          <p:cNvPr id="81" name="PlaceHolder 3"/>
+            <a:endParaRPr b="0" lang="pt-BR" sz="2800" spc="-1" strike="noStrike">
+              <a:solidFill>
+                <a:srgbClr val="000000"/>
+              </a:solidFill>
+              <a:latin typeface="Arial"/>
+            </a:endParaRPr>
+          </a:p>
+        </p:txBody>
+      </p:sp>
+      <p:sp>
+        <p:nvSpPr>
+          <p:cNvPr id="84" name="PlaceHolder 4"/>
           <p:cNvSpPr>
             <a:spLocks noGrp="1"/>
           </p:cNvSpPr>
@@ -4942,7 +5516,7 @@
         </p:spPr>
         <p:txBody>
           <a:bodyPr lIns="0" rIns="0" tIns="0" bIns="0">
-            <a:normAutofit/>
+            <a:normAutofit fontScale="51000"/>
           </a:bodyPr>
           <a:p>
             <a:pPr marL="432000" indent="-324000" algn="ctr">
@@ -4957,12 +5531,18 @@
               <a:buChar char=""/>
             </a:pPr>
             <a:r>
-              <a:rPr b="0" lang="pt-BR" sz="1800" spc="-1" strike="noStrike">
+              <a:rPr b="0" lang="pt-BR" sz="2800" spc="-1" strike="noStrike">
+                <a:solidFill>
+                  <a:srgbClr val="000000"/>
+                </a:solidFill>
                 <a:latin typeface="Arial"/>
               </a:rPr>
               <a:t>Clique para editar o formato do texto da estrutura de tópicos</a:t>
             </a:r>
-            <a:endParaRPr b="0" lang="pt-BR" sz="1800" spc="-1" strike="noStrike">
+            <a:endParaRPr b="0" lang="pt-BR" sz="2800" spc="-1" strike="noStrike">
+              <a:solidFill>
+                <a:srgbClr val="000000"/>
+              </a:solidFill>
               <a:latin typeface="Arial"/>
             </a:endParaRPr>
           </a:p>
@@ -4979,12 +5559,18 @@
               <a:buChar char=""/>
             </a:pPr>
             <a:r>
-              <a:rPr b="0" lang="pt-BR" sz="1800" spc="-1" strike="noStrike">
+              <a:rPr b="0" lang="pt-BR" sz="2800" spc="-1" strike="noStrike">
+                <a:solidFill>
+                  <a:srgbClr val="000000"/>
+                </a:solidFill>
                 <a:latin typeface="Arial"/>
               </a:rPr>
               <a:t>2.º nível da estrutura de tópicos</a:t>
             </a:r>
-            <a:endParaRPr b="0" lang="pt-BR" sz="1800" spc="-1" strike="noStrike">
+            <a:endParaRPr b="0" lang="pt-BR" sz="2800" spc="-1" strike="noStrike">
+              <a:solidFill>
+                <a:srgbClr val="000000"/>
+              </a:solidFill>
               <a:latin typeface="Arial"/>
             </a:endParaRPr>
           </a:p>
@@ -5001,12 +5587,18 @@
               <a:buChar char=""/>
             </a:pPr>
             <a:r>
-              <a:rPr b="0" lang="pt-BR" sz="1800" spc="-1" strike="noStrike">
+              <a:rPr b="0" lang="pt-BR" sz="2800" spc="-1" strike="noStrike">
+                <a:solidFill>
+                  <a:srgbClr val="000000"/>
+                </a:solidFill>
                 <a:latin typeface="Arial"/>
               </a:rPr>
               <a:t>3.º nível da estrutura de tópicos</a:t>
             </a:r>
-            <a:endParaRPr b="0" lang="pt-BR" sz="1800" spc="-1" strike="noStrike">
+            <a:endParaRPr b="0" lang="pt-BR" sz="2800" spc="-1" strike="noStrike">
+              <a:solidFill>
+                <a:srgbClr val="000000"/>
+              </a:solidFill>
               <a:latin typeface="Arial"/>
             </a:endParaRPr>
           </a:p>
@@ -5023,12 +5615,18 @@
               <a:buChar char=""/>
             </a:pPr>
             <a:r>
-              <a:rPr b="0" lang="pt-BR" sz="1800" spc="-1" strike="noStrike">
+              <a:rPr b="0" lang="pt-BR" sz="2800" spc="-1" strike="noStrike">
+                <a:solidFill>
+                  <a:srgbClr val="000000"/>
+                </a:solidFill>
                 <a:latin typeface="Arial"/>
               </a:rPr>
               <a:t>4.º nível da estrutura de tópicos</a:t>
             </a:r>
-            <a:endParaRPr b="0" lang="pt-BR" sz="1800" spc="-1" strike="noStrike">
+            <a:endParaRPr b="0" lang="pt-BR" sz="2800" spc="-1" strike="noStrike">
+              <a:solidFill>
+                <a:srgbClr val="000000"/>
+              </a:solidFill>
               <a:latin typeface="Arial"/>
             </a:endParaRPr>
           </a:p>
@@ -5045,12 +5643,18 @@
               <a:buChar char=""/>
             </a:pPr>
             <a:r>
-              <a:rPr b="0" lang="pt-BR" sz="1800" spc="-1" strike="noStrike">
+              <a:rPr b="0" lang="pt-BR" sz="2800" spc="-1" strike="noStrike">
+                <a:solidFill>
+                  <a:srgbClr val="000000"/>
+                </a:solidFill>
                 <a:latin typeface="Arial"/>
               </a:rPr>
               <a:t>5.º nível da estrutura de tópicos</a:t>
             </a:r>
-            <a:endParaRPr b="0" lang="pt-BR" sz="1800" spc="-1" strike="noStrike">
+            <a:endParaRPr b="0" lang="pt-BR" sz="2800" spc="-1" strike="noStrike">
+              <a:solidFill>
+                <a:srgbClr val="000000"/>
+              </a:solidFill>
               <a:latin typeface="Arial"/>
             </a:endParaRPr>
           </a:p>
@@ -5067,12 +5671,18 @@
               <a:buChar char=""/>
             </a:pPr>
             <a:r>
-              <a:rPr b="0" lang="pt-BR" sz="1800" spc="-1" strike="noStrike">
+              <a:rPr b="0" lang="pt-BR" sz="2800" spc="-1" strike="noStrike">
+                <a:solidFill>
+                  <a:srgbClr val="000000"/>
+                </a:solidFill>
                 <a:latin typeface="Arial"/>
               </a:rPr>
               <a:t>6.º nível da estrutura de tópicos</a:t>
             </a:r>
-            <a:endParaRPr b="0" lang="pt-BR" sz="1800" spc="-1" strike="noStrike">
+            <a:endParaRPr b="0" lang="pt-BR" sz="2800" spc="-1" strike="noStrike">
+              <a:solidFill>
+                <a:srgbClr val="000000"/>
+              </a:solidFill>
               <a:latin typeface="Arial"/>
             </a:endParaRPr>
           </a:p>
@@ -5089,12 +5699,18 @@
               <a:buChar char=""/>
             </a:pPr>
             <a:r>
-              <a:rPr b="0" lang="pt-BR" sz="1800" spc="-1" strike="noStrike">
+              <a:rPr b="0" lang="pt-BR" sz="2800" spc="-1" strike="noStrike">
+                <a:solidFill>
+                  <a:srgbClr val="000000"/>
+                </a:solidFill>
                 <a:latin typeface="Arial"/>
               </a:rPr>
               <a:t>7.º nível da estrutura de tópicos</a:t>
             </a:r>
-            <a:endParaRPr b="0" lang="pt-BR" sz="1800" spc="-1" strike="noStrike">
+            <a:endParaRPr b="0" lang="pt-BR" sz="2800" spc="-1" strike="noStrike">
+              <a:solidFill>
+                <a:srgbClr val="000000"/>
+              </a:solidFill>
               <a:latin typeface="Arial"/>
             </a:endParaRPr>
           </a:p>
@@ -5139,14 +5755,14 @@
       </p:grpSpPr>
       <p:sp>
         <p:nvSpPr>
-          <p:cNvPr id="118" name="CustomShape 1"/>
+          <p:cNvPr id="121" name="CustomShape 1"/>
           <p:cNvSpPr/>
           <p:nvPr/>
         </p:nvSpPr>
         <p:spPr>
           <a:xfrm>
             <a:off x="1523880" y="523800"/>
-            <a:ext cx="9139680" cy="2383200"/>
+            <a:ext cx="9139320" cy="2382840"/>
           </a:xfrm>
           <a:prstGeom prst="rect">
             <a:avLst/>
@@ -5190,14 +5806,14 @@
       </p:sp>
       <p:sp>
         <p:nvSpPr>
-          <p:cNvPr id="119" name="CustomShape 2"/>
+          <p:cNvPr id="122" name="CustomShape 2"/>
           <p:cNvSpPr/>
           <p:nvPr/>
         </p:nvSpPr>
         <p:spPr>
           <a:xfrm>
             <a:off x="1523880" y="3003480"/>
-            <a:ext cx="9139680" cy="2237400"/>
+            <a:ext cx="9139320" cy="2237040"/>
           </a:xfrm>
           <a:prstGeom prst="rect">
             <a:avLst/>
@@ -5333,14 +5949,14 @@
       </p:grpSpPr>
       <p:sp>
         <p:nvSpPr>
-          <p:cNvPr id="146" name="CustomShape 1"/>
+          <p:cNvPr id="149" name="CustomShape 1"/>
           <p:cNvSpPr/>
           <p:nvPr/>
         </p:nvSpPr>
         <p:spPr>
           <a:xfrm>
-            <a:off x="838080" y="365040"/>
-            <a:ext cx="10511280" cy="1321200"/>
+            <a:off x="838080" y="173160"/>
+            <a:ext cx="10510920" cy="1320840"/>
           </a:xfrm>
           <a:prstGeom prst="rect">
             <a:avLst/>
@@ -5374,7 +5990,7 @@
                 <a:latin typeface="Calibri Light"/>
                 <a:ea typeface="DejaVu Sans"/>
               </a:rPr>
-              <a:t>3.2. Análise de concorrência</a:t>
+              <a:t>3.3. Análise de concorrência</a:t>
             </a:r>
             <a:endParaRPr b="0" lang="pt-BR" sz="4400" spc="-1" strike="noStrike">
               <a:latin typeface="Arial"/>
@@ -5384,14 +6000,14 @@
       </p:sp>
       <p:sp>
         <p:nvSpPr>
-          <p:cNvPr id="147" name="CustomShape 2"/>
+          <p:cNvPr id="150" name="CustomShape 2"/>
           <p:cNvSpPr/>
           <p:nvPr/>
         </p:nvSpPr>
         <p:spPr>
           <a:xfrm>
-            <a:off x="838080" y="1825560"/>
-            <a:ext cx="10511280" cy="4347000"/>
+            <a:off x="720000" y="1372320"/>
+            <a:ext cx="10629000" cy="4346640"/>
           </a:xfrm>
           <a:prstGeom prst="rect">
             <a:avLst/>
@@ -5407,7 +6023,536 @@
           <a:effectRef idx="0"/>
           <a:fontRef idx="minor"/>
         </p:style>
-      </p:sp>
+        <p:txBody>
+          <a:bodyPr lIns="90000" rIns="90000" tIns="45000" bIns="45000">
+            <a:noAutofit/>
+          </a:bodyPr>
+          <a:p>
+            <a:pPr algn="ctr">
+              <a:lnSpc>
+                <a:spcPct val="100000"/>
+              </a:lnSpc>
+            </a:pPr>
+            <a:r>
+              <a:rPr b="1" lang="pt-BR" sz="2000" spc="-1" strike="noStrike">
+                <a:solidFill>
+                  <a:srgbClr val="000000"/>
+                </a:solidFill>
+                <a:latin typeface="Times New Roman"/>
+                <a:ea typeface="DejaVu Sans"/>
+              </a:rPr>
+              <a:t>Supermercado Compre bem </a:t>
+            </a:r>
+            <a:r>
+              <a:rPr b="0" lang="pt-BR" sz="2000" spc="-1" strike="noStrike">
+                <a:solidFill>
+                  <a:srgbClr val="000000"/>
+                </a:solidFill>
+                <a:latin typeface="Times New Roman"/>
+                <a:ea typeface="DejaVu Sans"/>
+              </a:rPr>
+              <a:t>(nome fictício)</a:t>
+            </a:r>
+            <a:endParaRPr b="0" lang="pt-BR" sz="2000" spc="-1" strike="noStrike">
+              <a:latin typeface="Arial"/>
+            </a:endParaRPr>
+          </a:p>
+        </p:txBody>
+      </p:sp>
+      <p:graphicFrame>
+        <p:nvGraphicFramePr>
+          <p:cNvPr id="151" name="Table 3"/>
+          <p:cNvGraphicFramePr/>
+          <p:nvPr/>
+        </p:nvGraphicFramePr>
+        <p:xfrm>
+          <a:off x="720000" y="1792080"/>
+          <a:ext cx="10947240" cy="4213080"/>
+        </p:xfrm>
+        <a:graphic>
+          <a:graphicData uri="http://schemas.openxmlformats.org/drawingml/2006/table">
+            <a:tbl>
+              <a:tblPr/>
+              <a:tblGrid>
+                <a:gridCol w="5473440"/>
+                <a:gridCol w="5473800"/>
+              </a:tblGrid>
+              <a:tr h="2106720">
+                <a:tc>
+                  <a:txBody>
+                    <a:bodyPr>
+                      <a:noAutofit/>
+                    </a:bodyPr>
+                    <a:p>
+                      <a:pPr>
+                        <a:lnSpc>
+                          <a:spcPct val="100000"/>
+                        </a:lnSpc>
+                      </a:pPr>
+                      <a:r>
+                        <a:rPr b="1" lang="pt-BR" sz="1800" spc="-1" strike="noStrike">
+                          <a:solidFill>
+                            <a:srgbClr val="ffffff"/>
+                          </a:solidFill>
+                          <a:latin typeface="Arial"/>
+                          <a:ea typeface="DejaVu Sans"/>
+                        </a:rPr>
+                        <a:t>Força</a:t>
+                      </a:r>
+                      <a:endParaRPr b="0" lang="pt-BR" sz="1800" spc="-1" strike="noStrike">
+                        <a:latin typeface="Arial"/>
+                      </a:endParaRPr>
+                    </a:p>
+                    <a:p>
+                      <a:pPr>
+                        <a:lnSpc>
+                          <a:spcPct val="100000"/>
+                        </a:lnSpc>
+                      </a:pPr>
+                      <a:endParaRPr b="0" lang="pt-BR" sz="1800" spc="-1" strike="noStrike">
+                        <a:latin typeface="Arial"/>
+                      </a:endParaRPr>
+                    </a:p>
+                    <a:p>
+                      <a:pPr>
+                        <a:lnSpc>
+                          <a:spcPct val="100000"/>
+                        </a:lnSpc>
+                      </a:pPr>
+                      <a:r>
+                        <a:rPr b="1" lang="pt-BR" sz="1800" spc="-1" strike="noStrike">
+                          <a:solidFill>
+                            <a:srgbClr val="ffffff"/>
+                          </a:solidFill>
+                          <a:latin typeface="Arial"/>
+                          <a:ea typeface="DejaVu Sans"/>
+                        </a:rPr>
+                        <a:t>Grande rede varejista</a:t>
+                      </a:r>
+                      <a:endParaRPr b="0" lang="pt-BR" sz="1800" spc="-1" strike="noStrike">
+                        <a:latin typeface="Arial"/>
+                      </a:endParaRPr>
+                    </a:p>
+                    <a:p>
+                      <a:pPr>
+                        <a:lnSpc>
+                          <a:spcPct val="100000"/>
+                        </a:lnSpc>
+                      </a:pPr>
+                      <a:endParaRPr b="0" lang="pt-BR" sz="1800" spc="-1" strike="noStrike">
+                        <a:latin typeface="Arial"/>
+                      </a:endParaRPr>
+                    </a:p>
+                    <a:p>
+                      <a:pPr>
+                        <a:lnSpc>
+                          <a:spcPct val="100000"/>
+                        </a:lnSpc>
+                      </a:pPr>
+                      <a:r>
+                        <a:rPr b="1" lang="pt-BR" sz="1800" spc="-1" strike="noStrike">
+                          <a:solidFill>
+                            <a:srgbClr val="ffffff"/>
+                          </a:solidFill>
+                          <a:latin typeface="Arial"/>
+                          <a:ea typeface="DejaVu Sans"/>
+                        </a:rPr>
+                        <a:t>Espaço agradável para fazer compras </a:t>
+                      </a:r>
+                      <a:endParaRPr b="0" lang="pt-BR" sz="1800" spc="-1" strike="noStrike">
+                        <a:latin typeface="Arial"/>
+                      </a:endParaRPr>
+                    </a:p>
+                  </a:txBody>
+                  <a:tcPr marL="91440" marR="91440">
+                    <a:lnL w="12240">
+                      <a:solidFill>
+                        <a:srgbClr val="ffffff"/>
+                      </a:solidFill>
+                    </a:lnL>
+                    <a:lnR w="12240">
+                      <a:solidFill>
+                        <a:srgbClr val="ffffff"/>
+                      </a:solidFill>
+                    </a:lnR>
+                    <a:lnT w="12240">
+                      <a:solidFill>
+                        <a:srgbClr val="ffffff"/>
+                      </a:solidFill>
+                    </a:lnT>
+                    <a:lnB w="38160">
+                      <a:solidFill>
+                        <a:srgbClr val="ffffff"/>
+                      </a:solidFill>
+                    </a:lnB>
+                    <a:solidFill>
+                      <a:srgbClr val="4f81bd"/>
+                    </a:solidFill>
+                  </a:tcPr>
+                </a:tc>
+                <a:tc>
+                  <a:txBody>
+                    <a:bodyPr>
+                      <a:noAutofit/>
+                    </a:bodyPr>
+                    <a:p>
+                      <a:pPr>
+                        <a:lnSpc>
+                          <a:spcPct val="100000"/>
+                        </a:lnSpc>
+                      </a:pPr>
+                      <a:r>
+                        <a:rPr b="1" lang="pt-BR" sz="1800" spc="-1" strike="noStrike">
+                          <a:solidFill>
+                            <a:srgbClr val="ffffff"/>
+                          </a:solidFill>
+                          <a:latin typeface="Arial"/>
+                          <a:ea typeface="DejaVu Sans"/>
+                        </a:rPr>
+                        <a:t>Fraqueza</a:t>
+                      </a:r>
+                      <a:endParaRPr b="0" lang="pt-BR" sz="1800" spc="-1" strike="noStrike">
+                        <a:latin typeface="Arial"/>
+                      </a:endParaRPr>
+                    </a:p>
+                    <a:p>
+                      <a:pPr>
+                        <a:lnSpc>
+                          <a:spcPct val="100000"/>
+                        </a:lnSpc>
+                      </a:pPr>
+                      <a:endParaRPr b="0" lang="pt-BR" sz="1800" spc="-1" strike="noStrike">
+                        <a:latin typeface="Arial"/>
+                      </a:endParaRPr>
+                    </a:p>
+                    <a:p>
+                      <a:pPr>
+                        <a:lnSpc>
+                          <a:spcPct val="100000"/>
+                        </a:lnSpc>
+                      </a:pPr>
+                      <a:r>
+                        <a:rPr b="1" lang="pt-BR" sz="1800" spc="-1" strike="noStrike">
+                          <a:solidFill>
+                            <a:srgbClr val="ffffff"/>
+                          </a:solidFill>
+                          <a:latin typeface="Arial"/>
+                          <a:ea typeface="DejaVu Sans"/>
+                        </a:rPr>
+                        <a:t>Somente comercialização de linguiças e defumados industrializados</a:t>
+                      </a:r>
+                      <a:endParaRPr b="0" lang="pt-BR" sz="1800" spc="-1" strike="noStrike">
+                        <a:latin typeface="Arial"/>
+                      </a:endParaRPr>
+                    </a:p>
+                    <a:p>
+                      <a:pPr>
+                        <a:lnSpc>
+                          <a:spcPct val="100000"/>
+                        </a:lnSpc>
+                      </a:pPr>
+                      <a:endParaRPr b="0" lang="pt-BR" sz="1800" spc="-1" strike="noStrike">
+                        <a:latin typeface="Arial"/>
+                      </a:endParaRPr>
+                    </a:p>
+                    <a:p>
+                      <a:pPr>
+                        <a:lnSpc>
+                          <a:spcPct val="100000"/>
+                        </a:lnSpc>
+                      </a:pPr>
+                      <a:r>
+                        <a:rPr b="1" lang="pt-BR" sz="1800" spc="-1" strike="noStrike">
+                          <a:solidFill>
+                            <a:srgbClr val="ffffff"/>
+                          </a:solidFill>
+                          <a:latin typeface="Arial"/>
+                          <a:ea typeface="DejaVu Sans"/>
+                        </a:rPr>
+                        <a:t>Não existe seção e pessoal especializado em embutidos artesanais</a:t>
+                      </a:r>
+                      <a:endParaRPr b="0" lang="pt-BR" sz="1800" spc="-1" strike="noStrike">
+                        <a:latin typeface="Arial"/>
+                      </a:endParaRPr>
+                    </a:p>
+                  </a:txBody>
+                  <a:tcPr marL="91440" marR="91440">
+                    <a:lnL w="12240">
+                      <a:solidFill>
+                        <a:srgbClr val="ffffff"/>
+                      </a:solidFill>
+                    </a:lnL>
+                    <a:lnR w="12240">
+                      <a:solidFill>
+                        <a:srgbClr val="ffffff"/>
+                      </a:solidFill>
+                    </a:lnR>
+                    <a:lnT w="12240">
+                      <a:solidFill>
+                        <a:srgbClr val="ffffff"/>
+                      </a:solidFill>
+                    </a:lnT>
+                    <a:lnB w="38160">
+                      <a:solidFill>
+                        <a:srgbClr val="ffffff"/>
+                      </a:solidFill>
+                    </a:lnB>
+                    <a:solidFill>
+                      <a:srgbClr val="ffc000"/>
+                    </a:solidFill>
+                  </a:tcPr>
+                </a:tc>
+              </a:tr>
+              <a:tr h="2106720">
+                <a:tc>
+                  <a:txBody>
+                    <a:bodyPr>
+                      <a:noAutofit/>
+                    </a:bodyPr>
+                    <a:p>
+                      <a:pPr>
+                        <a:lnSpc>
+                          <a:spcPct val="100000"/>
+                        </a:lnSpc>
+                      </a:pPr>
+                      <a:r>
+                        <a:rPr b="0" lang="pt-BR" sz="1800" spc="-1" strike="noStrike">
+                          <a:solidFill>
+                            <a:srgbClr val="ffffff"/>
+                          </a:solidFill>
+                          <a:latin typeface="Arial"/>
+                          <a:ea typeface="DejaVu Sans"/>
+                        </a:rPr>
+                        <a:t>Oportunidade</a:t>
+                      </a:r>
+                      <a:endParaRPr b="0" lang="pt-BR" sz="1800" spc="-1" strike="noStrike">
+                        <a:latin typeface="Arial"/>
+                      </a:endParaRPr>
+                    </a:p>
+                    <a:p>
+                      <a:pPr>
+                        <a:lnSpc>
+                          <a:spcPct val="100000"/>
+                        </a:lnSpc>
+                      </a:pPr>
+                      <a:endParaRPr b="0" lang="pt-BR" sz="1800" spc="-1" strike="noStrike">
+                        <a:latin typeface="Arial"/>
+                      </a:endParaRPr>
+                    </a:p>
+                    <a:p>
+                      <a:pPr>
+                        <a:lnSpc>
+                          <a:spcPct val="100000"/>
+                        </a:lnSpc>
+                      </a:pPr>
+                      <a:r>
+                        <a:rPr b="0" lang="pt-BR" sz="1800" spc="-1" strike="noStrike">
+                          <a:solidFill>
+                            <a:srgbClr val="ffffff"/>
+                          </a:solidFill>
+                          <a:latin typeface="Arial"/>
+                          <a:ea typeface="DejaVu Sans"/>
+                        </a:rPr>
+                        <a:t>Fechar parceria para vender nossos produtos</a:t>
+                      </a:r>
+                      <a:endParaRPr b="0" lang="pt-BR" sz="1800" spc="-1" strike="noStrike">
+                        <a:latin typeface="Arial"/>
+                      </a:endParaRPr>
+                    </a:p>
+                    <a:p>
+                      <a:pPr>
+                        <a:lnSpc>
+                          <a:spcPct val="100000"/>
+                        </a:lnSpc>
+                      </a:pPr>
+                      <a:endParaRPr b="0" lang="pt-BR" sz="1800" spc="-1" strike="noStrike">
+                        <a:latin typeface="Arial"/>
+                      </a:endParaRPr>
+                    </a:p>
+                    <a:p>
+                      <a:pPr>
+                        <a:lnSpc>
+                          <a:spcPct val="100000"/>
+                        </a:lnSpc>
+                      </a:pPr>
+                      <a:r>
+                        <a:rPr b="0" lang="pt-BR" sz="1800" spc="-1" strike="noStrike">
+                          <a:solidFill>
+                            <a:srgbClr val="ffffff"/>
+                          </a:solidFill>
+                          <a:latin typeface="Arial"/>
+                          <a:ea typeface="DejaVu Sans"/>
+                        </a:rPr>
+                        <a:t>Oferecer marmitex aos funcionários da rede varejista</a:t>
+                      </a:r>
+                      <a:endParaRPr b="0" lang="pt-BR" sz="1800" spc="-1" strike="noStrike">
+                        <a:latin typeface="Arial"/>
+                      </a:endParaRPr>
+                    </a:p>
+                    <a:p>
+                      <a:pPr>
+                        <a:lnSpc>
+                          <a:spcPct val="100000"/>
+                        </a:lnSpc>
+                      </a:pPr>
+                      <a:endParaRPr b="0" lang="pt-BR" sz="1800" spc="-1" strike="noStrike">
+                        <a:latin typeface="Arial"/>
+                      </a:endParaRPr>
+                    </a:p>
+                  </a:txBody>
+                  <a:tcPr marL="91440" marR="91440">
+                    <a:lnL w="12240">
+                      <a:solidFill>
+                        <a:srgbClr val="ffffff"/>
+                      </a:solidFill>
+                    </a:lnL>
+                    <a:lnR w="12240">
+                      <a:solidFill>
+                        <a:srgbClr val="ffffff"/>
+                      </a:solidFill>
+                    </a:lnR>
+                    <a:lnT w="12240">
+                      <a:solidFill>
+                        <a:srgbClr val="ffffff"/>
+                      </a:solidFill>
+                    </a:lnT>
+                    <a:lnB w="12240">
+                      <a:solidFill>
+                        <a:srgbClr val="ffffff"/>
+                      </a:solidFill>
+                    </a:lnB>
+                    <a:solidFill>
+                      <a:srgbClr val="00b050"/>
+                    </a:solidFill>
+                  </a:tcPr>
+                </a:tc>
+                <a:tc>
+                  <a:txBody>
+                    <a:bodyPr>
+                      <a:noAutofit/>
+                    </a:bodyPr>
+                    <a:p>
+                      <a:pPr>
+                        <a:lnSpc>
+                          <a:spcPct val="100000"/>
+                        </a:lnSpc>
+                      </a:pPr>
+                      <a:r>
+                        <a:rPr b="0" lang="pt-BR" sz="1800" spc="-1" strike="noStrike">
+                          <a:solidFill>
+                            <a:srgbClr val="ffffff"/>
+                          </a:solidFill>
+                          <a:latin typeface="Arial"/>
+                          <a:ea typeface="DejaVu Sans"/>
+                        </a:rPr>
+                        <a:t>Ameaças</a:t>
+                      </a:r>
+                      <a:endParaRPr b="0" lang="pt-BR" sz="1800" spc="-1" strike="noStrike">
+                        <a:latin typeface="Arial"/>
+                      </a:endParaRPr>
+                    </a:p>
+                    <a:p>
+                      <a:pPr>
+                        <a:lnSpc>
+                          <a:spcPct val="100000"/>
+                        </a:lnSpc>
+                      </a:pPr>
+                      <a:endParaRPr b="0" lang="pt-BR" sz="1800" spc="-1" strike="noStrike">
+                        <a:latin typeface="Arial"/>
+                      </a:endParaRPr>
+                    </a:p>
+                    <a:p>
+                      <a:pPr>
+                        <a:lnSpc>
+                          <a:spcPct val="100000"/>
+                        </a:lnSpc>
+                      </a:pPr>
+                      <a:r>
+                        <a:rPr b="0" lang="pt-BR" sz="1800" spc="-1" strike="noStrike">
+                          <a:solidFill>
+                            <a:srgbClr val="ffffff"/>
+                          </a:solidFill>
+                          <a:latin typeface="Arial"/>
+                          <a:ea typeface="DejaVu Sans"/>
+                        </a:rPr>
+                        <a:t>Fechar parceria para oferecer nossos produtos em rede concorrente</a:t>
+                      </a:r>
+                      <a:endParaRPr b="0" lang="pt-BR" sz="1800" spc="-1" strike="noStrike">
+                        <a:latin typeface="Arial"/>
+                      </a:endParaRPr>
+                    </a:p>
+                    <a:p>
+                      <a:pPr>
+                        <a:lnSpc>
+                          <a:spcPct val="100000"/>
+                        </a:lnSpc>
+                      </a:pPr>
+                      <a:endParaRPr b="0" lang="pt-BR" sz="1800" spc="-1" strike="noStrike">
+                        <a:latin typeface="Arial"/>
+                      </a:endParaRPr>
+                    </a:p>
+                    <a:p>
+                      <a:pPr>
+                        <a:lnSpc>
+                          <a:spcPct val="100000"/>
+                        </a:lnSpc>
+                      </a:pPr>
+                      <a:r>
+                        <a:rPr b="0" lang="pt-BR" sz="1800" spc="-1" strike="noStrike">
+                          <a:solidFill>
+                            <a:srgbClr val="ffffff"/>
+                          </a:solidFill>
+                          <a:latin typeface="Arial"/>
+                          <a:ea typeface="DejaVu Sans"/>
+                        </a:rPr>
+                        <a:t>O Tio Tó se tornar uma marca forte no mercado de embutidos</a:t>
+                      </a:r>
+                      <a:endParaRPr b="0" lang="pt-BR" sz="1800" spc="-1" strike="noStrike">
+                        <a:latin typeface="Arial"/>
+                      </a:endParaRPr>
+                    </a:p>
+                    <a:p>
+                      <a:pPr>
+                        <a:lnSpc>
+                          <a:spcPct val="100000"/>
+                        </a:lnSpc>
+                      </a:pPr>
+                      <a:endParaRPr b="0" lang="pt-BR" sz="1800" spc="-1" strike="noStrike">
+                        <a:latin typeface="Arial"/>
+                      </a:endParaRPr>
+                    </a:p>
+                  </a:txBody>
+                  <a:tcPr marL="91440" marR="91440">
+                    <a:lnL w="12240">
+                      <a:solidFill>
+                        <a:srgbClr val="ffffff"/>
+                      </a:solidFill>
+                    </a:lnL>
+                    <a:lnR w="12240">
+                      <a:solidFill>
+                        <a:srgbClr val="ffffff"/>
+                      </a:solidFill>
+                    </a:lnR>
+                    <a:lnT w="12240">
+                      <a:solidFill>
+                        <a:srgbClr val="ffffff"/>
+                      </a:solidFill>
+                    </a:lnT>
+                    <a:lnB w="12240">
+                      <a:solidFill>
+                        <a:srgbClr val="ffffff"/>
+                      </a:solidFill>
+                    </a:lnB>
+                    <a:solidFill>
+                      <a:srgbClr val="ff0000"/>
+                    </a:solidFill>
+                  </a:tcPr>
+                </a:tc>
+              </a:tr>
+            </a:tbl>
+          </a:graphicData>
+        </a:graphic>
+      </p:graphicFrame>
     </p:spTree>
   </p:cSld>
   <mc:AlternateContent>
@@ -5440,14 +6585,14 @@
       </p:grpSpPr>
       <p:sp>
         <p:nvSpPr>
-          <p:cNvPr id="148" name="CustomShape 1"/>
+          <p:cNvPr id="152" name="CustomShape 1"/>
           <p:cNvSpPr/>
           <p:nvPr/>
         </p:nvSpPr>
         <p:spPr>
           <a:xfrm>
             <a:off x="838080" y="365040"/>
-            <a:ext cx="10511280" cy="1321200"/>
+            <a:ext cx="10510920" cy="1320840"/>
           </a:xfrm>
           <a:prstGeom prst="rect">
             <a:avLst/>
@@ -5481,7 +6626,7 @@
                 <a:latin typeface="Calibri Light"/>
                 <a:ea typeface="DejaVu Sans"/>
               </a:rPr>
-              <a:t>4. Considerações finais - TCC I</a:t>
+              <a:t>3.3. Análise de concorrência</a:t>
             </a:r>
             <a:endParaRPr b="0" lang="pt-BR" sz="4400" spc="-1" strike="noStrike">
               <a:latin typeface="Arial"/>
@@ -5491,14 +6636,14 @@
       </p:sp>
       <p:sp>
         <p:nvSpPr>
-          <p:cNvPr id="149" name="CustomShape 2"/>
+          <p:cNvPr id="153" name="CustomShape 2"/>
           <p:cNvSpPr/>
           <p:nvPr/>
         </p:nvSpPr>
         <p:spPr>
           <a:xfrm>
-            <a:off x="838080" y="1825560"/>
-            <a:ext cx="10511280" cy="4347000"/>
+            <a:off x="720000" y="1598040"/>
+            <a:ext cx="10629000" cy="4346640"/>
           </a:xfrm>
           <a:prstGeom prst="rect">
             <a:avLst/>
@@ -5514,6 +6659,1887 @@
           <a:effectRef idx="0"/>
           <a:fontRef idx="minor"/>
         </p:style>
+        <p:txBody>
+          <a:bodyPr lIns="90000" rIns="90000" tIns="45000" bIns="45000">
+            <a:noAutofit/>
+          </a:bodyPr>
+          <a:p>
+            <a:pPr algn="ctr">
+              <a:lnSpc>
+                <a:spcPct val="100000"/>
+              </a:lnSpc>
+            </a:pPr>
+            <a:r>
+              <a:rPr b="1" lang="pt-BR" sz="2000" spc="-1" strike="noStrike">
+                <a:solidFill>
+                  <a:srgbClr val="000000"/>
+                </a:solidFill>
+                <a:latin typeface="Times New Roman"/>
+                <a:ea typeface="DejaVu Sans"/>
+              </a:rPr>
+              <a:t>Restaurante Mineiro Feliz </a:t>
+            </a:r>
+            <a:r>
+              <a:rPr b="0" lang="pt-BR" sz="2000" spc="-1" strike="noStrike">
+                <a:solidFill>
+                  <a:srgbClr val="000000"/>
+                </a:solidFill>
+                <a:latin typeface="Times New Roman"/>
+                <a:ea typeface="DejaVu Sans"/>
+              </a:rPr>
+              <a:t>(nome fictício)</a:t>
+            </a:r>
+            <a:endParaRPr b="0" lang="pt-BR" sz="2000" spc="-1" strike="noStrike">
+              <a:latin typeface="Arial"/>
+            </a:endParaRPr>
+          </a:p>
+          <a:p>
+            <a:pPr algn="just">
+              <a:lnSpc>
+                <a:spcPct val="100000"/>
+              </a:lnSpc>
+            </a:pPr>
+            <a:endParaRPr b="0" lang="pt-BR" sz="2000" spc="-1" strike="noStrike">
+              <a:latin typeface="Arial"/>
+            </a:endParaRPr>
+          </a:p>
+        </p:txBody>
+      </p:sp>
+      <p:graphicFrame>
+        <p:nvGraphicFramePr>
+          <p:cNvPr id="154" name="Table 3"/>
+          <p:cNvGraphicFramePr/>
+          <p:nvPr/>
+        </p:nvGraphicFramePr>
+        <p:xfrm>
+          <a:off x="713880" y="2063160"/>
+          <a:ext cx="10947240" cy="3976200"/>
+        </p:xfrm>
+        <a:graphic>
+          <a:graphicData uri="http://schemas.openxmlformats.org/drawingml/2006/table">
+            <a:tbl>
+              <a:tblPr/>
+              <a:tblGrid>
+                <a:gridCol w="5473440"/>
+                <a:gridCol w="5473800"/>
+              </a:tblGrid>
+              <a:tr h="1836720">
+                <a:tc>
+                  <a:txBody>
+                    <a:bodyPr>
+                      <a:noAutofit/>
+                    </a:bodyPr>
+                    <a:p>
+                      <a:pPr>
+                        <a:lnSpc>
+                          <a:spcPct val="100000"/>
+                        </a:lnSpc>
+                      </a:pPr>
+                      <a:r>
+                        <a:rPr b="1" lang="pt-BR" sz="1800" spc="-1" strike="noStrike">
+                          <a:solidFill>
+                            <a:srgbClr val="ffffff"/>
+                          </a:solidFill>
+                          <a:latin typeface="Arial"/>
+                          <a:ea typeface="DejaVu Sans"/>
+                        </a:rPr>
+                        <a:t>Força</a:t>
+                      </a:r>
+                      <a:endParaRPr b="0" lang="pt-BR" sz="1800" spc="-1" strike="noStrike">
+                        <a:latin typeface="Arial"/>
+                      </a:endParaRPr>
+                    </a:p>
+                    <a:p>
+                      <a:pPr>
+                        <a:lnSpc>
+                          <a:spcPct val="100000"/>
+                        </a:lnSpc>
+                      </a:pPr>
+                      <a:endParaRPr b="0" lang="pt-BR" sz="1800" spc="-1" strike="noStrike">
+                        <a:latin typeface="Arial"/>
+                      </a:endParaRPr>
+                    </a:p>
+                    <a:p>
+                      <a:pPr>
+                        <a:lnSpc>
+                          <a:spcPct val="100000"/>
+                        </a:lnSpc>
+                      </a:pPr>
+                      <a:r>
+                        <a:rPr b="1" lang="pt-BR" sz="1800" spc="-1" strike="noStrike">
+                          <a:solidFill>
+                            <a:srgbClr val="ffffff"/>
+                          </a:solidFill>
+                          <a:latin typeface="Arial"/>
+                          <a:ea typeface="DejaVu Sans"/>
+                        </a:rPr>
+                        <a:t>Restaurante bastante conhecido na região</a:t>
+                      </a:r>
+                      <a:endParaRPr b="0" lang="pt-BR" sz="1800" spc="-1" strike="noStrike">
+                        <a:latin typeface="Arial"/>
+                      </a:endParaRPr>
+                    </a:p>
+                    <a:p>
+                      <a:pPr>
+                        <a:lnSpc>
+                          <a:spcPct val="100000"/>
+                        </a:lnSpc>
+                      </a:pPr>
+                      <a:endParaRPr b="0" lang="pt-BR" sz="1800" spc="-1" strike="noStrike">
+                        <a:latin typeface="Arial"/>
+                      </a:endParaRPr>
+                    </a:p>
+                    <a:p>
+                      <a:pPr>
+                        <a:lnSpc>
+                          <a:spcPct val="100000"/>
+                        </a:lnSpc>
+                      </a:pPr>
+                      <a:r>
+                        <a:rPr b="1" lang="pt-BR" sz="1800" spc="-1" strike="noStrike">
+                          <a:solidFill>
+                            <a:srgbClr val="ffffff"/>
+                          </a:solidFill>
+                          <a:latin typeface="Arial"/>
+                          <a:ea typeface="DejaVu Sans"/>
+                        </a:rPr>
+                        <a:t>Localização privilegiada</a:t>
+                      </a:r>
+                      <a:endParaRPr b="0" lang="pt-BR" sz="1800" spc="-1" strike="noStrike">
+                        <a:latin typeface="Arial"/>
+                      </a:endParaRPr>
+                    </a:p>
+                  </a:txBody>
+                  <a:tcPr marL="91440" marR="91440">
+                    <a:lnL w="12240">
+                      <a:solidFill>
+                        <a:srgbClr val="ffffff"/>
+                      </a:solidFill>
+                    </a:lnL>
+                    <a:lnR w="12240">
+                      <a:solidFill>
+                        <a:srgbClr val="ffffff"/>
+                      </a:solidFill>
+                    </a:lnR>
+                    <a:lnT w="12240">
+                      <a:solidFill>
+                        <a:srgbClr val="ffffff"/>
+                      </a:solidFill>
+                    </a:lnT>
+                    <a:lnB w="38160">
+                      <a:solidFill>
+                        <a:srgbClr val="ffffff"/>
+                      </a:solidFill>
+                    </a:lnB>
+                    <a:solidFill>
+                      <a:srgbClr val="4f81bd"/>
+                    </a:solidFill>
+                  </a:tcPr>
+                </a:tc>
+                <a:tc>
+                  <a:txBody>
+                    <a:bodyPr>
+                      <a:noAutofit/>
+                    </a:bodyPr>
+                    <a:p>
+                      <a:pPr>
+                        <a:lnSpc>
+                          <a:spcPct val="100000"/>
+                        </a:lnSpc>
+                      </a:pPr>
+                      <a:r>
+                        <a:rPr b="1" lang="pt-BR" sz="1800" spc="-1" strike="noStrike">
+                          <a:solidFill>
+                            <a:srgbClr val="ffffff"/>
+                          </a:solidFill>
+                          <a:latin typeface="Arial"/>
+                          <a:ea typeface="DejaVu Sans"/>
+                        </a:rPr>
+                        <a:t>Fraqueza</a:t>
+                      </a:r>
+                      <a:endParaRPr b="0" lang="pt-BR" sz="1800" spc="-1" strike="noStrike">
+                        <a:latin typeface="Arial"/>
+                      </a:endParaRPr>
+                    </a:p>
+                    <a:p>
+                      <a:pPr>
+                        <a:lnSpc>
+                          <a:spcPct val="100000"/>
+                        </a:lnSpc>
+                      </a:pPr>
+                      <a:endParaRPr b="0" lang="pt-BR" sz="1800" spc="-1" strike="noStrike">
+                        <a:latin typeface="Arial"/>
+                      </a:endParaRPr>
+                    </a:p>
+                    <a:p>
+                      <a:pPr>
+                        <a:lnSpc>
+                          <a:spcPct val="100000"/>
+                        </a:lnSpc>
+                      </a:pPr>
+                      <a:r>
+                        <a:rPr b="1" lang="pt-BR" sz="1800" spc="-1" strike="noStrike">
+                          <a:solidFill>
+                            <a:srgbClr val="ffffff"/>
+                          </a:solidFill>
+                          <a:latin typeface="Arial"/>
+                          <a:ea typeface="DejaVu Sans"/>
+                        </a:rPr>
+                        <a:t>Preço fora da realidade da maioria da população</a:t>
+                      </a:r>
+                      <a:endParaRPr b="0" lang="pt-BR" sz="1800" spc="-1" strike="noStrike">
+                        <a:latin typeface="Arial"/>
+                      </a:endParaRPr>
+                    </a:p>
+                    <a:p>
+                      <a:pPr>
+                        <a:lnSpc>
+                          <a:spcPct val="100000"/>
+                        </a:lnSpc>
+                      </a:pPr>
+                      <a:endParaRPr b="0" lang="pt-BR" sz="1800" spc="-1" strike="noStrike">
+                        <a:latin typeface="Arial"/>
+                      </a:endParaRPr>
+                    </a:p>
+                    <a:p>
+                      <a:pPr>
+                        <a:lnSpc>
+                          <a:spcPct val="100000"/>
+                        </a:lnSpc>
+                      </a:pPr>
+                      <a:r>
+                        <a:rPr b="1" lang="pt-BR" sz="1800" spc="-1" strike="noStrike">
+                          <a:solidFill>
+                            <a:srgbClr val="ffffff"/>
+                          </a:solidFill>
+                          <a:latin typeface="Arial"/>
+                          <a:ea typeface="DejaVu Sans"/>
+                        </a:rPr>
+                        <a:t>Acessibilidade ruim para pessoas com problemas de locomoção</a:t>
+                      </a:r>
+                      <a:endParaRPr b="0" lang="pt-BR" sz="1800" spc="-1" strike="noStrike">
+                        <a:latin typeface="Arial"/>
+                      </a:endParaRPr>
+                    </a:p>
+                  </a:txBody>
+                  <a:tcPr marL="91440" marR="91440">
+                    <a:lnL w="12240">
+                      <a:solidFill>
+                        <a:srgbClr val="ffffff"/>
+                      </a:solidFill>
+                    </a:lnL>
+                    <a:lnR w="12240">
+                      <a:solidFill>
+                        <a:srgbClr val="ffffff"/>
+                      </a:solidFill>
+                    </a:lnR>
+                    <a:lnT w="12240">
+                      <a:solidFill>
+                        <a:srgbClr val="ffffff"/>
+                      </a:solidFill>
+                    </a:lnT>
+                    <a:lnB w="38160">
+                      <a:solidFill>
+                        <a:srgbClr val="ffffff"/>
+                      </a:solidFill>
+                    </a:lnB>
+                    <a:solidFill>
+                      <a:srgbClr val="ffc000"/>
+                    </a:solidFill>
+                  </a:tcPr>
+                </a:tc>
+              </a:tr>
+              <a:tr h="2139480">
+                <a:tc>
+                  <a:txBody>
+                    <a:bodyPr>
+                      <a:noAutofit/>
+                    </a:bodyPr>
+                    <a:p>
+                      <a:pPr>
+                        <a:lnSpc>
+                          <a:spcPct val="100000"/>
+                        </a:lnSpc>
+                      </a:pPr>
+                      <a:r>
+                        <a:rPr b="0" lang="pt-BR" sz="1800" spc="-1" strike="noStrike">
+                          <a:solidFill>
+                            <a:srgbClr val="ffffff"/>
+                          </a:solidFill>
+                          <a:latin typeface="Arial"/>
+                          <a:ea typeface="DejaVu Sans"/>
+                        </a:rPr>
+                        <a:t>Oportunidade</a:t>
+                      </a:r>
+                      <a:endParaRPr b="0" lang="pt-BR" sz="1800" spc="-1" strike="noStrike">
+                        <a:latin typeface="Arial"/>
+                      </a:endParaRPr>
+                    </a:p>
+                    <a:p>
+                      <a:pPr>
+                        <a:lnSpc>
+                          <a:spcPct val="100000"/>
+                        </a:lnSpc>
+                      </a:pPr>
+                      <a:endParaRPr b="0" lang="pt-BR" sz="1800" spc="-1" strike="noStrike">
+                        <a:latin typeface="Arial"/>
+                      </a:endParaRPr>
+                    </a:p>
+                    <a:p>
+                      <a:pPr>
+                        <a:lnSpc>
+                          <a:spcPct val="100000"/>
+                        </a:lnSpc>
+                      </a:pPr>
+                      <a:r>
+                        <a:rPr b="0" lang="pt-BR" sz="1800" spc="-1" strike="noStrike">
+                          <a:solidFill>
+                            <a:srgbClr val="ffffff"/>
+                          </a:solidFill>
+                          <a:latin typeface="Arial"/>
+                          <a:ea typeface="DejaVu Sans"/>
+                        </a:rPr>
+                        <a:t>Oferecer novas experiências e aceitar pagamentos com ticket refeição de bandeiras variadas</a:t>
+                      </a:r>
+                      <a:endParaRPr b="0" lang="pt-BR" sz="1800" spc="-1" strike="noStrike">
+                        <a:latin typeface="Arial"/>
+                      </a:endParaRPr>
+                    </a:p>
+                    <a:p>
+                      <a:pPr>
+                        <a:lnSpc>
+                          <a:spcPct val="100000"/>
+                        </a:lnSpc>
+                      </a:pPr>
+                      <a:endParaRPr b="0" lang="pt-BR" sz="1800" spc="-1" strike="noStrike">
+                        <a:latin typeface="Arial"/>
+                      </a:endParaRPr>
+                    </a:p>
+                    <a:p>
+                      <a:pPr>
+                        <a:lnSpc>
+                          <a:spcPct val="100000"/>
+                        </a:lnSpc>
+                      </a:pPr>
+                      <a:r>
+                        <a:rPr b="0" lang="pt-BR" sz="1800" spc="-1" strike="noStrike">
+                          <a:solidFill>
+                            <a:srgbClr val="ffffff"/>
+                          </a:solidFill>
+                          <a:latin typeface="Arial"/>
+                          <a:ea typeface="DejaVu Sans"/>
+                        </a:rPr>
+                        <a:t>Fazer pacotes para empresas</a:t>
+                      </a:r>
+                      <a:endParaRPr b="0" lang="pt-BR" sz="1800" spc="-1" strike="noStrike">
+                        <a:latin typeface="Arial"/>
+                      </a:endParaRPr>
+                    </a:p>
+                  </a:txBody>
+                  <a:tcPr marL="91440" marR="91440">
+                    <a:lnL w="12240">
+                      <a:solidFill>
+                        <a:srgbClr val="ffffff"/>
+                      </a:solidFill>
+                    </a:lnL>
+                    <a:lnR w="12240">
+                      <a:solidFill>
+                        <a:srgbClr val="ffffff"/>
+                      </a:solidFill>
+                    </a:lnR>
+                    <a:lnT w="12240">
+                      <a:solidFill>
+                        <a:srgbClr val="ffffff"/>
+                      </a:solidFill>
+                    </a:lnT>
+                    <a:lnB w="12240">
+                      <a:solidFill>
+                        <a:srgbClr val="ffffff"/>
+                      </a:solidFill>
+                    </a:lnB>
+                    <a:solidFill>
+                      <a:srgbClr val="00b050"/>
+                    </a:solidFill>
+                  </a:tcPr>
+                </a:tc>
+                <a:tc>
+                  <a:txBody>
+                    <a:bodyPr>
+                      <a:noAutofit/>
+                    </a:bodyPr>
+                    <a:p>
+                      <a:pPr>
+                        <a:lnSpc>
+                          <a:spcPct val="100000"/>
+                        </a:lnSpc>
+                      </a:pPr>
+                      <a:r>
+                        <a:rPr b="0" lang="pt-BR" sz="1800" spc="-1" strike="noStrike">
+                          <a:solidFill>
+                            <a:srgbClr val="ffffff"/>
+                          </a:solidFill>
+                          <a:latin typeface="Arial"/>
+                          <a:ea typeface="DejaVu Sans"/>
+                        </a:rPr>
+                        <a:t>Ameaças</a:t>
+                      </a:r>
+                      <a:endParaRPr b="0" lang="pt-BR" sz="1800" spc="-1" strike="noStrike">
+                        <a:latin typeface="Arial"/>
+                      </a:endParaRPr>
+                    </a:p>
+                    <a:p>
+                      <a:pPr>
+                        <a:lnSpc>
+                          <a:spcPct val="100000"/>
+                        </a:lnSpc>
+                      </a:pPr>
+                      <a:endParaRPr b="0" lang="pt-BR" sz="1800" spc="-1" strike="noStrike">
+                        <a:latin typeface="Arial"/>
+                      </a:endParaRPr>
+                    </a:p>
+                    <a:p>
+                      <a:pPr>
+                        <a:lnSpc>
+                          <a:spcPct val="100000"/>
+                        </a:lnSpc>
+                      </a:pPr>
+                      <a:r>
+                        <a:rPr b="0" lang="pt-BR" sz="1800" spc="-1" strike="noStrike">
+                          <a:solidFill>
+                            <a:srgbClr val="ffffff"/>
+                          </a:solidFill>
+                          <a:latin typeface="Arial"/>
+                          <a:ea typeface="DejaVu Sans"/>
+                        </a:rPr>
+                        <a:t>Oferecer o prato a um preço mais convidativo</a:t>
+                      </a:r>
+                      <a:endParaRPr b="0" lang="pt-BR" sz="1800" spc="-1" strike="noStrike">
+                        <a:latin typeface="Arial"/>
+                      </a:endParaRPr>
+                    </a:p>
+                    <a:p>
+                      <a:pPr>
+                        <a:lnSpc>
+                          <a:spcPct val="100000"/>
+                        </a:lnSpc>
+                      </a:pPr>
+                      <a:endParaRPr b="0" lang="pt-BR" sz="1800" spc="-1" strike="noStrike">
+                        <a:latin typeface="Arial"/>
+                      </a:endParaRPr>
+                    </a:p>
+                    <a:p>
+                      <a:pPr>
+                        <a:lnSpc>
+                          <a:spcPct val="100000"/>
+                        </a:lnSpc>
+                      </a:pPr>
+                      <a:r>
+                        <a:rPr b="0" lang="pt-BR" sz="1800" spc="-1" strike="noStrike">
+                          <a:solidFill>
+                            <a:srgbClr val="ffffff"/>
+                          </a:solidFill>
+                          <a:latin typeface="Arial"/>
+                          <a:ea typeface="DejaVu Sans"/>
+                        </a:rPr>
+                        <a:t>Nosso estabelecimento na mesma região com melhor acessibilidade</a:t>
+                      </a:r>
+                      <a:endParaRPr b="0" lang="pt-BR" sz="1800" spc="-1" strike="noStrike">
+                        <a:latin typeface="Arial"/>
+                      </a:endParaRPr>
+                    </a:p>
+                    <a:p>
+                      <a:pPr>
+                        <a:lnSpc>
+                          <a:spcPct val="100000"/>
+                        </a:lnSpc>
+                      </a:pPr>
+                      <a:endParaRPr b="0" lang="pt-BR" sz="1800" spc="-1" strike="noStrike">
+                        <a:latin typeface="Arial"/>
+                      </a:endParaRPr>
+                    </a:p>
+                    <a:p>
+                      <a:pPr>
+                        <a:lnSpc>
+                          <a:spcPct val="100000"/>
+                        </a:lnSpc>
+                      </a:pPr>
+                      <a:r>
+                        <a:rPr b="0" lang="pt-BR" sz="1800" spc="-1" strike="noStrike">
+                          <a:solidFill>
+                            <a:srgbClr val="ffffff"/>
+                          </a:solidFill>
+                          <a:latin typeface="Arial"/>
+                          <a:ea typeface="DejaVu Sans"/>
+                        </a:rPr>
+                        <a:t>Lockdown</a:t>
+                      </a:r>
+                      <a:endParaRPr b="0" lang="pt-BR" sz="1800" spc="-1" strike="noStrike">
+                        <a:latin typeface="Arial"/>
+                      </a:endParaRPr>
+                    </a:p>
+                  </a:txBody>
+                  <a:tcPr marL="91440" marR="91440">
+                    <a:lnL w="12240">
+                      <a:solidFill>
+                        <a:srgbClr val="ffffff"/>
+                      </a:solidFill>
+                    </a:lnL>
+                    <a:lnR w="12240">
+                      <a:solidFill>
+                        <a:srgbClr val="ffffff"/>
+                      </a:solidFill>
+                    </a:lnR>
+                    <a:lnT w="12240">
+                      <a:solidFill>
+                        <a:srgbClr val="ffffff"/>
+                      </a:solidFill>
+                    </a:lnT>
+                    <a:lnB w="12240">
+                      <a:solidFill>
+                        <a:srgbClr val="ffffff"/>
+                      </a:solidFill>
+                    </a:lnB>
+                    <a:solidFill>
+                      <a:srgbClr val="ff0000"/>
+                    </a:solidFill>
+                  </a:tcPr>
+                </a:tc>
+              </a:tr>
+            </a:tbl>
+          </a:graphicData>
+        </a:graphic>
+      </p:graphicFrame>
+    </p:spTree>
+  </p:cSld>
+  <mc:AlternateContent>
+    <mc:Choice Requires="p14">
+      <p:transition spd="slow" p14:dur="2000"/>
+    </mc:Choice>
+    <mc:Fallback>
+      <p:transition spd="slow"/>
+    </mc:Fallback>
+  </mc:AlternateContent>
+</p:sld>
+</file>
+
+<file path=ppt/slides/slide12.xml><?xml version="1.0" encoding="utf-8"?>
+<p:sld xmlns:a="http://schemas.openxmlformats.org/drawingml/2006/main" xmlns:p="http://schemas.openxmlformats.org/presentationml/2006/main" xmlns:r="http://schemas.openxmlformats.org/officeDocument/2006/relationships" xmlns:p14="http://schemas.microsoft.com/office/powerpoint/2010/main" xmlns:p15="http://schemas.microsoft.com/office/powerpoint/2012/main" xmlns:mc="http://schemas.openxmlformats.org/markup-compatibility/2006">
+  <p:cSld>
+    <p:spTree>
+      <p:nvGrpSpPr>
+        <p:cNvPr id="1" name=""/>
+        <p:cNvGrpSpPr/>
+        <p:nvPr/>
+      </p:nvGrpSpPr>
+      <p:grpSpPr>
+        <a:xfrm>
+          <a:off x="0" y="0"/>
+          <a:ext cx="0" cy="0"/>
+          <a:chOff x="0" y="0"/>
+          <a:chExt cx="0" cy="0"/>
+        </a:xfrm>
+      </p:grpSpPr>
+      <p:sp>
+        <p:nvSpPr>
+          <p:cNvPr id="155" name="CustomShape 1"/>
+          <p:cNvSpPr/>
+          <p:nvPr/>
+        </p:nvSpPr>
+        <p:spPr>
+          <a:xfrm>
+            <a:off x="838080" y="365040"/>
+            <a:ext cx="10510920" cy="1320840"/>
+          </a:xfrm>
+          <a:prstGeom prst="rect">
+            <a:avLst/>
+          </a:prstGeom>
+          <a:noFill/>
+          <a:ln>
+            <a:noFill/>
+          </a:ln>
+        </p:spPr>
+        <p:style>
+          <a:lnRef idx="0"/>
+          <a:fillRef idx="0"/>
+          <a:effectRef idx="0"/>
+          <a:fontRef idx="minor"/>
+        </p:style>
+        <p:txBody>
+          <a:bodyPr lIns="90000" rIns="90000" tIns="45000" bIns="45000" anchor="ctr">
+            <a:noAutofit/>
+          </a:bodyPr>
+          <a:p>
+            <a:pPr>
+              <a:lnSpc>
+                <a:spcPct val="90000"/>
+              </a:lnSpc>
+            </a:pPr>
+            <a:r>
+              <a:rPr b="0" lang="pt-BR" sz="4400" spc="-1" strike="noStrike">
+                <a:solidFill>
+                  <a:srgbClr val="808080"/>
+                </a:solidFill>
+                <a:latin typeface="Calibri Light"/>
+                <a:ea typeface="DejaVu Sans"/>
+              </a:rPr>
+              <a:t>3.3. Análise de concorrência</a:t>
+            </a:r>
+            <a:endParaRPr b="0" lang="pt-BR" sz="4400" spc="-1" strike="noStrike">
+              <a:latin typeface="Arial"/>
+            </a:endParaRPr>
+          </a:p>
+        </p:txBody>
+      </p:sp>
+      <p:sp>
+        <p:nvSpPr>
+          <p:cNvPr id="156" name="CustomShape 2"/>
+          <p:cNvSpPr/>
+          <p:nvPr/>
+        </p:nvSpPr>
+        <p:spPr>
+          <a:xfrm>
+            <a:off x="720000" y="1598040"/>
+            <a:ext cx="10629000" cy="4346640"/>
+          </a:xfrm>
+          <a:prstGeom prst="rect">
+            <a:avLst/>
+          </a:prstGeom>
+          <a:noFill/>
+          <a:ln>
+            <a:noFill/>
+          </a:ln>
+        </p:spPr>
+        <p:style>
+          <a:lnRef idx="0"/>
+          <a:fillRef idx="0"/>
+          <a:effectRef idx="0"/>
+          <a:fontRef idx="minor"/>
+        </p:style>
+        <p:txBody>
+          <a:bodyPr lIns="90000" rIns="90000" tIns="45000" bIns="45000">
+            <a:noAutofit/>
+          </a:bodyPr>
+          <a:p>
+            <a:pPr algn="ctr">
+              <a:lnSpc>
+                <a:spcPct val="100000"/>
+              </a:lnSpc>
+            </a:pPr>
+            <a:r>
+              <a:rPr b="1" lang="pt-BR" sz="2000" spc="-1" strike="noStrike">
+                <a:solidFill>
+                  <a:srgbClr val="000000"/>
+                </a:solidFill>
+                <a:latin typeface="Times New Roman"/>
+                <a:ea typeface="DejaVu Sans"/>
+              </a:rPr>
+              <a:t>Pousada do Garimpeiro Mineiro </a:t>
+            </a:r>
+            <a:r>
+              <a:rPr b="0" lang="pt-BR" sz="2000" spc="-1" strike="noStrike">
+                <a:solidFill>
+                  <a:srgbClr val="000000"/>
+                </a:solidFill>
+                <a:latin typeface="Times New Roman"/>
+                <a:ea typeface="DejaVu Sans"/>
+              </a:rPr>
+              <a:t>(nome fictício)</a:t>
+            </a:r>
+            <a:endParaRPr b="0" lang="pt-BR" sz="2000" spc="-1" strike="noStrike">
+              <a:latin typeface="Arial"/>
+            </a:endParaRPr>
+          </a:p>
+          <a:p>
+            <a:pPr algn="just">
+              <a:lnSpc>
+                <a:spcPct val="100000"/>
+              </a:lnSpc>
+            </a:pPr>
+            <a:endParaRPr b="0" lang="pt-BR" sz="2000" spc="-1" strike="noStrike">
+              <a:latin typeface="Arial"/>
+            </a:endParaRPr>
+          </a:p>
+        </p:txBody>
+      </p:sp>
+      <p:graphicFrame>
+        <p:nvGraphicFramePr>
+          <p:cNvPr id="157" name="Table 3"/>
+          <p:cNvGraphicFramePr/>
+          <p:nvPr/>
+        </p:nvGraphicFramePr>
+        <p:xfrm>
+          <a:off x="713880" y="2063160"/>
+          <a:ext cx="10947240" cy="3976200"/>
+        </p:xfrm>
+        <a:graphic>
+          <a:graphicData uri="http://schemas.openxmlformats.org/drawingml/2006/table">
+            <a:tbl>
+              <a:tblPr/>
+              <a:tblGrid>
+                <a:gridCol w="5473440"/>
+                <a:gridCol w="5473800"/>
+              </a:tblGrid>
+              <a:tr h="1987920">
+                <a:tc>
+                  <a:txBody>
+                    <a:bodyPr>
+                      <a:noAutofit/>
+                    </a:bodyPr>
+                    <a:p>
+                      <a:pPr>
+                        <a:lnSpc>
+                          <a:spcPct val="100000"/>
+                        </a:lnSpc>
+                      </a:pPr>
+                      <a:r>
+                        <a:rPr b="1" lang="pt-BR" sz="1800" spc="-1" strike="noStrike">
+                          <a:solidFill>
+                            <a:srgbClr val="ffffff"/>
+                          </a:solidFill>
+                          <a:latin typeface="Arial"/>
+                          <a:ea typeface="DejaVu Sans"/>
+                        </a:rPr>
+                        <a:t>Força</a:t>
+                      </a:r>
+                      <a:endParaRPr b="0" lang="pt-BR" sz="1800" spc="-1" strike="noStrike">
+                        <a:latin typeface="Arial"/>
+                      </a:endParaRPr>
+                    </a:p>
+                    <a:p>
+                      <a:pPr>
+                        <a:lnSpc>
+                          <a:spcPct val="100000"/>
+                        </a:lnSpc>
+                      </a:pPr>
+                      <a:endParaRPr b="0" lang="pt-BR" sz="1800" spc="-1" strike="noStrike">
+                        <a:latin typeface="Arial"/>
+                      </a:endParaRPr>
+                    </a:p>
+                    <a:p>
+                      <a:pPr>
+                        <a:lnSpc>
+                          <a:spcPct val="100000"/>
+                        </a:lnSpc>
+                      </a:pPr>
+                      <a:r>
+                        <a:rPr b="1" lang="pt-BR" sz="1800" spc="-1" strike="noStrike">
+                          <a:solidFill>
+                            <a:srgbClr val="ffffff"/>
+                          </a:solidFill>
+                          <a:latin typeface="Arial"/>
+                          <a:ea typeface="DejaVu Sans"/>
+                        </a:rPr>
+                        <a:t>Localização privilegiada</a:t>
+                      </a:r>
+                      <a:endParaRPr b="0" lang="pt-BR" sz="1800" spc="-1" strike="noStrike">
+                        <a:latin typeface="Arial"/>
+                      </a:endParaRPr>
+                    </a:p>
+                    <a:p>
+                      <a:pPr>
+                        <a:lnSpc>
+                          <a:spcPct val="100000"/>
+                        </a:lnSpc>
+                      </a:pPr>
+                      <a:endParaRPr b="0" lang="pt-BR" sz="1800" spc="-1" strike="noStrike">
+                        <a:latin typeface="Arial"/>
+                      </a:endParaRPr>
+                    </a:p>
+                    <a:p>
+                      <a:pPr>
+                        <a:lnSpc>
+                          <a:spcPct val="100000"/>
+                        </a:lnSpc>
+                      </a:pPr>
+                      <a:r>
+                        <a:rPr b="1" lang="pt-BR" sz="1800" spc="-1" strike="noStrike">
+                          <a:solidFill>
+                            <a:srgbClr val="ffffff"/>
+                          </a:solidFill>
+                          <a:latin typeface="Arial"/>
+                          <a:ea typeface="DejaVu Sans"/>
+                        </a:rPr>
+                        <a:t>Pousada mais famosa da cidade</a:t>
+                      </a:r>
+                      <a:endParaRPr b="0" lang="pt-BR" sz="1800" spc="-1" strike="noStrike">
+                        <a:latin typeface="Arial"/>
+                      </a:endParaRPr>
+                    </a:p>
+                    <a:p>
+                      <a:pPr>
+                        <a:lnSpc>
+                          <a:spcPct val="100000"/>
+                        </a:lnSpc>
+                      </a:pPr>
+                      <a:endParaRPr b="0" lang="pt-BR" sz="1800" spc="-1" strike="noStrike">
+                        <a:latin typeface="Arial"/>
+                      </a:endParaRPr>
+                    </a:p>
+                    <a:p>
+                      <a:pPr>
+                        <a:lnSpc>
+                          <a:spcPct val="100000"/>
+                        </a:lnSpc>
+                      </a:pPr>
+                      <a:r>
+                        <a:rPr b="1" lang="pt-BR" sz="1800" spc="-1" strike="noStrike">
+                          <a:solidFill>
+                            <a:srgbClr val="ffffff"/>
+                          </a:solidFill>
+                          <a:latin typeface="Arial"/>
+                          <a:ea typeface="DejaVu Sans"/>
+                        </a:rPr>
+                        <a:t>Muito bem avaliada em site de reserva</a:t>
+                      </a:r>
+                      <a:endParaRPr b="0" lang="pt-BR" sz="1800" spc="-1" strike="noStrike">
+                        <a:latin typeface="Arial"/>
+                      </a:endParaRPr>
+                    </a:p>
+                  </a:txBody>
+                  <a:tcPr marL="91440" marR="91440">
+                    <a:lnL w="12240">
+                      <a:solidFill>
+                        <a:srgbClr val="ffffff"/>
+                      </a:solidFill>
+                    </a:lnL>
+                    <a:lnR w="12240">
+                      <a:solidFill>
+                        <a:srgbClr val="ffffff"/>
+                      </a:solidFill>
+                    </a:lnR>
+                    <a:lnT w="12240">
+                      <a:solidFill>
+                        <a:srgbClr val="ffffff"/>
+                      </a:solidFill>
+                    </a:lnT>
+                    <a:lnB w="38160">
+                      <a:solidFill>
+                        <a:srgbClr val="ffffff"/>
+                      </a:solidFill>
+                    </a:lnB>
+                    <a:solidFill>
+                      <a:srgbClr val="4f81bd"/>
+                    </a:solidFill>
+                  </a:tcPr>
+                </a:tc>
+                <a:tc>
+                  <a:txBody>
+                    <a:bodyPr>
+                      <a:noAutofit/>
+                    </a:bodyPr>
+                    <a:p>
+                      <a:pPr>
+                        <a:lnSpc>
+                          <a:spcPct val="100000"/>
+                        </a:lnSpc>
+                      </a:pPr>
+                      <a:r>
+                        <a:rPr b="1" lang="pt-BR" sz="1800" spc="-1" strike="noStrike">
+                          <a:solidFill>
+                            <a:srgbClr val="ffffff"/>
+                          </a:solidFill>
+                          <a:latin typeface="Arial"/>
+                          <a:ea typeface="DejaVu Sans"/>
+                        </a:rPr>
+                        <a:t>Fraqueza</a:t>
+                      </a:r>
+                      <a:endParaRPr b="0" lang="pt-BR" sz="1800" spc="-1" strike="noStrike">
+                        <a:latin typeface="Arial"/>
+                      </a:endParaRPr>
+                    </a:p>
+                    <a:p>
+                      <a:pPr>
+                        <a:lnSpc>
+                          <a:spcPct val="100000"/>
+                        </a:lnSpc>
+                      </a:pPr>
+                      <a:endParaRPr b="0" lang="pt-BR" sz="1800" spc="-1" strike="noStrike">
+                        <a:latin typeface="Arial"/>
+                      </a:endParaRPr>
+                    </a:p>
+                    <a:p>
+                      <a:pPr>
+                        <a:lnSpc>
+                          <a:spcPct val="100000"/>
+                        </a:lnSpc>
+                      </a:pPr>
+                      <a:r>
+                        <a:rPr b="1" lang="pt-BR" sz="1800" spc="-1" strike="noStrike">
+                          <a:solidFill>
+                            <a:srgbClr val="ffffff"/>
+                          </a:solidFill>
+                          <a:latin typeface="Arial"/>
+                          <a:ea typeface="DejaVu Sans"/>
+                        </a:rPr>
+                        <a:t>Preço fora da realidade da maioria da população</a:t>
+                      </a:r>
+                      <a:endParaRPr b="0" lang="pt-BR" sz="1800" spc="-1" strike="noStrike">
+                        <a:latin typeface="Arial"/>
+                      </a:endParaRPr>
+                    </a:p>
+                    <a:p>
+                      <a:pPr>
+                        <a:lnSpc>
+                          <a:spcPct val="100000"/>
+                        </a:lnSpc>
+                      </a:pPr>
+                      <a:endParaRPr b="0" lang="pt-BR" sz="1800" spc="-1" strike="noStrike">
+                        <a:latin typeface="Arial"/>
+                      </a:endParaRPr>
+                    </a:p>
+                    <a:p>
+                      <a:pPr>
+                        <a:lnSpc>
+                          <a:spcPct val="100000"/>
+                        </a:lnSpc>
+                      </a:pPr>
+                      <a:r>
+                        <a:rPr b="1" lang="pt-BR" sz="1800" spc="-1" strike="noStrike">
+                          <a:solidFill>
+                            <a:srgbClr val="ffffff"/>
+                          </a:solidFill>
+                          <a:latin typeface="Arial"/>
+                          <a:ea typeface="DejaVu Sans"/>
+                        </a:rPr>
+                        <a:t>Acessibilidade ruim para pessoas com problemas de locomoção</a:t>
+                      </a:r>
+                      <a:endParaRPr b="0" lang="pt-BR" sz="1800" spc="-1" strike="noStrike">
+                        <a:latin typeface="Arial"/>
+                      </a:endParaRPr>
+                    </a:p>
+                  </a:txBody>
+                  <a:tcPr marL="91440" marR="91440">
+                    <a:lnL w="12240">
+                      <a:solidFill>
+                        <a:srgbClr val="ffffff"/>
+                      </a:solidFill>
+                    </a:lnL>
+                    <a:lnR w="12240">
+                      <a:solidFill>
+                        <a:srgbClr val="ffffff"/>
+                      </a:solidFill>
+                    </a:lnR>
+                    <a:lnT w="12240">
+                      <a:solidFill>
+                        <a:srgbClr val="ffffff"/>
+                      </a:solidFill>
+                    </a:lnT>
+                    <a:lnB w="38160">
+                      <a:solidFill>
+                        <a:srgbClr val="ffffff"/>
+                      </a:solidFill>
+                    </a:lnB>
+                    <a:solidFill>
+                      <a:srgbClr val="ffc000"/>
+                    </a:solidFill>
+                  </a:tcPr>
+                </a:tc>
+              </a:tr>
+              <a:tr h="1988280">
+                <a:tc>
+                  <a:txBody>
+                    <a:bodyPr>
+                      <a:noAutofit/>
+                    </a:bodyPr>
+                    <a:p>
+                      <a:pPr>
+                        <a:lnSpc>
+                          <a:spcPct val="100000"/>
+                        </a:lnSpc>
+                      </a:pPr>
+                      <a:r>
+                        <a:rPr b="0" lang="pt-BR" sz="1800" spc="-1" strike="noStrike">
+                          <a:solidFill>
+                            <a:srgbClr val="ffffff"/>
+                          </a:solidFill>
+                          <a:latin typeface="Arial"/>
+                          <a:ea typeface="DejaVu Sans"/>
+                        </a:rPr>
+                        <a:t>Oportunidade</a:t>
+                      </a:r>
+                      <a:endParaRPr b="0" lang="pt-BR" sz="1800" spc="-1" strike="noStrike">
+                        <a:latin typeface="Arial"/>
+                      </a:endParaRPr>
+                    </a:p>
+                    <a:p>
+                      <a:pPr>
+                        <a:lnSpc>
+                          <a:spcPct val="100000"/>
+                        </a:lnSpc>
+                      </a:pPr>
+                      <a:endParaRPr b="0" lang="pt-BR" sz="1800" spc="-1" strike="noStrike">
+                        <a:latin typeface="Arial"/>
+                      </a:endParaRPr>
+                    </a:p>
+                    <a:p>
+                      <a:pPr>
+                        <a:lnSpc>
+                          <a:spcPct val="100000"/>
+                        </a:lnSpc>
+                      </a:pPr>
+                      <a:r>
+                        <a:rPr b="0" lang="pt-BR" sz="1800" spc="-1" strike="noStrike">
+                          <a:solidFill>
+                            <a:srgbClr val="ffffff"/>
+                          </a:solidFill>
+                          <a:latin typeface="Arial"/>
+                          <a:ea typeface="DejaVu Sans"/>
+                        </a:rPr>
+                        <a:t>Fechar parceria para utilizar nossos embutidos em seus pratos</a:t>
+                      </a:r>
+                      <a:endParaRPr b="0" lang="pt-BR" sz="1800" spc="-1" strike="noStrike">
+                        <a:latin typeface="Arial"/>
+                      </a:endParaRPr>
+                    </a:p>
+                    <a:p>
+                      <a:pPr>
+                        <a:lnSpc>
+                          <a:spcPct val="100000"/>
+                        </a:lnSpc>
+                      </a:pPr>
+                      <a:endParaRPr b="0" lang="pt-BR" sz="1800" spc="-1" strike="noStrike">
+                        <a:latin typeface="Arial"/>
+                      </a:endParaRPr>
+                    </a:p>
+                    <a:p>
+                      <a:pPr>
+                        <a:lnSpc>
+                          <a:spcPct val="100000"/>
+                        </a:lnSpc>
+                      </a:pPr>
+                      <a:r>
+                        <a:rPr b="0" lang="pt-BR" sz="1800" spc="-1" strike="noStrike">
+                          <a:solidFill>
+                            <a:srgbClr val="ffffff"/>
+                          </a:solidFill>
+                          <a:latin typeface="Arial"/>
+                          <a:ea typeface="DejaVu Sans"/>
+                        </a:rPr>
+                        <a:t>Terceirizar a cozinha mineira</a:t>
+                      </a:r>
+                      <a:endParaRPr b="0" lang="pt-BR" sz="1800" spc="-1" strike="noStrike">
+                        <a:latin typeface="Arial"/>
+                      </a:endParaRPr>
+                    </a:p>
+                  </a:txBody>
+                  <a:tcPr marL="91440" marR="91440">
+                    <a:lnL w="12240">
+                      <a:solidFill>
+                        <a:srgbClr val="ffffff"/>
+                      </a:solidFill>
+                    </a:lnL>
+                    <a:lnR w="12240">
+                      <a:solidFill>
+                        <a:srgbClr val="ffffff"/>
+                      </a:solidFill>
+                    </a:lnR>
+                    <a:lnT w="12240">
+                      <a:solidFill>
+                        <a:srgbClr val="ffffff"/>
+                      </a:solidFill>
+                    </a:lnT>
+                    <a:lnB w="12240">
+                      <a:solidFill>
+                        <a:srgbClr val="ffffff"/>
+                      </a:solidFill>
+                    </a:lnB>
+                    <a:solidFill>
+                      <a:srgbClr val="00b050"/>
+                    </a:solidFill>
+                  </a:tcPr>
+                </a:tc>
+                <a:tc>
+                  <a:txBody>
+                    <a:bodyPr>
+                      <a:noAutofit/>
+                    </a:bodyPr>
+                    <a:p>
+                      <a:pPr>
+                        <a:lnSpc>
+                          <a:spcPct val="100000"/>
+                        </a:lnSpc>
+                      </a:pPr>
+                      <a:r>
+                        <a:rPr b="0" lang="pt-BR" sz="1800" spc="-1" strike="noStrike">
+                          <a:solidFill>
+                            <a:srgbClr val="ffffff"/>
+                          </a:solidFill>
+                          <a:latin typeface="Arial"/>
+                          <a:ea typeface="DejaVu Sans"/>
+                        </a:rPr>
+                        <a:t>Ameaças</a:t>
+                      </a:r>
+                      <a:endParaRPr b="0" lang="pt-BR" sz="1800" spc="-1" strike="noStrike">
+                        <a:latin typeface="Arial"/>
+                      </a:endParaRPr>
+                    </a:p>
+                    <a:p>
+                      <a:pPr>
+                        <a:lnSpc>
+                          <a:spcPct val="100000"/>
+                        </a:lnSpc>
+                      </a:pPr>
+                      <a:endParaRPr b="0" lang="pt-BR" sz="1800" spc="-1" strike="noStrike">
+                        <a:latin typeface="Arial"/>
+                      </a:endParaRPr>
+                    </a:p>
+                    <a:p>
+                      <a:pPr>
+                        <a:lnSpc>
+                          <a:spcPct val="100000"/>
+                        </a:lnSpc>
+                      </a:pPr>
+                      <a:r>
+                        <a:rPr b="0" lang="pt-BR" sz="1800" spc="-1" strike="noStrike">
+                          <a:solidFill>
+                            <a:srgbClr val="ffffff"/>
+                          </a:solidFill>
+                          <a:latin typeface="Arial"/>
+                          <a:ea typeface="DejaVu Sans"/>
+                        </a:rPr>
+                        <a:t>Cliente preferir fazer suas refeições fora da pousada</a:t>
+                      </a:r>
+                      <a:endParaRPr b="0" lang="pt-BR" sz="1800" spc="-1" strike="noStrike">
+                        <a:latin typeface="Arial"/>
+                      </a:endParaRPr>
+                    </a:p>
+                    <a:p>
+                      <a:pPr>
+                        <a:lnSpc>
+                          <a:spcPct val="100000"/>
+                        </a:lnSpc>
+                      </a:pPr>
+                      <a:endParaRPr b="0" lang="pt-BR" sz="1800" spc="-1" strike="noStrike">
+                        <a:latin typeface="Arial"/>
+                      </a:endParaRPr>
+                    </a:p>
+                    <a:p>
+                      <a:pPr>
+                        <a:lnSpc>
+                          <a:spcPct val="100000"/>
+                        </a:lnSpc>
+                      </a:pPr>
+                      <a:r>
+                        <a:rPr b="0" lang="pt-BR" sz="1800" spc="-1" strike="noStrike">
+                          <a:solidFill>
+                            <a:srgbClr val="ffffff"/>
+                          </a:solidFill>
+                          <a:latin typeface="Arial"/>
+                          <a:ea typeface="DejaVu Sans"/>
+                        </a:rPr>
+                        <a:t>Lockdown</a:t>
+                      </a:r>
+                      <a:endParaRPr b="0" lang="pt-BR" sz="1800" spc="-1" strike="noStrike">
+                        <a:latin typeface="Arial"/>
+                      </a:endParaRPr>
+                    </a:p>
+                  </a:txBody>
+                  <a:tcPr marL="91440" marR="91440">
+                    <a:lnL w="12240">
+                      <a:solidFill>
+                        <a:srgbClr val="ffffff"/>
+                      </a:solidFill>
+                    </a:lnL>
+                    <a:lnR w="12240">
+                      <a:solidFill>
+                        <a:srgbClr val="ffffff"/>
+                      </a:solidFill>
+                    </a:lnR>
+                    <a:lnT w="12240">
+                      <a:solidFill>
+                        <a:srgbClr val="ffffff"/>
+                      </a:solidFill>
+                    </a:lnT>
+                    <a:lnB w="12240">
+                      <a:solidFill>
+                        <a:srgbClr val="ffffff"/>
+                      </a:solidFill>
+                    </a:lnB>
+                    <a:solidFill>
+                      <a:srgbClr val="ff0000"/>
+                    </a:solidFill>
+                  </a:tcPr>
+                </a:tc>
+              </a:tr>
+            </a:tbl>
+          </a:graphicData>
+        </a:graphic>
+      </p:graphicFrame>
+    </p:spTree>
+  </p:cSld>
+  <mc:AlternateContent>
+    <mc:Choice Requires="p14">
+      <p:transition spd="slow" p14:dur="2000"/>
+    </mc:Choice>
+    <mc:Fallback>
+      <p:transition spd="slow"/>
+    </mc:Fallback>
+  </mc:AlternateContent>
+</p:sld>
+</file>
+
+<file path=ppt/slides/slide13.xml><?xml version="1.0" encoding="utf-8"?>
+<p:sld xmlns:a="http://schemas.openxmlformats.org/drawingml/2006/main" xmlns:p="http://schemas.openxmlformats.org/presentationml/2006/main" xmlns:r="http://schemas.openxmlformats.org/officeDocument/2006/relationships" xmlns:p14="http://schemas.microsoft.com/office/powerpoint/2010/main" xmlns:p15="http://schemas.microsoft.com/office/powerpoint/2012/main" xmlns:mc="http://schemas.openxmlformats.org/markup-compatibility/2006">
+  <p:cSld>
+    <p:spTree>
+      <p:nvGrpSpPr>
+        <p:cNvPr id="1" name=""/>
+        <p:cNvGrpSpPr/>
+        <p:nvPr/>
+      </p:nvGrpSpPr>
+      <p:grpSpPr>
+        <a:xfrm>
+          <a:off x="0" y="0"/>
+          <a:ext cx="0" cy="0"/>
+          <a:chOff x="0" y="0"/>
+          <a:chExt cx="0" cy="0"/>
+        </a:xfrm>
+      </p:grpSpPr>
+      <p:sp>
+        <p:nvSpPr>
+          <p:cNvPr id="158" name="CustomShape 1"/>
+          <p:cNvSpPr/>
+          <p:nvPr/>
+        </p:nvSpPr>
+        <p:spPr>
+          <a:xfrm>
+            <a:off x="838080" y="365040"/>
+            <a:ext cx="10510920" cy="1320840"/>
+          </a:xfrm>
+          <a:prstGeom prst="rect">
+            <a:avLst/>
+          </a:prstGeom>
+          <a:noFill/>
+          <a:ln>
+            <a:noFill/>
+          </a:ln>
+        </p:spPr>
+        <p:style>
+          <a:lnRef idx="0"/>
+          <a:fillRef idx="0"/>
+          <a:effectRef idx="0"/>
+          <a:fontRef idx="minor"/>
+        </p:style>
+        <p:txBody>
+          <a:bodyPr lIns="90000" rIns="90000" tIns="45000" bIns="45000" anchor="ctr">
+            <a:noAutofit/>
+          </a:bodyPr>
+          <a:p>
+            <a:pPr>
+              <a:lnSpc>
+                <a:spcPct val="90000"/>
+              </a:lnSpc>
+            </a:pPr>
+            <a:r>
+              <a:rPr b="0" lang="pt-BR" sz="4400" spc="-1" strike="noStrike">
+                <a:solidFill>
+                  <a:srgbClr val="808080"/>
+                </a:solidFill>
+                <a:latin typeface="Calibri Light"/>
+                <a:ea typeface="DejaVu Sans"/>
+              </a:rPr>
+              <a:t>4. Considerações finais - TCC I</a:t>
+            </a:r>
+            <a:endParaRPr b="0" lang="pt-BR" sz="4400" spc="-1" strike="noStrike">
+              <a:latin typeface="Arial"/>
+            </a:endParaRPr>
+          </a:p>
+        </p:txBody>
+      </p:sp>
+      <p:sp>
+        <p:nvSpPr>
+          <p:cNvPr id="159" name="CustomShape 2"/>
+          <p:cNvSpPr/>
+          <p:nvPr/>
+        </p:nvSpPr>
+        <p:spPr>
+          <a:xfrm>
+            <a:off x="838080" y="1825560"/>
+            <a:ext cx="10510920" cy="4346640"/>
+          </a:xfrm>
+          <a:prstGeom prst="rect">
+            <a:avLst/>
+          </a:prstGeom>
+          <a:noFill/>
+          <a:ln>
+            <a:noFill/>
+          </a:ln>
+        </p:spPr>
+        <p:style>
+          <a:lnRef idx="0"/>
+          <a:fillRef idx="0"/>
+          <a:effectRef idx="0"/>
+          <a:fontRef idx="minor"/>
+        </p:style>
+      </p:sp>
+      <p:sp>
+        <p:nvSpPr>
+          <p:cNvPr id="160" name="CustomShape 3"/>
+          <p:cNvSpPr/>
+          <p:nvPr/>
+        </p:nvSpPr>
+        <p:spPr>
+          <a:xfrm>
+            <a:off x="720000" y="1440000"/>
+            <a:ext cx="10629000" cy="4509000"/>
+          </a:xfrm>
+          <a:prstGeom prst="rect">
+            <a:avLst/>
+          </a:prstGeom>
+          <a:noFill/>
+          <a:ln>
+            <a:noFill/>
+          </a:ln>
+        </p:spPr>
+        <p:style>
+          <a:lnRef idx="0"/>
+          <a:fillRef idx="0"/>
+          <a:effectRef idx="0"/>
+          <a:fontRef idx="minor"/>
+        </p:style>
+        <p:txBody>
+          <a:bodyPr lIns="90000" rIns="90000" tIns="45000" bIns="45000">
+            <a:noAutofit/>
+          </a:bodyPr>
+          <a:p>
+            <a:pPr algn="just">
+              <a:lnSpc>
+                <a:spcPct val="100000"/>
+              </a:lnSpc>
+            </a:pPr>
+            <a:r>
+              <a:rPr b="0" lang="pt-BR" sz="2000" spc="-1" strike="noStrike">
+                <a:solidFill>
+                  <a:srgbClr val="000000"/>
+                </a:solidFill>
+                <a:latin typeface="Times New Roman"/>
+                <a:ea typeface="DejaVu Sans"/>
+              </a:rPr>
+              <a:t>A partir das informações obtidas das análises deste plano de negócio, podemos identificar que a cidade de Diamantina antes da pandemia tinha um grande fluxo de turistas. Pode-se considerar uma cidade que ofertará um grande número de possíveis clientes para o empreendimento. </a:t>
+            </a:r>
+            <a:endParaRPr b="0" lang="pt-BR" sz="2000" spc="-1" strike="noStrike">
+              <a:latin typeface="Arial"/>
+            </a:endParaRPr>
+          </a:p>
+          <a:p>
+            <a:pPr algn="just">
+              <a:lnSpc>
+                <a:spcPct val="100000"/>
+              </a:lnSpc>
+            </a:pPr>
+            <a:r>
+              <a:rPr b="0" lang="pt-BR" sz="2000" spc="-1" strike="noStrike">
+                <a:solidFill>
+                  <a:srgbClr val="000000"/>
+                </a:solidFill>
+                <a:latin typeface="Times New Roman"/>
+                <a:ea typeface="DejaVu Sans"/>
+              </a:rPr>
+              <a:t>Porém a análise SWOT apresentou ameaças de concorrentes de peso e a falta de experiência do empreendedor quanto a abertura e administração do negócio.</a:t>
+            </a:r>
+            <a:endParaRPr b="0" lang="pt-BR" sz="2000" spc="-1" strike="noStrike">
+              <a:latin typeface="Arial"/>
+            </a:endParaRPr>
+          </a:p>
+        </p:txBody>
+      </p:sp>
+    </p:spTree>
+  </p:cSld>
+  <mc:AlternateContent>
+    <mc:Choice Requires="p14">
+      <p:transition spd="slow" p14:dur="2000"/>
+    </mc:Choice>
+    <mc:Fallback>
+      <p:transition spd="slow"/>
+    </mc:Fallback>
+  </mc:AlternateContent>
+</p:sld>
+</file>
+
+<file path=ppt/slides/slide14.xml><?xml version="1.0" encoding="utf-8"?>
+<p:sld xmlns:a="http://schemas.openxmlformats.org/drawingml/2006/main" xmlns:p="http://schemas.openxmlformats.org/presentationml/2006/main" xmlns:r="http://schemas.openxmlformats.org/officeDocument/2006/relationships" xmlns:p14="http://schemas.microsoft.com/office/powerpoint/2010/main" xmlns:p15="http://schemas.microsoft.com/office/powerpoint/2012/main" xmlns:mc="http://schemas.openxmlformats.org/markup-compatibility/2006">
+  <p:cSld>
+    <p:spTree>
+      <p:nvGrpSpPr>
+        <p:cNvPr id="1" name=""/>
+        <p:cNvGrpSpPr/>
+        <p:nvPr/>
+      </p:nvGrpSpPr>
+      <p:grpSpPr>
+        <a:xfrm>
+          <a:off x="0" y="0"/>
+          <a:ext cx="0" cy="0"/>
+          <a:chOff x="0" y="0"/>
+          <a:chExt cx="0" cy="0"/>
+        </a:xfrm>
+      </p:grpSpPr>
+      <p:sp>
+        <p:nvSpPr>
+          <p:cNvPr id="161" name="CustomShape 1"/>
+          <p:cNvSpPr/>
+          <p:nvPr/>
+        </p:nvSpPr>
+        <p:spPr>
+          <a:xfrm>
+            <a:off x="838080" y="365040"/>
+            <a:ext cx="10510920" cy="1320840"/>
+          </a:xfrm>
+          <a:prstGeom prst="rect">
+            <a:avLst/>
+          </a:prstGeom>
+          <a:noFill/>
+          <a:ln>
+            <a:noFill/>
+          </a:ln>
+        </p:spPr>
+        <p:style>
+          <a:lnRef idx="0"/>
+          <a:fillRef idx="0"/>
+          <a:effectRef idx="0"/>
+          <a:fontRef idx="minor"/>
+        </p:style>
+        <p:txBody>
+          <a:bodyPr lIns="90000" rIns="90000" tIns="45000" bIns="45000" anchor="ctr">
+            <a:noAutofit/>
+          </a:bodyPr>
+          <a:p>
+            <a:pPr>
+              <a:lnSpc>
+                <a:spcPct val="90000"/>
+              </a:lnSpc>
+            </a:pPr>
+            <a:r>
+              <a:rPr b="0" lang="pt-BR" sz="4400" spc="-1" strike="noStrike">
+                <a:solidFill>
+                  <a:srgbClr val="808080"/>
+                </a:solidFill>
+                <a:latin typeface="Calibri Light"/>
+                <a:ea typeface="DejaVu Sans"/>
+              </a:rPr>
+              <a:t>5. Referências</a:t>
+            </a:r>
+            <a:endParaRPr b="0" lang="pt-BR" sz="4400" spc="-1" strike="noStrike">
+              <a:latin typeface="Arial"/>
+            </a:endParaRPr>
+          </a:p>
+        </p:txBody>
+      </p:sp>
+      <p:sp>
+        <p:nvSpPr>
+          <p:cNvPr id="162" name="CustomShape 2"/>
+          <p:cNvSpPr/>
+          <p:nvPr/>
+        </p:nvSpPr>
+        <p:spPr>
+          <a:xfrm>
+            <a:off x="779040" y="1618560"/>
+            <a:ext cx="10629000" cy="4509000"/>
+          </a:xfrm>
+          <a:prstGeom prst="rect">
+            <a:avLst/>
+          </a:prstGeom>
+          <a:noFill/>
+          <a:ln>
+            <a:noFill/>
+          </a:ln>
+        </p:spPr>
+        <p:style>
+          <a:lnRef idx="0"/>
+          <a:fillRef idx="0"/>
+          <a:effectRef idx="0"/>
+          <a:fontRef idx="minor"/>
+        </p:style>
+      </p:sp>
+      <p:sp>
+        <p:nvSpPr>
+          <p:cNvPr id="163" name="CustomShape 3"/>
+          <p:cNvSpPr/>
+          <p:nvPr/>
+        </p:nvSpPr>
+        <p:spPr>
+          <a:xfrm>
+            <a:off x="720000" y="1440000"/>
+            <a:ext cx="10629000" cy="4509000"/>
+          </a:xfrm>
+          <a:prstGeom prst="rect">
+            <a:avLst/>
+          </a:prstGeom>
+          <a:noFill/>
+          <a:ln>
+            <a:noFill/>
+          </a:ln>
+        </p:spPr>
+        <p:style>
+          <a:lnRef idx="0"/>
+          <a:fillRef idx="0"/>
+          <a:effectRef idx="0"/>
+          <a:fontRef idx="minor"/>
+        </p:style>
+        <p:txBody>
+          <a:bodyPr lIns="90000" rIns="90000" tIns="45000" bIns="45000">
+            <a:noAutofit/>
+          </a:bodyPr>
+          <a:p>
+            <a:pPr algn="just">
+              <a:lnSpc>
+                <a:spcPct val="100000"/>
+              </a:lnSpc>
+            </a:pPr>
+            <a:r>
+              <a:rPr b="0" lang="pt-BR" sz="1400" spc="-1" strike="noStrike">
+                <a:solidFill>
+                  <a:srgbClr val="000000"/>
+                </a:solidFill>
+                <a:latin typeface="Times New Roman"/>
+                <a:ea typeface="DejaVu Sans"/>
+              </a:rPr>
+              <a:t>Revista Azul</a:t>
+            </a:r>
+            <a:endParaRPr b="0" lang="pt-BR" sz="1400" spc="-1" strike="noStrike">
+              <a:latin typeface="Arial"/>
+            </a:endParaRPr>
+          </a:p>
+          <a:p>
+            <a:pPr algn="just">
+              <a:lnSpc>
+                <a:spcPct val="100000"/>
+              </a:lnSpc>
+            </a:pPr>
+            <a:r>
+              <a:rPr b="0" lang="pt-BR" sz="1400" spc="-1" strike="noStrike">
+                <a:solidFill>
+                  <a:srgbClr val="000000"/>
+                </a:solidFill>
+                <a:latin typeface="Times New Roman"/>
+                <a:ea typeface="DejaVu Sans"/>
+              </a:rPr>
+              <a:t>https://revistaazul.voeazul.com.br/destinos/um-roteiro-mineiro-no-circuito-dos-diamantes/, acessado em 29/05/2021 às 10:20</a:t>
+            </a:r>
+            <a:endParaRPr b="0" lang="pt-BR" sz="1400" spc="-1" strike="noStrike">
+              <a:latin typeface="Arial"/>
+            </a:endParaRPr>
+          </a:p>
+          <a:p>
+            <a:pPr algn="just">
+              <a:lnSpc>
+                <a:spcPct val="100000"/>
+              </a:lnSpc>
+            </a:pPr>
+            <a:endParaRPr b="0" lang="pt-BR" sz="1400" spc="-1" strike="noStrike">
+              <a:latin typeface="Arial"/>
+            </a:endParaRPr>
+          </a:p>
+          <a:p>
+            <a:pPr algn="just">
+              <a:lnSpc>
+                <a:spcPct val="100000"/>
+              </a:lnSpc>
+            </a:pPr>
+            <a:r>
+              <a:rPr b="0" lang="pt-BR" sz="1400" spc="-1" strike="noStrike">
+                <a:solidFill>
+                  <a:srgbClr val="000000"/>
+                </a:solidFill>
+                <a:latin typeface="Times New Roman"/>
+                <a:ea typeface="DejaVu Sans"/>
+              </a:rPr>
+              <a:t>Jornal Estado de minas gerais</a:t>
+            </a:r>
+            <a:endParaRPr b="0" lang="pt-BR" sz="1400" spc="-1" strike="noStrike">
+              <a:latin typeface="Arial"/>
+            </a:endParaRPr>
+          </a:p>
+          <a:p>
+            <a:pPr algn="just">
+              <a:lnSpc>
+                <a:spcPct val="100000"/>
+              </a:lnSpc>
+            </a:pPr>
+            <a:r>
+              <a:rPr b="0" lang="pt-BR" sz="1400" spc="-1" strike="noStrike">
+                <a:solidFill>
+                  <a:srgbClr val="000000"/>
+                </a:solidFill>
+                <a:latin typeface="Times New Roman"/>
+                <a:ea typeface="DejaVu Sans"/>
+              </a:rPr>
+              <a:t>https://www.em.com.br/app/noticia/90-anos/2018/08/07/interna_90_anos,978424/gastronomia-fazem-parte-da-identidade-historia-e-cultura-de-minas.shtml, acessado em 29/05/2021 às 09:54</a:t>
+            </a:r>
+            <a:endParaRPr b="0" lang="pt-BR" sz="1400" spc="-1" strike="noStrike">
+              <a:latin typeface="Arial"/>
+            </a:endParaRPr>
+          </a:p>
+          <a:p>
+            <a:pPr algn="just">
+              <a:lnSpc>
+                <a:spcPct val="100000"/>
+              </a:lnSpc>
+            </a:pPr>
+            <a:endParaRPr b="0" lang="pt-BR" sz="1400" spc="-1" strike="noStrike">
+              <a:latin typeface="Arial"/>
+            </a:endParaRPr>
+          </a:p>
+          <a:p>
+            <a:pPr algn="just">
+              <a:lnSpc>
+                <a:spcPct val="100000"/>
+              </a:lnSpc>
+            </a:pPr>
+            <a:r>
+              <a:rPr b="0" lang="pt-BR" sz="1400" spc="-1" strike="noStrike">
+                <a:solidFill>
+                  <a:srgbClr val="000000"/>
+                </a:solidFill>
+                <a:latin typeface="Times New Roman"/>
+                <a:ea typeface="DejaVu Sans"/>
+              </a:rPr>
+              <a:t>Instituto do Patrimônio Histórico Artístico Nacional–IPHAN</a:t>
+            </a:r>
+            <a:endParaRPr b="0" lang="pt-BR" sz="1400" spc="-1" strike="noStrike">
+              <a:latin typeface="Arial"/>
+            </a:endParaRPr>
+          </a:p>
+          <a:p>
+            <a:pPr algn="just">
+              <a:lnSpc>
+                <a:spcPct val="100000"/>
+              </a:lnSpc>
+            </a:pPr>
+            <a:r>
+              <a:rPr b="0" lang="pt-BR" sz="1400" spc="-1" strike="noStrike">
+                <a:solidFill>
+                  <a:srgbClr val="000000"/>
+                </a:solidFill>
+                <a:latin typeface="Times New Roman"/>
+                <a:ea typeface="DejaVu Sans"/>
+              </a:rPr>
+              <a:t>http://portal.iphan.gov.br/uploads/ckfinder/arquivos/Centro%20Hist%C3%B3rico%20de%20Diamantina.pdf,  Iphan, acessado em 08/05 as 17:30</a:t>
+            </a:r>
+            <a:endParaRPr b="0" lang="pt-BR" sz="1400" spc="-1" strike="noStrike">
+              <a:latin typeface="Arial"/>
+            </a:endParaRPr>
+          </a:p>
+          <a:p>
+            <a:pPr algn="just">
+              <a:lnSpc>
+                <a:spcPct val="100000"/>
+              </a:lnSpc>
+            </a:pPr>
+            <a:endParaRPr b="0" lang="pt-BR" sz="1400" spc="-1" strike="noStrike">
+              <a:latin typeface="Arial"/>
+            </a:endParaRPr>
+          </a:p>
+          <a:p>
+            <a:pPr algn="just">
+              <a:lnSpc>
+                <a:spcPct val="100000"/>
+              </a:lnSpc>
+            </a:pPr>
+            <a:r>
+              <a:rPr b="0" lang="pt-BR" sz="1400" spc="-1" strike="noStrike">
+                <a:solidFill>
+                  <a:srgbClr val="000000"/>
+                </a:solidFill>
+                <a:latin typeface="Times New Roman"/>
+                <a:ea typeface="DejaVu Sans"/>
+              </a:rPr>
+              <a:t>UFVJM  - Universidade federal do Vale do Jequitinhonha e Mucuri, </a:t>
+            </a:r>
+            <a:r>
+              <a:rPr b="0" lang="pt-BR" sz="1400" spc="-1" strike="noStrike">
+                <a:solidFill>
+                  <a:srgbClr val="000000"/>
+                </a:solidFill>
+                <a:latin typeface="Times New Roman"/>
+                <a:ea typeface="DejaVu Sans"/>
+              </a:rPr>
+              <a:t>Relatório final de pesquisa, Perfil da demanda turística real de Diamantina e região</a:t>
+            </a:r>
+            <a:endParaRPr b="0" lang="pt-BR" sz="1400" spc="-1" strike="noStrike">
+              <a:latin typeface="Arial"/>
+            </a:endParaRPr>
+          </a:p>
+          <a:p>
+            <a:pPr algn="just">
+              <a:lnSpc>
+                <a:spcPct val="100000"/>
+              </a:lnSpc>
+            </a:pPr>
+            <a:r>
+              <a:rPr b="0" lang="pt-BR" sz="1400" spc="-1" strike="noStrike">
+                <a:solidFill>
+                  <a:srgbClr val="000000"/>
+                </a:solidFill>
+                <a:latin typeface="Times New Roman"/>
+                <a:ea typeface="DejaVu Sans"/>
+              </a:rPr>
+              <a:t>http://www.ufvjm.edu.br/cursos/component/docman/doc_view/46-perfil-da-demanda-turistica-real-de-diamantina-e-regiao-julho-de-2012.html, acessado em 05/04/2021 às 21:30</a:t>
+            </a:r>
+            <a:endParaRPr b="0" lang="pt-BR" sz="1400" spc="-1" strike="noStrike">
+              <a:latin typeface="Arial"/>
+            </a:endParaRPr>
+          </a:p>
+          <a:p>
+            <a:pPr algn="just">
+              <a:lnSpc>
+                <a:spcPct val="100000"/>
+              </a:lnSpc>
+            </a:pPr>
+            <a:endParaRPr b="0" lang="pt-BR" sz="1400" spc="-1" strike="noStrike">
+              <a:latin typeface="Arial"/>
+            </a:endParaRPr>
+          </a:p>
+          <a:p>
+            <a:pPr algn="just">
+              <a:lnSpc>
+                <a:spcPct val="100000"/>
+              </a:lnSpc>
+            </a:pPr>
+            <a:r>
+              <a:rPr b="0" lang="pt-BR" sz="1400" spc="-1" strike="noStrike">
+                <a:solidFill>
+                  <a:srgbClr val="000000"/>
+                </a:solidFill>
+                <a:latin typeface="Times New Roman"/>
+                <a:ea typeface="DejaVu Sans"/>
+              </a:rPr>
+              <a:t>SENAC, Pós – graduação Gestão de negócios em serviços de alimentação, Gestão Estratégica integrada para negócios em alimentação, Aula 9: Atendimento: modelos e resultados, acessado dia 19/05/ às 8:00, matéria</a:t>
+            </a:r>
+            <a:endParaRPr b="0" lang="pt-BR" sz="1400" spc="-1" strike="noStrike">
+              <a:latin typeface="Arial"/>
+            </a:endParaRPr>
+          </a:p>
+          <a:p>
+            <a:pPr algn="just">
+              <a:lnSpc>
+                <a:spcPct val="100000"/>
+              </a:lnSpc>
+            </a:pPr>
+            <a:endParaRPr b="0" lang="pt-BR" sz="1400" spc="-1" strike="noStrike">
+              <a:latin typeface="Arial"/>
+            </a:endParaRPr>
+          </a:p>
+          <a:p>
+            <a:pPr algn="just">
+              <a:lnSpc>
+                <a:spcPct val="100000"/>
+              </a:lnSpc>
+            </a:pPr>
+            <a:r>
+              <a:rPr b="0" lang="pt-BR" sz="1400" spc="-1" strike="noStrike">
+                <a:solidFill>
+                  <a:srgbClr val="000000"/>
+                </a:solidFill>
+                <a:latin typeface="Times New Roman"/>
+                <a:ea typeface="DejaVu Sans"/>
+              </a:rPr>
+              <a:t>Programa + Gastronomia</a:t>
+            </a:r>
+            <a:endParaRPr b="0" lang="pt-BR" sz="1400" spc="-1" strike="noStrike">
+              <a:latin typeface="Arial"/>
+            </a:endParaRPr>
+          </a:p>
+          <a:p>
+            <a:pPr algn="just">
+              <a:lnSpc>
+                <a:spcPct val="100000"/>
+              </a:lnSpc>
+            </a:pPr>
+            <a:r>
+              <a:rPr b="0" lang="pt-BR" sz="1400" spc="-1" strike="noStrike">
+                <a:solidFill>
+                  <a:srgbClr val="000000"/>
+                </a:solidFill>
+                <a:latin typeface="Times New Roman"/>
+                <a:ea typeface="DejaVu Sans"/>
+              </a:rPr>
+              <a:t>https://www.governo.mg.gov.br/Noticias/Detalhe/5073 e </a:t>
+            </a:r>
+            <a:r>
+              <a:rPr b="0" lang="pt-BR" sz="1400" spc="-1" strike="noStrike">
+                <a:solidFill>
+                  <a:srgbClr val="000000"/>
+                </a:solidFill>
+                <a:latin typeface="Times New Roman"/>
+                <a:ea typeface="DejaVu Sans"/>
+              </a:rPr>
+              <a:t>https://www.governo.mg.gov.br/Noticias/Detalhe/5128, </a:t>
+            </a:r>
+            <a:r>
+              <a:rPr b="0" lang="pt-BR" sz="1400" spc="-1" strike="noStrike">
+                <a:solidFill>
+                  <a:srgbClr val="000000"/>
+                </a:solidFill>
+                <a:latin typeface="Times New Roman"/>
+                <a:ea typeface="DejaVu Sans"/>
+              </a:rPr>
+              <a:t>acessado em 29/05/201 às 12:28</a:t>
+            </a:r>
+            <a:endParaRPr b="0" lang="pt-BR" sz="1400" spc="-1" strike="noStrike">
+              <a:latin typeface="Arial"/>
+            </a:endParaRPr>
+          </a:p>
+          <a:p>
+            <a:pPr algn="just">
+              <a:lnSpc>
+                <a:spcPct val="100000"/>
+              </a:lnSpc>
+            </a:pPr>
+            <a:endParaRPr b="0" lang="pt-BR" sz="1400" spc="-1" strike="noStrike">
+              <a:latin typeface="Arial"/>
+            </a:endParaRPr>
+          </a:p>
+          <a:p>
+            <a:pPr algn="just">
+              <a:lnSpc>
+                <a:spcPct val="100000"/>
+              </a:lnSpc>
+            </a:pPr>
+            <a:endParaRPr b="0" lang="pt-BR" sz="1400" spc="-1" strike="noStrike">
+              <a:latin typeface="Arial"/>
+            </a:endParaRPr>
+          </a:p>
+          <a:p>
+            <a:pPr algn="just">
+              <a:lnSpc>
+                <a:spcPct val="100000"/>
+              </a:lnSpc>
+            </a:pPr>
+            <a:endParaRPr b="0" lang="pt-BR" sz="1400" spc="-1" strike="noStrike">
+              <a:latin typeface="Arial"/>
+            </a:endParaRPr>
+          </a:p>
+          <a:p>
+            <a:pPr algn="just">
+              <a:lnSpc>
+                <a:spcPct val="100000"/>
+              </a:lnSpc>
+            </a:pPr>
+            <a:endParaRPr b="0" lang="pt-BR" sz="1400" spc="-1" strike="noStrike">
+              <a:latin typeface="Arial"/>
+            </a:endParaRPr>
+          </a:p>
+          <a:p>
+            <a:pPr algn="just">
+              <a:lnSpc>
+                <a:spcPct val="100000"/>
+              </a:lnSpc>
+            </a:pPr>
+            <a:endParaRPr b="0" lang="pt-BR" sz="1400" spc="-1" strike="noStrike">
+              <a:latin typeface="Arial"/>
+            </a:endParaRPr>
+          </a:p>
+          <a:p>
+            <a:pPr algn="just">
+              <a:lnSpc>
+                <a:spcPct val="100000"/>
+              </a:lnSpc>
+            </a:pPr>
+            <a:endParaRPr b="0" lang="pt-BR" sz="1400" spc="-1" strike="noStrike">
+              <a:latin typeface="Arial"/>
+            </a:endParaRPr>
+          </a:p>
+        </p:txBody>
       </p:sp>
     </p:spTree>
   </p:cSld>
@@ -5547,14 +8573,14 @@
       </p:grpSpPr>
       <p:sp>
         <p:nvSpPr>
-          <p:cNvPr id="120" name="CustomShape 1"/>
+          <p:cNvPr id="123" name="CustomShape 1"/>
           <p:cNvSpPr/>
           <p:nvPr/>
         </p:nvSpPr>
         <p:spPr>
           <a:xfrm>
             <a:off x="838080" y="365040"/>
-            <a:ext cx="10511280" cy="1321200"/>
+            <a:ext cx="10510920" cy="1320840"/>
           </a:xfrm>
           <a:prstGeom prst="rect">
             <a:avLst/>
@@ -5598,14 +8624,14 @@
       </p:sp>
       <p:sp>
         <p:nvSpPr>
-          <p:cNvPr id="121" name="CustomShape 2"/>
+          <p:cNvPr id="124" name="CustomShape 2"/>
           <p:cNvSpPr/>
           <p:nvPr/>
         </p:nvSpPr>
         <p:spPr>
           <a:xfrm>
-            <a:off x="838080" y="1689480"/>
-            <a:ext cx="10511280" cy="4483080"/>
+            <a:off x="838080" y="1508760"/>
+            <a:ext cx="10510920" cy="4482720"/>
           </a:xfrm>
           <a:prstGeom prst="rect">
             <a:avLst/>
@@ -5642,7 +8668,7 @@
                 <a:latin typeface="Times New Roman"/>
                 <a:ea typeface="DejaVu Sans"/>
               </a:rPr>
-              <a:t>O restaurante será aberto na cidade histórica de Diamantina – MG, onde antes da pandemia existia um fluxo constante de turistas, turismo com forte caráter cultural (UFVJM, p. 11 e p. 19, 2012). Outro fato de grande importância para cidade e para o turismo, foi que em 1999 a cidade foi reconhecida pela UNESCO como Patrimônio Cultural da Humanidade. De acordo com a Secretaria de Estado de Cultura e Turismo do Estado de Minas Gerais, Diamantina é conhecida como um dos principais destinos da </a:t>
+              <a:t>O estado de Minas gerais tem grande influência na gastronomia nacional, em 5 de julho de 2018 o governo lançou o projeto </a:t>
             </a:r>
             <a:r>
               <a:rPr b="1" lang="pt-BR" sz="2000" spc="-1" strike="noStrike">
@@ -5652,7 +8678,7 @@
                 <a:latin typeface="Times New Roman"/>
                 <a:ea typeface="DejaVu Sans"/>
               </a:rPr>
-              <a:t>Estrada real</a:t>
+              <a:t>+ Gastronomia</a:t>
             </a:r>
             <a:r>
               <a:rPr b="0" lang="pt-BR" sz="2000" spc="-1" strike="noStrike">
@@ -5662,18 +8688,31 @@
                 <a:latin typeface="Times New Roman"/>
                 <a:ea typeface="DejaVu Sans"/>
               </a:rPr>
-              <a:t>, um dos roteiros culturais e turísticos mais ricos do Brasil, também integrante do </a:t>
-            </a:r>
-            <a:r>
-              <a:rPr b="1" lang="pt-BR" sz="2000" spc="-1" strike="noStrike">
+              <a:t>, este com intuito de fomentar e descentralizar o desenvolvimento econômico no estado gerando oportunidades de trabalho e renda. É o único estado no Brasil com uma política pública para o setor da gastronomia (Governo de Minas Gerais, 2017</a:t>
+            </a:r>
+            <a:r>
+              <a:rPr b="0" lang="pt-BR" sz="2000" spc="-1" strike="noStrike">
                 <a:solidFill>
                   <a:srgbClr val="000000"/>
                 </a:solidFill>
                 <a:latin typeface="Times New Roman"/>
                 <a:ea typeface="DejaVu Sans"/>
               </a:rPr>
-              <a:t>Circuito dos Diamantes</a:t>
-            </a:r>
+              <a:t>) . O restaurante será aberto na cidade histórica de Diamantina – MG, onde antes da pandemia existia um fluxo constante de turistas, turismo com forte caráter cultural (UFVJM, p. 11 e p. 19, 2012). Outro fato de grande importância para cidade e aquecimento turístico, foi o reconhecimento como Patrimônio Cultural da Humanidade em 1999 pela UNESCO. </a:t>
+            </a:r>
+            <a:endParaRPr b="0" lang="pt-BR" sz="2000" spc="-1" strike="noStrike">
+              <a:latin typeface="Arial"/>
+            </a:endParaRPr>
+          </a:p>
+          <a:p>
+            <a:pPr algn="just">
+              <a:lnSpc>
+                <a:spcPct val="100000"/>
+              </a:lnSpc>
+              <a:spcBef>
+                <a:spcPts val="1417"/>
+              </a:spcBef>
+            </a:pPr>
             <a:r>
               <a:rPr b="0" lang="pt-BR" sz="2000" spc="-1" strike="noStrike">
                 <a:solidFill>
@@ -5682,7 +8721,57 @@
                 <a:latin typeface="Times New Roman"/>
                 <a:ea typeface="DejaVu Sans"/>
               </a:rPr>
-              <a:t>. Com grande riqueza cultural e arquitetônica, (Iphan, 2008), Diamantina também se destaca pela gastronômica singular, esta riqueza e singularidade me chamou a atenção para abrir o empreendimento na cidade. </a:t>
+              <a:t>De acordo com a Secretaria de Estado de Cultura e Turismo do Estado de Minas Gerais, Diamantina é conhecida como um dos principais destinos da </a:t>
+            </a:r>
+            <a:r>
+              <a:rPr b="1" lang="pt-BR" sz="2000" spc="-1" strike="noStrike">
+                <a:solidFill>
+                  <a:srgbClr val="000000"/>
+                </a:solidFill>
+                <a:latin typeface="Times New Roman"/>
+                <a:ea typeface="DejaVu Sans"/>
+              </a:rPr>
+              <a:t>Estrada real</a:t>
+            </a:r>
+            <a:r>
+              <a:rPr b="0" lang="pt-BR" sz="2000" spc="-1" strike="noStrike">
+                <a:solidFill>
+                  <a:srgbClr val="000000"/>
+                </a:solidFill>
+                <a:latin typeface="Times New Roman"/>
+                <a:ea typeface="DejaVu Sans"/>
+              </a:rPr>
+              <a:t>, um dos roteiros culturais e turísticos mais ricos do Brasil, também integrante do </a:t>
+            </a:r>
+            <a:r>
+              <a:rPr b="1" lang="pt-BR" sz="2000" spc="-1" strike="noStrike">
+                <a:solidFill>
+                  <a:srgbClr val="000000"/>
+                </a:solidFill>
+                <a:latin typeface="Times New Roman"/>
+                <a:ea typeface="DejaVu Sans"/>
+              </a:rPr>
+              <a:t>Circuito dos Diamantes </a:t>
+            </a:r>
+            <a:r>
+              <a:rPr b="0" lang="pt-BR" sz="2000" spc="-1" strike="noStrike">
+                <a:solidFill>
+                  <a:srgbClr val="000000"/>
+                </a:solidFill>
+                <a:latin typeface="Times New Roman"/>
+                <a:ea typeface="DejaVu Sans"/>
+              </a:rPr>
+              <a:t>(Revista Digital Azul, 2020). Com grande riqueza cultural e arquitetônica, (Iphan, 1938), Diamantina também se destaca pela gastronômica singular, esta riqueza me chamou a atenção para abrir o empreendimento na cidade.</a:t>
+            </a:r>
+            <a:r>
+              <a:rPr b="0" lang="pt-BR" sz="2000" spc="-1" strike="noStrike">
+                <a:solidFill>
+                  <a:srgbClr val="000000"/>
+                </a:solidFill>
+                <a:latin typeface="Times New Roman"/>
+                <a:ea typeface="DejaVu Sans"/>
+              </a:rPr>
+              <a:t> </a:t>
             </a:r>
             <a:endParaRPr b="0" lang="pt-BR" sz="2000" spc="-1" strike="noStrike">
               <a:latin typeface="Arial"/>
@@ -5722,14 +8811,14 @@
       </p:grpSpPr>
       <p:sp>
         <p:nvSpPr>
-          <p:cNvPr id="122" name="CustomShape 1"/>
+          <p:cNvPr id="125" name="CustomShape 1"/>
           <p:cNvSpPr/>
           <p:nvPr/>
         </p:nvSpPr>
         <p:spPr>
           <a:xfrm>
             <a:off x="838080" y="365040"/>
-            <a:ext cx="10511280" cy="1321200"/>
+            <a:ext cx="10510920" cy="1320840"/>
           </a:xfrm>
           <a:prstGeom prst="rect">
             <a:avLst/>
@@ -5773,14 +8862,14 @@
       </p:sp>
       <p:sp>
         <p:nvSpPr>
-          <p:cNvPr id="123" name="CustomShape 2"/>
+          <p:cNvPr id="126" name="CustomShape 2"/>
           <p:cNvSpPr/>
           <p:nvPr/>
         </p:nvSpPr>
         <p:spPr>
           <a:xfrm>
             <a:off x="360000" y="1499040"/>
-            <a:ext cx="11516760" cy="2411280"/>
+            <a:ext cx="11516400" cy="5358600"/>
           </a:xfrm>
           <a:prstGeom prst="rect">
             <a:avLst/>
@@ -5874,7 +8963,7 @@
                 <a:latin typeface="Times New Roman"/>
                 <a:ea typeface="DejaVu Sans"/>
               </a:rPr>
-              <a:t>Além de fornecedores tradicionais, os agricultores familiares da região, também serão nossos parceiros na aquisição de produtos.</a:t>
+              <a:t>Para a aquisição de produtos regionais, daremos preferência para agricultores familiares da região.</a:t>
             </a:r>
             <a:endParaRPr b="0" lang="pt-BR" sz="2000" spc="-1" strike="noStrike">
               <a:latin typeface="Arial"/>
@@ -5904,7 +8993,7 @@
       </p:sp>
       <p:pic>
         <p:nvPicPr>
-          <p:cNvPr id="124" name="" descr=""/>
+          <p:cNvPr id="127" name="Imagem 4" descr=""/>
           <p:cNvPicPr/>
           <p:nvPr/>
         </p:nvPicPr>
@@ -5914,8 +9003,8 @@
         </p:blipFill>
         <p:spPr>
           <a:xfrm>
-            <a:off x="432000" y="4407480"/>
-            <a:ext cx="2358720" cy="2358720"/>
+            <a:off x="5049000" y="4017960"/>
+            <a:ext cx="2358360" cy="2143800"/>
           </a:xfrm>
           <a:prstGeom prst="rect">
             <a:avLst/>
@@ -5957,14 +9046,14 @@
       </p:grpSpPr>
       <p:sp>
         <p:nvSpPr>
-          <p:cNvPr id="125" name="CustomShape 1"/>
+          <p:cNvPr id="128" name="CustomShape 1"/>
           <p:cNvSpPr/>
           <p:nvPr/>
         </p:nvSpPr>
         <p:spPr>
           <a:xfrm>
             <a:off x="838080" y="365040"/>
-            <a:ext cx="10511280" cy="603000"/>
+            <a:ext cx="10510920" cy="602640"/>
           </a:xfrm>
           <a:prstGeom prst="rect">
             <a:avLst/>
@@ -6008,14 +9097,14 @@
       </p:sp>
       <p:sp>
         <p:nvSpPr>
-          <p:cNvPr id="126" name="CustomShape 2"/>
+          <p:cNvPr id="129" name="CustomShape 2"/>
           <p:cNvSpPr/>
           <p:nvPr/>
         </p:nvSpPr>
         <p:spPr>
           <a:xfrm>
             <a:off x="9156600" y="1102680"/>
-            <a:ext cx="2192760" cy="3551400"/>
+            <a:ext cx="2192400" cy="3551040"/>
           </a:xfrm>
           <a:prstGeom prst="rect">
             <a:avLst/>
@@ -6241,14 +9330,14 @@
       </p:sp>
       <p:sp>
         <p:nvSpPr>
-          <p:cNvPr id="127" name="CustomShape 3"/>
+          <p:cNvPr id="130" name="CustomShape 3"/>
           <p:cNvSpPr/>
           <p:nvPr/>
         </p:nvSpPr>
         <p:spPr>
           <a:xfrm>
             <a:off x="2764440" y="2878200"/>
-            <a:ext cx="2087280" cy="1775880"/>
+            <a:ext cx="2086920" cy="1775520"/>
           </a:xfrm>
           <a:prstGeom prst="rect">
             <a:avLst/>
@@ -6384,14 +9473,14 @@
       </p:sp>
       <p:sp>
         <p:nvSpPr>
-          <p:cNvPr id="128" name="CustomShape 4"/>
+          <p:cNvPr id="131" name="CustomShape 4"/>
           <p:cNvSpPr/>
           <p:nvPr/>
         </p:nvSpPr>
         <p:spPr>
           <a:xfrm>
             <a:off x="4929120" y="1102680"/>
-            <a:ext cx="1999440" cy="4969800"/>
+            <a:ext cx="1999080" cy="4969440"/>
           </a:xfrm>
           <a:prstGeom prst="rect">
             <a:avLst/>
@@ -6497,7 +9586,7 @@
                 <a:latin typeface="Arial"/>
                 <a:ea typeface="DejaVu Sans"/>
               </a:rPr>
-              <a:t>Despojado</a:t>
+              <a:t>Descontraído</a:t>
             </a:r>
             <a:endParaRPr b="0" lang="pt-BR" sz="1400" spc="-1" strike="noStrike">
               <a:latin typeface="Arial"/>
@@ -6597,14 +9686,14 @@
       </p:sp>
       <p:sp>
         <p:nvSpPr>
-          <p:cNvPr id="129" name="CustomShape 5"/>
+          <p:cNvPr id="132" name="CustomShape 5"/>
           <p:cNvSpPr/>
           <p:nvPr/>
         </p:nvSpPr>
         <p:spPr>
           <a:xfrm>
             <a:off x="7007040" y="1102680"/>
-            <a:ext cx="2072520" cy="1731960"/>
+            <a:ext cx="2072160" cy="1731600"/>
           </a:xfrm>
           <a:prstGeom prst="rect">
             <a:avLst/>
@@ -6740,14 +9829,14 @@
       </p:sp>
       <p:sp>
         <p:nvSpPr>
-          <p:cNvPr id="130" name="CustomShape 6"/>
+          <p:cNvPr id="133" name="CustomShape 6"/>
           <p:cNvSpPr/>
           <p:nvPr/>
         </p:nvSpPr>
         <p:spPr>
           <a:xfrm>
             <a:off x="766800" y="1103400"/>
-            <a:ext cx="1934280" cy="3550680"/>
+            <a:ext cx="1933920" cy="3550320"/>
           </a:xfrm>
           <a:prstGeom prst="rect">
             <a:avLst/>
@@ -6823,7 +9912,7 @@
                 <a:latin typeface="Arial"/>
                 <a:ea typeface="DejaVu Sans"/>
               </a:rPr>
-              <a:t>Produtores rurais locais</a:t>
+              <a:t>Produtores tradicionais</a:t>
             </a:r>
             <a:endParaRPr b="0" lang="pt-BR" sz="1400" spc="-1" strike="noStrike">
               <a:latin typeface="Arial"/>
@@ -6843,7 +9932,7 @@
                 <a:latin typeface="Arial"/>
                 <a:ea typeface="DejaVu Sans"/>
               </a:rPr>
-              <a:t>Produtores agricultura familiar</a:t>
+              <a:t>Agricultores familiares</a:t>
             </a:r>
             <a:endParaRPr b="0" lang="pt-BR" sz="1400" spc="-1" strike="noStrike">
               <a:latin typeface="Arial"/>
@@ -6953,14 +10042,14 @@
       </p:sp>
       <p:sp>
         <p:nvSpPr>
-          <p:cNvPr id="131" name="CustomShape 7"/>
+          <p:cNvPr id="134" name="CustomShape 7"/>
           <p:cNvSpPr/>
           <p:nvPr/>
         </p:nvSpPr>
         <p:spPr>
           <a:xfrm>
             <a:off x="766800" y="4708440"/>
-            <a:ext cx="4085280" cy="1363680"/>
+            <a:ext cx="4084920" cy="1363320"/>
           </a:xfrm>
           <a:prstGeom prst="rect">
             <a:avLst/>
@@ -7096,14 +10185,14 @@
       </p:sp>
       <p:sp>
         <p:nvSpPr>
-          <p:cNvPr id="132" name="CustomShape 8"/>
+          <p:cNvPr id="135" name="CustomShape 8"/>
           <p:cNvSpPr/>
           <p:nvPr/>
         </p:nvSpPr>
         <p:spPr>
           <a:xfrm>
             <a:off x="7007040" y="2889000"/>
-            <a:ext cx="2076480" cy="1765080"/>
+            <a:ext cx="2076120" cy="1764720"/>
           </a:xfrm>
           <a:prstGeom prst="rect">
             <a:avLst/>
@@ -7239,14 +10328,14 @@
       </p:sp>
       <p:sp>
         <p:nvSpPr>
-          <p:cNvPr id="133" name="CustomShape 9"/>
+          <p:cNvPr id="136" name="CustomShape 9"/>
           <p:cNvSpPr/>
           <p:nvPr/>
         </p:nvSpPr>
         <p:spPr>
           <a:xfrm>
             <a:off x="7007040" y="4708440"/>
-            <a:ext cx="4342320" cy="1348920"/>
+            <a:ext cx="4341960" cy="1348560"/>
           </a:xfrm>
           <a:prstGeom prst="rect">
             <a:avLst/>
@@ -7342,14 +10431,14 @@
       </p:sp>
       <p:sp>
         <p:nvSpPr>
-          <p:cNvPr id="134" name="CustomShape 10"/>
+          <p:cNvPr id="137" name="CustomShape 10"/>
           <p:cNvSpPr/>
           <p:nvPr/>
         </p:nvSpPr>
         <p:spPr>
           <a:xfrm>
             <a:off x="2764440" y="1102680"/>
-            <a:ext cx="2090520" cy="1731960"/>
+            <a:ext cx="2090160" cy="1731600"/>
           </a:xfrm>
           <a:prstGeom prst="rect">
             <a:avLst/>
@@ -7515,14 +10604,14 @@
       </p:grpSpPr>
       <p:sp>
         <p:nvSpPr>
-          <p:cNvPr id="135" name="CustomShape 1"/>
+          <p:cNvPr id="138" name="CustomShape 1"/>
           <p:cNvSpPr/>
           <p:nvPr/>
         </p:nvSpPr>
         <p:spPr>
           <a:xfrm>
             <a:off x="838080" y="365040"/>
-            <a:ext cx="10511280" cy="1321200"/>
+            <a:ext cx="10510920" cy="1320840"/>
           </a:xfrm>
           <a:prstGeom prst="rect">
             <a:avLst/>
@@ -7566,14 +10655,14 @@
       </p:sp>
       <p:sp>
         <p:nvSpPr>
-          <p:cNvPr id="136" name="CustomShape 2"/>
+          <p:cNvPr id="139" name="CustomShape 2"/>
           <p:cNvSpPr/>
           <p:nvPr/>
         </p:nvSpPr>
         <p:spPr>
           <a:xfrm>
             <a:off x="838080" y="1825560"/>
-            <a:ext cx="10511280" cy="4347000"/>
+            <a:ext cx="10510920" cy="4346640"/>
           </a:xfrm>
           <a:prstGeom prst="rect">
             <a:avLst/>
@@ -7627,7 +10716,7 @@
                 <a:latin typeface="Times New Roman"/>
                 <a:ea typeface="DejaVu Sans"/>
               </a:rPr>
-              <a:t>Queremos que o turista, tenha a experiência da explosão de sabores da culinária mineira e principalmente da culinária regional. Já para o cliente nativo, desejamos que, saboreei a conhecida e apreciada culinária local, com produtos frescos e de ótima qualidade.</a:t>
+              <a:t>Queremos que o turista, tenha a experiência da explosão de sabores da culinária mineira e principalmente da culinária regional. Já para o cliente nativo desejamos que, saboreei a conhecida e apreciada culinária local, com produtos frescos e servidos com muito amor e carinho.</a:t>
             </a:r>
             <a:endParaRPr b="0" lang="pt-BR" sz="2000" spc="-1" strike="noStrike">
               <a:latin typeface="Arial"/>
@@ -7667,7 +10756,27 @@
                 <a:latin typeface="Times New Roman"/>
                 <a:ea typeface="DejaVu Sans"/>
               </a:rPr>
-              <a:t>A comercialização da produção, será realizada no fundo da loja, onde haverá uma espécie de “lojinha” com a produção exposta e um responsável pela apresentação e venda. </a:t>
+              <a:t>A comercialização dos embutidos, será realizada no fundo da loja, onde haverá uma espécie de “lojinha” com a produção exposta e um responsável pela apresentação e venda.</a:t>
+            </a:r>
+            <a:endParaRPr b="0" lang="pt-BR" sz="2000" spc="-1" strike="noStrike">
+              <a:latin typeface="Arial"/>
+            </a:endParaRPr>
+          </a:p>
+          <a:p>
+            <a:pPr algn="just">
+              <a:lnSpc>
+                <a:spcPct val="100000"/>
+              </a:lnSpc>
+            </a:pPr>
+            <a:r>
+              <a:rPr b="0" lang="pt-BR" sz="2000" spc="-1" strike="noStrike">
+                <a:solidFill>
+                  <a:srgbClr val="000000"/>
+                </a:solidFill>
+                <a:latin typeface="Times New Roman"/>
+                <a:ea typeface="DejaVu Sans"/>
+              </a:rPr>
+              <a:t>Este responsável apresentará os produtos e também poderá propor receitas fáceis e possíveis de fazer em casa por qualquer pessoa, impressionando aqueles que degustarem nossos produtos. </a:t>
             </a:r>
             <a:endParaRPr b="0" lang="pt-BR" sz="2000" spc="-1" strike="noStrike">
               <a:latin typeface="Arial"/>
@@ -7741,14 +10850,14 @@
       </p:grpSpPr>
       <p:sp>
         <p:nvSpPr>
-          <p:cNvPr id="137" name="CustomShape 1"/>
+          <p:cNvPr id="140" name="CustomShape 1"/>
           <p:cNvSpPr/>
           <p:nvPr/>
         </p:nvSpPr>
         <p:spPr>
           <a:xfrm>
             <a:off x="838080" y="365040"/>
-            <a:ext cx="10511280" cy="1321200"/>
+            <a:ext cx="10510920" cy="1320840"/>
           </a:xfrm>
           <a:prstGeom prst="rect">
             <a:avLst/>
@@ -7792,14 +10901,14 @@
       </p:sp>
       <p:sp>
         <p:nvSpPr>
-          <p:cNvPr id="138" name="CustomShape 2"/>
+          <p:cNvPr id="141" name="CustomShape 2"/>
           <p:cNvSpPr/>
           <p:nvPr/>
         </p:nvSpPr>
         <p:spPr>
           <a:xfrm>
             <a:off x="838080" y="1825560"/>
-            <a:ext cx="5177160" cy="4347000"/>
+            <a:ext cx="5176800" cy="4346640"/>
           </a:xfrm>
           <a:prstGeom prst="rect">
             <a:avLst/>
@@ -7818,14 +10927,14 @@
       </p:sp>
       <p:sp>
         <p:nvSpPr>
-          <p:cNvPr id="139" name="CustomShape 3"/>
+          <p:cNvPr id="142" name="CustomShape 3"/>
           <p:cNvSpPr/>
           <p:nvPr/>
         </p:nvSpPr>
         <p:spPr>
           <a:xfrm>
             <a:off x="720000" y="1692000"/>
-            <a:ext cx="10629360" cy="4347000"/>
+            <a:ext cx="10629000" cy="4346640"/>
           </a:xfrm>
           <a:prstGeom prst="rect">
             <a:avLst/>
@@ -7866,7 +10975,7 @@
             </a:endParaRPr>
           </a:p>
           <a:p>
-            <a:pPr marL="216000" indent="-213480">
+            <a:pPr marL="216000" indent="-213120">
               <a:lnSpc>
                 <a:spcPct val="100000"/>
               </a:lnSpc>
@@ -7891,7 +11000,7 @@
             </a:endParaRPr>
           </a:p>
           <a:p>
-            <a:pPr marL="216000" indent="-213480">
+            <a:pPr marL="216000" indent="-213120">
               <a:lnSpc>
                 <a:spcPct val="100000"/>
               </a:lnSpc>
@@ -7946,7 +11055,7 @@
             </a:endParaRPr>
           </a:p>
           <a:p>
-            <a:pPr marL="216000" indent="-213480">
+            <a:pPr marL="216000" indent="-213120">
               <a:lnSpc>
                 <a:spcPct val="100000"/>
               </a:lnSpc>
@@ -7971,7 +11080,7 @@
             </a:endParaRPr>
           </a:p>
           <a:p>
-            <a:pPr marL="216000" indent="-213480">
+            <a:pPr marL="216000" indent="-213120">
               <a:lnSpc>
                 <a:spcPct val="100000"/>
               </a:lnSpc>
@@ -8026,7 +11135,7 @@
             </a:endParaRPr>
           </a:p>
           <a:p>
-            <a:pPr marL="216000" indent="-213480">
+            <a:pPr marL="216000" indent="-213120">
               <a:lnSpc>
                 <a:spcPct val="100000"/>
               </a:lnSpc>
@@ -8051,7 +11160,7 @@
             </a:endParaRPr>
           </a:p>
           <a:p>
-            <a:pPr marL="216000" indent="-213480">
+            <a:pPr marL="216000" indent="-213120">
               <a:lnSpc>
                 <a:spcPct val="100000"/>
               </a:lnSpc>
@@ -8076,7 +11185,7 @@
             </a:endParaRPr>
           </a:p>
           <a:p>
-            <a:pPr marL="216000" indent="-213480">
+            <a:pPr marL="216000" indent="-213120">
               <a:lnSpc>
                 <a:spcPct val="100000"/>
               </a:lnSpc>
@@ -8154,14 +11263,14 @@
       </p:grpSpPr>
       <p:sp>
         <p:nvSpPr>
-          <p:cNvPr id="140" name="CustomShape 1"/>
+          <p:cNvPr id="143" name="CustomShape 1"/>
           <p:cNvSpPr/>
           <p:nvPr/>
         </p:nvSpPr>
         <p:spPr>
           <a:xfrm>
             <a:off x="838080" y="365040"/>
-            <a:ext cx="10511280" cy="1321200"/>
+            <a:ext cx="10510920" cy="1320840"/>
           </a:xfrm>
           <a:prstGeom prst="rect">
             <a:avLst/>
@@ -8205,14 +11314,14 @@
       </p:sp>
       <p:sp>
         <p:nvSpPr>
-          <p:cNvPr id="141" name="CustomShape 2"/>
+          <p:cNvPr id="144" name="CustomShape 2"/>
           <p:cNvSpPr/>
           <p:nvPr/>
         </p:nvSpPr>
         <p:spPr>
           <a:xfrm>
             <a:off x="720000" y="1368000"/>
-            <a:ext cx="10629360" cy="4671000"/>
+            <a:ext cx="10629000" cy="4670640"/>
           </a:xfrm>
           <a:prstGeom prst="rect">
             <a:avLst/>
@@ -8266,7 +11375,7 @@
                 <a:latin typeface="Times New Roman"/>
                 <a:ea typeface="DejaVu Sans"/>
               </a:rPr>
-              <a:t>Os clientes saboreiem nossos produtos, seja em nosso ambiente descontraído ou em suas casas. </a:t>
+              <a:t>Os clientes saboreiem nossos produtos, seja em nosso ambiente descontraído ou em suas residências. </a:t>
             </a:r>
             <a:endParaRPr b="0" lang="pt-BR" sz="2000" spc="-1" strike="noStrike">
               <a:latin typeface="Arial"/>
@@ -8466,14 +11575,14 @@
       </p:grpSpPr>
       <p:sp>
         <p:nvSpPr>
-          <p:cNvPr id="142" name="CustomShape 1"/>
+          <p:cNvPr id="145" name="CustomShape 1"/>
           <p:cNvSpPr/>
           <p:nvPr/>
         </p:nvSpPr>
         <p:spPr>
           <a:xfrm>
-            <a:off x="838080" y="365040"/>
-            <a:ext cx="10511280" cy="1321200"/>
+            <a:off x="840240" y="139320"/>
+            <a:ext cx="10510920" cy="1294200"/>
           </a:xfrm>
           <a:prstGeom prst="rect">
             <a:avLst/>
@@ -8517,13 +11626,13 @@
       </p:sp>
       <p:graphicFrame>
         <p:nvGraphicFramePr>
-          <p:cNvPr id="143" name="Table 2"/>
+          <p:cNvPr id="146" name="Table 2"/>
           <p:cNvGraphicFramePr/>
           <p:nvPr/>
         </p:nvGraphicFramePr>
         <p:xfrm>
-          <a:off x="158040" y="1627560"/>
-          <a:ext cx="11839680" cy="3647160"/>
+          <a:off x="176040" y="1127880"/>
+          <a:ext cx="11839680" cy="3229560"/>
         </p:xfrm>
         <a:graphic>
           <a:graphicData uri="http://schemas.openxmlformats.org/drawingml/2006/table">
@@ -8533,7 +11642,7 @@
                 <a:gridCol w="5919480"/>
                 <a:gridCol w="5920560"/>
               </a:tblGrid>
-              <a:tr h="1688760">
+              <a:tr h="2139480">
                 <a:tc>
                   <a:txBody>
                     <a:bodyPr lIns="90000" rIns="90000">
@@ -8548,9 +11657,10 @@
                       <a:r>
                         <a:rPr b="0" lang="pt-BR" sz="1800" spc="-1" strike="noStrike">
                           <a:solidFill>
-                            <a:srgbClr val="2a6099"/>
+                            <a:srgbClr val="ffffff"/>
                           </a:solidFill>
                           <a:latin typeface="Arial"/>
+                          <a:ea typeface="DejaVu Sans"/>
                         </a:rPr>
                         <a:t>Força</a:t>
                       </a:r>
@@ -8577,11 +11687,12 @@
                       <a:r>
                         <a:rPr b="0" lang="pt-BR" sz="1800" spc="-1" strike="noStrike">
                           <a:solidFill>
-                            <a:srgbClr val="2a6099"/>
+                            <a:srgbClr val="ffffff"/>
                           </a:solidFill>
                           <a:latin typeface="Arial"/>
+                          <a:ea typeface="DejaVu Sans"/>
                         </a:rPr>
-                        <a:t>- Conhecimento da produção de linguiças e defumados</a:t>
+                        <a:t>Experiência na produção de linguiças e defumados</a:t>
                       </a:r>
                       <a:endParaRPr b="0" lang="pt-BR" sz="1800" spc="-1" strike="noStrike">
                         <a:latin typeface="Arial"/>
@@ -8606,11 +11717,42 @@
                       <a:r>
                         <a:rPr b="0" lang="pt-BR" sz="1800" spc="-1" strike="noStrike">
                           <a:solidFill>
-                            <a:srgbClr val="2a6099"/>
+                            <a:srgbClr val="ffffff"/>
                           </a:solidFill>
                           <a:latin typeface="Arial"/>
+                          <a:ea typeface="DejaVu Sans"/>
                         </a:rPr>
-                        <a:t>- Mão de obra barata</a:t>
+                        <a:t>Experiência em sistemas de gestão comercial</a:t>
+                      </a:r>
+                      <a:endParaRPr b="0" lang="pt-BR" sz="1800" spc="-1" strike="noStrike">
+                        <a:latin typeface="Arial"/>
+                      </a:endParaRPr>
+                    </a:p>
+                    <a:p>
+                      <a:pPr>
+                        <a:lnSpc>
+                          <a:spcPct val="100000"/>
+                        </a:lnSpc>
+                      </a:pPr>
+                      <a:endParaRPr b="0" lang="pt-BR" sz="1800" spc="-1" strike="noStrike">
+                        <a:latin typeface="Arial"/>
+                      </a:endParaRPr>
+                    </a:p>
+                    <a:p>
+                      <a:pPr>
+                        <a:lnSpc>
+                          <a:spcPct val="100000"/>
+                        </a:lnSpc>
+                      </a:pPr>
+                      <a:r>
+                        <a:rPr b="0" lang="pt-BR" sz="1800" spc="-1" strike="noStrike">
+                          <a:solidFill>
+                            <a:srgbClr val="ffffff"/>
+                          </a:solidFill>
+                          <a:latin typeface="Arial"/>
+                          <a:ea typeface="DejaVu Sans"/>
+                        </a:rPr>
+                        <a:t>Mão de obra barata</a:t>
                       </a:r>
                       <a:endParaRPr b="0" lang="pt-BR" sz="1800" spc="-1" strike="noStrike">
                         <a:latin typeface="Arial"/>
@@ -8639,7 +11781,7 @@
                       </a:solidFill>
                     </a:lnB>
                     <a:solidFill>
-                      <a:srgbClr val="b3b3b3"/>
+                      <a:srgbClr val="4f81bd"/>
                     </a:solidFill>
                   </a:tcPr>
                 </a:tc>
@@ -8657,9 +11799,10 @@
                       <a:r>
                         <a:rPr b="0" lang="pt-BR" sz="1800" spc="-1" strike="noStrike">
                           <a:solidFill>
-                            <a:srgbClr val="ff8000"/>
+                            <a:srgbClr val="ffffff"/>
                           </a:solidFill>
                           <a:latin typeface="Arial"/>
+                          <a:ea typeface="DejaVu Sans"/>
                         </a:rPr>
                         <a:t>Fraqueza</a:t>
                       </a:r>
@@ -8686,11 +11829,12 @@
                       <a:r>
                         <a:rPr b="0" lang="pt-BR" sz="1800" spc="-1" strike="noStrike">
                           <a:solidFill>
-                            <a:srgbClr val="ff8000"/>
+                            <a:srgbClr val="ffffff"/>
                           </a:solidFill>
                           <a:latin typeface="Arial"/>
+                          <a:ea typeface="DejaVu Sans"/>
                         </a:rPr>
-                        <a:t>- Primeiro empreendimento</a:t>
+                        <a:t>Primeiro empreendimento</a:t>
                       </a:r>
                       <a:endParaRPr b="0" lang="pt-BR" sz="1800" spc="-1" strike="noStrike">
                         <a:latin typeface="Arial"/>
@@ -8715,11 +11859,42 @@
                       <a:r>
                         <a:rPr b="0" lang="pt-BR" sz="1800" spc="-1" strike="noStrike">
                           <a:solidFill>
-                            <a:srgbClr val="ff8000"/>
+                            <a:srgbClr val="ffffff"/>
                           </a:solidFill>
                           <a:latin typeface="Arial"/>
+                          <a:ea typeface="DejaVu Sans"/>
                         </a:rPr>
-                        <a:t>- Investimento de capital próprio</a:t>
+                        <a:t>Investimento de capital próprio</a:t>
+                      </a:r>
+                      <a:endParaRPr b="0" lang="pt-BR" sz="1800" spc="-1" strike="noStrike">
+                        <a:latin typeface="Arial"/>
+                      </a:endParaRPr>
+                    </a:p>
+                    <a:p>
+                      <a:pPr>
+                        <a:lnSpc>
+                          <a:spcPct val="100000"/>
+                        </a:lnSpc>
+                      </a:pPr>
+                      <a:endParaRPr b="0" lang="pt-BR" sz="1800" spc="-1" strike="noStrike">
+                        <a:latin typeface="Arial"/>
+                      </a:endParaRPr>
+                    </a:p>
+                    <a:p>
+                      <a:pPr>
+                        <a:lnSpc>
+                          <a:spcPct val="100000"/>
+                        </a:lnSpc>
+                      </a:pPr>
+                      <a:r>
+                        <a:rPr b="0" lang="pt-BR" sz="1800" spc="-1" strike="noStrike">
+                          <a:solidFill>
+                            <a:srgbClr val="ffffff"/>
+                          </a:solidFill>
+                          <a:latin typeface="Arial"/>
+                          <a:ea typeface="DejaVu Sans"/>
+                        </a:rPr>
+                        <a:t>Haverá somente uma pessoal responsável pela produção dos embutidos</a:t>
                       </a:r>
                       <a:endParaRPr b="0" lang="pt-BR" sz="1800" spc="-1" strike="noStrike">
                         <a:latin typeface="Arial"/>
@@ -8748,12 +11923,12 @@
                       </a:solidFill>
                     </a:lnB>
                     <a:solidFill>
-                      <a:srgbClr val="b3b3b3"/>
+                      <a:srgbClr val="ffc000"/>
                     </a:solidFill>
                   </a:tcPr>
                 </a:tc>
               </a:tr>
-              <a:tr h="1958760">
+              <a:tr h="2349720">
                 <a:tc>
                   <a:txBody>
                     <a:bodyPr lIns="90000" rIns="90000">
@@ -8768,9 +11943,10 @@
                       <a:r>
                         <a:rPr b="0" lang="pt-BR" sz="1800" spc="-1" strike="noStrike">
                           <a:solidFill>
-                            <a:srgbClr val="00a933"/>
+                            <a:srgbClr val="ffffff"/>
                           </a:solidFill>
                           <a:latin typeface="Arial"/>
+                          <a:ea typeface="DejaVu Sans"/>
                         </a:rPr>
                         <a:t>Oportunidade</a:t>
                       </a:r>
@@ -8797,12 +11973,12 @@
                       <a:r>
                         <a:rPr b="0" lang="pt-BR" sz="2000" spc="-1" strike="noStrike">
                           <a:solidFill>
-                            <a:srgbClr val="00a933"/>
+                            <a:srgbClr val="ffffff"/>
                           </a:solidFill>
                           <a:latin typeface="Times New Roman"/>
                           <a:ea typeface="DejaVu Sans"/>
                         </a:rPr>
-                        <a:t>- Fluxo constante de turistas durante todo o ano</a:t>
+                        <a:t>Fluxo constante de turistas durante todo o ano</a:t>
                       </a:r>
                       <a:endParaRPr b="0" lang="pt-BR" sz="2000" spc="-1" strike="noStrike">
                         <a:latin typeface="Arial"/>
@@ -8827,12 +12003,42 @@
                       <a:r>
                         <a:rPr b="0" lang="pt-BR" sz="2000" spc="-1" strike="noStrike">
                           <a:solidFill>
-                            <a:srgbClr val="00a933"/>
+                            <a:srgbClr val="ffffff"/>
                           </a:solidFill>
                           <a:latin typeface="Times New Roman"/>
                           <a:ea typeface="DejaVu Sans"/>
                         </a:rPr>
-                        <a:t>- Grande número de estudantes universitários (UFVJM)</a:t>
+                        <a:t>Grande número de estudantes universitários</a:t>
+                      </a:r>
+                      <a:endParaRPr b="0" lang="pt-BR" sz="2000" spc="-1" strike="noStrike">
+                        <a:latin typeface="Arial"/>
+                      </a:endParaRPr>
+                    </a:p>
+                    <a:p>
+                      <a:pPr>
+                        <a:lnSpc>
+                          <a:spcPct val="100000"/>
+                        </a:lnSpc>
+                      </a:pPr>
+                      <a:endParaRPr b="0" lang="pt-BR" sz="2000" spc="-1" strike="noStrike">
+                        <a:latin typeface="Arial"/>
+                      </a:endParaRPr>
+                    </a:p>
+                    <a:p>
+                      <a:pPr>
+                        <a:lnSpc>
+                          <a:spcPct val="100000"/>
+                        </a:lnSpc>
+                      </a:pPr>
+                      <a:r>
+                        <a:rPr b="0" lang="pt-BR" sz="2000" spc="-1" strike="noStrike">
+                          <a:solidFill>
+                            <a:srgbClr val="ffffff"/>
+                          </a:solidFill>
+                          <a:latin typeface="Times New Roman"/>
+                          <a:ea typeface="DejaVu Sans"/>
+                        </a:rPr>
+                        <a:t>Cidade turística bastante conhecida</a:t>
                       </a:r>
                       <a:endParaRPr b="0" lang="pt-BR" sz="2000" spc="-1" strike="noStrike">
                         <a:latin typeface="Arial"/>
@@ -8861,7 +12067,7 @@
                       </a:solidFill>
                     </a:lnB>
                     <a:solidFill>
-                      <a:srgbClr val="cccccc"/>
+                      <a:srgbClr val="00b050"/>
                     </a:solidFill>
                   </a:tcPr>
                 </a:tc>
@@ -8879,12 +12085,12 @@
                       <a:r>
                         <a:rPr b="0" lang="pt-BR" sz="2000" spc="-1" strike="noStrike">
                           <a:solidFill>
-                            <a:srgbClr val="c9211e"/>
+                            <a:srgbClr val="ffffff"/>
                           </a:solidFill>
                           <a:latin typeface="Times New Roman"/>
                           <a:ea typeface="DejaVu Sans"/>
                         </a:rPr>
-                        <a:t>Ameaças</a:t>
+                        <a:t>Ameaça</a:t>
                       </a:r>
                       <a:endParaRPr b="0" lang="pt-BR" sz="2000" spc="-1" strike="noStrike">
                         <a:latin typeface="Arial"/>
@@ -8909,23 +12115,13 @@
                       <a:r>
                         <a:rPr b="0" lang="pt-BR" sz="2000" spc="-1" strike="noStrike">
                           <a:solidFill>
-                            <a:srgbClr val="c9211e"/>
+                            <a:srgbClr val="ffffff"/>
                           </a:solidFill>
                           <a:latin typeface="Times New Roman"/>
                           <a:ea typeface="DejaVu Sans"/>
                         </a:rPr>
-                        <a:t>- Grande rede de supermercado</a:t>
+                        <a:t>Grande rede de supermercado</a:t>
                       </a:r>
-                      <a:endParaRPr b="0" lang="pt-BR" sz="2000" spc="-1" strike="noStrike">
-                        <a:latin typeface="Arial"/>
-                      </a:endParaRPr>
-                    </a:p>
-                    <a:p>
-                      <a:pPr>
-                        <a:lnSpc>
-                          <a:spcPct val="100000"/>
-                        </a:lnSpc>
-                      </a:pPr>
                       <a:endParaRPr b="0" lang="pt-BR" sz="2000" spc="-1" strike="noStrike">
                         <a:latin typeface="Arial"/>
                       </a:endParaRPr>
@@ -8939,23 +12135,13 @@
                       <a:r>
                         <a:rPr b="0" lang="pt-BR" sz="2000" spc="-1" strike="noStrike">
                           <a:solidFill>
-                            <a:srgbClr val="c9211e"/>
+                            <a:srgbClr val="ffffff"/>
                           </a:solidFill>
                           <a:latin typeface="Times New Roman"/>
                           <a:ea typeface="DejaVu Sans"/>
                         </a:rPr>
-                        <a:t>- Valor elevado do aluguel no centro histórico</a:t>
+                        <a:t>Valor elevado do aluguel no centro histórico</a:t>
                       </a:r>
-                      <a:endParaRPr b="0" lang="pt-BR" sz="2000" spc="-1" strike="noStrike">
-                        <a:latin typeface="Arial"/>
-                      </a:endParaRPr>
-                    </a:p>
-                    <a:p>
-                      <a:pPr>
-                        <a:lnSpc>
-                          <a:spcPct val="100000"/>
-                        </a:lnSpc>
-                      </a:pPr>
                       <a:endParaRPr b="0" lang="pt-BR" sz="2000" spc="-1" strike="noStrike">
                         <a:latin typeface="Arial"/>
                       </a:endParaRPr>
@@ -8969,12 +12155,32 @@
                       <a:r>
                         <a:rPr b="0" lang="pt-BR" sz="2000" spc="-1" strike="noStrike">
                           <a:solidFill>
-                            <a:srgbClr val="c9211e"/>
+                            <a:srgbClr val="ffffff"/>
                           </a:solidFill>
                           <a:latin typeface="Times New Roman"/>
                           <a:ea typeface="DejaVu Sans"/>
                         </a:rPr>
-                        <a:t>- Pousadas e restaurantes oferecendo comida mineira e regional de bom qualidade</a:t>
+                        <a:t>Pousadas e restaurantes oferecendo comida mineira e regional de bom qualidade</a:t>
+                      </a:r>
+                      <a:endParaRPr b="0" lang="pt-BR" sz="2000" spc="-1" strike="noStrike">
+                        <a:latin typeface="Arial"/>
+                      </a:endParaRPr>
+                    </a:p>
+                    <a:p>
+                      <a:pPr>
+                        <a:lnSpc>
+                          <a:spcPct val="100000"/>
+                        </a:lnSpc>
+                      </a:pPr>
+                      <a:r>
+                        <a:rPr b="0" lang="pt-BR" sz="2000" spc="-1" strike="noStrike">
+                          <a:solidFill>
+                            <a:srgbClr val="ffffff"/>
+                          </a:solidFill>
+                          <a:latin typeface="Times New Roman"/>
+                          <a:ea typeface="DejaVu Sans"/>
+                        </a:rPr>
+                        <a:t>Lockdown</a:t>
                       </a:r>
                       <a:endParaRPr b="0" lang="pt-BR" sz="2000" spc="-1" strike="noStrike">
                         <a:latin typeface="Arial"/>
@@ -9013,7 +12219,7 @@
                       </a:solidFill>
                     </a:lnB>
                     <a:solidFill>
-                      <a:srgbClr val="cccccc"/>
+                      <a:srgbClr val="ff0000"/>
                     </a:solidFill>
                   </a:tcPr>
                 </a:tc>
@@ -9054,14 +12260,14 @@
       </p:grpSpPr>
       <p:sp>
         <p:nvSpPr>
-          <p:cNvPr id="144" name="CustomShape 1"/>
+          <p:cNvPr id="147" name="CustomShape 1"/>
           <p:cNvSpPr/>
           <p:nvPr/>
         </p:nvSpPr>
         <p:spPr>
           <a:xfrm>
             <a:off x="838080" y="365040"/>
-            <a:ext cx="10511280" cy="1321200"/>
+            <a:ext cx="10510920" cy="1320840"/>
           </a:xfrm>
           <a:prstGeom prst="rect">
             <a:avLst/>
@@ -9105,14 +12311,14 @@
       </p:sp>
       <p:sp>
         <p:nvSpPr>
-          <p:cNvPr id="145" name="CustomShape 2"/>
+          <p:cNvPr id="148" name="CustomShape 2"/>
           <p:cNvSpPr/>
           <p:nvPr/>
         </p:nvSpPr>
         <p:spPr>
           <a:xfrm>
             <a:off x="720000" y="1440000"/>
-            <a:ext cx="10629360" cy="4319280"/>
+            <a:ext cx="10629000" cy="4318920"/>
           </a:xfrm>
           <a:prstGeom prst="rect">
             <a:avLst/>
@@ -9146,7 +12352,7 @@
                 <a:latin typeface="Times New Roman"/>
                 <a:ea typeface="DejaVu Sans"/>
               </a:rPr>
-              <a:t>De acordo com o IBGE, em 2020 a população estimada era de 47.825, onde 21.2% tem ocupação formal e a segunda maior faixa etária está entre 25 a 50 anos. </a:t>
+              <a:t>De acordo com o IBGE, em 2020 a população estimada de Diamantina era de 47.825, onde 21.2% tinha ocupação formal, e a segunda maior faixa etária está entre 25 a 50 anos. </a:t>
             </a:r>
             <a:endParaRPr b="0" lang="pt-BR" sz="2000" spc="-1" strike="noStrike">
               <a:latin typeface="Arial"/>
@@ -9166,7 +12372,7 @@
                 <a:latin typeface="Times New Roman"/>
                 <a:ea typeface="DejaVu Sans"/>
               </a:rPr>
-              <a:t>Segundo a prefeitura, ocorrem diversos eventos culturais durante o ano, podemos destacar a Programação musical do mercado velho e o Sarau da arte miúda, estes com importância regional. Os eventos de maior relevância são o Carnaval e Vesperata, com grande fluxo de turistas. Sendo que a Vesperata ocorre mais de uma vez no ano e é o segundo evento com maior número de turistas ficando atrás apenas do carnaval.</a:t>
+              <a:t>Segundo a prefeitura de Diamantina em 2019, ocorrem diversos eventos culturais durante o ano, podemos destacar os seguintes eventos: Programação musical do mercado velho e Sarau da arte miúda, estes com importância regional, os eventos com importância nacional ficam por conta do Carnaval e Vesperata, com grande fluxo de turistas. Sendo que a Vesperata, ocorre mais de uma vez no ano e é o segundo evento com maior número de turistas ficando atrás apenas do carnaval.</a:t>
             </a:r>
             <a:endParaRPr b="0" lang="pt-BR" sz="2000" spc="-1" strike="noStrike">
               <a:latin typeface="Arial"/>
@@ -9206,7 +12412,7 @@
                 <a:latin typeface="Times New Roman"/>
                 <a:ea typeface="DejaVu Sans"/>
               </a:rPr>
-              <a:t>”, o objetivo do projeto é fortalecer os destinos turísticos no Brasil, trabalhando a gastronomia como um ponto que agregue mais valor aos negócios do turismo. Esta ação tem o papel de valorizar os atrativos turísticos da gastronomia local e Diamantina foi uma destas cidades escolhidas.</a:t>
+              <a:t>”, o objetivo do projeto é fortalecer os destinos turísticos no Brasil. Trabalhando a gastronomia como um ponto que agregue mais valor aos negócios do turismo. Esta ação tem o papel de valorizar os atrativos turísticos da gastronomia local, Diamantina foi uma das cidades escolhidas.</a:t>
             </a:r>
             <a:endParaRPr b="0" lang="pt-BR" sz="2000" spc="-1" strike="noStrike">
               <a:latin typeface="Arial"/>
@@ -9246,27 +12452,7 @@
                 <a:latin typeface="Times New Roman"/>
                 <a:ea typeface="DejaVu Sans"/>
               </a:rPr>
-              <a:t>, impulsionando ainda mais o turismo em Minas gerais, e Diamantina que é o início ou fim da </a:t>
-            </a:r>
-            <a:r>
-              <a:rPr b="1" lang="pt-BR" sz="2000" spc="-1" strike="noStrike">
-                <a:solidFill>
-                  <a:srgbClr val="000000"/>
-                </a:solidFill>
-                <a:latin typeface="Times New Roman"/>
-                <a:ea typeface="DejaVu Sans"/>
-              </a:rPr>
-              <a:t>Estrada Real</a:t>
-            </a:r>
-            <a:r>
-              <a:rPr b="0" lang="pt-BR" sz="2000" spc="-1" strike="noStrike">
-                <a:solidFill>
-                  <a:srgbClr val="000000"/>
-                </a:solidFill>
-                <a:latin typeface="Times New Roman"/>
-                <a:ea typeface="DejaVu Sans"/>
-              </a:rPr>
-              <a:t> caso o viajante esteja saindo de Paraty-RJ.</a:t>
+              <a:t>, impulsionando ainda mais o turismo em Minas gerais, sendo Diamantina uma das principais cidades desta rota.</a:t>
             </a:r>
             <a:endParaRPr b="0" lang="pt-BR" sz="2000" spc="-1" strike="noStrike">
               <a:latin typeface="Arial"/>
